--- a/Python_Dev/Python Intermediário/Material Python/1- Funções em Python.pptx
+++ b/Python_Dev/Python Intermediário/Material Python/1- Funções em Python.pptx
@@ -10,8 +10,11 @@
     <p:sldId id="288" r:id="rId4"/>
     <p:sldId id="279" r:id="rId5"/>
     <p:sldId id="289" r:id="rId6"/>
-    <p:sldId id="286" r:id="rId7"/>
-    <p:sldId id="287" r:id="rId8"/>
+    <p:sldId id="290" r:id="rId7"/>
+    <p:sldId id="286" r:id="rId8"/>
+    <p:sldId id="287" r:id="rId9"/>
+    <p:sldId id="291" r:id="rId10"/>
+    <p:sldId id="292" r:id="rId11"/>
   </p:sldIdLst>
   <p:sldSz cx="12192000" cy="6858000"/>
   <p:notesSz cx="6858000" cy="9144000"/>
@@ -1330,7 +1333,7 @@
             <a:fld id="{9334D819-9F07-4261-B09B-9E467E5D9002}" type="datetimeFigureOut">
               <a:rPr lang="en-US" dirty="0"/>
               <a:pPr/>
-              <a:t>5/14/2024</a:t>
+              <a:t>5/18/2024</a:t>
             </a:fld>
             <a:endParaRPr lang="en-US" dirty="0"/>
           </a:p>
@@ -1564,7 +1567,7 @@
           <a:p>
             <a:fld id="{9334D819-9F07-4261-B09B-9E467E5D9002}" type="datetimeFigureOut">
               <a:rPr lang="en-US" dirty="0"/>
-              <a:t>5/14/2024</a:t>
+              <a:t>5/18/2024</a:t>
             </a:fld>
             <a:endParaRPr lang="en-US" dirty="0"/>
           </a:p>
@@ -1739,7 +1742,7 @@
           <a:p>
             <a:fld id="{9334D819-9F07-4261-B09B-9E467E5D9002}" type="datetimeFigureOut">
               <a:rPr lang="en-US" dirty="0"/>
-              <a:t>5/14/2024</a:t>
+              <a:t>5/18/2024</a:t>
             </a:fld>
             <a:endParaRPr lang="en-US" dirty="0"/>
           </a:p>
@@ -1904,7 +1907,7 @@
           <a:p>
             <a:fld id="{9334D819-9F07-4261-B09B-9E467E5D9002}" type="datetimeFigureOut">
               <a:rPr lang="en-US" dirty="0"/>
-              <a:t>5/14/2024</a:t>
+              <a:t>5/18/2024</a:t>
             </a:fld>
             <a:endParaRPr lang="en-US" dirty="0"/>
           </a:p>
@@ -2176,7 +2179,7 @@
             <a:fld id="{9334D819-9F07-4261-B09B-9E467E5D9002}" type="datetimeFigureOut">
               <a:rPr lang="en-US" dirty="0"/>
               <a:pPr/>
-              <a:t>5/14/2024</a:t>
+              <a:t>5/18/2024</a:t>
             </a:fld>
             <a:endParaRPr lang="en-US" dirty="0"/>
           </a:p>
@@ -3373,7 +3376,7 @@
           <a:p>
             <a:fld id="{9334D819-9F07-4261-B09B-9E467E5D9002}" type="datetimeFigureOut">
               <a:rPr lang="en-US" dirty="0"/>
-              <a:t>5/14/2024</a:t>
+              <a:t>5/18/2024</a:t>
             </a:fld>
             <a:endParaRPr lang="en-US" dirty="0"/>
           </a:p>
@@ -3758,7 +3761,7 @@
           <a:p>
             <a:fld id="{9334D819-9F07-4261-B09B-9E467E5D9002}" type="datetimeFigureOut">
               <a:rPr lang="en-US" dirty="0"/>
-              <a:t>5/14/2024</a:t>
+              <a:t>5/18/2024</a:t>
             </a:fld>
             <a:endParaRPr lang="en-US" dirty="0"/>
           </a:p>
@@ -3876,7 +3879,7 @@
           <a:p>
             <a:fld id="{9334D819-9F07-4261-B09B-9E467E5D9002}" type="datetimeFigureOut">
               <a:rPr lang="en-US" dirty="0"/>
-              <a:t>5/14/2024</a:t>
+              <a:t>5/18/2024</a:t>
             </a:fld>
             <a:endParaRPr lang="en-US" dirty="0"/>
           </a:p>
@@ -3966,7 +3969,7 @@
           <a:p>
             <a:fld id="{9334D819-9F07-4261-B09B-9E467E5D9002}" type="datetimeFigureOut">
               <a:rPr lang="en-US" dirty="0"/>
-              <a:t>5/14/2024</a:t>
+              <a:t>5/18/2024</a:t>
             </a:fld>
             <a:endParaRPr lang="en-US" dirty="0"/>
           </a:p>
@@ -4724,7 +4727,7 @@
           <a:p>
             <a:fld id="{9334D819-9F07-4261-B09B-9E467E5D9002}" type="datetimeFigureOut">
               <a:rPr lang="en-US" dirty="0"/>
-              <a:t>5/14/2024</a:t>
+              <a:t>5/18/2024</a:t>
             </a:fld>
             <a:endParaRPr lang="en-US" dirty="0"/>
           </a:p>
@@ -5559,7 +5562,7 @@
           <a:p>
             <a:fld id="{9334D819-9F07-4261-B09B-9E467E5D9002}" type="datetimeFigureOut">
               <a:rPr lang="en-US" dirty="0"/>
-              <a:t>5/14/2024</a:t>
+              <a:t>5/18/2024</a:t>
             </a:fld>
             <a:endParaRPr lang="en-US" dirty="0"/>
           </a:p>
@@ -5782,7 +5785,7 @@
             <a:fld id="{9334D819-9F07-4261-B09B-9E467E5D9002}" type="datetimeFigureOut">
               <a:rPr lang="en-US" dirty="0"/>
               <a:pPr/>
-              <a:t>5/14/2024</a:t>
+              <a:t>5/18/2024</a:t>
             </a:fld>
             <a:endParaRPr lang="en-US" dirty="0"/>
           </a:p>
@@ -6891,7 +6894,7 @@
 </p:sld>
 </file>
 
-<file path=ppt/slides/slide2.xml><?xml version="1.0" encoding="utf-8"?>
+<file path=ppt/slides/slide10.xml><?xml version="1.0" encoding="utf-8"?>
 <p:sld xmlns:a="http://schemas.openxmlformats.org/drawingml/2006/main" xmlns:r="http://schemas.openxmlformats.org/officeDocument/2006/relationships" xmlns:p="http://schemas.openxmlformats.org/presentationml/2006/main">
   <p:cSld>
     <p:bg>
@@ -7702,6 +7705,827 @@
     </p:spTree>
     <p:extLst>
       <p:ext uri="{BB962C8B-B14F-4D97-AF65-F5344CB8AC3E}">
+        <p14:creationId xmlns:p14="http://schemas.microsoft.com/office/powerpoint/2010/main" val="1434489762"/>
+      </p:ext>
+    </p:extLst>
+  </p:cSld>
+  <p:clrMapOvr>
+    <a:masterClrMapping/>
+  </p:clrMapOvr>
+</p:sld>
+</file>
+
+<file path=ppt/slides/slide2.xml><?xml version="1.0" encoding="utf-8"?>
+<p:sld xmlns:a="http://schemas.openxmlformats.org/drawingml/2006/main" xmlns:r="http://schemas.openxmlformats.org/officeDocument/2006/relationships" xmlns:p="http://schemas.openxmlformats.org/presentationml/2006/main">
+  <p:cSld>
+    <p:bg>
+      <p:bgPr>
+        <a:solidFill>
+          <a:schemeClr val="bg1"/>
+        </a:solidFill>
+        <a:effectLst/>
+      </p:bgPr>
+    </p:bg>
+    <p:spTree>
+      <p:nvGrpSpPr>
+        <p:cNvPr id="1" name=""/>
+        <p:cNvGrpSpPr/>
+        <p:nvPr/>
+      </p:nvGrpSpPr>
+      <p:grpSpPr>
+        <a:xfrm>
+          <a:off x="0" y="0"/>
+          <a:ext cx="0" cy="0"/>
+          <a:chOff x="0" y="0"/>
+          <a:chExt cx="0" cy="0"/>
+        </a:xfrm>
+      </p:grpSpPr>
+      <p:sp useBgFill="1">
+        <p:nvSpPr>
+          <p:cNvPr id="40" name="Rectangle 39">
+            <a:extLst>
+              <a:ext uri="{FF2B5EF4-FFF2-40B4-BE49-F238E27FC236}">
+                <a16:creationId xmlns:a16="http://schemas.microsoft.com/office/drawing/2014/main" id="{B89090F2-B101-458B-9AFF-27327443BB09}"/>
+              </a:ext>
+              <a:ext uri="{C183D7F6-B498-43B3-948B-1728B52AA6E4}">
+                <adec:decorative xmlns:adec="http://schemas.microsoft.com/office/drawing/2017/decorative" val="1"/>
+              </a:ext>
+            </a:extLst>
+          </p:cNvPr>
+          <p:cNvSpPr>
+            <a:spLocks noGrp="1" noRot="1" noChangeAspect="1" noMove="1" noResize="1" noEditPoints="1" noAdjustHandles="1" noChangeArrowheads="1" noChangeShapeType="1" noTextEdit="1"/>
+          </p:cNvSpPr>
+          <p:nvPr>
+            <p:extLst>
+              <p:ext uri="{386F3935-93C4-4BCD-93E2-E3B085C9AB24}">
+                <p16:designElem xmlns:p16="http://schemas.microsoft.com/office/powerpoint/2015/main" val="1"/>
+              </p:ext>
+            </p:extLst>
+          </p:nvPr>
+        </p:nvSpPr>
+        <p:spPr bwMode="white">
+          <a:xfrm>
+            <a:off x="0" y="0"/>
+            <a:ext cx="12192000" cy="6858000"/>
+          </a:xfrm>
+          <a:prstGeom prst="rect">
+            <a:avLst/>
+          </a:prstGeom>
+          <a:ln>
+            <a:noFill/>
+          </a:ln>
+        </p:spPr>
+        <p:style>
+          <a:lnRef idx="2">
+            <a:schemeClr val="accent1">
+              <a:shade val="50000"/>
+            </a:schemeClr>
+          </a:lnRef>
+          <a:fillRef idx="1">
+            <a:schemeClr val="accent1"/>
+          </a:fillRef>
+          <a:effectRef idx="0">
+            <a:schemeClr val="accent1"/>
+          </a:effectRef>
+          <a:fontRef idx="minor">
+            <a:schemeClr val="lt1"/>
+          </a:fontRef>
+        </p:style>
+        <p:txBody>
+          <a:bodyPr rot="0" spcFirstLastPara="0" vert="horz" wrap="square" lIns="91440" tIns="45720" rIns="91440" bIns="45720" numCol="1" spcCol="0" rtlCol="0" fromWordArt="0" anchor="ctr" anchorCtr="0" forceAA="0" compatLnSpc="1">
+            <a:prstTxWarp prst="textNoShape">
+              <a:avLst/>
+            </a:prstTxWarp>
+            <a:noAutofit/>
+          </a:bodyPr>
+          <a:lstStyle>
+            <a:defPPr>
+              <a:defRPr lang="en-US"/>
+            </a:defPPr>
+            <a:lvl1pPr marL="0" algn="l" defTabSz="914400" rtl="0" eaLnBrk="1" latinLnBrk="0" hangingPunct="1">
+              <a:defRPr sz="1800" kern="1200">
+                <a:solidFill>
+                  <a:schemeClr val="lt1"/>
+                </a:solidFill>
+                <a:latin typeface="+mn-lt"/>
+                <a:ea typeface="+mn-ea"/>
+                <a:cs typeface="+mn-cs"/>
+              </a:defRPr>
+            </a:lvl1pPr>
+            <a:lvl2pPr marL="457200" algn="l" defTabSz="914400" rtl="0" eaLnBrk="1" latinLnBrk="0" hangingPunct="1">
+              <a:defRPr sz="1800" kern="1200">
+                <a:solidFill>
+                  <a:schemeClr val="lt1"/>
+                </a:solidFill>
+                <a:latin typeface="+mn-lt"/>
+                <a:ea typeface="+mn-ea"/>
+                <a:cs typeface="+mn-cs"/>
+              </a:defRPr>
+            </a:lvl2pPr>
+            <a:lvl3pPr marL="914400" algn="l" defTabSz="914400" rtl="0" eaLnBrk="1" latinLnBrk="0" hangingPunct="1">
+              <a:defRPr sz="1800" kern="1200">
+                <a:solidFill>
+                  <a:schemeClr val="lt1"/>
+                </a:solidFill>
+                <a:latin typeface="+mn-lt"/>
+                <a:ea typeface="+mn-ea"/>
+                <a:cs typeface="+mn-cs"/>
+              </a:defRPr>
+            </a:lvl3pPr>
+            <a:lvl4pPr marL="1371600" algn="l" defTabSz="914400" rtl="0" eaLnBrk="1" latinLnBrk="0" hangingPunct="1">
+              <a:defRPr sz="1800" kern="1200">
+                <a:solidFill>
+                  <a:schemeClr val="lt1"/>
+                </a:solidFill>
+                <a:latin typeface="+mn-lt"/>
+                <a:ea typeface="+mn-ea"/>
+                <a:cs typeface="+mn-cs"/>
+              </a:defRPr>
+            </a:lvl4pPr>
+            <a:lvl5pPr marL="1828800" algn="l" defTabSz="914400" rtl="0" eaLnBrk="1" latinLnBrk="0" hangingPunct="1">
+              <a:defRPr sz="1800" kern="1200">
+                <a:solidFill>
+                  <a:schemeClr val="lt1"/>
+                </a:solidFill>
+                <a:latin typeface="+mn-lt"/>
+                <a:ea typeface="+mn-ea"/>
+                <a:cs typeface="+mn-cs"/>
+              </a:defRPr>
+            </a:lvl5pPr>
+            <a:lvl6pPr marL="2286000" algn="l" defTabSz="914400" rtl="0" eaLnBrk="1" latinLnBrk="0" hangingPunct="1">
+              <a:defRPr sz="1800" kern="1200">
+                <a:solidFill>
+                  <a:schemeClr val="lt1"/>
+                </a:solidFill>
+                <a:latin typeface="+mn-lt"/>
+                <a:ea typeface="+mn-ea"/>
+                <a:cs typeface="+mn-cs"/>
+              </a:defRPr>
+            </a:lvl6pPr>
+            <a:lvl7pPr marL="2743200" algn="l" defTabSz="914400" rtl="0" eaLnBrk="1" latinLnBrk="0" hangingPunct="1">
+              <a:defRPr sz="1800" kern="1200">
+                <a:solidFill>
+                  <a:schemeClr val="lt1"/>
+                </a:solidFill>
+                <a:latin typeface="+mn-lt"/>
+                <a:ea typeface="+mn-ea"/>
+                <a:cs typeface="+mn-cs"/>
+              </a:defRPr>
+            </a:lvl7pPr>
+            <a:lvl8pPr marL="3200400" algn="l" defTabSz="914400" rtl="0" eaLnBrk="1" latinLnBrk="0" hangingPunct="1">
+              <a:defRPr sz="1800" kern="1200">
+                <a:solidFill>
+                  <a:schemeClr val="lt1"/>
+                </a:solidFill>
+                <a:latin typeface="+mn-lt"/>
+                <a:ea typeface="+mn-ea"/>
+                <a:cs typeface="+mn-cs"/>
+              </a:defRPr>
+            </a:lvl8pPr>
+            <a:lvl9pPr marL="3657600" algn="l" defTabSz="914400" rtl="0" eaLnBrk="1" latinLnBrk="0" hangingPunct="1">
+              <a:defRPr sz="1800" kern="1200">
+                <a:solidFill>
+                  <a:schemeClr val="lt1"/>
+                </a:solidFill>
+                <a:latin typeface="+mn-lt"/>
+                <a:ea typeface="+mn-ea"/>
+                <a:cs typeface="+mn-cs"/>
+              </a:defRPr>
+            </a:lvl9pPr>
+          </a:lstStyle>
+          <a:p>
+            <a:pPr algn="ctr"/>
+            <a:endParaRPr lang="en-US"/>
+          </a:p>
+        </p:txBody>
+      </p:sp>
+      <p:sp>
+        <p:nvSpPr>
+          <p:cNvPr id="2" name="Título 1">
+            <a:extLst>
+              <a:ext uri="{FF2B5EF4-FFF2-40B4-BE49-F238E27FC236}">
+                <a16:creationId xmlns:a16="http://schemas.microsoft.com/office/drawing/2014/main" id="{9D4DFD27-ACA4-1794-D857-3BC7340744BA}"/>
+              </a:ext>
+            </a:extLst>
+          </p:cNvPr>
+          <p:cNvSpPr>
+            <a:spLocks noGrp="1"/>
+          </p:cNvSpPr>
+          <p:nvPr>
+            <p:ph type="ctrTitle"/>
+          </p:nvPr>
+        </p:nvSpPr>
+        <p:spPr>
+          <a:xfrm>
+            <a:off x="4639056" y="1235847"/>
+            <a:ext cx="6784847" cy="3325266"/>
+          </a:xfrm>
+        </p:spPr>
+        <p:txBody>
+          <a:bodyPr>
+            <a:normAutofit/>
+          </a:bodyPr>
+          <a:lstStyle/>
+          <a:p>
+            <a:r>
+              <a:rPr lang="pt-BR" sz="7200" dirty="0"/>
+              <a:t>DEF</a:t>
+            </a:r>
+          </a:p>
+        </p:txBody>
+      </p:sp>
+      <p:sp>
+        <p:nvSpPr>
+          <p:cNvPr id="42" name="Freeform 6">
+            <a:extLst>
+              <a:ext uri="{FF2B5EF4-FFF2-40B4-BE49-F238E27FC236}">
+                <a16:creationId xmlns:a16="http://schemas.microsoft.com/office/drawing/2014/main" id="{526C103B-17BD-4B48-AB6F-0D9EF826AAC4}"/>
+              </a:ext>
+              <a:ext uri="{C183D7F6-B498-43B3-948B-1728B52AA6E4}">
+                <adec:decorative xmlns:adec="http://schemas.microsoft.com/office/drawing/2017/decorative" val="1"/>
+              </a:ext>
+            </a:extLst>
+          </p:cNvPr>
+          <p:cNvSpPr>
+            <a:spLocks noGrp="1" noRot="1" noChangeAspect="1" noMove="1" noResize="1" noEditPoints="1" noAdjustHandles="1" noChangeArrowheads="1" noChangeShapeType="1" noTextEdit="1"/>
+          </p:cNvSpPr>
+          <p:nvPr>
+            <p:extLst>
+              <p:ext uri="{386F3935-93C4-4BCD-93E2-E3B085C9AB24}">
+                <p16:designElem xmlns:p16="http://schemas.microsoft.com/office/powerpoint/2015/main" val="1"/>
+              </p:ext>
+            </p:extLst>
+          </p:nvPr>
+        </p:nvSpPr>
+        <p:spPr bwMode="auto">
+          <a:xfrm>
+            <a:off x="0" y="0"/>
+            <a:ext cx="885825" cy="6858000"/>
+          </a:xfrm>
+          <a:custGeom>
+            <a:avLst/>
+            <a:gdLst/>
+            <a:ahLst/>
+            <a:cxnLst/>
+            <a:rect l="0" t="0" r="r" b="b"/>
+            <a:pathLst>
+              <a:path w="558" h="4320">
+                <a:moveTo>
+                  <a:pt x="0" y="0"/>
+                </a:moveTo>
+                <a:lnTo>
+                  <a:pt x="447" y="0"/>
+                </a:lnTo>
+                <a:lnTo>
+                  <a:pt x="448" y="43"/>
+                </a:lnTo>
+                <a:lnTo>
+                  <a:pt x="453" y="81"/>
+                </a:lnTo>
+                <a:lnTo>
+                  <a:pt x="460" y="114"/>
+                </a:lnTo>
+                <a:lnTo>
+                  <a:pt x="469" y="143"/>
+                </a:lnTo>
+                <a:lnTo>
+                  <a:pt x="479" y="169"/>
+                </a:lnTo>
+                <a:lnTo>
+                  <a:pt x="491" y="192"/>
+                </a:lnTo>
+                <a:lnTo>
+                  <a:pt x="503" y="216"/>
+                </a:lnTo>
+                <a:lnTo>
+                  <a:pt x="515" y="240"/>
+                </a:lnTo>
+                <a:lnTo>
+                  <a:pt x="525" y="263"/>
+                </a:lnTo>
+                <a:lnTo>
+                  <a:pt x="535" y="289"/>
+                </a:lnTo>
+                <a:lnTo>
+                  <a:pt x="545" y="318"/>
+                </a:lnTo>
+                <a:lnTo>
+                  <a:pt x="552" y="351"/>
+                </a:lnTo>
+                <a:lnTo>
+                  <a:pt x="556" y="389"/>
+                </a:lnTo>
+                <a:lnTo>
+                  <a:pt x="558" y="432"/>
+                </a:lnTo>
+                <a:lnTo>
+                  <a:pt x="556" y="475"/>
+                </a:lnTo>
+                <a:lnTo>
+                  <a:pt x="552" y="513"/>
+                </a:lnTo>
+                <a:lnTo>
+                  <a:pt x="545" y="546"/>
+                </a:lnTo>
+                <a:lnTo>
+                  <a:pt x="535" y="575"/>
+                </a:lnTo>
+                <a:lnTo>
+                  <a:pt x="525" y="601"/>
+                </a:lnTo>
+                <a:lnTo>
+                  <a:pt x="515" y="624"/>
+                </a:lnTo>
+                <a:lnTo>
+                  <a:pt x="503" y="648"/>
+                </a:lnTo>
+                <a:lnTo>
+                  <a:pt x="491" y="672"/>
+                </a:lnTo>
+                <a:lnTo>
+                  <a:pt x="479" y="695"/>
+                </a:lnTo>
+                <a:lnTo>
+                  <a:pt x="469" y="721"/>
+                </a:lnTo>
+                <a:lnTo>
+                  <a:pt x="460" y="750"/>
+                </a:lnTo>
+                <a:lnTo>
+                  <a:pt x="453" y="783"/>
+                </a:lnTo>
+                <a:lnTo>
+                  <a:pt x="448" y="821"/>
+                </a:lnTo>
+                <a:lnTo>
+                  <a:pt x="447" y="864"/>
+                </a:lnTo>
+                <a:lnTo>
+                  <a:pt x="448" y="907"/>
+                </a:lnTo>
+                <a:lnTo>
+                  <a:pt x="453" y="945"/>
+                </a:lnTo>
+                <a:lnTo>
+                  <a:pt x="460" y="978"/>
+                </a:lnTo>
+                <a:lnTo>
+                  <a:pt x="469" y="1007"/>
+                </a:lnTo>
+                <a:lnTo>
+                  <a:pt x="479" y="1033"/>
+                </a:lnTo>
+                <a:lnTo>
+                  <a:pt x="491" y="1056"/>
+                </a:lnTo>
+                <a:lnTo>
+                  <a:pt x="503" y="1080"/>
+                </a:lnTo>
+                <a:lnTo>
+                  <a:pt x="515" y="1104"/>
+                </a:lnTo>
+                <a:lnTo>
+                  <a:pt x="525" y="1127"/>
+                </a:lnTo>
+                <a:lnTo>
+                  <a:pt x="535" y="1153"/>
+                </a:lnTo>
+                <a:lnTo>
+                  <a:pt x="545" y="1182"/>
+                </a:lnTo>
+                <a:lnTo>
+                  <a:pt x="552" y="1215"/>
+                </a:lnTo>
+                <a:lnTo>
+                  <a:pt x="556" y="1253"/>
+                </a:lnTo>
+                <a:lnTo>
+                  <a:pt x="558" y="1296"/>
+                </a:lnTo>
+                <a:lnTo>
+                  <a:pt x="556" y="1339"/>
+                </a:lnTo>
+                <a:lnTo>
+                  <a:pt x="552" y="1377"/>
+                </a:lnTo>
+                <a:lnTo>
+                  <a:pt x="545" y="1410"/>
+                </a:lnTo>
+                <a:lnTo>
+                  <a:pt x="535" y="1439"/>
+                </a:lnTo>
+                <a:lnTo>
+                  <a:pt x="525" y="1465"/>
+                </a:lnTo>
+                <a:lnTo>
+                  <a:pt x="515" y="1488"/>
+                </a:lnTo>
+                <a:lnTo>
+                  <a:pt x="503" y="1512"/>
+                </a:lnTo>
+                <a:lnTo>
+                  <a:pt x="491" y="1536"/>
+                </a:lnTo>
+                <a:lnTo>
+                  <a:pt x="479" y="1559"/>
+                </a:lnTo>
+                <a:lnTo>
+                  <a:pt x="469" y="1585"/>
+                </a:lnTo>
+                <a:lnTo>
+                  <a:pt x="460" y="1614"/>
+                </a:lnTo>
+                <a:lnTo>
+                  <a:pt x="453" y="1647"/>
+                </a:lnTo>
+                <a:lnTo>
+                  <a:pt x="448" y="1685"/>
+                </a:lnTo>
+                <a:lnTo>
+                  <a:pt x="447" y="1728"/>
+                </a:lnTo>
+                <a:lnTo>
+                  <a:pt x="448" y="1771"/>
+                </a:lnTo>
+                <a:lnTo>
+                  <a:pt x="453" y="1809"/>
+                </a:lnTo>
+                <a:lnTo>
+                  <a:pt x="460" y="1842"/>
+                </a:lnTo>
+                <a:lnTo>
+                  <a:pt x="469" y="1871"/>
+                </a:lnTo>
+                <a:lnTo>
+                  <a:pt x="479" y="1897"/>
+                </a:lnTo>
+                <a:lnTo>
+                  <a:pt x="491" y="1920"/>
+                </a:lnTo>
+                <a:lnTo>
+                  <a:pt x="503" y="1944"/>
+                </a:lnTo>
+                <a:lnTo>
+                  <a:pt x="515" y="1968"/>
+                </a:lnTo>
+                <a:lnTo>
+                  <a:pt x="525" y="1991"/>
+                </a:lnTo>
+                <a:lnTo>
+                  <a:pt x="535" y="2017"/>
+                </a:lnTo>
+                <a:lnTo>
+                  <a:pt x="545" y="2046"/>
+                </a:lnTo>
+                <a:lnTo>
+                  <a:pt x="552" y="2079"/>
+                </a:lnTo>
+                <a:lnTo>
+                  <a:pt x="556" y="2117"/>
+                </a:lnTo>
+                <a:lnTo>
+                  <a:pt x="558" y="2159"/>
+                </a:lnTo>
+                <a:lnTo>
+                  <a:pt x="556" y="2203"/>
+                </a:lnTo>
+                <a:lnTo>
+                  <a:pt x="552" y="2241"/>
+                </a:lnTo>
+                <a:lnTo>
+                  <a:pt x="545" y="2274"/>
+                </a:lnTo>
+                <a:lnTo>
+                  <a:pt x="535" y="2303"/>
+                </a:lnTo>
+                <a:lnTo>
+                  <a:pt x="525" y="2329"/>
+                </a:lnTo>
+                <a:lnTo>
+                  <a:pt x="515" y="2352"/>
+                </a:lnTo>
+                <a:lnTo>
+                  <a:pt x="503" y="2376"/>
+                </a:lnTo>
+                <a:lnTo>
+                  <a:pt x="491" y="2400"/>
+                </a:lnTo>
+                <a:lnTo>
+                  <a:pt x="479" y="2423"/>
+                </a:lnTo>
+                <a:lnTo>
+                  <a:pt x="469" y="2449"/>
+                </a:lnTo>
+                <a:lnTo>
+                  <a:pt x="460" y="2478"/>
+                </a:lnTo>
+                <a:lnTo>
+                  <a:pt x="453" y="2511"/>
+                </a:lnTo>
+                <a:lnTo>
+                  <a:pt x="448" y="2549"/>
+                </a:lnTo>
+                <a:lnTo>
+                  <a:pt x="447" y="2592"/>
+                </a:lnTo>
+                <a:lnTo>
+                  <a:pt x="448" y="2635"/>
+                </a:lnTo>
+                <a:lnTo>
+                  <a:pt x="453" y="2673"/>
+                </a:lnTo>
+                <a:lnTo>
+                  <a:pt x="460" y="2706"/>
+                </a:lnTo>
+                <a:lnTo>
+                  <a:pt x="469" y="2735"/>
+                </a:lnTo>
+                <a:lnTo>
+                  <a:pt x="479" y="2761"/>
+                </a:lnTo>
+                <a:lnTo>
+                  <a:pt x="491" y="2784"/>
+                </a:lnTo>
+                <a:lnTo>
+                  <a:pt x="515" y="2832"/>
+                </a:lnTo>
+                <a:lnTo>
+                  <a:pt x="525" y="2855"/>
+                </a:lnTo>
+                <a:lnTo>
+                  <a:pt x="535" y="2881"/>
+                </a:lnTo>
+                <a:lnTo>
+                  <a:pt x="545" y="2910"/>
+                </a:lnTo>
+                <a:lnTo>
+                  <a:pt x="552" y="2943"/>
+                </a:lnTo>
+                <a:lnTo>
+                  <a:pt x="556" y="2981"/>
+                </a:lnTo>
+                <a:lnTo>
+                  <a:pt x="558" y="3024"/>
+                </a:lnTo>
+                <a:lnTo>
+                  <a:pt x="556" y="3067"/>
+                </a:lnTo>
+                <a:lnTo>
+                  <a:pt x="552" y="3105"/>
+                </a:lnTo>
+                <a:lnTo>
+                  <a:pt x="545" y="3138"/>
+                </a:lnTo>
+                <a:lnTo>
+                  <a:pt x="535" y="3167"/>
+                </a:lnTo>
+                <a:lnTo>
+                  <a:pt x="525" y="3193"/>
+                </a:lnTo>
+                <a:lnTo>
+                  <a:pt x="515" y="3216"/>
+                </a:lnTo>
+                <a:lnTo>
+                  <a:pt x="503" y="3240"/>
+                </a:lnTo>
+                <a:lnTo>
+                  <a:pt x="491" y="3264"/>
+                </a:lnTo>
+                <a:lnTo>
+                  <a:pt x="479" y="3287"/>
+                </a:lnTo>
+                <a:lnTo>
+                  <a:pt x="469" y="3313"/>
+                </a:lnTo>
+                <a:lnTo>
+                  <a:pt x="460" y="3342"/>
+                </a:lnTo>
+                <a:lnTo>
+                  <a:pt x="453" y="3375"/>
+                </a:lnTo>
+                <a:lnTo>
+                  <a:pt x="448" y="3413"/>
+                </a:lnTo>
+                <a:lnTo>
+                  <a:pt x="447" y="3456"/>
+                </a:lnTo>
+                <a:lnTo>
+                  <a:pt x="448" y="3499"/>
+                </a:lnTo>
+                <a:lnTo>
+                  <a:pt x="453" y="3537"/>
+                </a:lnTo>
+                <a:lnTo>
+                  <a:pt x="460" y="3570"/>
+                </a:lnTo>
+                <a:lnTo>
+                  <a:pt x="469" y="3599"/>
+                </a:lnTo>
+                <a:lnTo>
+                  <a:pt x="479" y="3625"/>
+                </a:lnTo>
+                <a:lnTo>
+                  <a:pt x="491" y="3648"/>
+                </a:lnTo>
+                <a:lnTo>
+                  <a:pt x="503" y="3672"/>
+                </a:lnTo>
+                <a:lnTo>
+                  <a:pt x="515" y="3696"/>
+                </a:lnTo>
+                <a:lnTo>
+                  <a:pt x="525" y="3719"/>
+                </a:lnTo>
+                <a:lnTo>
+                  <a:pt x="535" y="3745"/>
+                </a:lnTo>
+                <a:lnTo>
+                  <a:pt x="545" y="3774"/>
+                </a:lnTo>
+                <a:lnTo>
+                  <a:pt x="552" y="3807"/>
+                </a:lnTo>
+                <a:lnTo>
+                  <a:pt x="556" y="3845"/>
+                </a:lnTo>
+                <a:lnTo>
+                  <a:pt x="558" y="3888"/>
+                </a:lnTo>
+                <a:lnTo>
+                  <a:pt x="556" y="3931"/>
+                </a:lnTo>
+                <a:lnTo>
+                  <a:pt x="552" y="3969"/>
+                </a:lnTo>
+                <a:lnTo>
+                  <a:pt x="545" y="4002"/>
+                </a:lnTo>
+                <a:lnTo>
+                  <a:pt x="535" y="4031"/>
+                </a:lnTo>
+                <a:lnTo>
+                  <a:pt x="525" y="4057"/>
+                </a:lnTo>
+                <a:lnTo>
+                  <a:pt x="515" y="4080"/>
+                </a:lnTo>
+                <a:lnTo>
+                  <a:pt x="503" y="4104"/>
+                </a:lnTo>
+                <a:lnTo>
+                  <a:pt x="491" y="4128"/>
+                </a:lnTo>
+                <a:lnTo>
+                  <a:pt x="479" y="4151"/>
+                </a:lnTo>
+                <a:lnTo>
+                  <a:pt x="469" y="4177"/>
+                </a:lnTo>
+                <a:lnTo>
+                  <a:pt x="460" y="4206"/>
+                </a:lnTo>
+                <a:lnTo>
+                  <a:pt x="453" y="4239"/>
+                </a:lnTo>
+                <a:lnTo>
+                  <a:pt x="448" y="4277"/>
+                </a:lnTo>
+                <a:lnTo>
+                  <a:pt x="447" y="4320"/>
+                </a:lnTo>
+                <a:lnTo>
+                  <a:pt x="0" y="4320"/>
+                </a:lnTo>
+                <a:lnTo>
+                  <a:pt x="0" y="0"/>
+                </a:lnTo>
+                <a:close/>
+              </a:path>
+            </a:pathLst>
+          </a:custGeom>
+          <a:solidFill>
+            <a:schemeClr val="tx2"/>
+          </a:solidFill>
+          <a:ln w="0">
+            <a:noFill/>
+            <a:prstDash val="solid"/>
+            <a:round/>
+            <a:headEnd/>
+            <a:tailEnd/>
+          </a:ln>
+        </p:spPr>
+        <p:txBody>
+          <a:bodyPr/>
+          <a:lstStyle/>
+          <a:p>
+            <a:endParaRPr lang="pt-BR"/>
+          </a:p>
+        </p:txBody>
+      </p:sp>
+      <p:pic>
+        <p:nvPicPr>
+          <p:cNvPr id="27" name="Graphic 26" descr="Programador">
+            <a:extLst>
+              <a:ext uri="{FF2B5EF4-FFF2-40B4-BE49-F238E27FC236}">
+                <a16:creationId xmlns:a16="http://schemas.microsoft.com/office/drawing/2014/main" id="{84ADACB3-6759-6202-E5E9-D8673D71ACD3}"/>
+              </a:ext>
+            </a:extLst>
+          </p:cNvPr>
+          <p:cNvPicPr>
+            <a:picLocks noChangeAspect="1"/>
+          </p:cNvPicPr>
+          <p:nvPr/>
+        </p:nvPicPr>
+        <p:blipFill>
+          <a:blip r:embed="rId2">
+            <a:extLst>
+              <a:ext uri="{28A0092B-C50C-407E-A947-70E740481C1C}">
+                <a14:useLocalDpi xmlns:a14="http://schemas.microsoft.com/office/drawing/2010/main" val="0"/>
+              </a:ext>
+              <a:ext uri="{96DAC541-7B7A-43D3-8B79-37D633B846F1}">
+                <asvg:svgBlip xmlns:asvg="http://schemas.microsoft.com/office/drawing/2016/SVG/main" r:embed="rId3"/>
+              </a:ext>
+            </a:extLst>
+          </a:blip>
+          <a:stretch>
+            <a:fillRect/>
+          </a:stretch>
+        </p:blipFill>
+        <p:spPr>
+          <a:xfrm>
+            <a:off x="1240971" y="1709603"/>
+            <a:ext cx="3398085" cy="3398085"/>
+          </a:xfrm>
+          <a:prstGeom prst="rect">
+            <a:avLst/>
+          </a:prstGeom>
+        </p:spPr>
+      </p:pic>
+      <p:sp>
+        <p:nvSpPr>
+          <p:cNvPr id="44" name="Rectangle 43">
+            <a:extLst>
+              <a:ext uri="{FF2B5EF4-FFF2-40B4-BE49-F238E27FC236}">
+                <a16:creationId xmlns:a16="http://schemas.microsoft.com/office/drawing/2014/main" id="{E9EC3243-CA25-4485-A7FE-8B0141923844}"/>
+              </a:ext>
+              <a:ext uri="{C183D7F6-B498-43B3-948B-1728B52AA6E4}">
+                <adec:decorative xmlns:adec="http://schemas.microsoft.com/office/drawing/2017/decorative" val="1"/>
+              </a:ext>
+            </a:extLst>
+          </p:cNvPr>
+          <p:cNvSpPr>
+            <a:spLocks noGrp="1" noRot="1" noChangeAspect="1" noMove="1" noResize="1" noEditPoints="1" noAdjustHandles="1" noChangeArrowheads="1" noChangeShapeType="1" noTextEdit="1"/>
+          </p:cNvSpPr>
+          <p:nvPr>
+            <p:extLst>
+              <p:ext uri="{386F3935-93C4-4BCD-93E2-E3B085C9AB24}">
+                <p16:designElem xmlns:p16="http://schemas.microsoft.com/office/powerpoint/2015/main" val="1"/>
+              </p:ext>
+            </p:extLst>
+          </p:nvPr>
+        </p:nvSpPr>
+        <p:spPr>
+          <a:xfrm>
+            <a:off x="11908536" y="0"/>
+            <a:ext cx="283464" cy="6858000"/>
+          </a:xfrm>
+          <a:prstGeom prst="rect">
+            <a:avLst/>
+          </a:prstGeom>
+          <a:solidFill>
+            <a:schemeClr val="accent1"/>
+          </a:solidFill>
+          <a:ln>
+            <a:noFill/>
+          </a:ln>
+        </p:spPr>
+        <p:style>
+          <a:lnRef idx="2">
+            <a:schemeClr val="accent1">
+              <a:shade val="50000"/>
+            </a:schemeClr>
+          </a:lnRef>
+          <a:fillRef idx="1">
+            <a:schemeClr val="accent1"/>
+          </a:fillRef>
+          <a:effectRef idx="0">
+            <a:schemeClr val="accent1"/>
+          </a:effectRef>
+          <a:fontRef idx="minor">
+            <a:schemeClr val="lt1"/>
+          </a:fontRef>
+        </p:style>
+        <p:txBody>
+          <a:bodyPr/>
+          <a:lstStyle/>
+          <a:p>
+            <a:endParaRPr lang="pt-BR"/>
+          </a:p>
+        </p:txBody>
+      </p:sp>
+    </p:spTree>
+    <p:extLst>
+      <p:ext uri="{BB962C8B-B14F-4D97-AF65-F5344CB8AC3E}">
         <p14:creationId xmlns:p14="http://schemas.microsoft.com/office/powerpoint/2010/main" val="4223320377"/>
       </p:ext>
     </p:extLst>
@@ -9322,7 +10146,7 @@
           <a:p>
             <a:r>
               <a:rPr lang="pt-BR" dirty="0"/>
-              <a:t>Exercício1	</a:t>
+              <a:t>DEF – Aula3	</a:t>
             </a:r>
           </a:p>
         </p:txBody>
@@ -9376,10 +10200,10 @@
       </p:pic>
       <p:sp>
         <p:nvSpPr>
-          <p:cNvPr id="5" name="CaixaDeTexto 4">
+          <p:cNvPr id="4" name="CaixaDeTexto 3">
             <a:extLst>
               <a:ext uri="{FF2B5EF4-FFF2-40B4-BE49-F238E27FC236}">
-                <a16:creationId xmlns:a16="http://schemas.microsoft.com/office/drawing/2014/main" id="{9A063CA9-2D7C-EBD4-A6E0-80E3DD4DC7F0}"/>
+                <a16:creationId xmlns:a16="http://schemas.microsoft.com/office/drawing/2014/main" id="{495DA591-7122-C6D4-78C1-FE9998EC46A0}"/>
               </a:ext>
             </a:extLst>
           </p:cNvPr>
@@ -9388,8 +10212,8 @@
         </p:nvSpPr>
         <p:spPr>
           <a:xfrm>
-            <a:off x="1251678" y="1508269"/>
-            <a:ext cx="6097554" cy="2031325"/>
+            <a:off x="1251678" y="1408551"/>
+            <a:ext cx="6097554" cy="3416320"/>
           </a:xfrm>
           <a:prstGeom prst="rect">
             <a:avLst/>
@@ -9403,20 +10227,20 @@
           <a:lstStyle/>
           <a:p>
             <a:r>
-              <a:rPr lang="pt-BR" b="0" dirty="0" err="1">
-                <a:solidFill>
-                  <a:srgbClr val="C586C0"/>
-                </a:solidFill>
-                <a:effectLst/>
-                <a:highlight>
-                  <a:srgbClr val="1F1F1F"/>
-                </a:highlight>
-                <a:latin typeface="Consolas" panose="020B0609020204030204" pitchFamily="49" charset="0"/>
-              </a:rPr>
-              <a:t>import</a:t>
-            </a:r>
-            <a:r>
-              <a:rPr lang="pt-BR" b="0" dirty="0">
+              <a:rPr lang="pt-BR" b="0">
+                <a:solidFill>
+                  <a:srgbClr val="569CD6"/>
+                </a:solidFill>
+                <a:effectLst/>
+                <a:highlight>
+                  <a:srgbClr val="1F1F1F"/>
+                </a:highlight>
+                <a:latin typeface="Consolas" panose="020B0609020204030204" pitchFamily="49" charset="0"/>
+              </a:rPr>
+              <a:t>def</a:t>
+            </a:r>
+            <a:r>
+              <a:rPr lang="pt-BR" b="0">
                 <a:solidFill>
                   <a:srgbClr val="CCCCCC"/>
                 </a:solidFill>
@@ -9429,19 +10253,936 @@
               <a:t> </a:t>
             </a:r>
             <a:r>
-              <a:rPr lang="pt-BR" b="0" dirty="0">
-                <a:solidFill>
-                  <a:srgbClr val="4EC9B0"/>
-                </a:solidFill>
-                <a:effectLst/>
-                <a:highlight>
-                  <a:srgbClr val="1F1F1F"/>
-                </a:highlight>
-                <a:latin typeface="Consolas" panose="020B0609020204030204" pitchFamily="49" charset="0"/>
-              </a:rPr>
-              <a:t>os</a:t>
-            </a:r>
-            <a:endParaRPr lang="pt-BR" b="0" dirty="0">
+              <a:rPr lang="pt-BR" b="0">
+                <a:solidFill>
+                  <a:srgbClr val="DCDCAA"/>
+                </a:solidFill>
+                <a:effectLst/>
+                <a:highlight>
+                  <a:srgbClr val="1F1F1F"/>
+                </a:highlight>
+                <a:latin typeface="Consolas" panose="020B0609020204030204" pitchFamily="49" charset="0"/>
+              </a:rPr>
+              <a:t>soma</a:t>
+            </a:r>
+            <a:r>
+              <a:rPr lang="pt-BR" b="0">
+                <a:solidFill>
+                  <a:srgbClr val="CCCCCC"/>
+                </a:solidFill>
+                <a:effectLst/>
+                <a:highlight>
+                  <a:srgbClr val="1F1F1F"/>
+                </a:highlight>
+                <a:latin typeface="Consolas" panose="020B0609020204030204" pitchFamily="49" charset="0"/>
+              </a:rPr>
+              <a:t>(</a:t>
+            </a:r>
+            <a:r>
+              <a:rPr lang="pt-BR" b="0">
+                <a:solidFill>
+                  <a:srgbClr val="9CDCFE"/>
+                </a:solidFill>
+                <a:effectLst/>
+                <a:highlight>
+                  <a:srgbClr val="1F1F1F"/>
+                </a:highlight>
+                <a:latin typeface="Consolas" panose="020B0609020204030204" pitchFamily="49" charset="0"/>
+              </a:rPr>
+              <a:t>x</a:t>
+            </a:r>
+            <a:r>
+              <a:rPr lang="pt-BR" b="0">
+                <a:solidFill>
+                  <a:srgbClr val="CCCCCC"/>
+                </a:solidFill>
+                <a:effectLst/>
+                <a:highlight>
+                  <a:srgbClr val="1F1F1F"/>
+                </a:highlight>
+                <a:latin typeface="Consolas" panose="020B0609020204030204" pitchFamily="49" charset="0"/>
+              </a:rPr>
+              <a:t> , </a:t>
+            </a:r>
+            <a:r>
+              <a:rPr lang="pt-BR" b="0">
+                <a:solidFill>
+                  <a:srgbClr val="9CDCFE"/>
+                </a:solidFill>
+                <a:effectLst/>
+                <a:highlight>
+                  <a:srgbClr val="1F1F1F"/>
+                </a:highlight>
+                <a:latin typeface="Consolas" panose="020B0609020204030204" pitchFamily="49" charset="0"/>
+              </a:rPr>
+              <a:t>y</a:t>
+            </a:r>
+            <a:r>
+              <a:rPr lang="pt-BR" b="0">
+                <a:solidFill>
+                  <a:srgbClr val="CCCCCC"/>
+                </a:solidFill>
+                <a:effectLst/>
+                <a:highlight>
+                  <a:srgbClr val="1F1F1F"/>
+                </a:highlight>
+                <a:latin typeface="Consolas" panose="020B0609020204030204" pitchFamily="49" charset="0"/>
+              </a:rPr>
+              <a:t>):</a:t>
+            </a:r>
+          </a:p>
+          <a:p>
+            <a:r>
+              <a:rPr lang="pt-BR" b="0">
+                <a:solidFill>
+                  <a:srgbClr val="CCCCCC"/>
+                </a:solidFill>
+                <a:effectLst/>
+                <a:highlight>
+                  <a:srgbClr val="1F1F1F"/>
+                </a:highlight>
+                <a:latin typeface="Consolas" panose="020B0609020204030204" pitchFamily="49" charset="0"/>
+              </a:rPr>
+              <a:t>   </a:t>
+            </a:r>
+            <a:r>
+              <a:rPr lang="pt-BR" b="0">
+                <a:solidFill>
+                  <a:srgbClr val="DCDCAA"/>
+                </a:solidFill>
+                <a:effectLst/>
+                <a:highlight>
+                  <a:srgbClr val="1F1F1F"/>
+                </a:highlight>
+                <a:latin typeface="Consolas" panose="020B0609020204030204" pitchFamily="49" charset="0"/>
+              </a:rPr>
+              <a:t>print</a:t>
+            </a:r>
+            <a:r>
+              <a:rPr lang="pt-BR" b="0">
+                <a:solidFill>
+                  <a:srgbClr val="CCCCCC"/>
+                </a:solidFill>
+                <a:effectLst/>
+                <a:highlight>
+                  <a:srgbClr val="1F1F1F"/>
+                </a:highlight>
+                <a:latin typeface="Consolas" panose="020B0609020204030204" pitchFamily="49" charset="0"/>
+              </a:rPr>
+              <a:t>(</a:t>
+            </a:r>
+            <a:r>
+              <a:rPr lang="pt-BR" b="0">
+                <a:solidFill>
+                  <a:srgbClr val="569CD6"/>
+                </a:solidFill>
+                <a:effectLst/>
+                <a:highlight>
+                  <a:srgbClr val="1F1F1F"/>
+                </a:highlight>
+                <a:latin typeface="Consolas" panose="020B0609020204030204" pitchFamily="49" charset="0"/>
+              </a:rPr>
+              <a:t>f</a:t>
+            </a:r>
+            <a:r>
+              <a:rPr lang="pt-BR" b="0">
+                <a:solidFill>
+                  <a:srgbClr val="CE9178"/>
+                </a:solidFill>
+                <a:effectLst/>
+                <a:highlight>
+                  <a:srgbClr val="1F1F1F"/>
+                </a:highlight>
+                <a:latin typeface="Consolas" panose="020B0609020204030204" pitchFamily="49" charset="0"/>
+              </a:rPr>
+              <a:t>"</a:t>
+            </a:r>
+            <a:r>
+              <a:rPr lang="pt-BR" b="0">
+                <a:solidFill>
+                  <a:srgbClr val="569CD6"/>
+                </a:solidFill>
+                <a:effectLst/>
+                <a:highlight>
+                  <a:srgbClr val="1F1F1F"/>
+                </a:highlight>
+                <a:latin typeface="Consolas" panose="020B0609020204030204" pitchFamily="49" charset="0"/>
+              </a:rPr>
+              <a:t>{</a:t>
+            </a:r>
+            <a:r>
+              <a:rPr lang="pt-BR" b="0">
+                <a:solidFill>
+                  <a:srgbClr val="9CDCFE"/>
+                </a:solidFill>
+                <a:effectLst/>
+                <a:highlight>
+                  <a:srgbClr val="1F1F1F"/>
+                </a:highlight>
+                <a:latin typeface="Consolas" panose="020B0609020204030204" pitchFamily="49" charset="0"/>
+              </a:rPr>
+              <a:t>x</a:t>
+            </a:r>
+            <a:r>
+              <a:rPr lang="pt-BR" b="0">
+                <a:solidFill>
+                  <a:srgbClr val="569CD6"/>
+                </a:solidFill>
+                <a:effectLst/>
+                <a:highlight>
+                  <a:srgbClr val="1F1F1F"/>
+                </a:highlight>
+                <a:latin typeface="Consolas" panose="020B0609020204030204" pitchFamily="49" charset="0"/>
+              </a:rPr>
+              <a:t>}</a:t>
+            </a:r>
+            <a:r>
+              <a:rPr lang="pt-BR" b="0">
+                <a:solidFill>
+                  <a:srgbClr val="CE9178"/>
+                </a:solidFill>
+                <a:effectLst/>
+                <a:highlight>
+                  <a:srgbClr val="1F1F1F"/>
+                </a:highlight>
+                <a:latin typeface="Consolas" panose="020B0609020204030204" pitchFamily="49" charset="0"/>
+              </a:rPr>
+              <a:t> + </a:t>
+            </a:r>
+            <a:r>
+              <a:rPr lang="pt-BR" b="0">
+                <a:solidFill>
+                  <a:srgbClr val="569CD6"/>
+                </a:solidFill>
+                <a:effectLst/>
+                <a:highlight>
+                  <a:srgbClr val="1F1F1F"/>
+                </a:highlight>
+                <a:latin typeface="Consolas" panose="020B0609020204030204" pitchFamily="49" charset="0"/>
+              </a:rPr>
+              <a:t>{</a:t>
+            </a:r>
+            <a:r>
+              <a:rPr lang="pt-BR" b="0">
+                <a:solidFill>
+                  <a:srgbClr val="9CDCFE"/>
+                </a:solidFill>
+                <a:effectLst/>
+                <a:highlight>
+                  <a:srgbClr val="1F1F1F"/>
+                </a:highlight>
+                <a:latin typeface="Consolas" panose="020B0609020204030204" pitchFamily="49" charset="0"/>
+              </a:rPr>
+              <a:t>y</a:t>
+            </a:r>
+            <a:r>
+              <a:rPr lang="pt-BR" b="0">
+                <a:solidFill>
+                  <a:srgbClr val="569CD6"/>
+                </a:solidFill>
+                <a:effectLst/>
+                <a:highlight>
+                  <a:srgbClr val="1F1F1F"/>
+                </a:highlight>
+                <a:latin typeface="Consolas" panose="020B0609020204030204" pitchFamily="49" charset="0"/>
+              </a:rPr>
+              <a:t>}</a:t>
+            </a:r>
+            <a:r>
+              <a:rPr lang="pt-BR" b="0">
+                <a:solidFill>
+                  <a:srgbClr val="CE9178"/>
+                </a:solidFill>
+                <a:effectLst/>
+                <a:highlight>
+                  <a:srgbClr val="1F1F1F"/>
+                </a:highlight>
+                <a:latin typeface="Consolas" panose="020B0609020204030204" pitchFamily="49" charset="0"/>
+              </a:rPr>
+              <a:t> = </a:t>
+            </a:r>
+            <a:r>
+              <a:rPr lang="pt-BR" b="0">
+                <a:solidFill>
+                  <a:srgbClr val="569CD6"/>
+                </a:solidFill>
+                <a:effectLst/>
+                <a:highlight>
+                  <a:srgbClr val="1F1F1F"/>
+                </a:highlight>
+                <a:latin typeface="Consolas" panose="020B0609020204030204" pitchFamily="49" charset="0"/>
+              </a:rPr>
+              <a:t>{</a:t>
+            </a:r>
+            <a:r>
+              <a:rPr lang="pt-BR" b="0">
+                <a:solidFill>
+                  <a:srgbClr val="9CDCFE"/>
+                </a:solidFill>
+                <a:effectLst/>
+                <a:highlight>
+                  <a:srgbClr val="1F1F1F"/>
+                </a:highlight>
+                <a:latin typeface="Consolas" panose="020B0609020204030204" pitchFamily="49" charset="0"/>
+              </a:rPr>
+              <a:t>x</a:t>
+            </a:r>
+            <a:r>
+              <a:rPr lang="pt-BR" b="0">
+                <a:solidFill>
+                  <a:srgbClr val="D4D4D4"/>
+                </a:solidFill>
+                <a:effectLst/>
+                <a:highlight>
+                  <a:srgbClr val="1F1F1F"/>
+                </a:highlight>
+                <a:latin typeface="Consolas" panose="020B0609020204030204" pitchFamily="49" charset="0"/>
+              </a:rPr>
+              <a:t>+</a:t>
+            </a:r>
+            <a:r>
+              <a:rPr lang="pt-BR" b="0">
+                <a:solidFill>
+                  <a:srgbClr val="9CDCFE"/>
+                </a:solidFill>
+                <a:effectLst/>
+                <a:highlight>
+                  <a:srgbClr val="1F1F1F"/>
+                </a:highlight>
+                <a:latin typeface="Consolas" panose="020B0609020204030204" pitchFamily="49" charset="0"/>
+              </a:rPr>
+              <a:t>y</a:t>
+            </a:r>
+            <a:r>
+              <a:rPr lang="pt-BR" b="0">
+                <a:solidFill>
+                  <a:srgbClr val="569CD6"/>
+                </a:solidFill>
+                <a:effectLst/>
+                <a:highlight>
+                  <a:srgbClr val="1F1F1F"/>
+                </a:highlight>
+                <a:latin typeface="Consolas" panose="020B0609020204030204" pitchFamily="49" charset="0"/>
+              </a:rPr>
+              <a:t>}</a:t>
+            </a:r>
+            <a:r>
+              <a:rPr lang="pt-BR" b="0">
+                <a:solidFill>
+                  <a:srgbClr val="CE9178"/>
+                </a:solidFill>
+                <a:effectLst/>
+                <a:highlight>
+                  <a:srgbClr val="1F1F1F"/>
+                </a:highlight>
+                <a:latin typeface="Consolas" panose="020B0609020204030204" pitchFamily="49" charset="0"/>
+              </a:rPr>
+              <a:t>"</a:t>
+            </a:r>
+            <a:r>
+              <a:rPr lang="pt-BR" b="0">
+                <a:solidFill>
+                  <a:srgbClr val="CCCCCC"/>
+                </a:solidFill>
+                <a:effectLst/>
+                <a:highlight>
+                  <a:srgbClr val="1F1F1F"/>
+                </a:highlight>
+                <a:latin typeface="Consolas" panose="020B0609020204030204" pitchFamily="49" charset="0"/>
+              </a:rPr>
+              <a:t>)</a:t>
+            </a:r>
+          </a:p>
+          <a:p>
+            <a:br>
+              <a:rPr lang="pt-BR" b="0">
+                <a:solidFill>
+                  <a:srgbClr val="CCCCCC"/>
+                </a:solidFill>
+                <a:effectLst/>
+                <a:highlight>
+                  <a:srgbClr val="1F1F1F"/>
+                </a:highlight>
+                <a:latin typeface="Consolas" panose="020B0609020204030204" pitchFamily="49" charset="0"/>
+              </a:rPr>
+            </a:br>
+            <a:r>
+              <a:rPr lang="pt-BR" b="0">
+                <a:solidFill>
+                  <a:srgbClr val="569CD6"/>
+                </a:solidFill>
+                <a:effectLst/>
+                <a:highlight>
+                  <a:srgbClr val="1F1F1F"/>
+                </a:highlight>
+                <a:latin typeface="Consolas" panose="020B0609020204030204" pitchFamily="49" charset="0"/>
+              </a:rPr>
+              <a:t>def</a:t>
+            </a:r>
+            <a:r>
+              <a:rPr lang="pt-BR" b="0">
+                <a:solidFill>
+                  <a:srgbClr val="CCCCCC"/>
+                </a:solidFill>
+                <a:effectLst/>
+                <a:highlight>
+                  <a:srgbClr val="1F1F1F"/>
+                </a:highlight>
+                <a:latin typeface="Consolas" panose="020B0609020204030204" pitchFamily="49" charset="0"/>
+              </a:rPr>
+              <a:t> </a:t>
+            </a:r>
+            <a:r>
+              <a:rPr lang="pt-BR" b="0">
+                <a:solidFill>
+                  <a:srgbClr val="DCDCAA"/>
+                </a:solidFill>
+                <a:effectLst/>
+                <a:highlight>
+                  <a:srgbClr val="1F1F1F"/>
+                </a:highlight>
+                <a:latin typeface="Consolas" panose="020B0609020204030204" pitchFamily="49" charset="0"/>
+              </a:rPr>
+              <a:t>multiplica</a:t>
+            </a:r>
+            <a:r>
+              <a:rPr lang="pt-BR" b="0">
+                <a:solidFill>
+                  <a:srgbClr val="CCCCCC"/>
+                </a:solidFill>
+                <a:effectLst/>
+                <a:highlight>
+                  <a:srgbClr val="1F1F1F"/>
+                </a:highlight>
+                <a:latin typeface="Consolas" panose="020B0609020204030204" pitchFamily="49" charset="0"/>
+              </a:rPr>
+              <a:t>(</a:t>
+            </a:r>
+            <a:r>
+              <a:rPr lang="pt-BR" b="0">
+                <a:solidFill>
+                  <a:srgbClr val="9CDCFE"/>
+                </a:solidFill>
+                <a:effectLst/>
+                <a:highlight>
+                  <a:srgbClr val="1F1F1F"/>
+                </a:highlight>
+                <a:latin typeface="Consolas" panose="020B0609020204030204" pitchFamily="49" charset="0"/>
+              </a:rPr>
+              <a:t>x</a:t>
+            </a:r>
+            <a:r>
+              <a:rPr lang="pt-BR" b="0">
+                <a:solidFill>
+                  <a:srgbClr val="CCCCCC"/>
+                </a:solidFill>
+                <a:effectLst/>
+                <a:highlight>
+                  <a:srgbClr val="1F1F1F"/>
+                </a:highlight>
+                <a:latin typeface="Consolas" panose="020B0609020204030204" pitchFamily="49" charset="0"/>
+              </a:rPr>
+              <a:t>, </a:t>
+            </a:r>
+            <a:r>
+              <a:rPr lang="pt-BR" b="0">
+                <a:solidFill>
+                  <a:srgbClr val="9CDCFE"/>
+                </a:solidFill>
+                <a:effectLst/>
+                <a:highlight>
+                  <a:srgbClr val="1F1F1F"/>
+                </a:highlight>
+                <a:latin typeface="Consolas" panose="020B0609020204030204" pitchFamily="49" charset="0"/>
+              </a:rPr>
+              <a:t>y</a:t>
+            </a:r>
+            <a:r>
+              <a:rPr lang="pt-BR" b="0">
+                <a:solidFill>
+                  <a:srgbClr val="CCCCCC"/>
+                </a:solidFill>
+                <a:effectLst/>
+                <a:highlight>
+                  <a:srgbClr val="1F1F1F"/>
+                </a:highlight>
+                <a:latin typeface="Consolas" panose="020B0609020204030204" pitchFamily="49" charset="0"/>
+              </a:rPr>
+              <a:t>):</a:t>
+            </a:r>
+          </a:p>
+          <a:p>
+            <a:r>
+              <a:rPr lang="pt-BR" b="0">
+                <a:solidFill>
+                  <a:srgbClr val="CCCCCC"/>
+                </a:solidFill>
+                <a:effectLst/>
+                <a:highlight>
+                  <a:srgbClr val="1F1F1F"/>
+                </a:highlight>
+                <a:latin typeface="Consolas" panose="020B0609020204030204" pitchFamily="49" charset="0"/>
+              </a:rPr>
+              <a:t>   </a:t>
+            </a:r>
+            <a:r>
+              <a:rPr lang="pt-BR" b="0">
+                <a:solidFill>
+                  <a:srgbClr val="DCDCAA"/>
+                </a:solidFill>
+                <a:effectLst/>
+                <a:highlight>
+                  <a:srgbClr val="1F1F1F"/>
+                </a:highlight>
+                <a:latin typeface="Consolas" panose="020B0609020204030204" pitchFamily="49" charset="0"/>
+              </a:rPr>
+              <a:t>print</a:t>
+            </a:r>
+            <a:r>
+              <a:rPr lang="pt-BR" b="0">
+                <a:solidFill>
+                  <a:srgbClr val="CCCCCC"/>
+                </a:solidFill>
+                <a:effectLst/>
+                <a:highlight>
+                  <a:srgbClr val="1F1F1F"/>
+                </a:highlight>
+                <a:latin typeface="Consolas" panose="020B0609020204030204" pitchFamily="49" charset="0"/>
+              </a:rPr>
+              <a:t>(</a:t>
+            </a:r>
+            <a:r>
+              <a:rPr lang="pt-BR" b="0">
+                <a:solidFill>
+                  <a:srgbClr val="569CD6"/>
+                </a:solidFill>
+                <a:effectLst/>
+                <a:highlight>
+                  <a:srgbClr val="1F1F1F"/>
+                </a:highlight>
+                <a:latin typeface="Consolas" panose="020B0609020204030204" pitchFamily="49" charset="0"/>
+              </a:rPr>
+              <a:t>f</a:t>
+            </a:r>
+            <a:r>
+              <a:rPr lang="pt-BR" b="0">
+                <a:solidFill>
+                  <a:srgbClr val="CE9178"/>
+                </a:solidFill>
+                <a:effectLst/>
+                <a:highlight>
+                  <a:srgbClr val="1F1F1F"/>
+                </a:highlight>
+                <a:latin typeface="Consolas" panose="020B0609020204030204" pitchFamily="49" charset="0"/>
+              </a:rPr>
+              <a:t>"</a:t>
+            </a:r>
+            <a:r>
+              <a:rPr lang="pt-BR" b="0">
+                <a:solidFill>
+                  <a:srgbClr val="569CD6"/>
+                </a:solidFill>
+                <a:effectLst/>
+                <a:highlight>
+                  <a:srgbClr val="1F1F1F"/>
+                </a:highlight>
+                <a:latin typeface="Consolas" panose="020B0609020204030204" pitchFamily="49" charset="0"/>
+              </a:rPr>
+              <a:t>{</a:t>
+            </a:r>
+            <a:r>
+              <a:rPr lang="pt-BR" b="0">
+                <a:solidFill>
+                  <a:srgbClr val="9CDCFE"/>
+                </a:solidFill>
+                <a:effectLst/>
+                <a:highlight>
+                  <a:srgbClr val="1F1F1F"/>
+                </a:highlight>
+                <a:latin typeface="Consolas" panose="020B0609020204030204" pitchFamily="49" charset="0"/>
+              </a:rPr>
+              <a:t>x</a:t>
+            </a:r>
+            <a:r>
+              <a:rPr lang="pt-BR" b="0">
+                <a:solidFill>
+                  <a:srgbClr val="569CD6"/>
+                </a:solidFill>
+                <a:effectLst/>
+                <a:highlight>
+                  <a:srgbClr val="1F1F1F"/>
+                </a:highlight>
+                <a:latin typeface="Consolas" panose="020B0609020204030204" pitchFamily="49" charset="0"/>
+              </a:rPr>
+              <a:t>}</a:t>
+            </a:r>
+            <a:r>
+              <a:rPr lang="pt-BR" b="0">
+                <a:solidFill>
+                  <a:srgbClr val="CE9178"/>
+                </a:solidFill>
+                <a:effectLst/>
+                <a:highlight>
+                  <a:srgbClr val="1F1F1F"/>
+                </a:highlight>
+                <a:latin typeface="Consolas" panose="020B0609020204030204" pitchFamily="49" charset="0"/>
+              </a:rPr>
+              <a:t> x </a:t>
+            </a:r>
+            <a:r>
+              <a:rPr lang="pt-BR" b="0">
+                <a:solidFill>
+                  <a:srgbClr val="569CD6"/>
+                </a:solidFill>
+                <a:effectLst/>
+                <a:highlight>
+                  <a:srgbClr val="1F1F1F"/>
+                </a:highlight>
+                <a:latin typeface="Consolas" panose="020B0609020204030204" pitchFamily="49" charset="0"/>
+              </a:rPr>
+              <a:t>{</a:t>
+            </a:r>
+            <a:r>
+              <a:rPr lang="pt-BR" b="0">
+                <a:solidFill>
+                  <a:srgbClr val="9CDCFE"/>
+                </a:solidFill>
+                <a:effectLst/>
+                <a:highlight>
+                  <a:srgbClr val="1F1F1F"/>
+                </a:highlight>
+                <a:latin typeface="Consolas" panose="020B0609020204030204" pitchFamily="49" charset="0"/>
+              </a:rPr>
+              <a:t>y</a:t>
+            </a:r>
+            <a:r>
+              <a:rPr lang="pt-BR" b="0">
+                <a:solidFill>
+                  <a:srgbClr val="569CD6"/>
+                </a:solidFill>
+                <a:effectLst/>
+                <a:highlight>
+                  <a:srgbClr val="1F1F1F"/>
+                </a:highlight>
+                <a:latin typeface="Consolas" panose="020B0609020204030204" pitchFamily="49" charset="0"/>
+              </a:rPr>
+              <a:t>}</a:t>
+            </a:r>
+            <a:r>
+              <a:rPr lang="pt-BR" b="0">
+                <a:solidFill>
+                  <a:srgbClr val="CE9178"/>
+                </a:solidFill>
+                <a:effectLst/>
+                <a:highlight>
+                  <a:srgbClr val="1F1F1F"/>
+                </a:highlight>
+                <a:latin typeface="Consolas" panose="020B0609020204030204" pitchFamily="49" charset="0"/>
+              </a:rPr>
+              <a:t> = </a:t>
+            </a:r>
+            <a:r>
+              <a:rPr lang="pt-BR" b="0">
+                <a:solidFill>
+                  <a:srgbClr val="569CD6"/>
+                </a:solidFill>
+                <a:effectLst/>
+                <a:highlight>
+                  <a:srgbClr val="1F1F1F"/>
+                </a:highlight>
+                <a:latin typeface="Consolas" panose="020B0609020204030204" pitchFamily="49" charset="0"/>
+              </a:rPr>
+              <a:t>{</a:t>
+            </a:r>
+            <a:r>
+              <a:rPr lang="pt-BR" b="0">
+                <a:solidFill>
+                  <a:srgbClr val="9CDCFE"/>
+                </a:solidFill>
+                <a:effectLst/>
+                <a:highlight>
+                  <a:srgbClr val="1F1F1F"/>
+                </a:highlight>
+                <a:latin typeface="Consolas" panose="020B0609020204030204" pitchFamily="49" charset="0"/>
+              </a:rPr>
+              <a:t>x</a:t>
+            </a:r>
+            <a:r>
+              <a:rPr lang="pt-BR" b="0">
+                <a:solidFill>
+                  <a:srgbClr val="D4D4D4"/>
+                </a:solidFill>
+                <a:effectLst/>
+                <a:highlight>
+                  <a:srgbClr val="1F1F1F"/>
+                </a:highlight>
+                <a:latin typeface="Consolas" panose="020B0609020204030204" pitchFamily="49" charset="0"/>
+              </a:rPr>
+              <a:t>*</a:t>
+            </a:r>
+            <a:r>
+              <a:rPr lang="pt-BR" b="0">
+                <a:solidFill>
+                  <a:srgbClr val="9CDCFE"/>
+                </a:solidFill>
+                <a:effectLst/>
+                <a:highlight>
+                  <a:srgbClr val="1F1F1F"/>
+                </a:highlight>
+                <a:latin typeface="Consolas" panose="020B0609020204030204" pitchFamily="49" charset="0"/>
+              </a:rPr>
+              <a:t>y</a:t>
+            </a:r>
+            <a:r>
+              <a:rPr lang="pt-BR" b="0">
+                <a:solidFill>
+                  <a:srgbClr val="569CD6"/>
+                </a:solidFill>
+                <a:effectLst/>
+                <a:highlight>
+                  <a:srgbClr val="1F1F1F"/>
+                </a:highlight>
+                <a:latin typeface="Consolas" panose="020B0609020204030204" pitchFamily="49" charset="0"/>
+              </a:rPr>
+              <a:t>}</a:t>
+            </a:r>
+            <a:r>
+              <a:rPr lang="pt-BR" b="0">
+                <a:solidFill>
+                  <a:srgbClr val="CE9178"/>
+                </a:solidFill>
+                <a:effectLst/>
+                <a:highlight>
+                  <a:srgbClr val="1F1F1F"/>
+                </a:highlight>
+                <a:latin typeface="Consolas" panose="020B0609020204030204" pitchFamily="49" charset="0"/>
+              </a:rPr>
+              <a:t>"</a:t>
+            </a:r>
+            <a:r>
+              <a:rPr lang="pt-BR" b="0">
+                <a:solidFill>
+                  <a:srgbClr val="CCCCCC"/>
+                </a:solidFill>
+                <a:effectLst/>
+                <a:highlight>
+                  <a:srgbClr val="1F1F1F"/>
+                </a:highlight>
+                <a:latin typeface="Consolas" panose="020B0609020204030204" pitchFamily="49" charset="0"/>
+              </a:rPr>
+              <a:t>)</a:t>
+            </a:r>
+          </a:p>
+          <a:p>
+            <a:br>
+              <a:rPr lang="pt-BR" b="0">
+                <a:solidFill>
+                  <a:srgbClr val="CCCCCC"/>
+                </a:solidFill>
+                <a:effectLst/>
+                <a:highlight>
+                  <a:srgbClr val="1F1F1F"/>
+                </a:highlight>
+                <a:latin typeface="Consolas" panose="020B0609020204030204" pitchFamily="49" charset="0"/>
+              </a:rPr>
+            </a:br>
+            <a:br>
+              <a:rPr lang="pt-BR" b="0">
+                <a:solidFill>
+                  <a:srgbClr val="CCCCCC"/>
+                </a:solidFill>
+                <a:effectLst/>
+                <a:highlight>
+                  <a:srgbClr val="1F1F1F"/>
+                </a:highlight>
+                <a:latin typeface="Consolas" panose="020B0609020204030204" pitchFamily="49" charset="0"/>
+              </a:rPr>
+            </a:br>
+            <a:br>
+              <a:rPr lang="pt-BR" b="0">
+                <a:solidFill>
+                  <a:srgbClr val="CCCCCC"/>
+                </a:solidFill>
+                <a:effectLst/>
+                <a:highlight>
+                  <a:srgbClr val="1F1F1F"/>
+                </a:highlight>
+                <a:latin typeface="Consolas" panose="020B0609020204030204" pitchFamily="49" charset="0"/>
+              </a:rPr>
+            </a:br>
+            <a:r>
+              <a:rPr lang="pt-BR" b="0">
+                <a:solidFill>
+                  <a:srgbClr val="DCDCAA"/>
+                </a:solidFill>
+                <a:effectLst/>
+                <a:highlight>
+                  <a:srgbClr val="1F1F1F"/>
+                </a:highlight>
+                <a:latin typeface="Consolas" panose="020B0609020204030204" pitchFamily="49" charset="0"/>
+              </a:rPr>
+              <a:t>soma</a:t>
+            </a:r>
+            <a:r>
+              <a:rPr lang="pt-BR" b="0">
+                <a:solidFill>
+                  <a:srgbClr val="CCCCCC"/>
+                </a:solidFill>
+                <a:effectLst/>
+                <a:highlight>
+                  <a:srgbClr val="1F1F1F"/>
+                </a:highlight>
+                <a:latin typeface="Consolas" panose="020B0609020204030204" pitchFamily="49" charset="0"/>
+              </a:rPr>
+              <a:t>(</a:t>
+            </a:r>
+            <a:r>
+              <a:rPr lang="pt-BR" b="0">
+                <a:solidFill>
+                  <a:srgbClr val="B5CEA8"/>
+                </a:solidFill>
+                <a:effectLst/>
+                <a:highlight>
+                  <a:srgbClr val="1F1F1F"/>
+                </a:highlight>
+                <a:latin typeface="Consolas" panose="020B0609020204030204" pitchFamily="49" charset="0"/>
+              </a:rPr>
+              <a:t>2</a:t>
+            </a:r>
+            <a:r>
+              <a:rPr lang="pt-BR" b="0">
+                <a:solidFill>
+                  <a:srgbClr val="CCCCCC"/>
+                </a:solidFill>
+                <a:effectLst/>
+                <a:highlight>
+                  <a:srgbClr val="1F1F1F"/>
+                </a:highlight>
+                <a:latin typeface="Consolas" panose="020B0609020204030204" pitchFamily="49" charset="0"/>
+              </a:rPr>
+              <a:t>,</a:t>
+            </a:r>
+            <a:r>
+              <a:rPr lang="pt-BR" b="0">
+                <a:solidFill>
+                  <a:srgbClr val="B5CEA8"/>
+                </a:solidFill>
+                <a:effectLst/>
+                <a:highlight>
+                  <a:srgbClr val="1F1F1F"/>
+                </a:highlight>
+                <a:latin typeface="Consolas" panose="020B0609020204030204" pitchFamily="49" charset="0"/>
+              </a:rPr>
+              <a:t>3</a:t>
+            </a:r>
+            <a:r>
+              <a:rPr lang="pt-BR" b="0">
+                <a:solidFill>
+                  <a:srgbClr val="CCCCCC"/>
+                </a:solidFill>
+                <a:effectLst/>
+                <a:highlight>
+                  <a:srgbClr val="1F1F1F"/>
+                </a:highlight>
+                <a:latin typeface="Consolas" panose="020B0609020204030204" pitchFamily="49" charset="0"/>
+              </a:rPr>
+              <a:t>)</a:t>
+            </a:r>
+          </a:p>
+          <a:p>
+            <a:r>
+              <a:rPr lang="pt-BR" b="0">
+                <a:solidFill>
+                  <a:srgbClr val="DCDCAA"/>
+                </a:solidFill>
+                <a:effectLst/>
+                <a:highlight>
+                  <a:srgbClr val="1F1F1F"/>
+                </a:highlight>
+                <a:latin typeface="Consolas" panose="020B0609020204030204" pitchFamily="49" charset="0"/>
+              </a:rPr>
+              <a:t>multiplica</a:t>
+            </a:r>
+            <a:r>
+              <a:rPr lang="pt-BR" b="0">
+                <a:solidFill>
+                  <a:srgbClr val="CCCCCC"/>
+                </a:solidFill>
+                <a:effectLst/>
+                <a:highlight>
+                  <a:srgbClr val="1F1F1F"/>
+                </a:highlight>
+                <a:latin typeface="Consolas" panose="020B0609020204030204" pitchFamily="49" charset="0"/>
+              </a:rPr>
+              <a:t>(</a:t>
+            </a:r>
+            <a:r>
+              <a:rPr lang="pt-BR" b="0">
+                <a:solidFill>
+                  <a:srgbClr val="B5CEA8"/>
+                </a:solidFill>
+                <a:effectLst/>
+                <a:highlight>
+                  <a:srgbClr val="1F1F1F"/>
+                </a:highlight>
+                <a:latin typeface="Consolas" panose="020B0609020204030204" pitchFamily="49" charset="0"/>
+              </a:rPr>
+              <a:t>4</a:t>
+            </a:r>
+            <a:r>
+              <a:rPr lang="pt-BR" b="0">
+                <a:solidFill>
+                  <a:srgbClr val="CCCCCC"/>
+                </a:solidFill>
+                <a:effectLst/>
+                <a:highlight>
+                  <a:srgbClr val="1F1F1F"/>
+                </a:highlight>
+                <a:latin typeface="Consolas" panose="020B0609020204030204" pitchFamily="49" charset="0"/>
+              </a:rPr>
+              <a:t>,</a:t>
+            </a:r>
+            <a:r>
+              <a:rPr lang="pt-BR" b="0">
+                <a:solidFill>
+                  <a:srgbClr val="B5CEA8"/>
+                </a:solidFill>
+                <a:effectLst/>
+                <a:highlight>
+                  <a:srgbClr val="1F1F1F"/>
+                </a:highlight>
+                <a:latin typeface="Consolas" panose="020B0609020204030204" pitchFamily="49" charset="0"/>
+              </a:rPr>
+              <a:t>5</a:t>
+            </a:r>
+            <a:r>
+              <a:rPr lang="pt-BR" b="0">
+                <a:solidFill>
+                  <a:srgbClr val="CCCCCC"/>
+                </a:solidFill>
+                <a:effectLst/>
+                <a:highlight>
+                  <a:srgbClr val="1F1F1F"/>
+                </a:highlight>
+                <a:latin typeface="Consolas" panose="020B0609020204030204" pitchFamily="49" charset="0"/>
+              </a:rPr>
+              <a:t>)</a:t>
+            </a:r>
+          </a:p>
+          <a:p>
+            <a:br>
+              <a:rPr lang="pt-BR" b="0">
+                <a:solidFill>
+                  <a:srgbClr val="CCCCCC"/>
+                </a:solidFill>
+                <a:effectLst/>
+                <a:highlight>
+                  <a:srgbClr val="1F1F1F"/>
+                </a:highlight>
+                <a:latin typeface="Consolas" panose="020B0609020204030204" pitchFamily="49" charset="0"/>
+              </a:rPr>
+            </a:br>
+            <a:endParaRPr lang="pt-BR" b="0">
               <a:solidFill>
                 <a:srgbClr val="CCCCCC"/>
               </a:solidFill>
@@ -9452,470 +11193,12 @@
               <a:latin typeface="Consolas" panose="020B0609020204030204" pitchFamily="49" charset="0"/>
             </a:endParaRPr>
           </a:p>
-          <a:p>
-            <a:r>
-              <a:rPr lang="pt-BR" b="0" dirty="0" err="1">
-                <a:solidFill>
-                  <a:srgbClr val="4EC9B0"/>
-                </a:solidFill>
-                <a:effectLst/>
-                <a:highlight>
-                  <a:srgbClr val="1F1F1F"/>
-                </a:highlight>
-                <a:latin typeface="Consolas" panose="020B0609020204030204" pitchFamily="49" charset="0"/>
-              </a:rPr>
-              <a:t>os</a:t>
-            </a:r>
-            <a:r>
-              <a:rPr lang="pt-BR" b="0" dirty="0" err="1">
-                <a:solidFill>
-                  <a:srgbClr val="CCCCCC"/>
-                </a:solidFill>
-                <a:effectLst/>
-                <a:highlight>
-                  <a:srgbClr val="1F1F1F"/>
-                </a:highlight>
-                <a:latin typeface="Consolas" panose="020B0609020204030204" pitchFamily="49" charset="0"/>
-              </a:rPr>
-              <a:t>.</a:t>
-            </a:r>
-            <a:r>
-              <a:rPr lang="pt-BR" b="0" dirty="0" err="1">
-                <a:solidFill>
-                  <a:srgbClr val="DCDCAA"/>
-                </a:solidFill>
-                <a:effectLst/>
-                <a:highlight>
-                  <a:srgbClr val="1F1F1F"/>
-                </a:highlight>
-                <a:latin typeface="Consolas" panose="020B0609020204030204" pitchFamily="49" charset="0"/>
-              </a:rPr>
-              <a:t>system</a:t>
-            </a:r>
-            <a:r>
-              <a:rPr lang="pt-BR" b="0" dirty="0">
-                <a:solidFill>
-                  <a:srgbClr val="CCCCCC"/>
-                </a:solidFill>
-                <a:effectLst/>
-                <a:highlight>
-                  <a:srgbClr val="1F1F1F"/>
-                </a:highlight>
-                <a:latin typeface="Consolas" panose="020B0609020204030204" pitchFamily="49" charset="0"/>
-              </a:rPr>
-              <a:t>(</a:t>
-            </a:r>
-            <a:r>
-              <a:rPr lang="pt-BR" b="0" dirty="0">
-                <a:solidFill>
-                  <a:srgbClr val="CE9178"/>
-                </a:solidFill>
-                <a:effectLst/>
-                <a:highlight>
-                  <a:srgbClr val="1F1F1F"/>
-                </a:highlight>
-                <a:latin typeface="Consolas" panose="020B0609020204030204" pitchFamily="49" charset="0"/>
-              </a:rPr>
-              <a:t>"</a:t>
-            </a:r>
-            <a:r>
-              <a:rPr lang="pt-BR" b="0" dirty="0" err="1">
-                <a:solidFill>
-                  <a:srgbClr val="CE9178"/>
-                </a:solidFill>
-                <a:effectLst/>
-                <a:highlight>
-                  <a:srgbClr val="1F1F1F"/>
-                </a:highlight>
-                <a:latin typeface="Consolas" panose="020B0609020204030204" pitchFamily="49" charset="0"/>
-              </a:rPr>
-              <a:t>cls</a:t>
-            </a:r>
-            <a:r>
-              <a:rPr lang="pt-BR" b="0" dirty="0">
-                <a:solidFill>
-                  <a:srgbClr val="CE9178"/>
-                </a:solidFill>
-                <a:effectLst/>
-                <a:highlight>
-                  <a:srgbClr val="1F1F1F"/>
-                </a:highlight>
-                <a:latin typeface="Consolas" panose="020B0609020204030204" pitchFamily="49" charset="0"/>
-              </a:rPr>
-              <a:t>"</a:t>
-            </a:r>
-            <a:r>
-              <a:rPr lang="pt-BR" b="0" dirty="0">
-                <a:solidFill>
-                  <a:srgbClr val="CCCCCC"/>
-                </a:solidFill>
-                <a:effectLst/>
-                <a:highlight>
-                  <a:srgbClr val="1F1F1F"/>
-                </a:highlight>
-                <a:latin typeface="Consolas" panose="020B0609020204030204" pitchFamily="49" charset="0"/>
-              </a:rPr>
-              <a:t>)</a:t>
-            </a:r>
-          </a:p>
-          <a:p>
-            <a:br>
-              <a:rPr lang="pt-BR" b="0" dirty="0">
-                <a:solidFill>
-                  <a:srgbClr val="CCCCCC"/>
-                </a:solidFill>
-                <a:effectLst/>
-                <a:highlight>
-                  <a:srgbClr val="1F1F1F"/>
-                </a:highlight>
-                <a:latin typeface="Consolas" panose="020B0609020204030204" pitchFamily="49" charset="0"/>
-              </a:rPr>
-            </a:br>
-            <a:r>
-              <a:rPr lang="pt-BR" b="0" dirty="0" err="1">
-                <a:solidFill>
-                  <a:srgbClr val="569CD6"/>
-                </a:solidFill>
-                <a:effectLst/>
-                <a:highlight>
-                  <a:srgbClr val="1F1F1F"/>
-                </a:highlight>
-                <a:latin typeface="Consolas" panose="020B0609020204030204" pitchFamily="49" charset="0"/>
-              </a:rPr>
-              <a:t>def</a:t>
-            </a:r>
-            <a:r>
-              <a:rPr lang="pt-BR" b="0" dirty="0">
-                <a:solidFill>
-                  <a:srgbClr val="CCCCCC"/>
-                </a:solidFill>
-                <a:effectLst/>
-                <a:highlight>
-                  <a:srgbClr val="1F1F1F"/>
-                </a:highlight>
-                <a:latin typeface="Consolas" panose="020B0609020204030204" pitchFamily="49" charset="0"/>
-              </a:rPr>
-              <a:t> </a:t>
-            </a:r>
-            <a:r>
-              <a:rPr lang="pt-BR" b="0" dirty="0" err="1">
-                <a:solidFill>
-                  <a:srgbClr val="DCDCAA"/>
-                </a:solidFill>
-                <a:effectLst/>
-                <a:highlight>
-                  <a:srgbClr val="1F1F1F"/>
-                </a:highlight>
-                <a:latin typeface="Consolas" panose="020B0609020204030204" pitchFamily="49" charset="0"/>
-              </a:rPr>
-              <a:t>fucaoMutiplicar</a:t>
-            </a:r>
-            <a:r>
-              <a:rPr lang="pt-BR" b="0" dirty="0">
-                <a:solidFill>
-                  <a:srgbClr val="CCCCCC"/>
-                </a:solidFill>
-                <a:effectLst/>
-                <a:highlight>
-                  <a:srgbClr val="1F1F1F"/>
-                </a:highlight>
-                <a:latin typeface="Consolas" panose="020B0609020204030204" pitchFamily="49" charset="0"/>
-              </a:rPr>
-              <a:t>(</a:t>
-            </a:r>
-            <a:r>
-              <a:rPr lang="pt-BR" b="0" dirty="0">
-                <a:solidFill>
-                  <a:srgbClr val="9CDCFE"/>
-                </a:solidFill>
-                <a:effectLst/>
-                <a:highlight>
-                  <a:srgbClr val="1F1F1F"/>
-                </a:highlight>
-                <a:latin typeface="Consolas" panose="020B0609020204030204" pitchFamily="49" charset="0"/>
-              </a:rPr>
-              <a:t>x</a:t>
-            </a:r>
-            <a:r>
-              <a:rPr lang="pt-BR" b="0" dirty="0">
-                <a:solidFill>
-                  <a:srgbClr val="CCCCCC"/>
-                </a:solidFill>
-                <a:effectLst/>
-                <a:highlight>
-                  <a:srgbClr val="1F1F1F"/>
-                </a:highlight>
-                <a:latin typeface="Consolas" panose="020B0609020204030204" pitchFamily="49" charset="0"/>
-              </a:rPr>
-              <a:t>, </a:t>
-            </a:r>
-            <a:r>
-              <a:rPr lang="pt-BR" b="0" dirty="0">
-                <a:solidFill>
-                  <a:srgbClr val="9CDCFE"/>
-                </a:solidFill>
-                <a:effectLst/>
-                <a:highlight>
-                  <a:srgbClr val="1F1F1F"/>
-                </a:highlight>
-                <a:latin typeface="Consolas" panose="020B0609020204030204" pitchFamily="49" charset="0"/>
-              </a:rPr>
-              <a:t>y</a:t>
-            </a:r>
-            <a:r>
-              <a:rPr lang="pt-BR" b="0" dirty="0">
-                <a:solidFill>
-                  <a:srgbClr val="CCCCCC"/>
-                </a:solidFill>
-                <a:effectLst/>
-                <a:highlight>
-                  <a:srgbClr val="1F1F1F"/>
-                </a:highlight>
-                <a:latin typeface="Consolas" panose="020B0609020204030204" pitchFamily="49" charset="0"/>
-              </a:rPr>
-              <a:t>):</a:t>
-            </a:r>
-          </a:p>
-          <a:p>
-            <a:r>
-              <a:rPr lang="pt-BR" b="0" dirty="0">
-                <a:solidFill>
-                  <a:srgbClr val="CCCCCC"/>
-                </a:solidFill>
-                <a:effectLst/>
-                <a:highlight>
-                  <a:srgbClr val="1F1F1F"/>
-                </a:highlight>
-                <a:latin typeface="Consolas" panose="020B0609020204030204" pitchFamily="49" charset="0"/>
-              </a:rPr>
-              <a:t>    </a:t>
-            </a:r>
-            <a:r>
-              <a:rPr lang="pt-BR" b="0" dirty="0" err="1">
-                <a:solidFill>
-                  <a:srgbClr val="C586C0"/>
-                </a:solidFill>
-                <a:effectLst/>
-                <a:highlight>
-                  <a:srgbClr val="1F1F1F"/>
-                </a:highlight>
-                <a:latin typeface="Consolas" panose="020B0609020204030204" pitchFamily="49" charset="0"/>
-              </a:rPr>
-              <a:t>return</a:t>
-            </a:r>
-            <a:r>
-              <a:rPr lang="pt-BR" b="0" dirty="0">
-                <a:solidFill>
-                  <a:srgbClr val="CCCCCC"/>
-                </a:solidFill>
-                <a:effectLst/>
-                <a:highlight>
-                  <a:srgbClr val="1F1F1F"/>
-                </a:highlight>
-                <a:latin typeface="Consolas" panose="020B0609020204030204" pitchFamily="49" charset="0"/>
-              </a:rPr>
-              <a:t> </a:t>
-            </a:r>
-            <a:r>
-              <a:rPr lang="pt-BR" b="0" dirty="0">
-                <a:solidFill>
-                  <a:srgbClr val="9CDCFE"/>
-                </a:solidFill>
-                <a:effectLst/>
-                <a:highlight>
-                  <a:srgbClr val="1F1F1F"/>
-                </a:highlight>
-                <a:latin typeface="Consolas" panose="020B0609020204030204" pitchFamily="49" charset="0"/>
-              </a:rPr>
-              <a:t>x</a:t>
-            </a:r>
-            <a:r>
-              <a:rPr lang="pt-BR" b="0" dirty="0">
-                <a:solidFill>
-                  <a:srgbClr val="CCCCCC"/>
-                </a:solidFill>
-                <a:effectLst/>
-                <a:highlight>
-                  <a:srgbClr val="1F1F1F"/>
-                </a:highlight>
-                <a:latin typeface="Consolas" panose="020B0609020204030204" pitchFamily="49" charset="0"/>
-              </a:rPr>
-              <a:t> </a:t>
-            </a:r>
-            <a:r>
-              <a:rPr lang="pt-BR" b="0" dirty="0">
-                <a:solidFill>
-                  <a:srgbClr val="D4D4D4"/>
-                </a:solidFill>
-                <a:effectLst/>
-                <a:highlight>
-                  <a:srgbClr val="1F1F1F"/>
-                </a:highlight>
-                <a:latin typeface="Consolas" panose="020B0609020204030204" pitchFamily="49" charset="0"/>
-              </a:rPr>
-              <a:t>*</a:t>
-            </a:r>
-            <a:r>
-              <a:rPr lang="pt-BR" b="0" dirty="0">
-                <a:solidFill>
-                  <a:srgbClr val="CCCCCC"/>
-                </a:solidFill>
-                <a:effectLst/>
-                <a:highlight>
-                  <a:srgbClr val="1F1F1F"/>
-                </a:highlight>
-                <a:latin typeface="Consolas" panose="020B0609020204030204" pitchFamily="49" charset="0"/>
-              </a:rPr>
-              <a:t> </a:t>
-            </a:r>
-            <a:r>
-              <a:rPr lang="pt-BR" b="0" dirty="0">
-                <a:solidFill>
-                  <a:srgbClr val="9CDCFE"/>
-                </a:solidFill>
-                <a:effectLst/>
-                <a:highlight>
-                  <a:srgbClr val="1F1F1F"/>
-                </a:highlight>
-                <a:latin typeface="Consolas" panose="020B0609020204030204" pitchFamily="49" charset="0"/>
-              </a:rPr>
-              <a:t>y</a:t>
-            </a:r>
-            <a:endParaRPr lang="pt-BR" b="0" dirty="0">
-              <a:solidFill>
-                <a:srgbClr val="CCCCCC"/>
-              </a:solidFill>
-              <a:effectLst/>
-              <a:highlight>
-                <a:srgbClr val="1F1F1F"/>
-              </a:highlight>
-              <a:latin typeface="Consolas" panose="020B0609020204030204" pitchFamily="49" charset="0"/>
-            </a:endParaRPr>
-          </a:p>
-          <a:p>
-            <a:br>
-              <a:rPr lang="pt-BR" b="0" dirty="0">
-                <a:solidFill>
-                  <a:srgbClr val="CCCCCC"/>
-                </a:solidFill>
-                <a:effectLst/>
-                <a:highlight>
-                  <a:srgbClr val="1F1F1F"/>
-                </a:highlight>
-                <a:latin typeface="Consolas" panose="020B0609020204030204" pitchFamily="49" charset="0"/>
-              </a:rPr>
-            </a:br>
-            <a:r>
-              <a:rPr lang="pt-BR" b="0" dirty="0">
-                <a:solidFill>
-                  <a:srgbClr val="DCDCAA"/>
-                </a:solidFill>
-                <a:effectLst/>
-                <a:highlight>
-                  <a:srgbClr val="1F1F1F"/>
-                </a:highlight>
-                <a:latin typeface="Consolas" panose="020B0609020204030204" pitchFamily="49" charset="0"/>
-              </a:rPr>
-              <a:t>print</a:t>
-            </a:r>
-            <a:r>
-              <a:rPr lang="pt-BR" b="0" dirty="0">
-                <a:solidFill>
-                  <a:srgbClr val="CCCCCC"/>
-                </a:solidFill>
-                <a:effectLst/>
-                <a:highlight>
-                  <a:srgbClr val="1F1F1F"/>
-                </a:highlight>
-                <a:latin typeface="Consolas" panose="020B0609020204030204" pitchFamily="49" charset="0"/>
-              </a:rPr>
-              <a:t>(</a:t>
-            </a:r>
-            <a:r>
-              <a:rPr lang="pt-BR" b="0" dirty="0" err="1">
-                <a:solidFill>
-                  <a:srgbClr val="DCDCAA"/>
-                </a:solidFill>
-                <a:effectLst/>
-                <a:highlight>
-                  <a:srgbClr val="1F1F1F"/>
-                </a:highlight>
-                <a:latin typeface="Consolas" panose="020B0609020204030204" pitchFamily="49" charset="0"/>
-              </a:rPr>
-              <a:t>fucaoMutiplicar</a:t>
-            </a:r>
-            <a:r>
-              <a:rPr lang="pt-BR" b="0" dirty="0">
-                <a:solidFill>
-                  <a:srgbClr val="CCCCCC"/>
-                </a:solidFill>
-                <a:effectLst/>
-                <a:highlight>
-                  <a:srgbClr val="1F1F1F"/>
-                </a:highlight>
-                <a:latin typeface="Consolas" panose="020B0609020204030204" pitchFamily="49" charset="0"/>
-              </a:rPr>
-              <a:t>(</a:t>
-            </a:r>
-            <a:r>
-              <a:rPr lang="pt-BR" b="0" dirty="0">
-                <a:solidFill>
-                  <a:srgbClr val="B5CEA8"/>
-                </a:solidFill>
-                <a:effectLst/>
-                <a:highlight>
-                  <a:srgbClr val="1F1F1F"/>
-                </a:highlight>
-                <a:latin typeface="Consolas" panose="020B0609020204030204" pitchFamily="49" charset="0"/>
-              </a:rPr>
-              <a:t>2</a:t>
-            </a:r>
-            <a:r>
-              <a:rPr lang="pt-BR" b="0" dirty="0">
-                <a:solidFill>
-                  <a:srgbClr val="CCCCCC"/>
-                </a:solidFill>
-                <a:effectLst/>
-                <a:highlight>
-                  <a:srgbClr val="1F1F1F"/>
-                </a:highlight>
-                <a:latin typeface="Consolas" panose="020B0609020204030204" pitchFamily="49" charset="0"/>
-              </a:rPr>
-              <a:t>, </a:t>
-            </a:r>
-            <a:r>
-              <a:rPr lang="pt-BR" b="0" dirty="0">
-                <a:solidFill>
-                  <a:srgbClr val="B5CEA8"/>
-                </a:solidFill>
-                <a:effectLst/>
-                <a:highlight>
-                  <a:srgbClr val="1F1F1F"/>
-                </a:highlight>
-                <a:latin typeface="Consolas" panose="020B0609020204030204" pitchFamily="49" charset="0"/>
-              </a:rPr>
-              <a:t>3</a:t>
-            </a:r>
-            <a:r>
-              <a:rPr lang="pt-BR" b="0" dirty="0">
-                <a:solidFill>
-                  <a:srgbClr val="CCCCCC"/>
-                </a:solidFill>
-                <a:effectLst/>
-                <a:highlight>
-                  <a:srgbClr val="1F1F1F"/>
-                </a:highlight>
-                <a:latin typeface="Consolas" panose="020B0609020204030204" pitchFamily="49" charset="0"/>
-              </a:rPr>
-              <a:t>))</a:t>
-            </a:r>
-          </a:p>
         </p:txBody>
       </p:sp>
     </p:spTree>
     <p:extLst>
       <p:ext uri="{BB962C8B-B14F-4D97-AF65-F5344CB8AC3E}">
-        <p14:creationId xmlns:p14="http://schemas.microsoft.com/office/powerpoint/2010/main" val="1233383256"/>
+        <p14:creationId xmlns:p14="http://schemas.microsoft.com/office/powerpoint/2010/main" val="2887969819"/>
       </p:ext>
     </p:extLst>
   </p:cSld>
@@ -9975,7 +11258,7 @@
           <a:p>
             <a:r>
               <a:rPr lang="pt-BR" dirty="0"/>
-              <a:t>Exercício2	</a:t>
+              <a:t>Exercício1	</a:t>
             </a:r>
           </a:p>
         </p:txBody>
@@ -10029,6 +11312,659 @@
       </p:pic>
       <p:sp>
         <p:nvSpPr>
+          <p:cNvPr id="5" name="CaixaDeTexto 4">
+            <a:extLst>
+              <a:ext uri="{FF2B5EF4-FFF2-40B4-BE49-F238E27FC236}">
+                <a16:creationId xmlns:a16="http://schemas.microsoft.com/office/drawing/2014/main" id="{9A063CA9-2D7C-EBD4-A6E0-80E3DD4DC7F0}"/>
+              </a:ext>
+            </a:extLst>
+          </p:cNvPr>
+          <p:cNvSpPr txBox="1"/>
+          <p:nvPr/>
+        </p:nvSpPr>
+        <p:spPr>
+          <a:xfrm>
+            <a:off x="1251678" y="1508269"/>
+            <a:ext cx="6097554" cy="2031325"/>
+          </a:xfrm>
+          <a:prstGeom prst="rect">
+            <a:avLst/>
+          </a:prstGeom>
+          <a:noFill/>
+        </p:spPr>
+        <p:txBody>
+          <a:bodyPr wrap="square">
+            <a:spAutoFit/>
+          </a:bodyPr>
+          <a:lstStyle/>
+          <a:p>
+            <a:r>
+              <a:rPr lang="pt-BR" b="0" dirty="0" err="1">
+                <a:solidFill>
+                  <a:srgbClr val="C586C0"/>
+                </a:solidFill>
+                <a:effectLst/>
+                <a:highlight>
+                  <a:srgbClr val="1F1F1F"/>
+                </a:highlight>
+                <a:latin typeface="Consolas" panose="020B0609020204030204" pitchFamily="49" charset="0"/>
+              </a:rPr>
+              <a:t>import</a:t>
+            </a:r>
+            <a:r>
+              <a:rPr lang="pt-BR" b="0" dirty="0">
+                <a:solidFill>
+                  <a:srgbClr val="CCCCCC"/>
+                </a:solidFill>
+                <a:effectLst/>
+                <a:highlight>
+                  <a:srgbClr val="1F1F1F"/>
+                </a:highlight>
+                <a:latin typeface="Consolas" panose="020B0609020204030204" pitchFamily="49" charset="0"/>
+              </a:rPr>
+              <a:t> </a:t>
+            </a:r>
+            <a:r>
+              <a:rPr lang="pt-BR" b="0" dirty="0">
+                <a:solidFill>
+                  <a:srgbClr val="4EC9B0"/>
+                </a:solidFill>
+                <a:effectLst/>
+                <a:highlight>
+                  <a:srgbClr val="1F1F1F"/>
+                </a:highlight>
+                <a:latin typeface="Consolas" panose="020B0609020204030204" pitchFamily="49" charset="0"/>
+              </a:rPr>
+              <a:t>os</a:t>
+            </a:r>
+            <a:endParaRPr lang="pt-BR" b="0" dirty="0">
+              <a:solidFill>
+                <a:srgbClr val="CCCCCC"/>
+              </a:solidFill>
+              <a:effectLst/>
+              <a:highlight>
+                <a:srgbClr val="1F1F1F"/>
+              </a:highlight>
+              <a:latin typeface="Consolas" panose="020B0609020204030204" pitchFamily="49" charset="0"/>
+            </a:endParaRPr>
+          </a:p>
+          <a:p>
+            <a:r>
+              <a:rPr lang="pt-BR" b="0" dirty="0" err="1">
+                <a:solidFill>
+                  <a:srgbClr val="4EC9B0"/>
+                </a:solidFill>
+                <a:effectLst/>
+                <a:highlight>
+                  <a:srgbClr val="1F1F1F"/>
+                </a:highlight>
+                <a:latin typeface="Consolas" panose="020B0609020204030204" pitchFamily="49" charset="0"/>
+              </a:rPr>
+              <a:t>os</a:t>
+            </a:r>
+            <a:r>
+              <a:rPr lang="pt-BR" b="0" dirty="0" err="1">
+                <a:solidFill>
+                  <a:srgbClr val="CCCCCC"/>
+                </a:solidFill>
+                <a:effectLst/>
+                <a:highlight>
+                  <a:srgbClr val="1F1F1F"/>
+                </a:highlight>
+                <a:latin typeface="Consolas" panose="020B0609020204030204" pitchFamily="49" charset="0"/>
+              </a:rPr>
+              <a:t>.</a:t>
+            </a:r>
+            <a:r>
+              <a:rPr lang="pt-BR" b="0" dirty="0" err="1">
+                <a:solidFill>
+                  <a:srgbClr val="DCDCAA"/>
+                </a:solidFill>
+                <a:effectLst/>
+                <a:highlight>
+                  <a:srgbClr val="1F1F1F"/>
+                </a:highlight>
+                <a:latin typeface="Consolas" panose="020B0609020204030204" pitchFamily="49" charset="0"/>
+              </a:rPr>
+              <a:t>system</a:t>
+            </a:r>
+            <a:r>
+              <a:rPr lang="pt-BR" b="0" dirty="0">
+                <a:solidFill>
+                  <a:srgbClr val="CCCCCC"/>
+                </a:solidFill>
+                <a:effectLst/>
+                <a:highlight>
+                  <a:srgbClr val="1F1F1F"/>
+                </a:highlight>
+                <a:latin typeface="Consolas" panose="020B0609020204030204" pitchFamily="49" charset="0"/>
+              </a:rPr>
+              <a:t>(</a:t>
+            </a:r>
+            <a:r>
+              <a:rPr lang="pt-BR" b="0" dirty="0">
+                <a:solidFill>
+                  <a:srgbClr val="CE9178"/>
+                </a:solidFill>
+                <a:effectLst/>
+                <a:highlight>
+                  <a:srgbClr val="1F1F1F"/>
+                </a:highlight>
+                <a:latin typeface="Consolas" panose="020B0609020204030204" pitchFamily="49" charset="0"/>
+              </a:rPr>
+              <a:t>"</a:t>
+            </a:r>
+            <a:r>
+              <a:rPr lang="pt-BR" b="0" dirty="0" err="1">
+                <a:solidFill>
+                  <a:srgbClr val="CE9178"/>
+                </a:solidFill>
+                <a:effectLst/>
+                <a:highlight>
+                  <a:srgbClr val="1F1F1F"/>
+                </a:highlight>
+                <a:latin typeface="Consolas" panose="020B0609020204030204" pitchFamily="49" charset="0"/>
+              </a:rPr>
+              <a:t>cls</a:t>
+            </a:r>
+            <a:r>
+              <a:rPr lang="pt-BR" b="0" dirty="0">
+                <a:solidFill>
+                  <a:srgbClr val="CE9178"/>
+                </a:solidFill>
+                <a:effectLst/>
+                <a:highlight>
+                  <a:srgbClr val="1F1F1F"/>
+                </a:highlight>
+                <a:latin typeface="Consolas" panose="020B0609020204030204" pitchFamily="49" charset="0"/>
+              </a:rPr>
+              <a:t>"</a:t>
+            </a:r>
+            <a:r>
+              <a:rPr lang="pt-BR" b="0" dirty="0">
+                <a:solidFill>
+                  <a:srgbClr val="CCCCCC"/>
+                </a:solidFill>
+                <a:effectLst/>
+                <a:highlight>
+                  <a:srgbClr val="1F1F1F"/>
+                </a:highlight>
+                <a:latin typeface="Consolas" panose="020B0609020204030204" pitchFamily="49" charset="0"/>
+              </a:rPr>
+              <a:t>)</a:t>
+            </a:r>
+          </a:p>
+          <a:p>
+            <a:br>
+              <a:rPr lang="pt-BR" b="0" dirty="0">
+                <a:solidFill>
+                  <a:srgbClr val="CCCCCC"/>
+                </a:solidFill>
+                <a:effectLst/>
+                <a:highlight>
+                  <a:srgbClr val="1F1F1F"/>
+                </a:highlight>
+                <a:latin typeface="Consolas" panose="020B0609020204030204" pitchFamily="49" charset="0"/>
+              </a:rPr>
+            </a:br>
+            <a:r>
+              <a:rPr lang="pt-BR" b="0" dirty="0" err="1">
+                <a:solidFill>
+                  <a:srgbClr val="569CD6"/>
+                </a:solidFill>
+                <a:effectLst/>
+                <a:highlight>
+                  <a:srgbClr val="1F1F1F"/>
+                </a:highlight>
+                <a:latin typeface="Consolas" panose="020B0609020204030204" pitchFamily="49" charset="0"/>
+              </a:rPr>
+              <a:t>def</a:t>
+            </a:r>
+            <a:r>
+              <a:rPr lang="pt-BR" b="0" dirty="0">
+                <a:solidFill>
+                  <a:srgbClr val="CCCCCC"/>
+                </a:solidFill>
+                <a:effectLst/>
+                <a:highlight>
+                  <a:srgbClr val="1F1F1F"/>
+                </a:highlight>
+                <a:latin typeface="Consolas" panose="020B0609020204030204" pitchFamily="49" charset="0"/>
+              </a:rPr>
+              <a:t> </a:t>
+            </a:r>
+            <a:r>
+              <a:rPr lang="pt-BR" b="0" dirty="0" err="1">
+                <a:solidFill>
+                  <a:srgbClr val="DCDCAA"/>
+                </a:solidFill>
+                <a:effectLst/>
+                <a:highlight>
+                  <a:srgbClr val="1F1F1F"/>
+                </a:highlight>
+                <a:latin typeface="Consolas" panose="020B0609020204030204" pitchFamily="49" charset="0"/>
+              </a:rPr>
+              <a:t>fucaoMutiplicar</a:t>
+            </a:r>
+            <a:r>
+              <a:rPr lang="pt-BR" b="0" dirty="0">
+                <a:solidFill>
+                  <a:srgbClr val="CCCCCC"/>
+                </a:solidFill>
+                <a:effectLst/>
+                <a:highlight>
+                  <a:srgbClr val="1F1F1F"/>
+                </a:highlight>
+                <a:latin typeface="Consolas" panose="020B0609020204030204" pitchFamily="49" charset="0"/>
+              </a:rPr>
+              <a:t>(</a:t>
+            </a:r>
+            <a:r>
+              <a:rPr lang="pt-BR" b="0" dirty="0">
+                <a:solidFill>
+                  <a:srgbClr val="9CDCFE"/>
+                </a:solidFill>
+                <a:effectLst/>
+                <a:highlight>
+                  <a:srgbClr val="1F1F1F"/>
+                </a:highlight>
+                <a:latin typeface="Consolas" panose="020B0609020204030204" pitchFamily="49" charset="0"/>
+              </a:rPr>
+              <a:t>x</a:t>
+            </a:r>
+            <a:r>
+              <a:rPr lang="pt-BR" b="0" dirty="0">
+                <a:solidFill>
+                  <a:srgbClr val="CCCCCC"/>
+                </a:solidFill>
+                <a:effectLst/>
+                <a:highlight>
+                  <a:srgbClr val="1F1F1F"/>
+                </a:highlight>
+                <a:latin typeface="Consolas" panose="020B0609020204030204" pitchFamily="49" charset="0"/>
+              </a:rPr>
+              <a:t>, </a:t>
+            </a:r>
+            <a:r>
+              <a:rPr lang="pt-BR" b="0" dirty="0">
+                <a:solidFill>
+                  <a:srgbClr val="9CDCFE"/>
+                </a:solidFill>
+                <a:effectLst/>
+                <a:highlight>
+                  <a:srgbClr val="1F1F1F"/>
+                </a:highlight>
+                <a:latin typeface="Consolas" panose="020B0609020204030204" pitchFamily="49" charset="0"/>
+              </a:rPr>
+              <a:t>y</a:t>
+            </a:r>
+            <a:r>
+              <a:rPr lang="pt-BR" b="0" dirty="0">
+                <a:solidFill>
+                  <a:srgbClr val="CCCCCC"/>
+                </a:solidFill>
+                <a:effectLst/>
+                <a:highlight>
+                  <a:srgbClr val="1F1F1F"/>
+                </a:highlight>
+                <a:latin typeface="Consolas" panose="020B0609020204030204" pitchFamily="49" charset="0"/>
+              </a:rPr>
+              <a:t>):</a:t>
+            </a:r>
+          </a:p>
+          <a:p>
+            <a:r>
+              <a:rPr lang="pt-BR" b="0" dirty="0">
+                <a:solidFill>
+                  <a:srgbClr val="CCCCCC"/>
+                </a:solidFill>
+                <a:effectLst/>
+                <a:highlight>
+                  <a:srgbClr val="1F1F1F"/>
+                </a:highlight>
+                <a:latin typeface="Consolas" panose="020B0609020204030204" pitchFamily="49" charset="0"/>
+              </a:rPr>
+              <a:t>    </a:t>
+            </a:r>
+            <a:r>
+              <a:rPr lang="pt-BR" b="0" dirty="0" err="1">
+                <a:solidFill>
+                  <a:srgbClr val="C586C0"/>
+                </a:solidFill>
+                <a:effectLst/>
+                <a:highlight>
+                  <a:srgbClr val="1F1F1F"/>
+                </a:highlight>
+                <a:latin typeface="Consolas" panose="020B0609020204030204" pitchFamily="49" charset="0"/>
+              </a:rPr>
+              <a:t>return</a:t>
+            </a:r>
+            <a:r>
+              <a:rPr lang="pt-BR" b="0" dirty="0">
+                <a:solidFill>
+                  <a:srgbClr val="CCCCCC"/>
+                </a:solidFill>
+                <a:effectLst/>
+                <a:highlight>
+                  <a:srgbClr val="1F1F1F"/>
+                </a:highlight>
+                <a:latin typeface="Consolas" panose="020B0609020204030204" pitchFamily="49" charset="0"/>
+              </a:rPr>
+              <a:t> </a:t>
+            </a:r>
+            <a:r>
+              <a:rPr lang="pt-BR" b="0" dirty="0">
+                <a:solidFill>
+                  <a:srgbClr val="9CDCFE"/>
+                </a:solidFill>
+                <a:effectLst/>
+                <a:highlight>
+                  <a:srgbClr val="1F1F1F"/>
+                </a:highlight>
+                <a:latin typeface="Consolas" panose="020B0609020204030204" pitchFamily="49" charset="0"/>
+              </a:rPr>
+              <a:t>x</a:t>
+            </a:r>
+            <a:r>
+              <a:rPr lang="pt-BR" b="0" dirty="0">
+                <a:solidFill>
+                  <a:srgbClr val="CCCCCC"/>
+                </a:solidFill>
+                <a:effectLst/>
+                <a:highlight>
+                  <a:srgbClr val="1F1F1F"/>
+                </a:highlight>
+                <a:latin typeface="Consolas" panose="020B0609020204030204" pitchFamily="49" charset="0"/>
+              </a:rPr>
+              <a:t> </a:t>
+            </a:r>
+            <a:r>
+              <a:rPr lang="pt-BR" b="0" dirty="0">
+                <a:solidFill>
+                  <a:srgbClr val="D4D4D4"/>
+                </a:solidFill>
+                <a:effectLst/>
+                <a:highlight>
+                  <a:srgbClr val="1F1F1F"/>
+                </a:highlight>
+                <a:latin typeface="Consolas" panose="020B0609020204030204" pitchFamily="49" charset="0"/>
+              </a:rPr>
+              <a:t>*</a:t>
+            </a:r>
+            <a:r>
+              <a:rPr lang="pt-BR" b="0" dirty="0">
+                <a:solidFill>
+                  <a:srgbClr val="CCCCCC"/>
+                </a:solidFill>
+                <a:effectLst/>
+                <a:highlight>
+                  <a:srgbClr val="1F1F1F"/>
+                </a:highlight>
+                <a:latin typeface="Consolas" panose="020B0609020204030204" pitchFamily="49" charset="0"/>
+              </a:rPr>
+              <a:t> </a:t>
+            </a:r>
+            <a:r>
+              <a:rPr lang="pt-BR" b="0" dirty="0">
+                <a:solidFill>
+                  <a:srgbClr val="9CDCFE"/>
+                </a:solidFill>
+                <a:effectLst/>
+                <a:highlight>
+                  <a:srgbClr val="1F1F1F"/>
+                </a:highlight>
+                <a:latin typeface="Consolas" panose="020B0609020204030204" pitchFamily="49" charset="0"/>
+              </a:rPr>
+              <a:t>y</a:t>
+            </a:r>
+            <a:endParaRPr lang="pt-BR" b="0" dirty="0">
+              <a:solidFill>
+                <a:srgbClr val="CCCCCC"/>
+              </a:solidFill>
+              <a:effectLst/>
+              <a:highlight>
+                <a:srgbClr val="1F1F1F"/>
+              </a:highlight>
+              <a:latin typeface="Consolas" panose="020B0609020204030204" pitchFamily="49" charset="0"/>
+            </a:endParaRPr>
+          </a:p>
+          <a:p>
+            <a:br>
+              <a:rPr lang="pt-BR" b="0" dirty="0">
+                <a:solidFill>
+                  <a:srgbClr val="CCCCCC"/>
+                </a:solidFill>
+                <a:effectLst/>
+                <a:highlight>
+                  <a:srgbClr val="1F1F1F"/>
+                </a:highlight>
+                <a:latin typeface="Consolas" panose="020B0609020204030204" pitchFamily="49" charset="0"/>
+              </a:rPr>
+            </a:br>
+            <a:r>
+              <a:rPr lang="pt-BR" b="0" dirty="0">
+                <a:solidFill>
+                  <a:srgbClr val="DCDCAA"/>
+                </a:solidFill>
+                <a:effectLst/>
+                <a:highlight>
+                  <a:srgbClr val="1F1F1F"/>
+                </a:highlight>
+                <a:latin typeface="Consolas" panose="020B0609020204030204" pitchFamily="49" charset="0"/>
+              </a:rPr>
+              <a:t>print</a:t>
+            </a:r>
+            <a:r>
+              <a:rPr lang="pt-BR" b="0" dirty="0">
+                <a:solidFill>
+                  <a:srgbClr val="CCCCCC"/>
+                </a:solidFill>
+                <a:effectLst/>
+                <a:highlight>
+                  <a:srgbClr val="1F1F1F"/>
+                </a:highlight>
+                <a:latin typeface="Consolas" panose="020B0609020204030204" pitchFamily="49" charset="0"/>
+              </a:rPr>
+              <a:t>(</a:t>
+            </a:r>
+            <a:r>
+              <a:rPr lang="pt-BR" b="0" dirty="0" err="1">
+                <a:solidFill>
+                  <a:srgbClr val="DCDCAA"/>
+                </a:solidFill>
+                <a:effectLst/>
+                <a:highlight>
+                  <a:srgbClr val="1F1F1F"/>
+                </a:highlight>
+                <a:latin typeface="Consolas" panose="020B0609020204030204" pitchFamily="49" charset="0"/>
+              </a:rPr>
+              <a:t>fucaoMutiplicar</a:t>
+            </a:r>
+            <a:r>
+              <a:rPr lang="pt-BR" b="0" dirty="0">
+                <a:solidFill>
+                  <a:srgbClr val="CCCCCC"/>
+                </a:solidFill>
+                <a:effectLst/>
+                <a:highlight>
+                  <a:srgbClr val="1F1F1F"/>
+                </a:highlight>
+                <a:latin typeface="Consolas" panose="020B0609020204030204" pitchFamily="49" charset="0"/>
+              </a:rPr>
+              <a:t>(</a:t>
+            </a:r>
+            <a:r>
+              <a:rPr lang="pt-BR" b="0" dirty="0">
+                <a:solidFill>
+                  <a:srgbClr val="B5CEA8"/>
+                </a:solidFill>
+                <a:effectLst/>
+                <a:highlight>
+                  <a:srgbClr val="1F1F1F"/>
+                </a:highlight>
+                <a:latin typeface="Consolas" panose="020B0609020204030204" pitchFamily="49" charset="0"/>
+              </a:rPr>
+              <a:t>2</a:t>
+            </a:r>
+            <a:r>
+              <a:rPr lang="pt-BR" b="0" dirty="0">
+                <a:solidFill>
+                  <a:srgbClr val="CCCCCC"/>
+                </a:solidFill>
+                <a:effectLst/>
+                <a:highlight>
+                  <a:srgbClr val="1F1F1F"/>
+                </a:highlight>
+                <a:latin typeface="Consolas" panose="020B0609020204030204" pitchFamily="49" charset="0"/>
+              </a:rPr>
+              <a:t>, </a:t>
+            </a:r>
+            <a:r>
+              <a:rPr lang="pt-BR" b="0" dirty="0">
+                <a:solidFill>
+                  <a:srgbClr val="B5CEA8"/>
+                </a:solidFill>
+                <a:effectLst/>
+                <a:highlight>
+                  <a:srgbClr val="1F1F1F"/>
+                </a:highlight>
+                <a:latin typeface="Consolas" panose="020B0609020204030204" pitchFamily="49" charset="0"/>
+              </a:rPr>
+              <a:t>3</a:t>
+            </a:r>
+            <a:r>
+              <a:rPr lang="pt-BR" b="0" dirty="0">
+                <a:solidFill>
+                  <a:srgbClr val="CCCCCC"/>
+                </a:solidFill>
+                <a:effectLst/>
+                <a:highlight>
+                  <a:srgbClr val="1F1F1F"/>
+                </a:highlight>
+                <a:latin typeface="Consolas" panose="020B0609020204030204" pitchFamily="49" charset="0"/>
+              </a:rPr>
+              <a:t>))</a:t>
+            </a:r>
+          </a:p>
+        </p:txBody>
+      </p:sp>
+    </p:spTree>
+    <p:extLst>
+      <p:ext uri="{BB962C8B-B14F-4D97-AF65-F5344CB8AC3E}">
+        <p14:creationId xmlns:p14="http://schemas.microsoft.com/office/powerpoint/2010/main" val="1233383256"/>
+      </p:ext>
+    </p:extLst>
+  </p:cSld>
+  <p:clrMapOvr>
+    <a:masterClrMapping/>
+  </p:clrMapOvr>
+</p:sld>
+</file>
+
+<file path=ppt/slides/slide8.xml><?xml version="1.0" encoding="utf-8"?>
+<p:sld xmlns:a="http://schemas.openxmlformats.org/drawingml/2006/main" xmlns:r="http://schemas.openxmlformats.org/officeDocument/2006/relationships" xmlns:p="http://schemas.openxmlformats.org/presentationml/2006/main" showMasterSp="0">
+  <p:cSld>
+    <p:bg>
+      <p:bgPr>
+        <a:solidFill>
+          <a:schemeClr val="bg2">
+            <a:lumMod val="10000"/>
+          </a:schemeClr>
+        </a:solidFill>
+        <a:effectLst/>
+      </p:bgPr>
+    </p:bg>
+    <p:spTree>
+      <p:nvGrpSpPr>
+        <p:cNvPr id="1" name=""/>
+        <p:cNvGrpSpPr/>
+        <p:nvPr/>
+      </p:nvGrpSpPr>
+      <p:grpSpPr>
+        <a:xfrm>
+          <a:off x="0" y="0"/>
+          <a:ext cx="0" cy="0"/>
+          <a:chOff x="0" y="0"/>
+          <a:chExt cx="0" cy="0"/>
+        </a:xfrm>
+      </p:grpSpPr>
+      <p:sp>
+        <p:nvSpPr>
+          <p:cNvPr id="2" name="Título 1">
+            <a:extLst>
+              <a:ext uri="{FF2B5EF4-FFF2-40B4-BE49-F238E27FC236}">
+                <a16:creationId xmlns:a16="http://schemas.microsoft.com/office/drawing/2014/main" id="{83C6E063-9BFE-06CE-C9BC-5EE9CCAE3D29}"/>
+              </a:ext>
+            </a:extLst>
+          </p:cNvPr>
+          <p:cNvSpPr>
+            <a:spLocks noGrp="1"/>
+          </p:cNvSpPr>
+          <p:nvPr>
+            <p:ph type="title"/>
+          </p:nvPr>
+        </p:nvSpPr>
+        <p:spPr/>
+        <p:txBody>
+          <a:bodyPr/>
+          <a:lstStyle/>
+          <a:p>
+            <a:r>
+              <a:rPr lang="pt-BR" dirty="0"/>
+              <a:t>Exercício2	</a:t>
+            </a:r>
+          </a:p>
+        </p:txBody>
+      </p:sp>
+      <p:pic>
+        <p:nvPicPr>
+          <p:cNvPr id="1026" name="Picture 2">
+            <a:extLst>
+              <a:ext uri="{FF2B5EF4-FFF2-40B4-BE49-F238E27FC236}">
+                <a16:creationId xmlns:a16="http://schemas.microsoft.com/office/drawing/2014/main" id="{BFCC1361-CFA5-41DC-9639-9812D7C04FC8}"/>
+              </a:ext>
+            </a:extLst>
+          </p:cNvPr>
+          <p:cNvPicPr>
+            <a:picLocks noChangeAspect="1" noChangeArrowheads="1"/>
+          </p:cNvPicPr>
+          <p:nvPr/>
+        </p:nvPicPr>
+        <p:blipFill>
+          <a:blip r:embed="rId2">
+            <a:extLst>
+              <a:ext uri="{28A0092B-C50C-407E-A947-70E740481C1C}">
+                <a14:useLocalDpi xmlns:a14="http://schemas.microsoft.com/office/drawing/2010/main" val="0"/>
+              </a:ext>
+            </a:extLst>
+          </a:blip>
+          <a:srcRect/>
+          <a:stretch>
+            <a:fillRect/>
+          </a:stretch>
+        </p:blipFill>
+        <p:spPr bwMode="auto">
+          <a:xfrm>
+            <a:off x="102198" y="20849"/>
+            <a:ext cx="659802" cy="723071"/>
+          </a:xfrm>
+          <a:prstGeom prst="rect">
+            <a:avLst/>
+          </a:prstGeom>
+          <a:noFill/>
+          <a:extLst>
+            <a:ext uri="{909E8E84-426E-40DD-AFC4-6F175D3DCCD1}">
+              <a14:hiddenFill xmlns:a14="http://schemas.microsoft.com/office/drawing/2010/main">
+                <a:solidFill>
+                  <a:srgbClr val="FFFFFF"/>
+                </a:solidFill>
+              </a14:hiddenFill>
+            </a:ext>
+          </a:extLst>
+        </p:spPr>
+      </p:pic>
+      <p:sp>
+        <p:nvSpPr>
           <p:cNvPr id="4" name="CaixaDeTexto 3">
             <a:extLst>
               <a:ext uri="{FF2B5EF4-FFF2-40B4-BE49-F238E27FC236}">
@@ -11211,6 +13147,1275 @@
     <p:extLst>
       <p:ext uri="{BB962C8B-B14F-4D97-AF65-F5344CB8AC3E}">
         <p14:creationId xmlns:p14="http://schemas.microsoft.com/office/powerpoint/2010/main" val="1259208249"/>
+      </p:ext>
+    </p:extLst>
+  </p:cSld>
+  <p:clrMapOvr>
+    <a:masterClrMapping/>
+  </p:clrMapOvr>
+</p:sld>
+</file>
+
+<file path=ppt/slides/slide9.xml><?xml version="1.0" encoding="utf-8"?>
+<p:sld xmlns:a="http://schemas.openxmlformats.org/drawingml/2006/main" xmlns:r="http://schemas.openxmlformats.org/officeDocument/2006/relationships" xmlns:p="http://schemas.openxmlformats.org/presentationml/2006/main" showMasterSp="0">
+  <p:cSld>
+    <p:bg>
+      <p:bgPr>
+        <a:solidFill>
+          <a:schemeClr val="bg2">
+            <a:lumMod val="10000"/>
+          </a:schemeClr>
+        </a:solidFill>
+        <a:effectLst/>
+      </p:bgPr>
+    </p:bg>
+    <p:spTree>
+      <p:nvGrpSpPr>
+        <p:cNvPr id="1" name=""/>
+        <p:cNvGrpSpPr/>
+        <p:nvPr/>
+      </p:nvGrpSpPr>
+      <p:grpSpPr>
+        <a:xfrm>
+          <a:off x="0" y="0"/>
+          <a:ext cx="0" cy="0"/>
+          <a:chOff x="0" y="0"/>
+          <a:chExt cx="0" cy="0"/>
+        </a:xfrm>
+      </p:grpSpPr>
+      <p:sp>
+        <p:nvSpPr>
+          <p:cNvPr id="2" name="Título 1">
+            <a:extLst>
+              <a:ext uri="{FF2B5EF4-FFF2-40B4-BE49-F238E27FC236}">
+                <a16:creationId xmlns:a16="http://schemas.microsoft.com/office/drawing/2014/main" id="{83C6E063-9BFE-06CE-C9BC-5EE9CCAE3D29}"/>
+              </a:ext>
+            </a:extLst>
+          </p:cNvPr>
+          <p:cNvSpPr>
+            <a:spLocks noGrp="1"/>
+          </p:cNvSpPr>
+          <p:nvPr>
+            <p:ph type="title"/>
+          </p:nvPr>
+        </p:nvSpPr>
+        <p:spPr/>
+        <p:txBody>
+          <a:bodyPr/>
+          <a:lstStyle/>
+          <a:p>
+            <a:r>
+              <a:rPr lang="pt-BR" dirty="0"/>
+              <a:t>Exercício3	</a:t>
+            </a:r>
+          </a:p>
+        </p:txBody>
+      </p:sp>
+      <p:pic>
+        <p:nvPicPr>
+          <p:cNvPr id="1026" name="Picture 2">
+            <a:extLst>
+              <a:ext uri="{FF2B5EF4-FFF2-40B4-BE49-F238E27FC236}">
+                <a16:creationId xmlns:a16="http://schemas.microsoft.com/office/drawing/2014/main" id="{BFCC1361-CFA5-41DC-9639-9812D7C04FC8}"/>
+              </a:ext>
+            </a:extLst>
+          </p:cNvPr>
+          <p:cNvPicPr>
+            <a:picLocks noChangeAspect="1" noChangeArrowheads="1"/>
+          </p:cNvPicPr>
+          <p:nvPr/>
+        </p:nvPicPr>
+        <p:blipFill>
+          <a:blip r:embed="rId2">
+            <a:extLst>
+              <a:ext uri="{28A0092B-C50C-407E-A947-70E740481C1C}">
+                <a14:useLocalDpi xmlns:a14="http://schemas.microsoft.com/office/drawing/2010/main" val="0"/>
+              </a:ext>
+            </a:extLst>
+          </a:blip>
+          <a:srcRect/>
+          <a:stretch>
+            <a:fillRect/>
+          </a:stretch>
+        </p:blipFill>
+        <p:spPr bwMode="auto">
+          <a:xfrm>
+            <a:off x="102198" y="20849"/>
+            <a:ext cx="659802" cy="723071"/>
+          </a:xfrm>
+          <a:prstGeom prst="rect">
+            <a:avLst/>
+          </a:prstGeom>
+          <a:noFill/>
+          <a:extLst>
+            <a:ext uri="{909E8E84-426E-40DD-AFC4-6F175D3DCCD1}">
+              <a14:hiddenFill xmlns:a14="http://schemas.microsoft.com/office/drawing/2010/main">
+                <a:solidFill>
+                  <a:srgbClr val="FFFFFF"/>
+                </a:solidFill>
+              </a14:hiddenFill>
+            </a:ext>
+          </a:extLst>
+        </p:spPr>
+      </p:pic>
+      <p:sp>
+        <p:nvSpPr>
+          <p:cNvPr id="4" name="CaixaDeTexto 3">
+            <a:extLst>
+              <a:ext uri="{FF2B5EF4-FFF2-40B4-BE49-F238E27FC236}">
+                <a16:creationId xmlns:a16="http://schemas.microsoft.com/office/drawing/2014/main" id="{819B83CD-F92A-00AD-B4C0-6F1AF616398F}"/>
+              </a:ext>
+            </a:extLst>
+          </p:cNvPr>
+          <p:cNvSpPr txBox="1"/>
+          <p:nvPr/>
+        </p:nvSpPr>
+        <p:spPr>
+          <a:xfrm>
+            <a:off x="1251678" y="1495446"/>
+            <a:ext cx="6097554" cy="3970318"/>
+          </a:xfrm>
+          <a:prstGeom prst="rect">
+            <a:avLst/>
+          </a:prstGeom>
+          <a:noFill/>
+        </p:spPr>
+        <p:txBody>
+          <a:bodyPr wrap="square">
+            <a:spAutoFit/>
+          </a:bodyPr>
+          <a:lstStyle/>
+          <a:p>
+            <a:r>
+              <a:rPr lang="pt-BR" b="0">
+                <a:solidFill>
+                  <a:srgbClr val="6A9955"/>
+                </a:solidFill>
+                <a:effectLst/>
+                <a:highlight>
+                  <a:srgbClr val="1F1F1F"/>
+                </a:highlight>
+                <a:latin typeface="Consolas" panose="020B0609020204030204" pitchFamily="49" charset="0"/>
+              </a:rPr>
+              <a:t>#Faça a divisão </a:t>
+            </a:r>
+            <a:endParaRPr lang="pt-BR" b="0">
+              <a:solidFill>
+                <a:srgbClr val="CCCCCC"/>
+              </a:solidFill>
+              <a:effectLst/>
+              <a:highlight>
+                <a:srgbClr val="1F1F1F"/>
+              </a:highlight>
+              <a:latin typeface="Consolas" panose="020B0609020204030204" pitchFamily="49" charset="0"/>
+            </a:endParaRPr>
+          </a:p>
+          <a:p>
+            <a:r>
+              <a:rPr lang="pt-BR" b="0">
+                <a:solidFill>
+                  <a:srgbClr val="6A9955"/>
+                </a:solidFill>
+                <a:effectLst/>
+                <a:highlight>
+                  <a:srgbClr val="1F1F1F"/>
+                </a:highlight>
+                <a:latin typeface="Consolas" panose="020B0609020204030204" pitchFamily="49" charset="0"/>
+              </a:rPr>
+              <a:t>#Faça a subtração</a:t>
+            </a:r>
+            <a:endParaRPr lang="pt-BR" b="0">
+              <a:solidFill>
+                <a:srgbClr val="CCCCCC"/>
+              </a:solidFill>
+              <a:effectLst/>
+              <a:highlight>
+                <a:srgbClr val="1F1F1F"/>
+              </a:highlight>
+              <a:latin typeface="Consolas" panose="020B0609020204030204" pitchFamily="49" charset="0"/>
+            </a:endParaRPr>
+          </a:p>
+          <a:p>
+            <a:r>
+              <a:rPr lang="pt-BR" b="0">
+                <a:solidFill>
+                  <a:srgbClr val="C586C0"/>
+                </a:solidFill>
+                <a:effectLst/>
+                <a:highlight>
+                  <a:srgbClr val="1F1F1F"/>
+                </a:highlight>
+                <a:latin typeface="Consolas" panose="020B0609020204030204" pitchFamily="49" charset="0"/>
+              </a:rPr>
+              <a:t>import</a:t>
+            </a:r>
+            <a:r>
+              <a:rPr lang="pt-BR" b="0">
+                <a:solidFill>
+                  <a:srgbClr val="CCCCCC"/>
+                </a:solidFill>
+                <a:effectLst/>
+                <a:highlight>
+                  <a:srgbClr val="1F1F1F"/>
+                </a:highlight>
+                <a:latin typeface="Consolas" panose="020B0609020204030204" pitchFamily="49" charset="0"/>
+              </a:rPr>
+              <a:t> </a:t>
+            </a:r>
+            <a:r>
+              <a:rPr lang="pt-BR" b="0">
+                <a:solidFill>
+                  <a:srgbClr val="4EC9B0"/>
+                </a:solidFill>
+                <a:effectLst/>
+                <a:highlight>
+                  <a:srgbClr val="1F1F1F"/>
+                </a:highlight>
+                <a:latin typeface="Consolas" panose="020B0609020204030204" pitchFamily="49" charset="0"/>
+              </a:rPr>
+              <a:t>os</a:t>
+            </a:r>
+            <a:endParaRPr lang="pt-BR" b="0">
+              <a:solidFill>
+                <a:srgbClr val="CCCCCC"/>
+              </a:solidFill>
+              <a:effectLst/>
+              <a:highlight>
+                <a:srgbClr val="1F1F1F"/>
+              </a:highlight>
+              <a:latin typeface="Consolas" panose="020B0609020204030204" pitchFamily="49" charset="0"/>
+            </a:endParaRPr>
+          </a:p>
+          <a:p>
+            <a:br>
+              <a:rPr lang="pt-BR" b="0">
+                <a:solidFill>
+                  <a:srgbClr val="CCCCCC"/>
+                </a:solidFill>
+                <a:effectLst/>
+                <a:highlight>
+                  <a:srgbClr val="1F1F1F"/>
+                </a:highlight>
+                <a:latin typeface="Consolas" panose="020B0609020204030204" pitchFamily="49" charset="0"/>
+              </a:rPr>
+            </a:br>
+            <a:r>
+              <a:rPr lang="pt-BR" b="0">
+                <a:solidFill>
+                  <a:srgbClr val="4EC9B0"/>
+                </a:solidFill>
+                <a:effectLst/>
+                <a:highlight>
+                  <a:srgbClr val="1F1F1F"/>
+                </a:highlight>
+                <a:latin typeface="Consolas" panose="020B0609020204030204" pitchFamily="49" charset="0"/>
+              </a:rPr>
+              <a:t>os</a:t>
+            </a:r>
+            <a:r>
+              <a:rPr lang="pt-BR" b="0">
+                <a:solidFill>
+                  <a:srgbClr val="CCCCCC"/>
+                </a:solidFill>
+                <a:effectLst/>
+                <a:highlight>
+                  <a:srgbClr val="1F1F1F"/>
+                </a:highlight>
+                <a:latin typeface="Consolas" panose="020B0609020204030204" pitchFamily="49" charset="0"/>
+              </a:rPr>
+              <a:t>.</a:t>
+            </a:r>
+            <a:r>
+              <a:rPr lang="pt-BR" b="0">
+                <a:solidFill>
+                  <a:srgbClr val="DCDCAA"/>
+                </a:solidFill>
+                <a:effectLst/>
+                <a:highlight>
+                  <a:srgbClr val="1F1F1F"/>
+                </a:highlight>
+                <a:latin typeface="Consolas" panose="020B0609020204030204" pitchFamily="49" charset="0"/>
+              </a:rPr>
+              <a:t>system</a:t>
+            </a:r>
+            <a:r>
+              <a:rPr lang="pt-BR" b="0">
+                <a:solidFill>
+                  <a:srgbClr val="CCCCCC"/>
+                </a:solidFill>
+                <a:effectLst/>
+                <a:highlight>
+                  <a:srgbClr val="1F1F1F"/>
+                </a:highlight>
+                <a:latin typeface="Consolas" panose="020B0609020204030204" pitchFamily="49" charset="0"/>
+              </a:rPr>
+              <a:t>(</a:t>
+            </a:r>
+            <a:r>
+              <a:rPr lang="pt-BR" b="0">
+                <a:solidFill>
+                  <a:srgbClr val="CE9178"/>
+                </a:solidFill>
+                <a:effectLst/>
+                <a:highlight>
+                  <a:srgbClr val="1F1F1F"/>
+                </a:highlight>
+                <a:latin typeface="Consolas" panose="020B0609020204030204" pitchFamily="49" charset="0"/>
+              </a:rPr>
+              <a:t>"cls"</a:t>
+            </a:r>
+            <a:r>
+              <a:rPr lang="pt-BR" b="0">
+                <a:solidFill>
+                  <a:srgbClr val="CCCCCC"/>
+                </a:solidFill>
+                <a:effectLst/>
+                <a:highlight>
+                  <a:srgbClr val="1F1F1F"/>
+                </a:highlight>
+                <a:latin typeface="Consolas" panose="020B0609020204030204" pitchFamily="49" charset="0"/>
+              </a:rPr>
+              <a:t>)</a:t>
+            </a:r>
+          </a:p>
+          <a:p>
+            <a:r>
+              <a:rPr lang="pt-BR" b="0">
+                <a:solidFill>
+                  <a:srgbClr val="569CD6"/>
+                </a:solidFill>
+                <a:effectLst/>
+                <a:highlight>
+                  <a:srgbClr val="1F1F1F"/>
+                </a:highlight>
+                <a:latin typeface="Consolas" panose="020B0609020204030204" pitchFamily="49" charset="0"/>
+              </a:rPr>
+              <a:t>def</a:t>
+            </a:r>
+            <a:r>
+              <a:rPr lang="pt-BR" b="0">
+                <a:solidFill>
+                  <a:srgbClr val="CCCCCC"/>
+                </a:solidFill>
+                <a:effectLst/>
+                <a:highlight>
+                  <a:srgbClr val="1F1F1F"/>
+                </a:highlight>
+                <a:latin typeface="Consolas" panose="020B0609020204030204" pitchFamily="49" charset="0"/>
+              </a:rPr>
+              <a:t> </a:t>
+            </a:r>
+            <a:r>
+              <a:rPr lang="pt-BR" b="0">
+                <a:solidFill>
+                  <a:srgbClr val="DCDCAA"/>
+                </a:solidFill>
+                <a:effectLst/>
+                <a:highlight>
+                  <a:srgbClr val="1F1F1F"/>
+                </a:highlight>
+                <a:latin typeface="Consolas" panose="020B0609020204030204" pitchFamily="49" charset="0"/>
+              </a:rPr>
+              <a:t>divisao</a:t>
+            </a:r>
+            <a:r>
+              <a:rPr lang="pt-BR" b="0">
+                <a:solidFill>
+                  <a:srgbClr val="CCCCCC"/>
+                </a:solidFill>
+                <a:effectLst/>
+                <a:highlight>
+                  <a:srgbClr val="1F1F1F"/>
+                </a:highlight>
+                <a:latin typeface="Consolas" panose="020B0609020204030204" pitchFamily="49" charset="0"/>
+              </a:rPr>
+              <a:t>(</a:t>
+            </a:r>
+            <a:r>
+              <a:rPr lang="pt-BR" b="0">
+                <a:solidFill>
+                  <a:srgbClr val="9CDCFE"/>
+                </a:solidFill>
+                <a:effectLst/>
+                <a:highlight>
+                  <a:srgbClr val="1F1F1F"/>
+                </a:highlight>
+                <a:latin typeface="Consolas" panose="020B0609020204030204" pitchFamily="49" charset="0"/>
+              </a:rPr>
+              <a:t>x</a:t>
+            </a:r>
+            <a:r>
+              <a:rPr lang="pt-BR" b="0">
+                <a:solidFill>
+                  <a:srgbClr val="CCCCCC"/>
+                </a:solidFill>
+                <a:effectLst/>
+                <a:highlight>
+                  <a:srgbClr val="1F1F1F"/>
+                </a:highlight>
+                <a:latin typeface="Consolas" panose="020B0609020204030204" pitchFamily="49" charset="0"/>
+              </a:rPr>
+              <a:t> , </a:t>
+            </a:r>
+            <a:r>
+              <a:rPr lang="pt-BR" b="0">
+                <a:solidFill>
+                  <a:srgbClr val="9CDCFE"/>
+                </a:solidFill>
+                <a:effectLst/>
+                <a:highlight>
+                  <a:srgbClr val="1F1F1F"/>
+                </a:highlight>
+                <a:latin typeface="Consolas" panose="020B0609020204030204" pitchFamily="49" charset="0"/>
+              </a:rPr>
+              <a:t>y</a:t>
+            </a:r>
+            <a:r>
+              <a:rPr lang="pt-BR" b="0">
+                <a:solidFill>
+                  <a:srgbClr val="CCCCCC"/>
+                </a:solidFill>
+                <a:effectLst/>
+                <a:highlight>
+                  <a:srgbClr val="1F1F1F"/>
+                </a:highlight>
+                <a:latin typeface="Consolas" panose="020B0609020204030204" pitchFamily="49" charset="0"/>
+              </a:rPr>
+              <a:t>):</a:t>
+            </a:r>
+          </a:p>
+          <a:p>
+            <a:r>
+              <a:rPr lang="pt-BR" b="0">
+                <a:solidFill>
+                  <a:srgbClr val="CCCCCC"/>
+                </a:solidFill>
+                <a:effectLst/>
+                <a:highlight>
+                  <a:srgbClr val="1F1F1F"/>
+                </a:highlight>
+                <a:latin typeface="Consolas" panose="020B0609020204030204" pitchFamily="49" charset="0"/>
+              </a:rPr>
+              <a:t>   </a:t>
+            </a:r>
+            <a:r>
+              <a:rPr lang="pt-BR" b="0">
+                <a:solidFill>
+                  <a:srgbClr val="DCDCAA"/>
+                </a:solidFill>
+                <a:effectLst/>
+                <a:highlight>
+                  <a:srgbClr val="1F1F1F"/>
+                </a:highlight>
+                <a:latin typeface="Consolas" panose="020B0609020204030204" pitchFamily="49" charset="0"/>
+              </a:rPr>
+              <a:t>print</a:t>
+            </a:r>
+            <a:r>
+              <a:rPr lang="pt-BR" b="0">
+                <a:solidFill>
+                  <a:srgbClr val="CCCCCC"/>
+                </a:solidFill>
+                <a:effectLst/>
+                <a:highlight>
+                  <a:srgbClr val="1F1F1F"/>
+                </a:highlight>
+                <a:latin typeface="Consolas" panose="020B0609020204030204" pitchFamily="49" charset="0"/>
+              </a:rPr>
+              <a:t>(</a:t>
+            </a:r>
+            <a:r>
+              <a:rPr lang="pt-BR" b="0">
+                <a:solidFill>
+                  <a:srgbClr val="569CD6"/>
+                </a:solidFill>
+                <a:effectLst/>
+                <a:highlight>
+                  <a:srgbClr val="1F1F1F"/>
+                </a:highlight>
+                <a:latin typeface="Consolas" panose="020B0609020204030204" pitchFamily="49" charset="0"/>
+              </a:rPr>
+              <a:t>f</a:t>
+            </a:r>
+            <a:r>
+              <a:rPr lang="pt-BR" b="0">
+                <a:solidFill>
+                  <a:srgbClr val="CE9178"/>
+                </a:solidFill>
+                <a:effectLst/>
+                <a:highlight>
+                  <a:srgbClr val="1F1F1F"/>
+                </a:highlight>
+                <a:latin typeface="Consolas" panose="020B0609020204030204" pitchFamily="49" charset="0"/>
+              </a:rPr>
+              <a:t>"</a:t>
+            </a:r>
+            <a:r>
+              <a:rPr lang="pt-BR" b="0">
+                <a:solidFill>
+                  <a:srgbClr val="569CD6"/>
+                </a:solidFill>
+                <a:effectLst/>
+                <a:highlight>
+                  <a:srgbClr val="1F1F1F"/>
+                </a:highlight>
+                <a:latin typeface="Consolas" panose="020B0609020204030204" pitchFamily="49" charset="0"/>
+              </a:rPr>
+              <a:t>{</a:t>
+            </a:r>
+            <a:r>
+              <a:rPr lang="pt-BR" b="0">
+                <a:solidFill>
+                  <a:srgbClr val="9CDCFE"/>
+                </a:solidFill>
+                <a:effectLst/>
+                <a:highlight>
+                  <a:srgbClr val="1F1F1F"/>
+                </a:highlight>
+                <a:latin typeface="Consolas" panose="020B0609020204030204" pitchFamily="49" charset="0"/>
+              </a:rPr>
+              <a:t>x</a:t>
+            </a:r>
+            <a:r>
+              <a:rPr lang="pt-BR" b="0">
+                <a:solidFill>
+                  <a:srgbClr val="569CD6"/>
+                </a:solidFill>
+                <a:effectLst/>
+                <a:highlight>
+                  <a:srgbClr val="1F1F1F"/>
+                </a:highlight>
+                <a:latin typeface="Consolas" panose="020B0609020204030204" pitchFamily="49" charset="0"/>
+              </a:rPr>
+              <a:t>}</a:t>
+            </a:r>
+            <a:r>
+              <a:rPr lang="pt-BR" b="0">
+                <a:solidFill>
+                  <a:srgbClr val="CE9178"/>
+                </a:solidFill>
+                <a:effectLst/>
+                <a:highlight>
+                  <a:srgbClr val="1F1F1F"/>
+                </a:highlight>
+                <a:latin typeface="Consolas" panose="020B0609020204030204" pitchFamily="49" charset="0"/>
+              </a:rPr>
+              <a:t> / </a:t>
+            </a:r>
+            <a:r>
+              <a:rPr lang="pt-BR" b="0">
+                <a:solidFill>
+                  <a:srgbClr val="569CD6"/>
+                </a:solidFill>
+                <a:effectLst/>
+                <a:highlight>
+                  <a:srgbClr val="1F1F1F"/>
+                </a:highlight>
+                <a:latin typeface="Consolas" panose="020B0609020204030204" pitchFamily="49" charset="0"/>
+              </a:rPr>
+              <a:t>{</a:t>
+            </a:r>
+            <a:r>
+              <a:rPr lang="pt-BR" b="0">
+                <a:solidFill>
+                  <a:srgbClr val="9CDCFE"/>
+                </a:solidFill>
+                <a:effectLst/>
+                <a:highlight>
+                  <a:srgbClr val="1F1F1F"/>
+                </a:highlight>
+                <a:latin typeface="Consolas" panose="020B0609020204030204" pitchFamily="49" charset="0"/>
+              </a:rPr>
+              <a:t>y</a:t>
+            </a:r>
+            <a:r>
+              <a:rPr lang="pt-BR" b="0">
+                <a:solidFill>
+                  <a:srgbClr val="569CD6"/>
+                </a:solidFill>
+                <a:effectLst/>
+                <a:highlight>
+                  <a:srgbClr val="1F1F1F"/>
+                </a:highlight>
+                <a:latin typeface="Consolas" panose="020B0609020204030204" pitchFamily="49" charset="0"/>
+              </a:rPr>
+              <a:t>}</a:t>
+            </a:r>
+            <a:r>
+              <a:rPr lang="pt-BR" b="0">
+                <a:solidFill>
+                  <a:srgbClr val="CE9178"/>
+                </a:solidFill>
+                <a:effectLst/>
+                <a:highlight>
+                  <a:srgbClr val="1F1F1F"/>
+                </a:highlight>
+                <a:latin typeface="Consolas" panose="020B0609020204030204" pitchFamily="49" charset="0"/>
+              </a:rPr>
+              <a:t> = </a:t>
+            </a:r>
+            <a:r>
+              <a:rPr lang="pt-BR" b="0">
+                <a:solidFill>
+                  <a:srgbClr val="569CD6"/>
+                </a:solidFill>
+                <a:effectLst/>
+                <a:highlight>
+                  <a:srgbClr val="1F1F1F"/>
+                </a:highlight>
+                <a:latin typeface="Consolas" panose="020B0609020204030204" pitchFamily="49" charset="0"/>
+              </a:rPr>
+              <a:t>{</a:t>
+            </a:r>
+            <a:r>
+              <a:rPr lang="pt-BR" b="0">
+                <a:solidFill>
+                  <a:srgbClr val="9CDCFE"/>
+                </a:solidFill>
+                <a:effectLst/>
+                <a:highlight>
+                  <a:srgbClr val="1F1F1F"/>
+                </a:highlight>
+                <a:latin typeface="Consolas" panose="020B0609020204030204" pitchFamily="49" charset="0"/>
+              </a:rPr>
+              <a:t>x</a:t>
+            </a:r>
+            <a:r>
+              <a:rPr lang="pt-BR" b="0">
+                <a:solidFill>
+                  <a:srgbClr val="D4D4D4"/>
+                </a:solidFill>
+                <a:effectLst/>
+                <a:highlight>
+                  <a:srgbClr val="1F1F1F"/>
+                </a:highlight>
+                <a:latin typeface="Consolas" panose="020B0609020204030204" pitchFamily="49" charset="0"/>
+              </a:rPr>
+              <a:t>/</a:t>
+            </a:r>
+            <a:r>
+              <a:rPr lang="pt-BR" b="0">
+                <a:solidFill>
+                  <a:srgbClr val="9CDCFE"/>
+                </a:solidFill>
+                <a:effectLst/>
+                <a:highlight>
+                  <a:srgbClr val="1F1F1F"/>
+                </a:highlight>
+                <a:latin typeface="Consolas" panose="020B0609020204030204" pitchFamily="49" charset="0"/>
+              </a:rPr>
+              <a:t>y</a:t>
+            </a:r>
+            <a:r>
+              <a:rPr lang="pt-BR" b="0">
+                <a:solidFill>
+                  <a:srgbClr val="569CD6"/>
+                </a:solidFill>
+                <a:effectLst/>
+                <a:highlight>
+                  <a:srgbClr val="1F1F1F"/>
+                </a:highlight>
+                <a:latin typeface="Consolas" panose="020B0609020204030204" pitchFamily="49" charset="0"/>
+              </a:rPr>
+              <a:t>}</a:t>
+            </a:r>
+            <a:r>
+              <a:rPr lang="pt-BR" b="0">
+                <a:solidFill>
+                  <a:srgbClr val="CE9178"/>
+                </a:solidFill>
+                <a:effectLst/>
+                <a:highlight>
+                  <a:srgbClr val="1F1F1F"/>
+                </a:highlight>
+                <a:latin typeface="Consolas" panose="020B0609020204030204" pitchFamily="49" charset="0"/>
+              </a:rPr>
+              <a:t>"</a:t>
+            </a:r>
+            <a:r>
+              <a:rPr lang="pt-BR" b="0">
+                <a:solidFill>
+                  <a:srgbClr val="CCCCCC"/>
+                </a:solidFill>
+                <a:effectLst/>
+                <a:highlight>
+                  <a:srgbClr val="1F1F1F"/>
+                </a:highlight>
+                <a:latin typeface="Consolas" panose="020B0609020204030204" pitchFamily="49" charset="0"/>
+              </a:rPr>
+              <a:t>)</a:t>
+            </a:r>
+          </a:p>
+          <a:p>
+            <a:br>
+              <a:rPr lang="pt-BR" b="0">
+                <a:solidFill>
+                  <a:srgbClr val="CCCCCC"/>
+                </a:solidFill>
+                <a:effectLst/>
+                <a:highlight>
+                  <a:srgbClr val="1F1F1F"/>
+                </a:highlight>
+                <a:latin typeface="Consolas" panose="020B0609020204030204" pitchFamily="49" charset="0"/>
+              </a:rPr>
+            </a:br>
+            <a:r>
+              <a:rPr lang="pt-BR" b="0">
+                <a:solidFill>
+                  <a:srgbClr val="569CD6"/>
+                </a:solidFill>
+                <a:effectLst/>
+                <a:highlight>
+                  <a:srgbClr val="1F1F1F"/>
+                </a:highlight>
+                <a:latin typeface="Consolas" panose="020B0609020204030204" pitchFamily="49" charset="0"/>
+              </a:rPr>
+              <a:t>def</a:t>
+            </a:r>
+            <a:r>
+              <a:rPr lang="pt-BR" b="0">
+                <a:solidFill>
+                  <a:srgbClr val="CCCCCC"/>
+                </a:solidFill>
+                <a:effectLst/>
+                <a:highlight>
+                  <a:srgbClr val="1F1F1F"/>
+                </a:highlight>
+                <a:latin typeface="Consolas" panose="020B0609020204030204" pitchFamily="49" charset="0"/>
+              </a:rPr>
+              <a:t> </a:t>
+            </a:r>
+            <a:r>
+              <a:rPr lang="pt-BR" b="0">
+                <a:solidFill>
+                  <a:srgbClr val="DCDCAA"/>
+                </a:solidFill>
+                <a:effectLst/>
+                <a:highlight>
+                  <a:srgbClr val="1F1F1F"/>
+                </a:highlight>
+                <a:latin typeface="Consolas" panose="020B0609020204030204" pitchFamily="49" charset="0"/>
+              </a:rPr>
+              <a:t>subtracao</a:t>
+            </a:r>
+            <a:r>
+              <a:rPr lang="pt-BR" b="0">
+                <a:solidFill>
+                  <a:srgbClr val="CCCCCC"/>
+                </a:solidFill>
+                <a:effectLst/>
+                <a:highlight>
+                  <a:srgbClr val="1F1F1F"/>
+                </a:highlight>
+                <a:latin typeface="Consolas" panose="020B0609020204030204" pitchFamily="49" charset="0"/>
+              </a:rPr>
+              <a:t>(</a:t>
+            </a:r>
+            <a:r>
+              <a:rPr lang="pt-BR" b="0">
+                <a:solidFill>
+                  <a:srgbClr val="9CDCFE"/>
+                </a:solidFill>
+                <a:effectLst/>
+                <a:highlight>
+                  <a:srgbClr val="1F1F1F"/>
+                </a:highlight>
+                <a:latin typeface="Consolas" panose="020B0609020204030204" pitchFamily="49" charset="0"/>
+              </a:rPr>
+              <a:t>x</a:t>
+            </a:r>
+            <a:r>
+              <a:rPr lang="pt-BR" b="0">
+                <a:solidFill>
+                  <a:srgbClr val="CCCCCC"/>
+                </a:solidFill>
+                <a:effectLst/>
+                <a:highlight>
+                  <a:srgbClr val="1F1F1F"/>
+                </a:highlight>
+                <a:latin typeface="Consolas" panose="020B0609020204030204" pitchFamily="49" charset="0"/>
+              </a:rPr>
+              <a:t>, </a:t>
+            </a:r>
+            <a:r>
+              <a:rPr lang="pt-BR" b="0">
+                <a:solidFill>
+                  <a:srgbClr val="9CDCFE"/>
+                </a:solidFill>
+                <a:effectLst/>
+                <a:highlight>
+                  <a:srgbClr val="1F1F1F"/>
+                </a:highlight>
+                <a:latin typeface="Consolas" panose="020B0609020204030204" pitchFamily="49" charset="0"/>
+              </a:rPr>
+              <a:t>y</a:t>
+            </a:r>
+            <a:r>
+              <a:rPr lang="pt-BR" b="0">
+                <a:solidFill>
+                  <a:srgbClr val="CCCCCC"/>
+                </a:solidFill>
+                <a:effectLst/>
+                <a:highlight>
+                  <a:srgbClr val="1F1F1F"/>
+                </a:highlight>
+                <a:latin typeface="Consolas" panose="020B0609020204030204" pitchFamily="49" charset="0"/>
+              </a:rPr>
+              <a:t>):</a:t>
+            </a:r>
+          </a:p>
+          <a:p>
+            <a:r>
+              <a:rPr lang="pt-BR" b="0">
+                <a:solidFill>
+                  <a:srgbClr val="CCCCCC"/>
+                </a:solidFill>
+                <a:effectLst/>
+                <a:highlight>
+                  <a:srgbClr val="1F1F1F"/>
+                </a:highlight>
+                <a:latin typeface="Consolas" panose="020B0609020204030204" pitchFamily="49" charset="0"/>
+              </a:rPr>
+              <a:t>   </a:t>
+            </a:r>
+            <a:r>
+              <a:rPr lang="pt-BR" b="0">
+                <a:solidFill>
+                  <a:srgbClr val="DCDCAA"/>
+                </a:solidFill>
+                <a:effectLst/>
+                <a:highlight>
+                  <a:srgbClr val="1F1F1F"/>
+                </a:highlight>
+                <a:latin typeface="Consolas" panose="020B0609020204030204" pitchFamily="49" charset="0"/>
+              </a:rPr>
+              <a:t>print</a:t>
+            </a:r>
+            <a:r>
+              <a:rPr lang="pt-BR" b="0">
+                <a:solidFill>
+                  <a:srgbClr val="CCCCCC"/>
+                </a:solidFill>
+                <a:effectLst/>
+                <a:highlight>
+                  <a:srgbClr val="1F1F1F"/>
+                </a:highlight>
+                <a:latin typeface="Consolas" panose="020B0609020204030204" pitchFamily="49" charset="0"/>
+              </a:rPr>
+              <a:t>(</a:t>
+            </a:r>
+            <a:r>
+              <a:rPr lang="pt-BR" b="0">
+                <a:solidFill>
+                  <a:srgbClr val="569CD6"/>
+                </a:solidFill>
+                <a:effectLst/>
+                <a:highlight>
+                  <a:srgbClr val="1F1F1F"/>
+                </a:highlight>
+                <a:latin typeface="Consolas" panose="020B0609020204030204" pitchFamily="49" charset="0"/>
+              </a:rPr>
+              <a:t>f</a:t>
+            </a:r>
+            <a:r>
+              <a:rPr lang="pt-BR" b="0">
+                <a:solidFill>
+                  <a:srgbClr val="CE9178"/>
+                </a:solidFill>
+                <a:effectLst/>
+                <a:highlight>
+                  <a:srgbClr val="1F1F1F"/>
+                </a:highlight>
+                <a:latin typeface="Consolas" panose="020B0609020204030204" pitchFamily="49" charset="0"/>
+              </a:rPr>
+              <a:t>"</a:t>
+            </a:r>
+            <a:r>
+              <a:rPr lang="pt-BR" b="0">
+                <a:solidFill>
+                  <a:srgbClr val="569CD6"/>
+                </a:solidFill>
+                <a:effectLst/>
+                <a:highlight>
+                  <a:srgbClr val="1F1F1F"/>
+                </a:highlight>
+                <a:latin typeface="Consolas" panose="020B0609020204030204" pitchFamily="49" charset="0"/>
+              </a:rPr>
+              <a:t>{</a:t>
+            </a:r>
+            <a:r>
+              <a:rPr lang="pt-BR" b="0">
+                <a:solidFill>
+                  <a:srgbClr val="9CDCFE"/>
+                </a:solidFill>
+                <a:effectLst/>
+                <a:highlight>
+                  <a:srgbClr val="1F1F1F"/>
+                </a:highlight>
+                <a:latin typeface="Consolas" panose="020B0609020204030204" pitchFamily="49" charset="0"/>
+              </a:rPr>
+              <a:t>x</a:t>
+            </a:r>
+            <a:r>
+              <a:rPr lang="pt-BR" b="0">
+                <a:solidFill>
+                  <a:srgbClr val="569CD6"/>
+                </a:solidFill>
+                <a:effectLst/>
+                <a:highlight>
+                  <a:srgbClr val="1F1F1F"/>
+                </a:highlight>
+                <a:latin typeface="Consolas" panose="020B0609020204030204" pitchFamily="49" charset="0"/>
+              </a:rPr>
+              <a:t>}</a:t>
+            </a:r>
+            <a:r>
+              <a:rPr lang="pt-BR" b="0">
+                <a:solidFill>
+                  <a:srgbClr val="CE9178"/>
+                </a:solidFill>
+                <a:effectLst/>
+                <a:highlight>
+                  <a:srgbClr val="1F1F1F"/>
+                </a:highlight>
+                <a:latin typeface="Consolas" panose="020B0609020204030204" pitchFamily="49" charset="0"/>
+              </a:rPr>
+              <a:t> - </a:t>
+            </a:r>
+            <a:r>
+              <a:rPr lang="pt-BR" b="0">
+                <a:solidFill>
+                  <a:srgbClr val="569CD6"/>
+                </a:solidFill>
+                <a:effectLst/>
+                <a:highlight>
+                  <a:srgbClr val="1F1F1F"/>
+                </a:highlight>
+                <a:latin typeface="Consolas" panose="020B0609020204030204" pitchFamily="49" charset="0"/>
+              </a:rPr>
+              <a:t>{</a:t>
+            </a:r>
+            <a:r>
+              <a:rPr lang="pt-BR" b="0">
+                <a:solidFill>
+                  <a:srgbClr val="9CDCFE"/>
+                </a:solidFill>
+                <a:effectLst/>
+                <a:highlight>
+                  <a:srgbClr val="1F1F1F"/>
+                </a:highlight>
+                <a:latin typeface="Consolas" panose="020B0609020204030204" pitchFamily="49" charset="0"/>
+              </a:rPr>
+              <a:t>y</a:t>
+            </a:r>
+            <a:r>
+              <a:rPr lang="pt-BR" b="0">
+                <a:solidFill>
+                  <a:srgbClr val="569CD6"/>
+                </a:solidFill>
+                <a:effectLst/>
+                <a:highlight>
+                  <a:srgbClr val="1F1F1F"/>
+                </a:highlight>
+                <a:latin typeface="Consolas" panose="020B0609020204030204" pitchFamily="49" charset="0"/>
+              </a:rPr>
+              <a:t>}</a:t>
+            </a:r>
+            <a:r>
+              <a:rPr lang="pt-BR" b="0">
+                <a:solidFill>
+                  <a:srgbClr val="CE9178"/>
+                </a:solidFill>
+                <a:effectLst/>
+                <a:highlight>
+                  <a:srgbClr val="1F1F1F"/>
+                </a:highlight>
+                <a:latin typeface="Consolas" panose="020B0609020204030204" pitchFamily="49" charset="0"/>
+              </a:rPr>
+              <a:t> = </a:t>
+            </a:r>
+            <a:r>
+              <a:rPr lang="pt-BR" b="0">
+                <a:solidFill>
+                  <a:srgbClr val="569CD6"/>
+                </a:solidFill>
+                <a:effectLst/>
+                <a:highlight>
+                  <a:srgbClr val="1F1F1F"/>
+                </a:highlight>
+                <a:latin typeface="Consolas" panose="020B0609020204030204" pitchFamily="49" charset="0"/>
+              </a:rPr>
+              <a:t>{</a:t>
+            </a:r>
+            <a:r>
+              <a:rPr lang="pt-BR" b="0">
+                <a:solidFill>
+                  <a:srgbClr val="9CDCFE"/>
+                </a:solidFill>
+                <a:effectLst/>
+                <a:highlight>
+                  <a:srgbClr val="1F1F1F"/>
+                </a:highlight>
+                <a:latin typeface="Consolas" panose="020B0609020204030204" pitchFamily="49" charset="0"/>
+              </a:rPr>
+              <a:t>x</a:t>
+            </a:r>
+            <a:r>
+              <a:rPr lang="pt-BR" b="0">
+                <a:solidFill>
+                  <a:srgbClr val="D4D4D4"/>
+                </a:solidFill>
+                <a:effectLst/>
+                <a:highlight>
+                  <a:srgbClr val="1F1F1F"/>
+                </a:highlight>
+                <a:latin typeface="Consolas" panose="020B0609020204030204" pitchFamily="49" charset="0"/>
+              </a:rPr>
+              <a:t>-</a:t>
+            </a:r>
+            <a:r>
+              <a:rPr lang="pt-BR" b="0">
+                <a:solidFill>
+                  <a:srgbClr val="9CDCFE"/>
+                </a:solidFill>
+                <a:effectLst/>
+                <a:highlight>
+                  <a:srgbClr val="1F1F1F"/>
+                </a:highlight>
+                <a:latin typeface="Consolas" panose="020B0609020204030204" pitchFamily="49" charset="0"/>
+              </a:rPr>
+              <a:t>y</a:t>
+            </a:r>
+            <a:r>
+              <a:rPr lang="pt-BR" b="0">
+                <a:solidFill>
+                  <a:srgbClr val="569CD6"/>
+                </a:solidFill>
+                <a:effectLst/>
+                <a:highlight>
+                  <a:srgbClr val="1F1F1F"/>
+                </a:highlight>
+                <a:latin typeface="Consolas" panose="020B0609020204030204" pitchFamily="49" charset="0"/>
+              </a:rPr>
+              <a:t>}</a:t>
+            </a:r>
+            <a:r>
+              <a:rPr lang="pt-BR" b="0">
+                <a:solidFill>
+                  <a:srgbClr val="CE9178"/>
+                </a:solidFill>
+                <a:effectLst/>
+                <a:highlight>
+                  <a:srgbClr val="1F1F1F"/>
+                </a:highlight>
+                <a:latin typeface="Consolas" panose="020B0609020204030204" pitchFamily="49" charset="0"/>
+              </a:rPr>
+              <a:t>"</a:t>
+            </a:r>
+            <a:r>
+              <a:rPr lang="pt-BR" b="0">
+                <a:solidFill>
+                  <a:srgbClr val="CCCCCC"/>
+                </a:solidFill>
+                <a:effectLst/>
+                <a:highlight>
+                  <a:srgbClr val="1F1F1F"/>
+                </a:highlight>
+                <a:latin typeface="Consolas" panose="020B0609020204030204" pitchFamily="49" charset="0"/>
+              </a:rPr>
+              <a:t>)</a:t>
+            </a:r>
+          </a:p>
+          <a:p>
+            <a:br>
+              <a:rPr lang="pt-BR" b="0">
+                <a:solidFill>
+                  <a:srgbClr val="CCCCCC"/>
+                </a:solidFill>
+                <a:effectLst/>
+                <a:highlight>
+                  <a:srgbClr val="1F1F1F"/>
+                </a:highlight>
+                <a:latin typeface="Consolas" panose="020B0609020204030204" pitchFamily="49" charset="0"/>
+              </a:rPr>
+            </a:br>
+            <a:br>
+              <a:rPr lang="pt-BR" b="0">
+                <a:solidFill>
+                  <a:srgbClr val="CCCCCC"/>
+                </a:solidFill>
+                <a:effectLst/>
+                <a:highlight>
+                  <a:srgbClr val="1F1F1F"/>
+                </a:highlight>
+                <a:latin typeface="Consolas" panose="020B0609020204030204" pitchFamily="49" charset="0"/>
+              </a:rPr>
+            </a:br>
+            <a:r>
+              <a:rPr lang="pt-BR" b="0">
+                <a:solidFill>
+                  <a:srgbClr val="DCDCAA"/>
+                </a:solidFill>
+                <a:effectLst/>
+                <a:highlight>
+                  <a:srgbClr val="1F1F1F"/>
+                </a:highlight>
+                <a:latin typeface="Consolas" panose="020B0609020204030204" pitchFamily="49" charset="0"/>
+              </a:rPr>
+              <a:t>divisao</a:t>
+            </a:r>
+            <a:r>
+              <a:rPr lang="pt-BR" b="0">
+                <a:solidFill>
+                  <a:srgbClr val="CCCCCC"/>
+                </a:solidFill>
+                <a:effectLst/>
+                <a:highlight>
+                  <a:srgbClr val="1F1F1F"/>
+                </a:highlight>
+                <a:latin typeface="Consolas" panose="020B0609020204030204" pitchFamily="49" charset="0"/>
+              </a:rPr>
+              <a:t>(</a:t>
+            </a:r>
+            <a:r>
+              <a:rPr lang="pt-BR" b="0">
+                <a:solidFill>
+                  <a:srgbClr val="B5CEA8"/>
+                </a:solidFill>
+                <a:effectLst/>
+                <a:highlight>
+                  <a:srgbClr val="1F1F1F"/>
+                </a:highlight>
+                <a:latin typeface="Consolas" panose="020B0609020204030204" pitchFamily="49" charset="0"/>
+              </a:rPr>
+              <a:t>10</a:t>
+            </a:r>
+            <a:r>
+              <a:rPr lang="pt-BR" b="0">
+                <a:solidFill>
+                  <a:srgbClr val="CCCCCC"/>
+                </a:solidFill>
+                <a:effectLst/>
+                <a:highlight>
+                  <a:srgbClr val="1F1F1F"/>
+                </a:highlight>
+                <a:latin typeface="Consolas" panose="020B0609020204030204" pitchFamily="49" charset="0"/>
+              </a:rPr>
+              <a:t>,</a:t>
+            </a:r>
+            <a:r>
+              <a:rPr lang="pt-BR" b="0">
+                <a:solidFill>
+                  <a:srgbClr val="B5CEA8"/>
+                </a:solidFill>
+                <a:effectLst/>
+                <a:highlight>
+                  <a:srgbClr val="1F1F1F"/>
+                </a:highlight>
+                <a:latin typeface="Consolas" panose="020B0609020204030204" pitchFamily="49" charset="0"/>
+              </a:rPr>
+              <a:t>2</a:t>
+            </a:r>
+            <a:r>
+              <a:rPr lang="pt-BR" b="0">
+                <a:solidFill>
+                  <a:srgbClr val="CCCCCC"/>
+                </a:solidFill>
+                <a:effectLst/>
+                <a:highlight>
+                  <a:srgbClr val="1F1F1F"/>
+                </a:highlight>
+                <a:latin typeface="Consolas" panose="020B0609020204030204" pitchFamily="49" charset="0"/>
+              </a:rPr>
+              <a:t>)</a:t>
+            </a:r>
+          </a:p>
+          <a:p>
+            <a:r>
+              <a:rPr lang="pt-BR" b="0">
+                <a:solidFill>
+                  <a:srgbClr val="DCDCAA"/>
+                </a:solidFill>
+                <a:effectLst/>
+                <a:highlight>
+                  <a:srgbClr val="1F1F1F"/>
+                </a:highlight>
+                <a:latin typeface="Consolas" panose="020B0609020204030204" pitchFamily="49" charset="0"/>
+              </a:rPr>
+              <a:t>subtracao</a:t>
+            </a:r>
+            <a:r>
+              <a:rPr lang="pt-BR" b="0">
+                <a:solidFill>
+                  <a:srgbClr val="CCCCCC"/>
+                </a:solidFill>
+                <a:effectLst/>
+                <a:highlight>
+                  <a:srgbClr val="1F1F1F"/>
+                </a:highlight>
+                <a:latin typeface="Consolas" panose="020B0609020204030204" pitchFamily="49" charset="0"/>
+              </a:rPr>
+              <a:t>(</a:t>
+            </a:r>
+            <a:r>
+              <a:rPr lang="pt-BR" b="0">
+                <a:solidFill>
+                  <a:srgbClr val="B5CEA8"/>
+                </a:solidFill>
+                <a:effectLst/>
+                <a:highlight>
+                  <a:srgbClr val="1F1F1F"/>
+                </a:highlight>
+                <a:latin typeface="Consolas" panose="020B0609020204030204" pitchFamily="49" charset="0"/>
+              </a:rPr>
+              <a:t>10</a:t>
+            </a:r>
+            <a:r>
+              <a:rPr lang="pt-BR" b="0">
+                <a:solidFill>
+                  <a:srgbClr val="CCCCCC"/>
+                </a:solidFill>
+                <a:effectLst/>
+                <a:highlight>
+                  <a:srgbClr val="1F1F1F"/>
+                </a:highlight>
+                <a:latin typeface="Consolas" panose="020B0609020204030204" pitchFamily="49" charset="0"/>
+              </a:rPr>
+              <a:t>,</a:t>
+            </a:r>
+            <a:r>
+              <a:rPr lang="pt-BR" b="0">
+                <a:solidFill>
+                  <a:srgbClr val="B5CEA8"/>
+                </a:solidFill>
+                <a:effectLst/>
+                <a:highlight>
+                  <a:srgbClr val="1F1F1F"/>
+                </a:highlight>
+                <a:latin typeface="Consolas" panose="020B0609020204030204" pitchFamily="49" charset="0"/>
+              </a:rPr>
+              <a:t>2</a:t>
+            </a:r>
+            <a:r>
+              <a:rPr lang="pt-BR" b="0">
+                <a:solidFill>
+                  <a:srgbClr val="CCCCCC"/>
+                </a:solidFill>
+                <a:effectLst/>
+                <a:highlight>
+                  <a:srgbClr val="1F1F1F"/>
+                </a:highlight>
+                <a:latin typeface="Consolas" panose="020B0609020204030204" pitchFamily="49" charset="0"/>
+              </a:rPr>
+              <a:t>)</a:t>
+            </a:r>
+          </a:p>
+        </p:txBody>
+      </p:sp>
+    </p:spTree>
+    <p:extLst>
+      <p:ext uri="{BB962C8B-B14F-4D97-AF65-F5344CB8AC3E}">
+        <p14:creationId xmlns:p14="http://schemas.microsoft.com/office/powerpoint/2010/main" val="2709068399"/>
       </p:ext>
     </p:extLst>
   </p:cSld>

--- a/Python_Dev/Python Intermediário/Material Python/1- Funções em Python.pptx
+++ b/Python_Dev/Python Intermediário/Material Python/1- Funções em Python.pptx
@@ -15,6 +15,12 @@
     <p:sldId id="287" r:id="rId9"/>
     <p:sldId id="291" r:id="rId10"/>
     <p:sldId id="292" r:id="rId11"/>
+    <p:sldId id="297" r:id="rId12"/>
+    <p:sldId id="293" r:id="rId13"/>
+    <p:sldId id="294" r:id="rId14"/>
+    <p:sldId id="296" r:id="rId15"/>
+    <p:sldId id="295" r:id="rId16"/>
+    <p:sldId id="298" r:id="rId17"/>
   </p:sldIdLst>
   <p:sldSz cx="12192000" cy="6858000"/>
   <p:notesSz cx="6858000" cy="9144000"/>
@@ -1333,7 +1339,7 @@
             <a:fld id="{9334D819-9F07-4261-B09B-9E467E5D9002}" type="datetimeFigureOut">
               <a:rPr lang="en-US" dirty="0"/>
               <a:pPr/>
-              <a:t>5/18/2024</a:t>
+              <a:t>5/20/2024</a:t>
             </a:fld>
             <a:endParaRPr lang="en-US" dirty="0"/>
           </a:p>
@@ -1567,7 +1573,7 @@
           <a:p>
             <a:fld id="{9334D819-9F07-4261-B09B-9E467E5D9002}" type="datetimeFigureOut">
               <a:rPr lang="en-US" dirty="0"/>
-              <a:t>5/18/2024</a:t>
+              <a:t>5/20/2024</a:t>
             </a:fld>
             <a:endParaRPr lang="en-US" dirty="0"/>
           </a:p>
@@ -1742,7 +1748,7 @@
           <a:p>
             <a:fld id="{9334D819-9F07-4261-B09B-9E467E5D9002}" type="datetimeFigureOut">
               <a:rPr lang="en-US" dirty="0"/>
-              <a:t>5/18/2024</a:t>
+              <a:t>5/20/2024</a:t>
             </a:fld>
             <a:endParaRPr lang="en-US" dirty="0"/>
           </a:p>
@@ -1907,7 +1913,7 @@
           <a:p>
             <a:fld id="{9334D819-9F07-4261-B09B-9E467E5D9002}" type="datetimeFigureOut">
               <a:rPr lang="en-US" dirty="0"/>
-              <a:t>5/18/2024</a:t>
+              <a:t>5/20/2024</a:t>
             </a:fld>
             <a:endParaRPr lang="en-US" dirty="0"/>
           </a:p>
@@ -2179,7 +2185,7 @@
             <a:fld id="{9334D819-9F07-4261-B09B-9E467E5D9002}" type="datetimeFigureOut">
               <a:rPr lang="en-US" dirty="0"/>
               <a:pPr/>
-              <a:t>5/18/2024</a:t>
+              <a:t>5/20/2024</a:t>
             </a:fld>
             <a:endParaRPr lang="en-US" dirty="0"/>
           </a:p>
@@ -3376,7 +3382,7 @@
           <a:p>
             <a:fld id="{9334D819-9F07-4261-B09B-9E467E5D9002}" type="datetimeFigureOut">
               <a:rPr lang="en-US" dirty="0"/>
-              <a:t>5/18/2024</a:t>
+              <a:t>5/20/2024</a:t>
             </a:fld>
             <a:endParaRPr lang="en-US" dirty="0"/>
           </a:p>
@@ -3761,7 +3767,7 @@
           <a:p>
             <a:fld id="{9334D819-9F07-4261-B09B-9E467E5D9002}" type="datetimeFigureOut">
               <a:rPr lang="en-US" dirty="0"/>
-              <a:t>5/18/2024</a:t>
+              <a:t>5/20/2024</a:t>
             </a:fld>
             <a:endParaRPr lang="en-US" dirty="0"/>
           </a:p>
@@ -3879,7 +3885,7 @@
           <a:p>
             <a:fld id="{9334D819-9F07-4261-B09B-9E467E5D9002}" type="datetimeFigureOut">
               <a:rPr lang="en-US" dirty="0"/>
-              <a:t>5/18/2024</a:t>
+              <a:t>5/20/2024</a:t>
             </a:fld>
             <a:endParaRPr lang="en-US" dirty="0"/>
           </a:p>
@@ -3969,7 +3975,7 @@
           <a:p>
             <a:fld id="{9334D819-9F07-4261-B09B-9E467E5D9002}" type="datetimeFigureOut">
               <a:rPr lang="en-US" dirty="0"/>
-              <a:t>5/18/2024</a:t>
+              <a:t>5/20/2024</a:t>
             </a:fld>
             <a:endParaRPr lang="en-US" dirty="0"/>
           </a:p>
@@ -4727,7 +4733,7 @@
           <a:p>
             <a:fld id="{9334D819-9F07-4261-B09B-9E467E5D9002}" type="datetimeFigureOut">
               <a:rPr lang="en-US" dirty="0"/>
-              <a:t>5/18/2024</a:t>
+              <a:t>5/20/2024</a:t>
             </a:fld>
             <a:endParaRPr lang="en-US" dirty="0"/>
           </a:p>
@@ -5562,7 +5568,7 @@
           <a:p>
             <a:fld id="{9334D819-9F07-4261-B09B-9E467E5D9002}" type="datetimeFigureOut">
               <a:rPr lang="en-US" dirty="0"/>
-              <a:t>5/18/2024</a:t>
+              <a:t>5/20/2024</a:t>
             </a:fld>
             <a:endParaRPr lang="en-US" dirty="0"/>
           </a:p>
@@ -5785,7 +5791,7 @@
             <a:fld id="{9334D819-9F07-4261-B09B-9E467E5D9002}" type="datetimeFigureOut">
               <a:rPr lang="en-US" dirty="0"/>
               <a:pPr/>
-              <a:t>5/18/2024</a:t>
+              <a:t>5/20/2024</a:t>
             </a:fld>
             <a:endParaRPr lang="en-US" dirty="0"/>
           </a:p>
@@ -7108,7 +7114,14 @@
           <a:p>
             <a:r>
               <a:rPr lang="pt-BR" sz="7200" dirty="0"/>
-              <a:t>DEF</a:t>
+              <a:t>Funções</a:t>
+            </a:r>
+            <a:br>
+              <a:rPr lang="pt-BR" sz="7200" dirty="0"/>
+            </a:br>
+            <a:r>
+              <a:rPr lang="pt-BR" sz="7200" dirty="0"/>
+              <a:t>Condicionais</a:t>
             </a:r>
           </a:p>
         </p:txBody>
@@ -7706,6 +7719,5442 @@
     <p:extLst>
       <p:ext uri="{BB962C8B-B14F-4D97-AF65-F5344CB8AC3E}">
         <p14:creationId xmlns:p14="http://schemas.microsoft.com/office/powerpoint/2010/main" val="1434489762"/>
+      </p:ext>
+    </p:extLst>
+  </p:cSld>
+  <p:clrMapOvr>
+    <a:masterClrMapping/>
+  </p:clrMapOvr>
+</p:sld>
+</file>
+
+<file path=ppt/slides/slide11.xml><?xml version="1.0" encoding="utf-8"?>
+<p:sld xmlns:a="http://schemas.openxmlformats.org/drawingml/2006/main" xmlns:r="http://schemas.openxmlformats.org/officeDocument/2006/relationships" xmlns:p="http://schemas.openxmlformats.org/presentationml/2006/main">
+  <p:cSld>
+    <p:bg>
+      <p:bgPr>
+        <a:solidFill>
+          <a:schemeClr val="bg1">
+            <a:tint val="95000"/>
+            <a:satMod val="170000"/>
+          </a:schemeClr>
+        </a:solidFill>
+        <a:effectLst/>
+      </p:bgPr>
+    </p:bg>
+    <p:spTree>
+      <p:nvGrpSpPr>
+        <p:cNvPr id="1" name=""/>
+        <p:cNvGrpSpPr/>
+        <p:nvPr/>
+      </p:nvGrpSpPr>
+      <p:grpSpPr>
+        <a:xfrm>
+          <a:off x="0" y="0"/>
+          <a:ext cx="0" cy="0"/>
+          <a:chOff x="0" y="0"/>
+          <a:chExt cx="0" cy="0"/>
+        </a:xfrm>
+      </p:grpSpPr>
+      <p:sp useBgFill="1">
+        <p:nvSpPr>
+          <p:cNvPr id="8" name="Rectangle 7">
+            <a:extLst>
+              <a:ext uri="{FF2B5EF4-FFF2-40B4-BE49-F238E27FC236}">
+                <a16:creationId xmlns:a16="http://schemas.microsoft.com/office/drawing/2014/main" id="{CFC012A5-170D-4B0F-A916-A8EE2C6CE94A}"/>
+              </a:ext>
+              <a:ext uri="{C183D7F6-B498-43B3-948B-1728B52AA6E4}">
+                <adec:decorative xmlns:adec="http://schemas.microsoft.com/office/drawing/2017/decorative" val="1"/>
+              </a:ext>
+            </a:extLst>
+          </p:cNvPr>
+          <p:cNvSpPr>
+            <a:spLocks noGrp="1" noRot="1" noChangeAspect="1" noMove="1" noResize="1" noEditPoints="1" noAdjustHandles="1" noChangeArrowheads="1" noChangeShapeType="1" noTextEdit="1"/>
+          </p:cNvSpPr>
+          <p:nvPr>
+            <p:extLst>
+              <p:ext uri="{386F3935-93C4-4BCD-93E2-E3B085C9AB24}">
+                <p16:designElem xmlns:p16="http://schemas.microsoft.com/office/powerpoint/2015/main" val="1"/>
+              </p:ext>
+            </p:extLst>
+          </p:nvPr>
+        </p:nvSpPr>
+        <p:spPr>
+          <a:xfrm>
+            <a:off x="0" y="0"/>
+            <a:ext cx="12192000" cy="6858000"/>
+          </a:xfrm>
+          <a:prstGeom prst="rect">
+            <a:avLst/>
+          </a:prstGeom>
+          <a:ln>
+            <a:noFill/>
+          </a:ln>
+        </p:spPr>
+        <p:style>
+          <a:lnRef idx="2">
+            <a:schemeClr val="accent1">
+              <a:shade val="50000"/>
+            </a:schemeClr>
+          </a:lnRef>
+          <a:fillRef idx="1">
+            <a:schemeClr val="accent1"/>
+          </a:fillRef>
+          <a:effectRef idx="0">
+            <a:schemeClr val="accent1"/>
+          </a:effectRef>
+          <a:fontRef idx="minor">
+            <a:schemeClr val="lt1"/>
+          </a:fontRef>
+        </p:style>
+        <p:txBody>
+          <a:bodyPr rtlCol="0" anchor="ctr"/>
+          <a:lstStyle/>
+          <a:p>
+            <a:pPr algn="ctr"/>
+            <a:endParaRPr lang="en-US"/>
+          </a:p>
+        </p:txBody>
+      </p:sp>
+      <p:sp>
+        <p:nvSpPr>
+          <p:cNvPr id="10" name="Rectangle 9">
+            <a:extLst>
+              <a:ext uri="{FF2B5EF4-FFF2-40B4-BE49-F238E27FC236}">
+                <a16:creationId xmlns:a16="http://schemas.microsoft.com/office/drawing/2014/main" id="{37F40654-5E8C-468A-9596-50927AF198AB}"/>
+              </a:ext>
+              <a:ext uri="{C183D7F6-B498-43B3-948B-1728B52AA6E4}">
+                <adec:decorative xmlns:adec="http://schemas.microsoft.com/office/drawing/2017/decorative" val="1"/>
+              </a:ext>
+            </a:extLst>
+          </p:cNvPr>
+          <p:cNvSpPr>
+            <a:spLocks noGrp="1" noRot="1" noChangeAspect="1" noMove="1" noResize="1" noEditPoints="1" noAdjustHandles="1" noChangeArrowheads="1" noChangeShapeType="1" noTextEdit="1"/>
+          </p:cNvSpPr>
+          <p:nvPr>
+            <p:extLst>
+              <p:ext uri="{386F3935-93C4-4BCD-93E2-E3B085C9AB24}">
+                <p16:designElem xmlns:p16="http://schemas.microsoft.com/office/powerpoint/2015/main" val="1"/>
+              </p:ext>
+            </p:extLst>
+          </p:nvPr>
+        </p:nvSpPr>
+        <p:spPr>
+          <a:xfrm>
+            <a:off x="0" y="0"/>
+            <a:ext cx="3345981" cy="6858000"/>
+          </a:xfrm>
+          <a:prstGeom prst="rect">
+            <a:avLst/>
+          </a:prstGeom>
+          <a:solidFill>
+            <a:schemeClr val="accent1"/>
+          </a:solidFill>
+          <a:ln>
+            <a:noFill/>
+          </a:ln>
+        </p:spPr>
+        <p:style>
+          <a:lnRef idx="2">
+            <a:schemeClr val="accent1">
+              <a:shade val="50000"/>
+            </a:schemeClr>
+          </a:lnRef>
+          <a:fillRef idx="1">
+            <a:schemeClr val="accent1"/>
+          </a:fillRef>
+          <a:effectRef idx="0">
+            <a:schemeClr val="accent1"/>
+          </a:effectRef>
+          <a:fontRef idx="minor">
+            <a:schemeClr val="lt1"/>
+          </a:fontRef>
+        </p:style>
+        <p:txBody>
+          <a:bodyPr rtlCol="0" anchor="ctr"/>
+          <a:lstStyle/>
+          <a:p>
+            <a:pPr algn="ctr"/>
+            <a:endParaRPr lang="en-US"/>
+          </a:p>
+        </p:txBody>
+      </p:sp>
+      <p:sp>
+        <p:nvSpPr>
+          <p:cNvPr id="2" name="Título 1">
+            <a:extLst>
+              <a:ext uri="{FF2B5EF4-FFF2-40B4-BE49-F238E27FC236}">
+                <a16:creationId xmlns:a16="http://schemas.microsoft.com/office/drawing/2014/main" id="{D21C56AC-69C0-9250-ABFF-EEDEB609601F}"/>
+              </a:ext>
+            </a:extLst>
+          </p:cNvPr>
+          <p:cNvSpPr>
+            <a:spLocks noGrp="1"/>
+          </p:cNvSpPr>
+          <p:nvPr>
+            <p:ph type="title"/>
+          </p:nvPr>
+        </p:nvSpPr>
+        <p:spPr>
+          <a:xfrm>
+            <a:off x="965201" y="1354945"/>
+            <a:ext cx="2380780" cy="4148110"/>
+          </a:xfrm>
+        </p:spPr>
+        <p:txBody>
+          <a:bodyPr anchor="ctr">
+            <a:normAutofit/>
+          </a:bodyPr>
+          <a:lstStyle/>
+          <a:p>
+            <a:r>
+              <a:rPr lang="pt-BR" sz="2800" dirty="0">
+                <a:solidFill>
+                  <a:srgbClr val="2A1A00"/>
+                </a:solidFill>
+              </a:rPr>
+              <a:t>Inicializar</a:t>
+            </a:r>
+            <a:br>
+              <a:rPr lang="pt-BR" sz="2800" dirty="0">
+                <a:solidFill>
+                  <a:srgbClr val="2A1A00"/>
+                </a:solidFill>
+              </a:rPr>
+            </a:br>
+            <a:r>
+              <a:rPr lang="pt-BR" sz="2800" dirty="0">
+                <a:solidFill>
+                  <a:srgbClr val="2A1A00"/>
+                </a:solidFill>
+              </a:rPr>
+              <a:t>Variável </a:t>
+            </a:r>
+            <a:br>
+              <a:rPr lang="pt-BR" sz="2800" dirty="0">
+                <a:solidFill>
+                  <a:srgbClr val="2A1A00"/>
+                </a:solidFill>
+              </a:rPr>
+            </a:br>
+            <a:r>
+              <a:rPr lang="pt-BR" sz="2800" dirty="0">
+                <a:solidFill>
+                  <a:srgbClr val="2A1A00"/>
+                </a:solidFill>
+              </a:rPr>
+              <a:t>Função Python</a:t>
+            </a:r>
+          </a:p>
+        </p:txBody>
+      </p:sp>
+      <p:sp>
+        <p:nvSpPr>
+          <p:cNvPr id="12" name="Rectangle 11">
+            <a:extLst>
+              <a:ext uri="{FF2B5EF4-FFF2-40B4-BE49-F238E27FC236}">
+                <a16:creationId xmlns:a16="http://schemas.microsoft.com/office/drawing/2014/main" id="{50B1BD4A-8DE6-4266-9C27-59260F938ED8}"/>
+              </a:ext>
+              <a:ext uri="{C183D7F6-B498-43B3-948B-1728B52AA6E4}">
+                <adec:decorative xmlns:adec="http://schemas.microsoft.com/office/drawing/2017/decorative" val="1"/>
+              </a:ext>
+            </a:extLst>
+          </p:cNvPr>
+          <p:cNvSpPr>
+            <a:spLocks noGrp="1" noRot="1" noChangeAspect="1" noMove="1" noResize="1" noEditPoints="1" noAdjustHandles="1" noChangeArrowheads="1" noChangeShapeType="1" noTextEdit="1"/>
+          </p:cNvSpPr>
+          <p:nvPr>
+            <p:extLst>
+              <p:ext uri="{386F3935-93C4-4BCD-93E2-E3B085C9AB24}">
+                <p16:designElem xmlns:p16="http://schemas.microsoft.com/office/powerpoint/2015/main" val="1"/>
+              </p:ext>
+            </p:extLst>
+          </p:nvPr>
+        </p:nvSpPr>
+        <p:spPr>
+          <a:xfrm>
+            <a:off x="0" y="0"/>
+            <a:ext cx="643467" cy="6858000"/>
+          </a:xfrm>
+          <a:prstGeom prst="rect">
+            <a:avLst/>
+          </a:prstGeom>
+          <a:solidFill>
+            <a:schemeClr val="accent1">
+              <a:lumMod val="75000"/>
+            </a:schemeClr>
+          </a:solidFill>
+          <a:ln>
+            <a:noFill/>
+          </a:ln>
+        </p:spPr>
+        <p:style>
+          <a:lnRef idx="2">
+            <a:schemeClr val="accent1">
+              <a:shade val="50000"/>
+            </a:schemeClr>
+          </a:lnRef>
+          <a:fillRef idx="1003">
+            <a:schemeClr val="lt1"/>
+          </a:fillRef>
+          <a:effectRef idx="0">
+            <a:schemeClr val="accent1"/>
+          </a:effectRef>
+          <a:fontRef idx="minor">
+            <a:schemeClr val="lt1"/>
+          </a:fontRef>
+        </p:style>
+        <p:txBody>
+          <a:bodyPr rtlCol="0" anchor="ctr"/>
+          <a:lstStyle/>
+          <a:p>
+            <a:pPr algn="ctr"/>
+            <a:endParaRPr lang="en-US">
+              <a:solidFill>
+                <a:schemeClr val="accent2"/>
+              </a:solidFill>
+            </a:endParaRPr>
+          </a:p>
+        </p:txBody>
+      </p:sp>
+      <p:sp>
+        <p:nvSpPr>
+          <p:cNvPr id="3" name="Espaço Reservado para Conteúdo 2">
+            <a:extLst>
+              <a:ext uri="{FF2B5EF4-FFF2-40B4-BE49-F238E27FC236}">
+                <a16:creationId xmlns:a16="http://schemas.microsoft.com/office/drawing/2014/main" id="{ADC7C2F9-6024-503C-CFEE-48C4893DD35F}"/>
+              </a:ext>
+            </a:extLst>
+          </p:cNvPr>
+          <p:cNvSpPr>
+            <a:spLocks noGrp="1"/>
+          </p:cNvSpPr>
+          <p:nvPr>
+            <p:ph idx="1"/>
+          </p:nvPr>
+        </p:nvSpPr>
+        <p:spPr>
+          <a:xfrm>
+            <a:off x="3828580" y="419878"/>
+            <a:ext cx="7601419" cy="5990253"/>
+          </a:xfrm>
+        </p:spPr>
+        <p:txBody>
+          <a:bodyPr anchor="ctr">
+            <a:normAutofit fontScale="92500" lnSpcReduction="20000"/>
+          </a:bodyPr>
+          <a:lstStyle/>
+          <a:p>
+            <a:pPr marL="0" indent="0">
+              <a:buNone/>
+            </a:pPr>
+            <a:r>
+              <a:rPr lang="pt-BR" sz="2400" dirty="0">
+                <a:solidFill>
+                  <a:schemeClr val="tx2"/>
+                </a:solidFill>
+              </a:rPr>
+              <a:t>Inicializar um parâmetro com um valor padrão, como z=</a:t>
+            </a:r>
+            <a:r>
+              <a:rPr lang="pt-BR" sz="2400" dirty="0" err="1">
+                <a:solidFill>
+                  <a:schemeClr val="tx2"/>
+                </a:solidFill>
+              </a:rPr>
+              <a:t>None</a:t>
+            </a:r>
+            <a:r>
+              <a:rPr lang="pt-BR" sz="2400" dirty="0">
+                <a:solidFill>
+                  <a:schemeClr val="tx2"/>
+                </a:solidFill>
+              </a:rPr>
+              <a:t> ou z = 10 , é útil por várias razões:</a:t>
+            </a:r>
+          </a:p>
+          <a:p>
+            <a:pPr marL="0" indent="0">
+              <a:buNone/>
+            </a:pPr>
+            <a:endParaRPr lang="pt-BR" sz="2400" dirty="0">
+              <a:solidFill>
+                <a:schemeClr val="tx2"/>
+              </a:solidFill>
+            </a:endParaRPr>
+          </a:p>
+          <a:p>
+            <a:pPr marL="0" indent="0">
+              <a:buNone/>
+            </a:pPr>
+            <a:r>
+              <a:rPr lang="pt-BR" sz="2400" dirty="0">
+                <a:solidFill>
+                  <a:schemeClr val="tx2"/>
+                </a:solidFill>
+              </a:rPr>
+              <a:t>Flexibilidade: Permite que você chame a função sem fornecer um valor para o parâmetro opcional. Isso pode ser útil quando você tem um caso comum em que o terceiro parâmetro não é necessário.</a:t>
+            </a:r>
+          </a:p>
+          <a:p>
+            <a:pPr marL="0" indent="0">
+              <a:buNone/>
+            </a:pPr>
+            <a:endParaRPr lang="pt-BR" sz="2400" dirty="0">
+              <a:solidFill>
+                <a:schemeClr val="tx2"/>
+              </a:solidFill>
+            </a:endParaRPr>
+          </a:p>
+          <a:p>
+            <a:pPr marL="0" indent="0">
+              <a:buNone/>
+            </a:pPr>
+            <a:r>
+              <a:rPr lang="pt-BR" sz="2400" dirty="0">
+                <a:solidFill>
+                  <a:schemeClr val="tx2"/>
+                </a:solidFill>
+              </a:rPr>
+              <a:t>Legibilidade: Define explicitamente o comportamento padrão da função. Quando alguém lê ou usa a função, fica claro que o parâmetro opcional pode ser omitido, a menos que seja necessário um valor diferente.</a:t>
+            </a:r>
+          </a:p>
+          <a:p>
+            <a:pPr marL="0" indent="0">
+              <a:buNone/>
+            </a:pPr>
+            <a:endParaRPr lang="pt-BR" sz="2400" dirty="0">
+              <a:solidFill>
+                <a:schemeClr val="tx2"/>
+              </a:solidFill>
+            </a:endParaRPr>
+          </a:p>
+          <a:p>
+            <a:pPr marL="0" indent="0">
+              <a:buNone/>
+            </a:pPr>
+            <a:r>
+              <a:rPr lang="pt-BR" sz="2400" dirty="0">
+                <a:solidFill>
+                  <a:schemeClr val="tx2"/>
+                </a:solidFill>
+              </a:rPr>
+              <a:t>Evita erros: Se você não inicializar z com </a:t>
+            </a:r>
+            <a:r>
+              <a:rPr lang="pt-BR" sz="2400" dirty="0" err="1">
+                <a:solidFill>
+                  <a:schemeClr val="tx2"/>
+                </a:solidFill>
+              </a:rPr>
+              <a:t>None</a:t>
+            </a:r>
+            <a:r>
+              <a:rPr lang="pt-BR" sz="2400" dirty="0">
+                <a:solidFill>
+                  <a:schemeClr val="tx2"/>
+                </a:solidFill>
+              </a:rPr>
+              <a:t>, a função irá lançar um erro caso não seja fornecido um valor para z quando a função é chamada sem ele. Inicializar com </a:t>
+            </a:r>
+            <a:r>
+              <a:rPr lang="pt-BR" sz="2400" dirty="0" err="1">
+                <a:solidFill>
+                  <a:schemeClr val="tx2"/>
+                </a:solidFill>
+              </a:rPr>
+              <a:t>None</a:t>
+            </a:r>
+            <a:r>
+              <a:rPr lang="pt-BR" sz="2400" dirty="0">
+                <a:solidFill>
+                  <a:schemeClr val="tx2"/>
+                </a:solidFill>
+              </a:rPr>
+              <a:t> permite que a função seja chamada sem z e ainda funcione corretamente.</a:t>
+            </a:r>
+          </a:p>
+        </p:txBody>
+      </p:sp>
+    </p:spTree>
+    <p:extLst>
+      <p:ext uri="{BB962C8B-B14F-4D97-AF65-F5344CB8AC3E}">
+        <p14:creationId xmlns:p14="http://schemas.microsoft.com/office/powerpoint/2010/main" val="622398136"/>
+      </p:ext>
+    </p:extLst>
+  </p:cSld>
+  <p:clrMapOvr>
+    <a:overrideClrMapping bg1="dk1" tx1="lt1" bg2="dk2" tx2="lt2" accent1="accent1" accent2="accent2" accent3="accent3" accent4="accent4" accent5="accent5" accent6="accent6" hlink="hlink" folHlink="folHlink"/>
+  </p:clrMapOvr>
+</p:sld>
+</file>
+
+<file path=ppt/slides/slide12.xml><?xml version="1.0" encoding="utf-8"?>
+<p:sld xmlns:a="http://schemas.openxmlformats.org/drawingml/2006/main" xmlns:r="http://schemas.openxmlformats.org/officeDocument/2006/relationships" xmlns:p="http://schemas.openxmlformats.org/presentationml/2006/main" showMasterSp="0">
+  <p:cSld>
+    <p:bg>
+      <p:bgPr>
+        <a:solidFill>
+          <a:schemeClr val="bg2">
+            <a:lumMod val="10000"/>
+          </a:schemeClr>
+        </a:solidFill>
+        <a:effectLst/>
+      </p:bgPr>
+    </p:bg>
+    <p:spTree>
+      <p:nvGrpSpPr>
+        <p:cNvPr id="1" name=""/>
+        <p:cNvGrpSpPr/>
+        <p:nvPr/>
+      </p:nvGrpSpPr>
+      <p:grpSpPr>
+        <a:xfrm>
+          <a:off x="0" y="0"/>
+          <a:ext cx="0" cy="0"/>
+          <a:chOff x="0" y="0"/>
+          <a:chExt cx="0" cy="0"/>
+        </a:xfrm>
+      </p:grpSpPr>
+      <p:sp>
+        <p:nvSpPr>
+          <p:cNvPr id="2" name="Título 1">
+            <a:extLst>
+              <a:ext uri="{FF2B5EF4-FFF2-40B4-BE49-F238E27FC236}">
+                <a16:creationId xmlns:a16="http://schemas.microsoft.com/office/drawing/2014/main" id="{83C6E063-9BFE-06CE-C9BC-5EE9CCAE3D29}"/>
+              </a:ext>
+            </a:extLst>
+          </p:cNvPr>
+          <p:cNvSpPr>
+            <a:spLocks noGrp="1"/>
+          </p:cNvSpPr>
+          <p:nvPr>
+            <p:ph type="title"/>
+          </p:nvPr>
+        </p:nvSpPr>
+        <p:spPr/>
+        <p:txBody>
+          <a:bodyPr/>
+          <a:lstStyle/>
+          <a:p>
+            <a:r>
+              <a:rPr lang="pt-BR" dirty="0"/>
+              <a:t>DEF – Aula 4	</a:t>
+            </a:r>
+          </a:p>
+        </p:txBody>
+      </p:sp>
+      <p:pic>
+        <p:nvPicPr>
+          <p:cNvPr id="1026" name="Picture 2">
+            <a:extLst>
+              <a:ext uri="{FF2B5EF4-FFF2-40B4-BE49-F238E27FC236}">
+                <a16:creationId xmlns:a16="http://schemas.microsoft.com/office/drawing/2014/main" id="{BFCC1361-CFA5-41DC-9639-9812D7C04FC8}"/>
+              </a:ext>
+            </a:extLst>
+          </p:cNvPr>
+          <p:cNvPicPr>
+            <a:picLocks noChangeAspect="1" noChangeArrowheads="1"/>
+          </p:cNvPicPr>
+          <p:nvPr/>
+        </p:nvPicPr>
+        <p:blipFill>
+          <a:blip r:embed="rId2">
+            <a:extLst>
+              <a:ext uri="{28A0092B-C50C-407E-A947-70E740481C1C}">
+                <a14:useLocalDpi xmlns:a14="http://schemas.microsoft.com/office/drawing/2010/main" val="0"/>
+              </a:ext>
+            </a:extLst>
+          </a:blip>
+          <a:srcRect/>
+          <a:stretch>
+            <a:fillRect/>
+          </a:stretch>
+        </p:blipFill>
+        <p:spPr bwMode="auto">
+          <a:xfrm>
+            <a:off x="102198" y="20849"/>
+            <a:ext cx="659802" cy="723071"/>
+          </a:xfrm>
+          <a:prstGeom prst="rect">
+            <a:avLst/>
+          </a:prstGeom>
+          <a:noFill/>
+          <a:extLst>
+            <a:ext uri="{909E8E84-426E-40DD-AFC4-6F175D3DCCD1}">
+              <a14:hiddenFill xmlns:a14="http://schemas.microsoft.com/office/drawing/2010/main">
+                <a:solidFill>
+                  <a:srgbClr val="FFFFFF"/>
+                </a:solidFill>
+              </a14:hiddenFill>
+            </a:ext>
+          </a:extLst>
+        </p:spPr>
+      </p:pic>
+      <p:sp>
+        <p:nvSpPr>
+          <p:cNvPr id="5" name="CaixaDeTexto 4">
+            <a:extLst>
+              <a:ext uri="{FF2B5EF4-FFF2-40B4-BE49-F238E27FC236}">
+                <a16:creationId xmlns:a16="http://schemas.microsoft.com/office/drawing/2014/main" id="{01AE52B1-BE6A-0332-6387-6C9A11D11857}"/>
+              </a:ext>
+            </a:extLst>
+          </p:cNvPr>
+          <p:cNvSpPr txBox="1"/>
+          <p:nvPr/>
+        </p:nvSpPr>
+        <p:spPr>
+          <a:xfrm>
+            <a:off x="5805017" y="2495281"/>
+            <a:ext cx="6097554" cy="3416320"/>
+          </a:xfrm>
+          <a:prstGeom prst="rect">
+            <a:avLst/>
+          </a:prstGeom>
+          <a:noFill/>
+        </p:spPr>
+        <p:txBody>
+          <a:bodyPr wrap="square">
+            <a:spAutoFit/>
+          </a:bodyPr>
+          <a:lstStyle/>
+          <a:p>
+            <a:r>
+              <a:rPr lang="pt-BR" b="0" dirty="0" err="1">
+                <a:solidFill>
+                  <a:srgbClr val="569CD6"/>
+                </a:solidFill>
+                <a:effectLst/>
+                <a:highlight>
+                  <a:srgbClr val="1F1F1F"/>
+                </a:highlight>
+                <a:latin typeface="Consolas" panose="020B0609020204030204" pitchFamily="49" charset="0"/>
+              </a:rPr>
+              <a:t>def</a:t>
+            </a:r>
+            <a:r>
+              <a:rPr lang="pt-BR" b="0" dirty="0">
+                <a:solidFill>
+                  <a:srgbClr val="CCCCCC"/>
+                </a:solidFill>
+                <a:effectLst/>
+                <a:highlight>
+                  <a:srgbClr val="1F1F1F"/>
+                </a:highlight>
+                <a:latin typeface="Consolas" panose="020B0609020204030204" pitchFamily="49" charset="0"/>
+              </a:rPr>
+              <a:t> </a:t>
+            </a:r>
+            <a:r>
+              <a:rPr lang="pt-BR" b="0" dirty="0">
+                <a:solidFill>
+                  <a:srgbClr val="DCDCAA"/>
+                </a:solidFill>
+                <a:effectLst/>
+                <a:highlight>
+                  <a:srgbClr val="1F1F1F"/>
+                </a:highlight>
+                <a:latin typeface="Consolas" panose="020B0609020204030204" pitchFamily="49" charset="0"/>
+              </a:rPr>
+              <a:t>soma</a:t>
+            </a:r>
+            <a:r>
+              <a:rPr lang="pt-BR" b="0" dirty="0">
+                <a:solidFill>
+                  <a:srgbClr val="CCCCCC"/>
+                </a:solidFill>
+                <a:effectLst/>
+                <a:highlight>
+                  <a:srgbClr val="1F1F1F"/>
+                </a:highlight>
+                <a:latin typeface="Consolas" panose="020B0609020204030204" pitchFamily="49" charset="0"/>
+              </a:rPr>
+              <a:t>(</a:t>
+            </a:r>
+            <a:r>
+              <a:rPr lang="pt-BR" b="0" dirty="0">
+                <a:solidFill>
+                  <a:srgbClr val="9CDCFE"/>
+                </a:solidFill>
+                <a:effectLst/>
+                <a:highlight>
+                  <a:srgbClr val="1F1F1F"/>
+                </a:highlight>
+                <a:latin typeface="Consolas" panose="020B0609020204030204" pitchFamily="49" charset="0"/>
+              </a:rPr>
+              <a:t>x</a:t>
+            </a:r>
+            <a:r>
+              <a:rPr lang="pt-BR" b="0" dirty="0">
+                <a:solidFill>
+                  <a:srgbClr val="CCCCCC"/>
+                </a:solidFill>
+                <a:effectLst/>
+                <a:highlight>
+                  <a:srgbClr val="1F1F1F"/>
+                </a:highlight>
+                <a:latin typeface="Consolas" panose="020B0609020204030204" pitchFamily="49" charset="0"/>
+              </a:rPr>
+              <a:t>, </a:t>
+            </a:r>
+            <a:r>
+              <a:rPr lang="pt-BR" b="0" dirty="0">
+                <a:solidFill>
+                  <a:srgbClr val="9CDCFE"/>
+                </a:solidFill>
+                <a:effectLst/>
+                <a:highlight>
+                  <a:srgbClr val="1F1F1F"/>
+                </a:highlight>
+                <a:latin typeface="Consolas" panose="020B0609020204030204" pitchFamily="49" charset="0"/>
+              </a:rPr>
+              <a:t>y</a:t>
+            </a:r>
+            <a:r>
+              <a:rPr lang="pt-BR" b="0" dirty="0">
+                <a:solidFill>
+                  <a:srgbClr val="CCCCCC"/>
+                </a:solidFill>
+                <a:effectLst/>
+                <a:highlight>
+                  <a:srgbClr val="1F1F1F"/>
+                </a:highlight>
+                <a:latin typeface="Consolas" panose="020B0609020204030204" pitchFamily="49" charset="0"/>
+              </a:rPr>
+              <a:t>, </a:t>
+            </a:r>
+            <a:r>
+              <a:rPr lang="pt-BR" b="0" dirty="0">
+                <a:solidFill>
+                  <a:srgbClr val="9CDCFE"/>
+                </a:solidFill>
+                <a:effectLst/>
+                <a:highlight>
+                  <a:srgbClr val="1F1F1F"/>
+                </a:highlight>
+                <a:latin typeface="Consolas" panose="020B0609020204030204" pitchFamily="49" charset="0"/>
+              </a:rPr>
+              <a:t>z</a:t>
+            </a:r>
+            <a:r>
+              <a:rPr lang="pt-BR" b="0" dirty="0">
+                <a:solidFill>
+                  <a:srgbClr val="D4D4D4"/>
+                </a:solidFill>
+                <a:effectLst/>
+                <a:highlight>
+                  <a:srgbClr val="1F1F1F"/>
+                </a:highlight>
+                <a:latin typeface="Consolas" panose="020B0609020204030204" pitchFamily="49" charset="0"/>
+              </a:rPr>
+              <a:t>=</a:t>
+            </a:r>
+            <a:r>
+              <a:rPr lang="pt-BR" b="0" dirty="0" err="1">
+                <a:solidFill>
+                  <a:srgbClr val="569CD6"/>
+                </a:solidFill>
+                <a:effectLst/>
+                <a:highlight>
+                  <a:srgbClr val="1F1F1F"/>
+                </a:highlight>
+                <a:latin typeface="Consolas" panose="020B0609020204030204" pitchFamily="49" charset="0"/>
+              </a:rPr>
+              <a:t>None</a:t>
+            </a:r>
+            <a:r>
+              <a:rPr lang="pt-BR" b="0" dirty="0">
+                <a:solidFill>
+                  <a:srgbClr val="CCCCCC"/>
+                </a:solidFill>
+                <a:effectLst/>
+                <a:highlight>
+                  <a:srgbClr val="1F1F1F"/>
+                </a:highlight>
+                <a:latin typeface="Consolas" panose="020B0609020204030204" pitchFamily="49" charset="0"/>
+              </a:rPr>
+              <a:t>):</a:t>
+            </a:r>
+          </a:p>
+          <a:p>
+            <a:r>
+              <a:rPr lang="pt-BR" b="0" dirty="0">
+                <a:solidFill>
+                  <a:srgbClr val="CCCCCC"/>
+                </a:solidFill>
+                <a:effectLst/>
+                <a:highlight>
+                  <a:srgbClr val="1F1F1F"/>
+                </a:highlight>
+                <a:latin typeface="Consolas" panose="020B0609020204030204" pitchFamily="49" charset="0"/>
+              </a:rPr>
+              <a:t>    </a:t>
+            </a:r>
+            <a:r>
+              <a:rPr lang="pt-BR" b="0" dirty="0" err="1">
+                <a:solidFill>
+                  <a:srgbClr val="C586C0"/>
+                </a:solidFill>
+                <a:effectLst/>
+                <a:highlight>
+                  <a:srgbClr val="1F1F1F"/>
+                </a:highlight>
+                <a:latin typeface="Consolas" panose="020B0609020204030204" pitchFamily="49" charset="0"/>
+              </a:rPr>
+              <a:t>if</a:t>
+            </a:r>
+            <a:r>
+              <a:rPr lang="pt-BR" b="0" dirty="0">
+                <a:solidFill>
+                  <a:srgbClr val="CCCCCC"/>
+                </a:solidFill>
+                <a:effectLst/>
+                <a:highlight>
+                  <a:srgbClr val="1F1F1F"/>
+                </a:highlight>
+                <a:latin typeface="Consolas" panose="020B0609020204030204" pitchFamily="49" charset="0"/>
+              </a:rPr>
+              <a:t> </a:t>
+            </a:r>
+            <a:r>
+              <a:rPr lang="pt-BR" b="0" dirty="0">
+                <a:solidFill>
+                  <a:srgbClr val="9CDCFE"/>
+                </a:solidFill>
+                <a:effectLst/>
+                <a:highlight>
+                  <a:srgbClr val="1F1F1F"/>
+                </a:highlight>
+                <a:latin typeface="Consolas" panose="020B0609020204030204" pitchFamily="49" charset="0"/>
+              </a:rPr>
+              <a:t>z</a:t>
+            </a:r>
+            <a:r>
+              <a:rPr lang="pt-BR" b="0" dirty="0">
+                <a:solidFill>
+                  <a:srgbClr val="CCCCCC"/>
+                </a:solidFill>
+                <a:effectLst/>
+                <a:highlight>
+                  <a:srgbClr val="1F1F1F"/>
+                </a:highlight>
+                <a:latin typeface="Consolas" panose="020B0609020204030204" pitchFamily="49" charset="0"/>
+              </a:rPr>
+              <a:t> </a:t>
+            </a:r>
+            <a:r>
+              <a:rPr lang="pt-BR" b="0" dirty="0" err="1">
+                <a:solidFill>
+                  <a:srgbClr val="569CD6"/>
+                </a:solidFill>
+                <a:effectLst/>
+                <a:highlight>
+                  <a:srgbClr val="1F1F1F"/>
+                </a:highlight>
+                <a:latin typeface="Consolas" panose="020B0609020204030204" pitchFamily="49" charset="0"/>
+              </a:rPr>
+              <a:t>is</a:t>
+            </a:r>
+            <a:r>
+              <a:rPr lang="pt-BR" b="0" dirty="0">
+                <a:solidFill>
+                  <a:srgbClr val="CCCCCC"/>
+                </a:solidFill>
+                <a:effectLst/>
+                <a:highlight>
+                  <a:srgbClr val="1F1F1F"/>
+                </a:highlight>
+                <a:latin typeface="Consolas" panose="020B0609020204030204" pitchFamily="49" charset="0"/>
+              </a:rPr>
+              <a:t> </a:t>
+            </a:r>
+            <a:r>
+              <a:rPr lang="pt-BR" b="0" dirty="0" err="1">
+                <a:solidFill>
+                  <a:srgbClr val="569CD6"/>
+                </a:solidFill>
+                <a:effectLst/>
+                <a:highlight>
+                  <a:srgbClr val="1F1F1F"/>
+                </a:highlight>
+                <a:latin typeface="Consolas" panose="020B0609020204030204" pitchFamily="49" charset="0"/>
+              </a:rPr>
+              <a:t>not</a:t>
+            </a:r>
+            <a:r>
+              <a:rPr lang="pt-BR" b="0" dirty="0">
+                <a:solidFill>
+                  <a:srgbClr val="CCCCCC"/>
+                </a:solidFill>
+                <a:effectLst/>
+                <a:highlight>
+                  <a:srgbClr val="1F1F1F"/>
+                </a:highlight>
+                <a:latin typeface="Consolas" panose="020B0609020204030204" pitchFamily="49" charset="0"/>
+              </a:rPr>
+              <a:t> </a:t>
+            </a:r>
+            <a:r>
+              <a:rPr lang="pt-BR" b="0" dirty="0" err="1">
+                <a:solidFill>
+                  <a:srgbClr val="569CD6"/>
+                </a:solidFill>
+                <a:effectLst/>
+                <a:highlight>
+                  <a:srgbClr val="1F1F1F"/>
+                </a:highlight>
+                <a:latin typeface="Consolas" panose="020B0609020204030204" pitchFamily="49" charset="0"/>
+              </a:rPr>
+              <a:t>None</a:t>
+            </a:r>
+            <a:r>
+              <a:rPr lang="pt-BR" b="0" dirty="0">
+                <a:solidFill>
+                  <a:srgbClr val="CCCCCC"/>
+                </a:solidFill>
+                <a:effectLst/>
+                <a:highlight>
+                  <a:srgbClr val="1F1F1F"/>
+                </a:highlight>
+                <a:latin typeface="Consolas" panose="020B0609020204030204" pitchFamily="49" charset="0"/>
+              </a:rPr>
+              <a:t>:</a:t>
+            </a:r>
+          </a:p>
+          <a:p>
+            <a:r>
+              <a:rPr lang="pt-BR" b="0" dirty="0">
+                <a:solidFill>
+                  <a:srgbClr val="CCCCCC"/>
+                </a:solidFill>
+                <a:effectLst/>
+                <a:highlight>
+                  <a:srgbClr val="1F1F1F"/>
+                </a:highlight>
+                <a:latin typeface="Consolas" panose="020B0609020204030204" pitchFamily="49" charset="0"/>
+              </a:rPr>
+              <a:t>        </a:t>
+            </a:r>
+            <a:r>
+              <a:rPr lang="pt-BR" b="0" dirty="0">
+                <a:solidFill>
+                  <a:srgbClr val="DCDCAA"/>
+                </a:solidFill>
+                <a:effectLst/>
+                <a:highlight>
+                  <a:srgbClr val="1F1F1F"/>
+                </a:highlight>
+                <a:latin typeface="Consolas" panose="020B0609020204030204" pitchFamily="49" charset="0"/>
+              </a:rPr>
+              <a:t>print</a:t>
+            </a:r>
+            <a:r>
+              <a:rPr lang="pt-BR" b="0" dirty="0">
+                <a:solidFill>
+                  <a:srgbClr val="CCCCCC"/>
+                </a:solidFill>
+                <a:effectLst/>
+                <a:highlight>
+                  <a:srgbClr val="1F1F1F"/>
+                </a:highlight>
+                <a:latin typeface="Consolas" panose="020B0609020204030204" pitchFamily="49" charset="0"/>
+              </a:rPr>
+              <a:t>(</a:t>
+            </a:r>
+            <a:r>
+              <a:rPr lang="pt-BR" b="0" dirty="0">
+                <a:solidFill>
+                  <a:srgbClr val="569CD6"/>
+                </a:solidFill>
+                <a:effectLst/>
+                <a:highlight>
+                  <a:srgbClr val="1F1F1F"/>
+                </a:highlight>
+                <a:latin typeface="Consolas" panose="020B0609020204030204" pitchFamily="49" charset="0"/>
+              </a:rPr>
+              <a:t>f</a:t>
+            </a:r>
+            <a:r>
+              <a:rPr lang="pt-BR" b="0" dirty="0">
+                <a:solidFill>
+                  <a:srgbClr val="CE9178"/>
+                </a:solidFill>
+                <a:effectLst/>
+                <a:highlight>
+                  <a:srgbClr val="1F1F1F"/>
+                </a:highlight>
+                <a:latin typeface="Consolas" panose="020B0609020204030204" pitchFamily="49" charset="0"/>
+              </a:rPr>
+              <a:t>'</a:t>
+            </a:r>
+            <a:r>
+              <a:rPr lang="pt-BR" b="0" dirty="0">
+                <a:solidFill>
+                  <a:srgbClr val="569CD6"/>
+                </a:solidFill>
+                <a:effectLst/>
+                <a:highlight>
+                  <a:srgbClr val="1F1F1F"/>
+                </a:highlight>
+                <a:latin typeface="Consolas" panose="020B0609020204030204" pitchFamily="49" charset="0"/>
+              </a:rPr>
+              <a:t>{</a:t>
+            </a:r>
+            <a:r>
+              <a:rPr lang="pt-BR" b="0" dirty="0">
+                <a:solidFill>
+                  <a:srgbClr val="9CDCFE"/>
+                </a:solidFill>
+                <a:effectLst/>
+                <a:highlight>
+                  <a:srgbClr val="1F1F1F"/>
+                </a:highlight>
+                <a:latin typeface="Consolas" panose="020B0609020204030204" pitchFamily="49" charset="0"/>
+              </a:rPr>
+              <a:t>x</a:t>
+            </a:r>
+            <a:r>
+              <a:rPr lang="pt-BR" b="0" dirty="0">
+                <a:solidFill>
+                  <a:srgbClr val="569CD6"/>
+                </a:solidFill>
+                <a:effectLst/>
+                <a:highlight>
+                  <a:srgbClr val="1F1F1F"/>
+                </a:highlight>
+                <a:latin typeface="Consolas" panose="020B0609020204030204" pitchFamily="49" charset="0"/>
+              </a:rPr>
+              <a:t>=}</a:t>
+            </a:r>
+            <a:r>
+              <a:rPr lang="pt-BR" b="0" dirty="0">
+                <a:solidFill>
+                  <a:srgbClr val="CE9178"/>
+                </a:solidFill>
+                <a:effectLst/>
+                <a:highlight>
+                  <a:srgbClr val="1F1F1F"/>
+                </a:highlight>
+                <a:latin typeface="Consolas" panose="020B0609020204030204" pitchFamily="49" charset="0"/>
+              </a:rPr>
+              <a:t> </a:t>
+            </a:r>
+            <a:r>
+              <a:rPr lang="pt-BR" b="0" dirty="0">
+                <a:solidFill>
+                  <a:srgbClr val="569CD6"/>
+                </a:solidFill>
+                <a:effectLst/>
+                <a:highlight>
+                  <a:srgbClr val="1F1F1F"/>
+                </a:highlight>
+                <a:latin typeface="Consolas" panose="020B0609020204030204" pitchFamily="49" charset="0"/>
+              </a:rPr>
+              <a:t>{</a:t>
+            </a:r>
+            <a:r>
+              <a:rPr lang="pt-BR" b="0" dirty="0">
+                <a:solidFill>
+                  <a:srgbClr val="9CDCFE"/>
+                </a:solidFill>
+                <a:effectLst/>
+                <a:highlight>
+                  <a:srgbClr val="1F1F1F"/>
+                </a:highlight>
+                <a:latin typeface="Consolas" panose="020B0609020204030204" pitchFamily="49" charset="0"/>
+              </a:rPr>
+              <a:t>y</a:t>
+            </a:r>
+            <a:r>
+              <a:rPr lang="pt-BR" b="0" dirty="0">
+                <a:solidFill>
+                  <a:srgbClr val="569CD6"/>
+                </a:solidFill>
+                <a:effectLst/>
+                <a:highlight>
+                  <a:srgbClr val="1F1F1F"/>
+                </a:highlight>
+                <a:latin typeface="Consolas" panose="020B0609020204030204" pitchFamily="49" charset="0"/>
+              </a:rPr>
+              <a:t>=}</a:t>
+            </a:r>
+            <a:r>
+              <a:rPr lang="pt-BR" b="0" dirty="0">
+                <a:solidFill>
+                  <a:srgbClr val="CE9178"/>
+                </a:solidFill>
+                <a:effectLst/>
+                <a:highlight>
+                  <a:srgbClr val="1F1F1F"/>
+                </a:highlight>
+                <a:latin typeface="Consolas" panose="020B0609020204030204" pitchFamily="49" charset="0"/>
+              </a:rPr>
+              <a:t> </a:t>
+            </a:r>
+            <a:r>
+              <a:rPr lang="pt-BR" b="0" dirty="0">
+                <a:solidFill>
+                  <a:srgbClr val="569CD6"/>
+                </a:solidFill>
+                <a:effectLst/>
+                <a:highlight>
+                  <a:srgbClr val="1F1F1F"/>
+                </a:highlight>
+                <a:latin typeface="Consolas" panose="020B0609020204030204" pitchFamily="49" charset="0"/>
+              </a:rPr>
+              <a:t>{</a:t>
+            </a:r>
+            <a:r>
+              <a:rPr lang="pt-BR" b="0" dirty="0">
+                <a:solidFill>
+                  <a:srgbClr val="9CDCFE"/>
+                </a:solidFill>
+                <a:effectLst/>
+                <a:highlight>
+                  <a:srgbClr val="1F1F1F"/>
+                </a:highlight>
+                <a:latin typeface="Consolas" panose="020B0609020204030204" pitchFamily="49" charset="0"/>
+              </a:rPr>
+              <a:t>z</a:t>
+            </a:r>
+            <a:r>
+              <a:rPr lang="pt-BR" b="0" dirty="0">
+                <a:solidFill>
+                  <a:srgbClr val="569CD6"/>
+                </a:solidFill>
+                <a:effectLst/>
+                <a:highlight>
+                  <a:srgbClr val="1F1F1F"/>
+                </a:highlight>
+                <a:latin typeface="Consolas" panose="020B0609020204030204" pitchFamily="49" charset="0"/>
+              </a:rPr>
+              <a:t>=}</a:t>
+            </a:r>
+            <a:r>
+              <a:rPr lang="pt-BR" b="0" dirty="0">
+                <a:solidFill>
+                  <a:srgbClr val="CE9178"/>
+                </a:solidFill>
+                <a:effectLst/>
+                <a:highlight>
+                  <a:srgbClr val="1F1F1F"/>
+                </a:highlight>
+                <a:latin typeface="Consolas" panose="020B0609020204030204" pitchFamily="49" charset="0"/>
+              </a:rPr>
+              <a:t>'</a:t>
+            </a:r>
+            <a:r>
+              <a:rPr lang="pt-BR" b="0" dirty="0">
+                <a:solidFill>
+                  <a:srgbClr val="CCCCCC"/>
+                </a:solidFill>
+                <a:effectLst/>
+                <a:highlight>
+                  <a:srgbClr val="1F1F1F"/>
+                </a:highlight>
+                <a:latin typeface="Consolas" panose="020B0609020204030204" pitchFamily="49" charset="0"/>
+              </a:rPr>
+              <a:t>, </a:t>
+            </a:r>
+            <a:r>
+              <a:rPr lang="pt-BR" b="0" dirty="0">
+                <a:solidFill>
+                  <a:srgbClr val="9CDCFE"/>
+                </a:solidFill>
+                <a:effectLst/>
+                <a:highlight>
+                  <a:srgbClr val="1F1F1F"/>
+                </a:highlight>
+                <a:latin typeface="Consolas" panose="020B0609020204030204" pitchFamily="49" charset="0"/>
+              </a:rPr>
+              <a:t>x</a:t>
+            </a:r>
+            <a:r>
+              <a:rPr lang="pt-BR" b="0" dirty="0">
+                <a:solidFill>
+                  <a:srgbClr val="CCCCCC"/>
+                </a:solidFill>
+                <a:effectLst/>
+                <a:highlight>
+                  <a:srgbClr val="1F1F1F"/>
+                </a:highlight>
+                <a:latin typeface="Consolas" panose="020B0609020204030204" pitchFamily="49" charset="0"/>
+              </a:rPr>
+              <a:t> </a:t>
+            </a:r>
+            <a:r>
+              <a:rPr lang="pt-BR" b="0" dirty="0">
+                <a:solidFill>
+                  <a:srgbClr val="D4D4D4"/>
+                </a:solidFill>
+                <a:effectLst/>
+                <a:highlight>
+                  <a:srgbClr val="1F1F1F"/>
+                </a:highlight>
+                <a:latin typeface="Consolas" panose="020B0609020204030204" pitchFamily="49" charset="0"/>
+              </a:rPr>
+              <a:t>+</a:t>
+            </a:r>
+            <a:r>
+              <a:rPr lang="pt-BR" b="0" dirty="0">
+                <a:solidFill>
+                  <a:srgbClr val="CCCCCC"/>
+                </a:solidFill>
+                <a:effectLst/>
+                <a:highlight>
+                  <a:srgbClr val="1F1F1F"/>
+                </a:highlight>
+                <a:latin typeface="Consolas" panose="020B0609020204030204" pitchFamily="49" charset="0"/>
+              </a:rPr>
+              <a:t> </a:t>
+            </a:r>
+            <a:r>
+              <a:rPr lang="pt-BR" b="0" dirty="0">
+                <a:solidFill>
+                  <a:srgbClr val="9CDCFE"/>
+                </a:solidFill>
+                <a:effectLst/>
+                <a:highlight>
+                  <a:srgbClr val="1F1F1F"/>
+                </a:highlight>
+                <a:latin typeface="Consolas" panose="020B0609020204030204" pitchFamily="49" charset="0"/>
+              </a:rPr>
+              <a:t>y</a:t>
+            </a:r>
+            <a:r>
+              <a:rPr lang="pt-BR" b="0" dirty="0">
+                <a:solidFill>
+                  <a:srgbClr val="CCCCCC"/>
+                </a:solidFill>
+                <a:effectLst/>
+                <a:highlight>
+                  <a:srgbClr val="1F1F1F"/>
+                </a:highlight>
+                <a:latin typeface="Consolas" panose="020B0609020204030204" pitchFamily="49" charset="0"/>
+              </a:rPr>
+              <a:t> </a:t>
+            </a:r>
+            <a:r>
+              <a:rPr lang="pt-BR" b="0" dirty="0">
+                <a:solidFill>
+                  <a:srgbClr val="D4D4D4"/>
+                </a:solidFill>
+                <a:effectLst/>
+                <a:highlight>
+                  <a:srgbClr val="1F1F1F"/>
+                </a:highlight>
+                <a:latin typeface="Consolas" panose="020B0609020204030204" pitchFamily="49" charset="0"/>
+              </a:rPr>
+              <a:t>+</a:t>
+            </a:r>
+            <a:r>
+              <a:rPr lang="pt-BR" b="0" dirty="0">
+                <a:solidFill>
+                  <a:srgbClr val="CCCCCC"/>
+                </a:solidFill>
+                <a:effectLst/>
+                <a:highlight>
+                  <a:srgbClr val="1F1F1F"/>
+                </a:highlight>
+                <a:latin typeface="Consolas" panose="020B0609020204030204" pitchFamily="49" charset="0"/>
+              </a:rPr>
+              <a:t> </a:t>
+            </a:r>
+            <a:r>
+              <a:rPr lang="pt-BR" b="0" dirty="0">
+                <a:solidFill>
+                  <a:srgbClr val="9CDCFE"/>
+                </a:solidFill>
+                <a:effectLst/>
+                <a:highlight>
+                  <a:srgbClr val="1F1F1F"/>
+                </a:highlight>
+                <a:latin typeface="Consolas" panose="020B0609020204030204" pitchFamily="49" charset="0"/>
+              </a:rPr>
+              <a:t>z</a:t>
+            </a:r>
+            <a:r>
+              <a:rPr lang="pt-BR" b="0" dirty="0">
+                <a:solidFill>
+                  <a:srgbClr val="CCCCCC"/>
+                </a:solidFill>
+                <a:effectLst/>
+                <a:highlight>
+                  <a:srgbClr val="1F1F1F"/>
+                </a:highlight>
+                <a:latin typeface="Consolas" panose="020B0609020204030204" pitchFamily="49" charset="0"/>
+              </a:rPr>
+              <a:t>)</a:t>
+            </a:r>
+          </a:p>
+          <a:p>
+            <a:r>
+              <a:rPr lang="pt-BR" b="0" dirty="0">
+                <a:solidFill>
+                  <a:srgbClr val="CCCCCC"/>
+                </a:solidFill>
+                <a:effectLst/>
+                <a:highlight>
+                  <a:srgbClr val="1F1F1F"/>
+                </a:highlight>
+                <a:latin typeface="Consolas" panose="020B0609020204030204" pitchFamily="49" charset="0"/>
+              </a:rPr>
+              <a:t>    </a:t>
+            </a:r>
+            <a:r>
+              <a:rPr lang="pt-BR" b="0" dirty="0" err="1">
+                <a:solidFill>
+                  <a:srgbClr val="C586C0"/>
+                </a:solidFill>
+                <a:effectLst/>
+                <a:highlight>
+                  <a:srgbClr val="1F1F1F"/>
+                </a:highlight>
+                <a:latin typeface="Consolas" panose="020B0609020204030204" pitchFamily="49" charset="0"/>
+              </a:rPr>
+              <a:t>else</a:t>
+            </a:r>
+            <a:r>
+              <a:rPr lang="pt-BR" b="0" dirty="0">
+                <a:solidFill>
+                  <a:srgbClr val="CCCCCC"/>
+                </a:solidFill>
+                <a:effectLst/>
+                <a:highlight>
+                  <a:srgbClr val="1F1F1F"/>
+                </a:highlight>
+                <a:latin typeface="Consolas" panose="020B0609020204030204" pitchFamily="49" charset="0"/>
+              </a:rPr>
+              <a:t>:</a:t>
+            </a:r>
+          </a:p>
+          <a:p>
+            <a:r>
+              <a:rPr lang="pt-BR" b="0" dirty="0">
+                <a:solidFill>
+                  <a:srgbClr val="CCCCCC"/>
+                </a:solidFill>
+                <a:effectLst/>
+                <a:highlight>
+                  <a:srgbClr val="1F1F1F"/>
+                </a:highlight>
+                <a:latin typeface="Consolas" panose="020B0609020204030204" pitchFamily="49" charset="0"/>
+              </a:rPr>
+              <a:t>        </a:t>
+            </a:r>
+            <a:r>
+              <a:rPr lang="pt-BR" b="0" dirty="0">
+                <a:solidFill>
+                  <a:srgbClr val="DCDCAA"/>
+                </a:solidFill>
+                <a:effectLst/>
+                <a:highlight>
+                  <a:srgbClr val="1F1F1F"/>
+                </a:highlight>
+                <a:latin typeface="Consolas" panose="020B0609020204030204" pitchFamily="49" charset="0"/>
+              </a:rPr>
+              <a:t>print</a:t>
+            </a:r>
+            <a:r>
+              <a:rPr lang="pt-BR" b="0" dirty="0">
+                <a:solidFill>
+                  <a:srgbClr val="CCCCCC"/>
+                </a:solidFill>
+                <a:effectLst/>
+                <a:highlight>
+                  <a:srgbClr val="1F1F1F"/>
+                </a:highlight>
+                <a:latin typeface="Consolas" panose="020B0609020204030204" pitchFamily="49" charset="0"/>
+              </a:rPr>
+              <a:t>(</a:t>
+            </a:r>
+            <a:r>
+              <a:rPr lang="pt-BR" b="0" dirty="0">
+                <a:solidFill>
+                  <a:srgbClr val="569CD6"/>
+                </a:solidFill>
+                <a:effectLst/>
+                <a:highlight>
+                  <a:srgbClr val="1F1F1F"/>
+                </a:highlight>
+                <a:latin typeface="Consolas" panose="020B0609020204030204" pitchFamily="49" charset="0"/>
+              </a:rPr>
+              <a:t>f</a:t>
+            </a:r>
+            <a:r>
+              <a:rPr lang="pt-BR" b="0" dirty="0">
+                <a:solidFill>
+                  <a:srgbClr val="CE9178"/>
+                </a:solidFill>
+                <a:effectLst/>
+                <a:highlight>
+                  <a:srgbClr val="1F1F1F"/>
+                </a:highlight>
+                <a:latin typeface="Consolas" panose="020B0609020204030204" pitchFamily="49" charset="0"/>
+              </a:rPr>
+              <a:t>'</a:t>
+            </a:r>
+            <a:r>
+              <a:rPr lang="pt-BR" b="0" dirty="0">
+                <a:solidFill>
+                  <a:srgbClr val="569CD6"/>
+                </a:solidFill>
+                <a:effectLst/>
+                <a:highlight>
+                  <a:srgbClr val="1F1F1F"/>
+                </a:highlight>
+                <a:latin typeface="Consolas" panose="020B0609020204030204" pitchFamily="49" charset="0"/>
+              </a:rPr>
+              <a:t>{</a:t>
+            </a:r>
+            <a:r>
+              <a:rPr lang="pt-BR" b="0" dirty="0">
+                <a:solidFill>
+                  <a:srgbClr val="9CDCFE"/>
+                </a:solidFill>
+                <a:effectLst/>
+                <a:highlight>
+                  <a:srgbClr val="1F1F1F"/>
+                </a:highlight>
+                <a:latin typeface="Consolas" panose="020B0609020204030204" pitchFamily="49" charset="0"/>
+              </a:rPr>
+              <a:t>x</a:t>
+            </a:r>
+            <a:r>
+              <a:rPr lang="pt-BR" b="0" dirty="0">
+                <a:solidFill>
+                  <a:srgbClr val="569CD6"/>
+                </a:solidFill>
+                <a:effectLst/>
+                <a:highlight>
+                  <a:srgbClr val="1F1F1F"/>
+                </a:highlight>
+                <a:latin typeface="Consolas" panose="020B0609020204030204" pitchFamily="49" charset="0"/>
+              </a:rPr>
+              <a:t>=}</a:t>
+            </a:r>
+            <a:r>
+              <a:rPr lang="pt-BR" b="0" dirty="0">
+                <a:solidFill>
+                  <a:srgbClr val="CE9178"/>
+                </a:solidFill>
+                <a:effectLst/>
+                <a:highlight>
+                  <a:srgbClr val="1F1F1F"/>
+                </a:highlight>
+                <a:latin typeface="Consolas" panose="020B0609020204030204" pitchFamily="49" charset="0"/>
+              </a:rPr>
+              <a:t> </a:t>
+            </a:r>
+            <a:r>
+              <a:rPr lang="pt-BR" b="0" dirty="0">
+                <a:solidFill>
+                  <a:srgbClr val="569CD6"/>
+                </a:solidFill>
+                <a:effectLst/>
+                <a:highlight>
+                  <a:srgbClr val="1F1F1F"/>
+                </a:highlight>
+                <a:latin typeface="Consolas" panose="020B0609020204030204" pitchFamily="49" charset="0"/>
+              </a:rPr>
+              <a:t>{</a:t>
+            </a:r>
+            <a:r>
+              <a:rPr lang="pt-BR" b="0" dirty="0">
+                <a:solidFill>
+                  <a:srgbClr val="9CDCFE"/>
+                </a:solidFill>
+                <a:effectLst/>
+                <a:highlight>
+                  <a:srgbClr val="1F1F1F"/>
+                </a:highlight>
+                <a:latin typeface="Consolas" panose="020B0609020204030204" pitchFamily="49" charset="0"/>
+              </a:rPr>
+              <a:t>y</a:t>
+            </a:r>
+            <a:r>
+              <a:rPr lang="pt-BR" b="0" dirty="0">
+                <a:solidFill>
+                  <a:srgbClr val="569CD6"/>
+                </a:solidFill>
+                <a:effectLst/>
+                <a:highlight>
+                  <a:srgbClr val="1F1F1F"/>
+                </a:highlight>
+                <a:latin typeface="Consolas" panose="020B0609020204030204" pitchFamily="49" charset="0"/>
+              </a:rPr>
+              <a:t>=}</a:t>
+            </a:r>
+            <a:r>
+              <a:rPr lang="pt-BR" b="0" dirty="0">
+                <a:solidFill>
+                  <a:srgbClr val="CE9178"/>
+                </a:solidFill>
+                <a:effectLst/>
+                <a:highlight>
+                  <a:srgbClr val="1F1F1F"/>
+                </a:highlight>
+                <a:latin typeface="Consolas" panose="020B0609020204030204" pitchFamily="49" charset="0"/>
+              </a:rPr>
+              <a:t>'</a:t>
+            </a:r>
+            <a:r>
+              <a:rPr lang="pt-BR" b="0" dirty="0">
+                <a:solidFill>
+                  <a:srgbClr val="CCCCCC"/>
+                </a:solidFill>
+                <a:effectLst/>
+                <a:highlight>
+                  <a:srgbClr val="1F1F1F"/>
+                </a:highlight>
+                <a:latin typeface="Consolas" panose="020B0609020204030204" pitchFamily="49" charset="0"/>
+              </a:rPr>
+              <a:t>, </a:t>
+            </a:r>
+            <a:r>
+              <a:rPr lang="pt-BR" b="0" dirty="0">
+                <a:solidFill>
+                  <a:srgbClr val="9CDCFE"/>
+                </a:solidFill>
+                <a:effectLst/>
+                <a:highlight>
+                  <a:srgbClr val="1F1F1F"/>
+                </a:highlight>
+                <a:latin typeface="Consolas" panose="020B0609020204030204" pitchFamily="49" charset="0"/>
+              </a:rPr>
+              <a:t>x</a:t>
+            </a:r>
+            <a:r>
+              <a:rPr lang="pt-BR" b="0" dirty="0">
+                <a:solidFill>
+                  <a:srgbClr val="CCCCCC"/>
+                </a:solidFill>
+                <a:effectLst/>
+                <a:highlight>
+                  <a:srgbClr val="1F1F1F"/>
+                </a:highlight>
+                <a:latin typeface="Consolas" panose="020B0609020204030204" pitchFamily="49" charset="0"/>
+              </a:rPr>
+              <a:t> </a:t>
+            </a:r>
+            <a:r>
+              <a:rPr lang="pt-BR" b="0" dirty="0">
+                <a:solidFill>
+                  <a:srgbClr val="D4D4D4"/>
+                </a:solidFill>
+                <a:effectLst/>
+                <a:highlight>
+                  <a:srgbClr val="1F1F1F"/>
+                </a:highlight>
+                <a:latin typeface="Consolas" panose="020B0609020204030204" pitchFamily="49" charset="0"/>
+              </a:rPr>
+              <a:t>+</a:t>
+            </a:r>
+            <a:r>
+              <a:rPr lang="pt-BR" b="0" dirty="0">
+                <a:solidFill>
+                  <a:srgbClr val="CCCCCC"/>
+                </a:solidFill>
+                <a:effectLst/>
+                <a:highlight>
+                  <a:srgbClr val="1F1F1F"/>
+                </a:highlight>
+                <a:latin typeface="Consolas" panose="020B0609020204030204" pitchFamily="49" charset="0"/>
+              </a:rPr>
+              <a:t> </a:t>
+            </a:r>
+            <a:r>
+              <a:rPr lang="pt-BR" b="0" dirty="0">
+                <a:solidFill>
+                  <a:srgbClr val="9CDCFE"/>
+                </a:solidFill>
+                <a:effectLst/>
+                <a:highlight>
+                  <a:srgbClr val="1F1F1F"/>
+                </a:highlight>
+                <a:latin typeface="Consolas" panose="020B0609020204030204" pitchFamily="49" charset="0"/>
+              </a:rPr>
+              <a:t>y</a:t>
+            </a:r>
+            <a:r>
+              <a:rPr lang="pt-BR" b="0" dirty="0">
+                <a:solidFill>
+                  <a:srgbClr val="CCCCCC"/>
+                </a:solidFill>
+                <a:effectLst/>
+                <a:highlight>
+                  <a:srgbClr val="1F1F1F"/>
+                </a:highlight>
+                <a:latin typeface="Consolas" panose="020B0609020204030204" pitchFamily="49" charset="0"/>
+              </a:rPr>
+              <a:t>)</a:t>
+            </a:r>
+          </a:p>
+          <a:p>
+            <a:br>
+              <a:rPr lang="pt-BR" b="0" dirty="0">
+                <a:solidFill>
+                  <a:srgbClr val="CCCCCC"/>
+                </a:solidFill>
+                <a:effectLst/>
+                <a:highlight>
+                  <a:srgbClr val="1F1F1F"/>
+                </a:highlight>
+                <a:latin typeface="Consolas" panose="020B0609020204030204" pitchFamily="49" charset="0"/>
+              </a:rPr>
+            </a:br>
+            <a:br>
+              <a:rPr lang="pt-BR" b="0" dirty="0">
+                <a:solidFill>
+                  <a:srgbClr val="CCCCCC"/>
+                </a:solidFill>
+                <a:effectLst/>
+                <a:highlight>
+                  <a:srgbClr val="1F1F1F"/>
+                </a:highlight>
+                <a:latin typeface="Consolas" panose="020B0609020204030204" pitchFamily="49" charset="0"/>
+              </a:rPr>
+            </a:br>
+            <a:r>
+              <a:rPr lang="pt-BR" b="0" dirty="0">
+                <a:solidFill>
+                  <a:srgbClr val="DCDCAA"/>
+                </a:solidFill>
+                <a:effectLst/>
+                <a:highlight>
+                  <a:srgbClr val="1F1F1F"/>
+                </a:highlight>
+                <a:latin typeface="Consolas" panose="020B0609020204030204" pitchFamily="49" charset="0"/>
+              </a:rPr>
+              <a:t>soma</a:t>
+            </a:r>
+            <a:r>
+              <a:rPr lang="pt-BR" b="0" dirty="0">
+                <a:solidFill>
+                  <a:srgbClr val="CCCCCC"/>
+                </a:solidFill>
+                <a:effectLst/>
+                <a:highlight>
+                  <a:srgbClr val="1F1F1F"/>
+                </a:highlight>
+                <a:latin typeface="Consolas" panose="020B0609020204030204" pitchFamily="49" charset="0"/>
+              </a:rPr>
+              <a:t>(</a:t>
+            </a:r>
+            <a:r>
+              <a:rPr lang="pt-BR" b="0" dirty="0">
+                <a:solidFill>
+                  <a:srgbClr val="B5CEA8"/>
+                </a:solidFill>
+                <a:effectLst/>
+                <a:highlight>
+                  <a:srgbClr val="1F1F1F"/>
+                </a:highlight>
+                <a:latin typeface="Consolas" panose="020B0609020204030204" pitchFamily="49" charset="0"/>
+              </a:rPr>
+              <a:t>1</a:t>
+            </a:r>
+            <a:r>
+              <a:rPr lang="pt-BR" b="0" dirty="0">
+                <a:solidFill>
+                  <a:srgbClr val="CCCCCC"/>
+                </a:solidFill>
+                <a:effectLst/>
+                <a:highlight>
+                  <a:srgbClr val="1F1F1F"/>
+                </a:highlight>
+                <a:latin typeface="Consolas" panose="020B0609020204030204" pitchFamily="49" charset="0"/>
+              </a:rPr>
+              <a:t>, </a:t>
+            </a:r>
+            <a:r>
+              <a:rPr lang="pt-BR" b="0" dirty="0">
+                <a:solidFill>
+                  <a:srgbClr val="B5CEA8"/>
+                </a:solidFill>
+                <a:effectLst/>
+                <a:highlight>
+                  <a:srgbClr val="1F1F1F"/>
+                </a:highlight>
+                <a:latin typeface="Consolas" panose="020B0609020204030204" pitchFamily="49" charset="0"/>
+              </a:rPr>
+              <a:t>2</a:t>
+            </a:r>
+            <a:r>
+              <a:rPr lang="pt-BR" b="0" dirty="0">
+                <a:solidFill>
+                  <a:srgbClr val="CCCCCC"/>
+                </a:solidFill>
+                <a:effectLst/>
+                <a:highlight>
+                  <a:srgbClr val="1F1F1F"/>
+                </a:highlight>
+                <a:latin typeface="Consolas" panose="020B0609020204030204" pitchFamily="49" charset="0"/>
+              </a:rPr>
+              <a:t>)</a:t>
+            </a:r>
+          </a:p>
+          <a:p>
+            <a:r>
+              <a:rPr lang="pt-BR" b="0" dirty="0">
+                <a:solidFill>
+                  <a:srgbClr val="DCDCAA"/>
+                </a:solidFill>
+                <a:effectLst/>
+                <a:highlight>
+                  <a:srgbClr val="1F1F1F"/>
+                </a:highlight>
+                <a:latin typeface="Consolas" panose="020B0609020204030204" pitchFamily="49" charset="0"/>
+              </a:rPr>
+              <a:t>soma</a:t>
+            </a:r>
+            <a:r>
+              <a:rPr lang="pt-BR" b="0" dirty="0">
+                <a:solidFill>
+                  <a:srgbClr val="CCCCCC"/>
+                </a:solidFill>
+                <a:effectLst/>
+                <a:highlight>
+                  <a:srgbClr val="1F1F1F"/>
+                </a:highlight>
+                <a:latin typeface="Consolas" panose="020B0609020204030204" pitchFamily="49" charset="0"/>
+              </a:rPr>
+              <a:t>(</a:t>
+            </a:r>
+            <a:r>
+              <a:rPr lang="pt-BR" b="0" dirty="0">
+                <a:solidFill>
+                  <a:srgbClr val="B5CEA8"/>
+                </a:solidFill>
+                <a:effectLst/>
+                <a:highlight>
+                  <a:srgbClr val="1F1F1F"/>
+                </a:highlight>
+                <a:latin typeface="Consolas" panose="020B0609020204030204" pitchFamily="49" charset="0"/>
+              </a:rPr>
+              <a:t>3</a:t>
+            </a:r>
+            <a:r>
+              <a:rPr lang="pt-BR" b="0" dirty="0">
+                <a:solidFill>
+                  <a:srgbClr val="CCCCCC"/>
+                </a:solidFill>
+                <a:effectLst/>
+                <a:highlight>
+                  <a:srgbClr val="1F1F1F"/>
+                </a:highlight>
+                <a:latin typeface="Consolas" panose="020B0609020204030204" pitchFamily="49" charset="0"/>
+              </a:rPr>
+              <a:t>, </a:t>
+            </a:r>
+            <a:r>
+              <a:rPr lang="pt-BR" b="0" dirty="0">
+                <a:solidFill>
+                  <a:srgbClr val="B5CEA8"/>
+                </a:solidFill>
+                <a:effectLst/>
+                <a:highlight>
+                  <a:srgbClr val="1F1F1F"/>
+                </a:highlight>
+                <a:latin typeface="Consolas" panose="020B0609020204030204" pitchFamily="49" charset="0"/>
+              </a:rPr>
+              <a:t>5</a:t>
+            </a:r>
+            <a:r>
+              <a:rPr lang="pt-BR" b="0" dirty="0">
+                <a:solidFill>
+                  <a:srgbClr val="CCCCCC"/>
+                </a:solidFill>
+                <a:effectLst/>
+                <a:highlight>
+                  <a:srgbClr val="1F1F1F"/>
+                </a:highlight>
+                <a:latin typeface="Consolas" panose="020B0609020204030204" pitchFamily="49" charset="0"/>
+              </a:rPr>
+              <a:t>)</a:t>
+            </a:r>
+          </a:p>
+          <a:p>
+            <a:r>
+              <a:rPr lang="pt-BR" b="0" dirty="0">
+                <a:solidFill>
+                  <a:srgbClr val="DCDCAA"/>
+                </a:solidFill>
+                <a:effectLst/>
+                <a:highlight>
+                  <a:srgbClr val="1F1F1F"/>
+                </a:highlight>
+                <a:latin typeface="Consolas" panose="020B0609020204030204" pitchFamily="49" charset="0"/>
+              </a:rPr>
+              <a:t>soma</a:t>
+            </a:r>
+            <a:r>
+              <a:rPr lang="pt-BR" b="0" dirty="0">
+                <a:solidFill>
+                  <a:srgbClr val="CCCCCC"/>
+                </a:solidFill>
+                <a:effectLst/>
+                <a:highlight>
+                  <a:srgbClr val="1F1F1F"/>
+                </a:highlight>
+                <a:latin typeface="Consolas" panose="020B0609020204030204" pitchFamily="49" charset="0"/>
+              </a:rPr>
+              <a:t>(</a:t>
+            </a:r>
+            <a:r>
+              <a:rPr lang="pt-BR" b="0" dirty="0">
+                <a:solidFill>
+                  <a:srgbClr val="B5CEA8"/>
+                </a:solidFill>
+                <a:effectLst/>
+                <a:highlight>
+                  <a:srgbClr val="1F1F1F"/>
+                </a:highlight>
+                <a:latin typeface="Consolas" panose="020B0609020204030204" pitchFamily="49" charset="0"/>
+              </a:rPr>
+              <a:t>100</a:t>
+            </a:r>
+            <a:r>
+              <a:rPr lang="pt-BR" b="0" dirty="0">
+                <a:solidFill>
+                  <a:srgbClr val="CCCCCC"/>
+                </a:solidFill>
+                <a:effectLst/>
+                <a:highlight>
+                  <a:srgbClr val="1F1F1F"/>
+                </a:highlight>
+                <a:latin typeface="Consolas" panose="020B0609020204030204" pitchFamily="49" charset="0"/>
+              </a:rPr>
+              <a:t>, </a:t>
+            </a:r>
+            <a:r>
+              <a:rPr lang="pt-BR" b="0" dirty="0">
+                <a:solidFill>
+                  <a:srgbClr val="B5CEA8"/>
+                </a:solidFill>
+                <a:effectLst/>
+                <a:highlight>
+                  <a:srgbClr val="1F1F1F"/>
+                </a:highlight>
+                <a:latin typeface="Consolas" panose="020B0609020204030204" pitchFamily="49" charset="0"/>
+              </a:rPr>
+              <a:t>200</a:t>
+            </a:r>
+            <a:r>
+              <a:rPr lang="pt-BR" b="0" dirty="0">
+                <a:solidFill>
+                  <a:srgbClr val="CCCCCC"/>
+                </a:solidFill>
+                <a:effectLst/>
+                <a:highlight>
+                  <a:srgbClr val="1F1F1F"/>
+                </a:highlight>
+                <a:latin typeface="Consolas" panose="020B0609020204030204" pitchFamily="49" charset="0"/>
+              </a:rPr>
+              <a:t>)</a:t>
+            </a:r>
+          </a:p>
+          <a:p>
+            <a:r>
+              <a:rPr lang="pt-BR" b="0" dirty="0">
+                <a:solidFill>
+                  <a:srgbClr val="DCDCAA"/>
+                </a:solidFill>
+                <a:effectLst/>
+                <a:highlight>
+                  <a:srgbClr val="1F1F1F"/>
+                </a:highlight>
+                <a:latin typeface="Consolas" panose="020B0609020204030204" pitchFamily="49" charset="0"/>
+              </a:rPr>
+              <a:t>soma</a:t>
+            </a:r>
+            <a:r>
+              <a:rPr lang="pt-BR" b="0" dirty="0">
+                <a:solidFill>
+                  <a:srgbClr val="CCCCCC"/>
+                </a:solidFill>
+                <a:effectLst/>
+                <a:highlight>
+                  <a:srgbClr val="1F1F1F"/>
+                </a:highlight>
+                <a:latin typeface="Consolas" panose="020B0609020204030204" pitchFamily="49" charset="0"/>
+              </a:rPr>
+              <a:t>(</a:t>
+            </a:r>
+            <a:r>
+              <a:rPr lang="pt-BR" b="0" dirty="0">
+                <a:solidFill>
+                  <a:srgbClr val="B5CEA8"/>
+                </a:solidFill>
+                <a:effectLst/>
+                <a:highlight>
+                  <a:srgbClr val="1F1F1F"/>
+                </a:highlight>
+                <a:latin typeface="Consolas" panose="020B0609020204030204" pitchFamily="49" charset="0"/>
+              </a:rPr>
+              <a:t>7</a:t>
+            </a:r>
+            <a:r>
+              <a:rPr lang="pt-BR" b="0" dirty="0">
+                <a:solidFill>
+                  <a:srgbClr val="CCCCCC"/>
+                </a:solidFill>
+                <a:effectLst/>
+                <a:highlight>
+                  <a:srgbClr val="1F1F1F"/>
+                </a:highlight>
+                <a:latin typeface="Consolas" panose="020B0609020204030204" pitchFamily="49" charset="0"/>
+              </a:rPr>
+              <a:t>, </a:t>
+            </a:r>
+            <a:r>
+              <a:rPr lang="pt-BR" b="0" dirty="0">
+                <a:solidFill>
+                  <a:srgbClr val="B5CEA8"/>
+                </a:solidFill>
+                <a:effectLst/>
+                <a:highlight>
+                  <a:srgbClr val="1F1F1F"/>
+                </a:highlight>
+                <a:latin typeface="Consolas" panose="020B0609020204030204" pitchFamily="49" charset="0"/>
+              </a:rPr>
+              <a:t>9</a:t>
+            </a:r>
+            <a:r>
+              <a:rPr lang="pt-BR" b="0" dirty="0">
+                <a:solidFill>
+                  <a:srgbClr val="CCCCCC"/>
+                </a:solidFill>
+                <a:effectLst/>
+                <a:highlight>
+                  <a:srgbClr val="1F1F1F"/>
+                </a:highlight>
+                <a:latin typeface="Consolas" panose="020B0609020204030204" pitchFamily="49" charset="0"/>
+              </a:rPr>
+              <a:t>, </a:t>
+            </a:r>
+            <a:r>
+              <a:rPr lang="pt-BR" b="0" dirty="0">
+                <a:solidFill>
+                  <a:srgbClr val="B5CEA8"/>
+                </a:solidFill>
+                <a:effectLst/>
+                <a:highlight>
+                  <a:srgbClr val="1F1F1F"/>
+                </a:highlight>
+                <a:latin typeface="Consolas" panose="020B0609020204030204" pitchFamily="49" charset="0"/>
+              </a:rPr>
+              <a:t>0</a:t>
+            </a:r>
+            <a:r>
+              <a:rPr lang="pt-BR" b="0" dirty="0">
+                <a:solidFill>
+                  <a:srgbClr val="CCCCCC"/>
+                </a:solidFill>
+                <a:effectLst/>
+                <a:highlight>
+                  <a:srgbClr val="1F1F1F"/>
+                </a:highlight>
+                <a:latin typeface="Consolas" panose="020B0609020204030204" pitchFamily="49" charset="0"/>
+              </a:rPr>
+              <a:t>)</a:t>
+            </a:r>
+          </a:p>
+          <a:p>
+            <a:r>
+              <a:rPr lang="pt-BR" b="0" dirty="0">
+                <a:solidFill>
+                  <a:srgbClr val="DCDCAA"/>
+                </a:solidFill>
+                <a:effectLst/>
+                <a:highlight>
+                  <a:srgbClr val="1F1F1F"/>
+                </a:highlight>
+                <a:latin typeface="Consolas" panose="020B0609020204030204" pitchFamily="49" charset="0"/>
+              </a:rPr>
+              <a:t>soma</a:t>
+            </a:r>
+            <a:r>
+              <a:rPr lang="pt-BR" b="0" dirty="0">
+                <a:solidFill>
+                  <a:srgbClr val="CCCCCC"/>
+                </a:solidFill>
+                <a:effectLst/>
+                <a:highlight>
+                  <a:srgbClr val="1F1F1F"/>
+                </a:highlight>
+                <a:latin typeface="Consolas" panose="020B0609020204030204" pitchFamily="49" charset="0"/>
+              </a:rPr>
+              <a:t>(</a:t>
+            </a:r>
+            <a:r>
+              <a:rPr lang="pt-BR" b="0" dirty="0">
+                <a:solidFill>
+                  <a:srgbClr val="9CDCFE"/>
+                </a:solidFill>
+                <a:effectLst/>
+                <a:highlight>
+                  <a:srgbClr val="1F1F1F"/>
+                </a:highlight>
+                <a:latin typeface="Consolas" panose="020B0609020204030204" pitchFamily="49" charset="0"/>
+              </a:rPr>
+              <a:t>y</a:t>
+            </a:r>
+            <a:r>
+              <a:rPr lang="pt-BR" b="0" dirty="0">
+                <a:solidFill>
+                  <a:srgbClr val="D4D4D4"/>
+                </a:solidFill>
+                <a:effectLst/>
+                <a:highlight>
+                  <a:srgbClr val="1F1F1F"/>
+                </a:highlight>
+                <a:latin typeface="Consolas" panose="020B0609020204030204" pitchFamily="49" charset="0"/>
+              </a:rPr>
+              <a:t>=</a:t>
+            </a:r>
+            <a:r>
+              <a:rPr lang="pt-BR" b="0" dirty="0">
+                <a:solidFill>
+                  <a:srgbClr val="B5CEA8"/>
+                </a:solidFill>
+                <a:effectLst/>
+                <a:highlight>
+                  <a:srgbClr val="1F1F1F"/>
+                </a:highlight>
+                <a:latin typeface="Consolas" panose="020B0609020204030204" pitchFamily="49" charset="0"/>
+              </a:rPr>
+              <a:t>9</a:t>
+            </a:r>
+            <a:r>
+              <a:rPr lang="pt-BR" b="0" dirty="0">
+                <a:solidFill>
+                  <a:srgbClr val="CCCCCC"/>
+                </a:solidFill>
+                <a:effectLst/>
+                <a:highlight>
+                  <a:srgbClr val="1F1F1F"/>
+                </a:highlight>
+                <a:latin typeface="Consolas" panose="020B0609020204030204" pitchFamily="49" charset="0"/>
+              </a:rPr>
+              <a:t>, </a:t>
+            </a:r>
+            <a:r>
+              <a:rPr lang="pt-BR" b="0" dirty="0">
+                <a:solidFill>
+                  <a:srgbClr val="9CDCFE"/>
+                </a:solidFill>
+                <a:effectLst/>
+                <a:highlight>
+                  <a:srgbClr val="1F1F1F"/>
+                </a:highlight>
+                <a:latin typeface="Consolas" panose="020B0609020204030204" pitchFamily="49" charset="0"/>
+              </a:rPr>
+              <a:t>z</a:t>
+            </a:r>
+            <a:r>
+              <a:rPr lang="pt-BR" b="0" dirty="0">
+                <a:solidFill>
+                  <a:srgbClr val="D4D4D4"/>
+                </a:solidFill>
+                <a:effectLst/>
+                <a:highlight>
+                  <a:srgbClr val="1F1F1F"/>
+                </a:highlight>
+                <a:latin typeface="Consolas" panose="020B0609020204030204" pitchFamily="49" charset="0"/>
+              </a:rPr>
+              <a:t>=</a:t>
+            </a:r>
+            <a:r>
+              <a:rPr lang="pt-BR" b="0" dirty="0">
+                <a:solidFill>
+                  <a:srgbClr val="B5CEA8"/>
+                </a:solidFill>
+                <a:effectLst/>
+                <a:highlight>
+                  <a:srgbClr val="1F1F1F"/>
+                </a:highlight>
+                <a:latin typeface="Consolas" panose="020B0609020204030204" pitchFamily="49" charset="0"/>
+              </a:rPr>
+              <a:t>0</a:t>
+            </a:r>
+            <a:r>
+              <a:rPr lang="pt-BR" b="0" dirty="0">
+                <a:solidFill>
+                  <a:srgbClr val="CCCCCC"/>
+                </a:solidFill>
+                <a:effectLst/>
+                <a:highlight>
+                  <a:srgbClr val="1F1F1F"/>
+                </a:highlight>
+                <a:latin typeface="Consolas" panose="020B0609020204030204" pitchFamily="49" charset="0"/>
+              </a:rPr>
+              <a:t>, </a:t>
+            </a:r>
+            <a:r>
+              <a:rPr lang="pt-BR" b="0" dirty="0">
+                <a:solidFill>
+                  <a:srgbClr val="9CDCFE"/>
+                </a:solidFill>
+                <a:effectLst/>
+                <a:highlight>
+                  <a:srgbClr val="1F1F1F"/>
+                </a:highlight>
+                <a:latin typeface="Consolas" panose="020B0609020204030204" pitchFamily="49" charset="0"/>
+              </a:rPr>
+              <a:t>x</a:t>
+            </a:r>
+            <a:r>
+              <a:rPr lang="pt-BR" b="0" dirty="0">
+                <a:solidFill>
+                  <a:srgbClr val="D4D4D4"/>
+                </a:solidFill>
+                <a:effectLst/>
+                <a:highlight>
+                  <a:srgbClr val="1F1F1F"/>
+                </a:highlight>
+                <a:latin typeface="Consolas" panose="020B0609020204030204" pitchFamily="49" charset="0"/>
+              </a:rPr>
+              <a:t>=</a:t>
+            </a:r>
+            <a:r>
+              <a:rPr lang="pt-BR" b="0" dirty="0">
+                <a:solidFill>
+                  <a:srgbClr val="B5CEA8"/>
+                </a:solidFill>
+                <a:effectLst/>
+                <a:highlight>
+                  <a:srgbClr val="1F1F1F"/>
+                </a:highlight>
+                <a:latin typeface="Consolas" panose="020B0609020204030204" pitchFamily="49" charset="0"/>
+              </a:rPr>
+              <a:t>7</a:t>
+            </a:r>
+            <a:r>
+              <a:rPr lang="pt-BR" b="0" dirty="0">
+                <a:solidFill>
+                  <a:srgbClr val="CCCCCC"/>
+                </a:solidFill>
+                <a:effectLst/>
+                <a:highlight>
+                  <a:srgbClr val="1F1F1F"/>
+                </a:highlight>
+                <a:latin typeface="Consolas" panose="020B0609020204030204" pitchFamily="49" charset="0"/>
+              </a:rPr>
+              <a:t>)</a:t>
+            </a:r>
+          </a:p>
+        </p:txBody>
+      </p:sp>
+      <p:sp>
+        <p:nvSpPr>
+          <p:cNvPr id="7" name="CaixaDeTexto 6">
+            <a:extLst>
+              <a:ext uri="{FF2B5EF4-FFF2-40B4-BE49-F238E27FC236}">
+                <a16:creationId xmlns:a16="http://schemas.microsoft.com/office/drawing/2014/main" id="{006FFE25-357F-2E70-2F53-9502B5116DE0}"/>
+              </a:ext>
+            </a:extLst>
+          </p:cNvPr>
+          <p:cNvSpPr txBox="1"/>
+          <p:nvPr/>
+        </p:nvSpPr>
+        <p:spPr>
+          <a:xfrm>
+            <a:off x="289429" y="2633780"/>
+            <a:ext cx="5065833" cy="3139321"/>
+          </a:xfrm>
+          <a:prstGeom prst="rect">
+            <a:avLst/>
+          </a:prstGeom>
+          <a:noFill/>
+        </p:spPr>
+        <p:txBody>
+          <a:bodyPr wrap="square">
+            <a:spAutoFit/>
+          </a:bodyPr>
+          <a:lstStyle/>
+          <a:p>
+            <a:r>
+              <a:rPr lang="pt-BR" b="0" dirty="0">
+                <a:solidFill>
+                  <a:srgbClr val="CE9178"/>
+                </a:solidFill>
+                <a:effectLst/>
+                <a:highlight>
+                  <a:srgbClr val="1F1F1F"/>
+                </a:highlight>
+                <a:latin typeface="Consolas" panose="020B0609020204030204" pitchFamily="49" charset="0"/>
+              </a:rPr>
+              <a:t>"""</a:t>
+            </a:r>
+            <a:endParaRPr lang="pt-BR" b="0" dirty="0">
+              <a:solidFill>
+                <a:srgbClr val="CCCCCC"/>
+              </a:solidFill>
+              <a:effectLst/>
+              <a:highlight>
+                <a:srgbClr val="1F1F1F"/>
+              </a:highlight>
+              <a:latin typeface="Consolas" panose="020B0609020204030204" pitchFamily="49" charset="0"/>
+            </a:endParaRPr>
+          </a:p>
+          <a:p>
+            <a:r>
+              <a:rPr lang="pt-BR" b="0" dirty="0">
+                <a:solidFill>
+                  <a:srgbClr val="CE9178"/>
+                </a:solidFill>
+                <a:effectLst/>
+                <a:highlight>
+                  <a:srgbClr val="1F1F1F"/>
+                </a:highlight>
+                <a:latin typeface="Consolas" panose="020B0609020204030204" pitchFamily="49" charset="0"/>
+              </a:rPr>
+              <a:t>Valores padrão para parâmetros</a:t>
+            </a:r>
+            <a:endParaRPr lang="pt-BR" b="0" dirty="0">
+              <a:solidFill>
+                <a:srgbClr val="CCCCCC"/>
+              </a:solidFill>
+              <a:effectLst/>
+              <a:highlight>
+                <a:srgbClr val="1F1F1F"/>
+              </a:highlight>
+              <a:latin typeface="Consolas" panose="020B0609020204030204" pitchFamily="49" charset="0"/>
+            </a:endParaRPr>
+          </a:p>
+          <a:p>
+            <a:r>
+              <a:rPr lang="pt-BR" b="0" dirty="0">
+                <a:solidFill>
+                  <a:srgbClr val="CE9178"/>
+                </a:solidFill>
+                <a:effectLst/>
+                <a:highlight>
+                  <a:srgbClr val="1F1F1F"/>
+                </a:highlight>
+                <a:latin typeface="Consolas" panose="020B0609020204030204" pitchFamily="49" charset="0"/>
+              </a:rPr>
+              <a:t>Ao definir uma função, os parâmetros podem</a:t>
+            </a:r>
+            <a:endParaRPr lang="pt-BR" b="0" dirty="0">
+              <a:solidFill>
+                <a:srgbClr val="CCCCCC"/>
+              </a:solidFill>
+              <a:effectLst/>
+              <a:highlight>
+                <a:srgbClr val="1F1F1F"/>
+              </a:highlight>
+              <a:latin typeface="Consolas" panose="020B0609020204030204" pitchFamily="49" charset="0"/>
+            </a:endParaRPr>
+          </a:p>
+          <a:p>
+            <a:r>
+              <a:rPr lang="pt-BR" b="0" dirty="0">
+                <a:solidFill>
+                  <a:srgbClr val="CE9178"/>
+                </a:solidFill>
+                <a:effectLst/>
+                <a:highlight>
+                  <a:srgbClr val="1F1F1F"/>
+                </a:highlight>
+                <a:latin typeface="Consolas" panose="020B0609020204030204" pitchFamily="49" charset="0"/>
+              </a:rPr>
+              <a:t>ter valores padrão. Caso o valor não seja</a:t>
+            </a:r>
+            <a:endParaRPr lang="pt-BR" b="0" dirty="0">
+              <a:solidFill>
+                <a:srgbClr val="CCCCCC"/>
+              </a:solidFill>
+              <a:effectLst/>
+              <a:highlight>
+                <a:srgbClr val="1F1F1F"/>
+              </a:highlight>
+              <a:latin typeface="Consolas" panose="020B0609020204030204" pitchFamily="49" charset="0"/>
+            </a:endParaRPr>
+          </a:p>
+          <a:p>
+            <a:r>
+              <a:rPr lang="pt-BR" b="0" dirty="0">
+                <a:solidFill>
+                  <a:srgbClr val="CE9178"/>
+                </a:solidFill>
+                <a:effectLst/>
+                <a:highlight>
+                  <a:srgbClr val="1F1F1F"/>
+                </a:highlight>
+                <a:latin typeface="Consolas" panose="020B0609020204030204" pitchFamily="49" charset="0"/>
+              </a:rPr>
+              <a:t>enviado para o parâmetro, o valor padrão será</a:t>
+            </a:r>
+            <a:endParaRPr lang="pt-BR" b="0" dirty="0">
+              <a:solidFill>
+                <a:srgbClr val="CCCCCC"/>
+              </a:solidFill>
+              <a:effectLst/>
+              <a:highlight>
+                <a:srgbClr val="1F1F1F"/>
+              </a:highlight>
+              <a:latin typeface="Consolas" panose="020B0609020204030204" pitchFamily="49" charset="0"/>
+            </a:endParaRPr>
+          </a:p>
+          <a:p>
+            <a:r>
+              <a:rPr lang="pt-BR" b="0" dirty="0">
+                <a:solidFill>
+                  <a:srgbClr val="CE9178"/>
+                </a:solidFill>
+                <a:effectLst/>
+                <a:highlight>
+                  <a:srgbClr val="1F1F1F"/>
+                </a:highlight>
+                <a:latin typeface="Consolas" panose="020B0609020204030204" pitchFamily="49" charset="0"/>
+              </a:rPr>
+              <a:t>usado.</a:t>
+            </a:r>
+            <a:endParaRPr lang="pt-BR" b="0" dirty="0">
+              <a:solidFill>
+                <a:srgbClr val="CCCCCC"/>
+              </a:solidFill>
+              <a:effectLst/>
+              <a:highlight>
+                <a:srgbClr val="1F1F1F"/>
+              </a:highlight>
+              <a:latin typeface="Consolas" panose="020B0609020204030204" pitchFamily="49" charset="0"/>
+            </a:endParaRPr>
+          </a:p>
+          <a:p>
+            <a:r>
+              <a:rPr lang="pt-BR" b="0" dirty="0" err="1">
+                <a:solidFill>
+                  <a:srgbClr val="CE9178"/>
+                </a:solidFill>
+                <a:effectLst/>
+                <a:highlight>
+                  <a:srgbClr val="1F1F1F"/>
+                </a:highlight>
+                <a:latin typeface="Consolas" panose="020B0609020204030204" pitchFamily="49" charset="0"/>
+              </a:rPr>
+              <a:t>Refatorar</a:t>
+            </a:r>
+            <a:r>
+              <a:rPr lang="pt-BR" b="0" dirty="0">
+                <a:solidFill>
+                  <a:srgbClr val="CE9178"/>
+                </a:solidFill>
+                <a:effectLst/>
+                <a:highlight>
+                  <a:srgbClr val="1F1F1F"/>
+                </a:highlight>
+                <a:latin typeface="Consolas" panose="020B0609020204030204" pitchFamily="49" charset="0"/>
+              </a:rPr>
+              <a:t>: editar o seu código.</a:t>
+            </a:r>
+            <a:endParaRPr lang="pt-BR" b="0" dirty="0">
+              <a:solidFill>
+                <a:srgbClr val="CCCCCC"/>
+              </a:solidFill>
+              <a:effectLst/>
+              <a:highlight>
+                <a:srgbClr val="1F1F1F"/>
+              </a:highlight>
+              <a:latin typeface="Consolas" panose="020B0609020204030204" pitchFamily="49" charset="0"/>
+            </a:endParaRPr>
+          </a:p>
+          <a:p>
+            <a:r>
+              <a:rPr lang="pt-BR" b="0" dirty="0">
+                <a:solidFill>
+                  <a:srgbClr val="CE9178"/>
+                </a:solidFill>
+                <a:effectLst/>
+                <a:highlight>
+                  <a:srgbClr val="1F1F1F"/>
+                </a:highlight>
+                <a:latin typeface="Consolas" panose="020B0609020204030204" pitchFamily="49" charset="0"/>
+              </a:rPr>
+              <a:t>"""</a:t>
+            </a:r>
+            <a:endParaRPr lang="pt-BR" b="0" dirty="0">
+              <a:solidFill>
+                <a:srgbClr val="CCCCCC"/>
+              </a:solidFill>
+              <a:effectLst/>
+              <a:highlight>
+                <a:srgbClr val="1F1F1F"/>
+              </a:highlight>
+              <a:latin typeface="Consolas" panose="020B0609020204030204" pitchFamily="49" charset="0"/>
+            </a:endParaRPr>
+          </a:p>
+        </p:txBody>
+      </p:sp>
+    </p:spTree>
+    <p:extLst>
+      <p:ext uri="{BB962C8B-B14F-4D97-AF65-F5344CB8AC3E}">
+        <p14:creationId xmlns:p14="http://schemas.microsoft.com/office/powerpoint/2010/main" val="146075935"/>
+      </p:ext>
+    </p:extLst>
+  </p:cSld>
+  <p:clrMapOvr>
+    <a:masterClrMapping/>
+  </p:clrMapOvr>
+</p:sld>
+</file>
+
+<file path=ppt/slides/slide13.xml><?xml version="1.0" encoding="utf-8"?>
+<p:sld xmlns:a="http://schemas.openxmlformats.org/drawingml/2006/main" xmlns:r="http://schemas.openxmlformats.org/officeDocument/2006/relationships" xmlns:p="http://schemas.openxmlformats.org/presentationml/2006/main">
+  <p:cSld>
+    <p:bg>
+      <p:bgPr>
+        <a:solidFill>
+          <a:schemeClr val="bg1"/>
+        </a:solidFill>
+        <a:effectLst/>
+      </p:bgPr>
+    </p:bg>
+    <p:spTree>
+      <p:nvGrpSpPr>
+        <p:cNvPr id="1" name=""/>
+        <p:cNvGrpSpPr/>
+        <p:nvPr/>
+      </p:nvGrpSpPr>
+      <p:grpSpPr>
+        <a:xfrm>
+          <a:off x="0" y="0"/>
+          <a:ext cx="0" cy="0"/>
+          <a:chOff x="0" y="0"/>
+          <a:chExt cx="0" cy="0"/>
+        </a:xfrm>
+      </p:grpSpPr>
+      <p:sp useBgFill="1">
+        <p:nvSpPr>
+          <p:cNvPr id="40" name="Rectangle 39">
+            <a:extLst>
+              <a:ext uri="{FF2B5EF4-FFF2-40B4-BE49-F238E27FC236}">
+                <a16:creationId xmlns:a16="http://schemas.microsoft.com/office/drawing/2014/main" id="{B89090F2-B101-458B-9AFF-27327443BB09}"/>
+              </a:ext>
+              <a:ext uri="{C183D7F6-B498-43B3-948B-1728B52AA6E4}">
+                <adec:decorative xmlns:adec="http://schemas.microsoft.com/office/drawing/2017/decorative" val="1"/>
+              </a:ext>
+            </a:extLst>
+          </p:cNvPr>
+          <p:cNvSpPr>
+            <a:spLocks noGrp="1" noRot="1" noChangeAspect="1" noMove="1" noResize="1" noEditPoints="1" noAdjustHandles="1" noChangeArrowheads="1" noChangeShapeType="1" noTextEdit="1"/>
+          </p:cNvSpPr>
+          <p:nvPr>
+            <p:extLst>
+              <p:ext uri="{386F3935-93C4-4BCD-93E2-E3B085C9AB24}">
+                <p16:designElem xmlns:p16="http://schemas.microsoft.com/office/powerpoint/2015/main" val="1"/>
+              </p:ext>
+            </p:extLst>
+          </p:nvPr>
+        </p:nvSpPr>
+        <p:spPr bwMode="white">
+          <a:xfrm>
+            <a:off x="0" y="0"/>
+            <a:ext cx="12192000" cy="6858000"/>
+          </a:xfrm>
+          <a:prstGeom prst="rect">
+            <a:avLst/>
+          </a:prstGeom>
+          <a:ln>
+            <a:noFill/>
+          </a:ln>
+        </p:spPr>
+        <p:style>
+          <a:lnRef idx="2">
+            <a:schemeClr val="accent1">
+              <a:shade val="50000"/>
+            </a:schemeClr>
+          </a:lnRef>
+          <a:fillRef idx="1">
+            <a:schemeClr val="accent1"/>
+          </a:fillRef>
+          <a:effectRef idx="0">
+            <a:schemeClr val="accent1"/>
+          </a:effectRef>
+          <a:fontRef idx="minor">
+            <a:schemeClr val="lt1"/>
+          </a:fontRef>
+        </p:style>
+        <p:txBody>
+          <a:bodyPr rot="0" spcFirstLastPara="0" vert="horz" wrap="square" lIns="91440" tIns="45720" rIns="91440" bIns="45720" numCol="1" spcCol="0" rtlCol="0" fromWordArt="0" anchor="ctr" anchorCtr="0" forceAA="0" compatLnSpc="1">
+            <a:prstTxWarp prst="textNoShape">
+              <a:avLst/>
+            </a:prstTxWarp>
+            <a:noAutofit/>
+          </a:bodyPr>
+          <a:lstStyle>
+            <a:defPPr>
+              <a:defRPr lang="en-US"/>
+            </a:defPPr>
+            <a:lvl1pPr marL="0" algn="l" defTabSz="914400" rtl="0" eaLnBrk="1" latinLnBrk="0" hangingPunct="1">
+              <a:defRPr sz="1800" kern="1200">
+                <a:solidFill>
+                  <a:schemeClr val="lt1"/>
+                </a:solidFill>
+                <a:latin typeface="+mn-lt"/>
+                <a:ea typeface="+mn-ea"/>
+                <a:cs typeface="+mn-cs"/>
+              </a:defRPr>
+            </a:lvl1pPr>
+            <a:lvl2pPr marL="457200" algn="l" defTabSz="914400" rtl="0" eaLnBrk="1" latinLnBrk="0" hangingPunct="1">
+              <a:defRPr sz="1800" kern="1200">
+                <a:solidFill>
+                  <a:schemeClr val="lt1"/>
+                </a:solidFill>
+                <a:latin typeface="+mn-lt"/>
+                <a:ea typeface="+mn-ea"/>
+                <a:cs typeface="+mn-cs"/>
+              </a:defRPr>
+            </a:lvl2pPr>
+            <a:lvl3pPr marL="914400" algn="l" defTabSz="914400" rtl="0" eaLnBrk="1" latinLnBrk="0" hangingPunct="1">
+              <a:defRPr sz="1800" kern="1200">
+                <a:solidFill>
+                  <a:schemeClr val="lt1"/>
+                </a:solidFill>
+                <a:latin typeface="+mn-lt"/>
+                <a:ea typeface="+mn-ea"/>
+                <a:cs typeface="+mn-cs"/>
+              </a:defRPr>
+            </a:lvl3pPr>
+            <a:lvl4pPr marL="1371600" algn="l" defTabSz="914400" rtl="0" eaLnBrk="1" latinLnBrk="0" hangingPunct="1">
+              <a:defRPr sz="1800" kern="1200">
+                <a:solidFill>
+                  <a:schemeClr val="lt1"/>
+                </a:solidFill>
+                <a:latin typeface="+mn-lt"/>
+                <a:ea typeface="+mn-ea"/>
+                <a:cs typeface="+mn-cs"/>
+              </a:defRPr>
+            </a:lvl4pPr>
+            <a:lvl5pPr marL="1828800" algn="l" defTabSz="914400" rtl="0" eaLnBrk="1" latinLnBrk="0" hangingPunct="1">
+              <a:defRPr sz="1800" kern="1200">
+                <a:solidFill>
+                  <a:schemeClr val="lt1"/>
+                </a:solidFill>
+                <a:latin typeface="+mn-lt"/>
+                <a:ea typeface="+mn-ea"/>
+                <a:cs typeface="+mn-cs"/>
+              </a:defRPr>
+            </a:lvl5pPr>
+            <a:lvl6pPr marL="2286000" algn="l" defTabSz="914400" rtl="0" eaLnBrk="1" latinLnBrk="0" hangingPunct="1">
+              <a:defRPr sz="1800" kern="1200">
+                <a:solidFill>
+                  <a:schemeClr val="lt1"/>
+                </a:solidFill>
+                <a:latin typeface="+mn-lt"/>
+                <a:ea typeface="+mn-ea"/>
+                <a:cs typeface="+mn-cs"/>
+              </a:defRPr>
+            </a:lvl6pPr>
+            <a:lvl7pPr marL="2743200" algn="l" defTabSz="914400" rtl="0" eaLnBrk="1" latinLnBrk="0" hangingPunct="1">
+              <a:defRPr sz="1800" kern="1200">
+                <a:solidFill>
+                  <a:schemeClr val="lt1"/>
+                </a:solidFill>
+                <a:latin typeface="+mn-lt"/>
+                <a:ea typeface="+mn-ea"/>
+                <a:cs typeface="+mn-cs"/>
+              </a:defRPr>
+            </a:lvl7pPr>
+            <a:lvl8pPr marL="3200400" algn="l" defTabSz="914400" rtl="0" eaLnBrk="1" latinLnBrk="0" hangingPunct="1">
+              <a:defRPr sz="1800" kern="1200">
+                <a:solidFill>
+                  <a:schemeClr val="lt1"/>
+                </a:solidFill>
+                <a:latin typeface="+mn-lt"/>
+                <a:ea typeface="+mn-ea"/>
+                <a:cs typeface="+mn-cs"/>
+              </a:defRPr>
+            </a:lvl8pPr>
+            <a:lvl9pPr marL="3657600" algn="l" defTabSz="914400" rtl="0" eaLnBrk="1" latinLnBrk="0" hangingPunct="1">
+              <a:defRPr sz="1800" kern="1200">
+                <a:solidFill>
+                  <a:schemeClr val="lt1"/>
+                </a:solidFill>
+                <a:latin typeface="+mn-lt"/>
+                <a:ea typeface="+mn-ea"/>
+                <a:cs typeface="+mn-cs"/>
+              </a:defRPr>
+            </a:lvl9pPr>
+          </a:lstStyle>
+          <a:p>
+            <a:pPr algn="ctr"/>
+            <a:endParaRPr lang="en-US"/>
+          </a:p>
+        </p:txBody>
+      </p:sp>
+      <p:sp>
+        <p:nvSpPr>
+          <p:cNvPr id="2" name="Título 1">
+            <a:extLst>
+              <a:ext uri="{FF2B5EF4-FFF2-40B4-BE49-F238E27FC236}">
+                <a16:creationId xmlns:a16="http://schemas.microsoft.com/office/drawing/2014/main" id="{9D4DFD27-ACA4-1794-D857-3BC7340744BA}"/>
+              </a:ext>
+            </a:extLst>
+          </p:cNvPr>
+          <p:cNvSpPr>
+            <a:spLocks noGrp="1"/>
+          </p:cNvSpPr>
+          <p:nvPr>
+            <p:ph type="ctrTitle"/>
+          </p:nvPr>
+        </p:nvSpPr>
+        <p:spPr>
+          <a:xfrm>
+            <a:off x="4639056" y="1235847"/>
+            <a:ext cx="6784847" cy="3325266"/>
+          </a:xfrm>
+        </p:spPr>
+        <p:txBody>
+          <a:bodyPr>
+            <a:normAutofit/>
+          </a:bodyPr>
+          <a:lstStyle/>
+          <a:p>
+            <a:r>
+              <a:rPr lang="pt-BR" sz="7200" dirty="0"/>
+              <a:t>Funções</a:t>
+            </a:r>
+            <a:br>
+              <a:rPr lang="pt-BR" sz="7200" dirty="0"/>
+            </a:br>
+            <a:r>
+              <a:rPr lang="pt-BR" sz="7200" dirty="0"/>
+              <a:t>Escopo</a:t>
+            </a:r>
+          </a:p>
+        </p:txBody>
+      </p:sp>
+      <p:sp>
+        <p:nvSpPr>
+          <p:cNvPr id="42" name="Freeform 6">
+            <a:extLst>
+              <a:ext uri="{FF2B5EF4-FFF2-40B4-BE49-F238E27FC236}">
+                <a16:creationId xmlns:a16="http://schemas.microsoft.com/office/drawing/2014/main" id="{526C103B-17BD-4B48-AB6F-0D9EF826AAC4}"/>
+              </a:ext>
+              <a:ext uri="{C183D7F6-B498-43B3-948B-1728B52AA6E4}">
+                <adec:decorative xmlns:adec="http://schemas.microsoft.com/office/drawing/2017/decorative" val="1"/>
+              </a:ext>
+            </a:extLst>
+          </p:cNvPr>
+          <p:cNvSpPr>
+            <a:spLocks noGrp="1" noRot="1" noChangeAspect="1" noMove="1" noResize="1" noEditPoints="1" noAdjustHandles="1" noChangeArrowheads="1" noChangeShapeType="1" noTextEdit="1"/>
+          </p:cNvSpPr>
+          <p:nvPr>
+            <p:extLst>
+              <p:ext uri="{386F3935-93C4-4BCD-93E2-E3B085C9AB24}">
+                <p16:designElem xmlns:p16="http://schemas.microsoft.com/office/powerpoint/2015/main" val="1"/>
+              </p:ext>
+            </p:extLst>
+          </p:nvPr>
+        </p:nvSpPr>
+        <p:spPr bwMode="auto">
+          <a:xfrm>
+            <a:off x="0" y="0"/>
+            <a:ext cx="885825" cy="6858000"/>
+          </a:xfrm>
+          <a:custGeom>
+            <a:avLst/>
+            <a:gdLst/>
+            <a:ahLst/>
+            <a:cxnLst/>
+            <a:rect l="0" t="0" r="r" b="b"/>
+            <a:pathLst>
+              <a:path w="558" h="4320">
+                <a:moveTo>
+                  <a:pt x="0" y="0"/>
+                </a:moveTo>
+                <a:lnTo>
+                  <a:pt x="447" y="0"/>
+                </a:lnTo>
+                <a:lnTo>
+                  <a:pt x="448" y="43"/>
+                </a:lnTo>
+                <a:lnTo>
+                  <a:pt x="453" y="81"/>
+                </a:lnTo>
+                <a:lnTo>
+                  <a:pt x="460" y="114"/>
+                </a:lnTo>
+                <a:lnTo>
+                  <a:pt x="469" y="143"/>
+                </a:lnTo>
+                <a:lnTo>
+                  <a:pt x="479" y="169"/>
+                </a:lnTo>
+                <a:lnTo>
+                  <a:pt x="491" y="192"/>
+                </a:lnTo>
+                <a:lnTo>
+                  <a:pt x="503" y="216"/>
+                </a:lnTo>
+                <a:lnTo>
+                  <a:pt x="515" y="240"/>
+                </a:lnTo>
+                <a:lnTo>
+                  <a:pt x="525" y="263"/>
+                </a:lnTo>
+                <a:lnTo>
+                  <a:pt x="535" y="289"/>
+                </a:lnTo>
+                <a:lnTo>
+                  <a:pt x="545" y="318"/>
+                </a:lnTo>
+                <a:lnTo>
+                  <a:pt x="552" y="351"/>
+                </a:lnTo>
+                <a:lnTo>
+                  <a:pt x="556" y="389"/>
+                </a:lnTo>
+                <a:lnTo>
+                  <a:pt x="558" y="432"/>
+                </a:lnTo>
+                <a:lnTo>
+                  <a:pt x="556" y="475"/>
+                </a:lnTo>
+                <a:lnTo>
+                  <a:pt x="552" y="513"/>
+                </a:lnTo>
+                <a:lnTo>
+                  <a:pt x="545" y="546"/>
+                </a:lnTo>
+                <a:lnTo>
+                  <a:pt x="535" y="575"/>
+                </a:lnTo>
+                <a:lnTo>
+                  <a:pt x="525" y="601"/>
+                </a:lnTo>
+                <a:lnTo>
+                  <a:pt x="515" y="624"/>
+                </a:lnTo>
+                <a:lnTo>
+                  <a:pt x="503" y="648"/>
+                </a:lnTo>
+                <a:lnTo>
+                  <a:pt x="491" y="672"/>
+                </a:lnTo>
+                <a:lnTo>
+                  <a:pt x="479" y="695"/>
+                </a:lnTo>
+                <a:lnTo>
+                  <a:pt x="469" y="721"/>
+                </a:lnTo>
+                <a:lnTo>
+                  <a:pt x="460" y="750"/>
+                </a:lnTo>
+                <a:lnTo>
+                  <a:pt x="453" y="783"/>
+                </a:lnTo>
+                <a:lnTo>
+                  <a:pt x="448" y="821"/>
+                </a:lnTo>
+                <a:lnTo>
+                  <a:pt x="447" y="864"/>
+                </a:lnTo>
+                <a:lnTo>
+                  <a:pt x="448" y="907"/>
+                </a:lnTo>
+                <a:lnTo>
+                  <a:pt x="453" y="945"/>
+                </a:lnTo>
+                <a:lnTo>
+                  <a:pt x="460" y="978"/>
+                </a:lnTo>
+                <a:lnTo>
+                  <a:pt x="469" y="1007"/>
+                </a:lnTo>
+                <a:lnTo>
+                  <a:pt x="479" y="1033"/>
+                </a:lnTo>
+                <a:lnTo>
+                  <a:pt x="491" y="1056"/>
+                </a:lnTo>
+                <a:lnTo>
+                  <a:pt x="503" y="1080"/>
+                </a:lnTo>
+                <a:lnTo>
+                  <a:pt x="515" y="1104"/>
+                </a:lnTo>
+                <a:lnTo>
+                  <a:pt x="525" y="1127"/>
+                </a:lnTo>
+                <a:lnTo>
+                  <a:pt x="535" y="1153"/>
+                </a:lnTo>
+                <a:lnTo>
+                  <a:pt x="545" y="1182"/>
+                </a:lnTo>
+                <a:lnTo>
+                  <a:pt x="552" y="1215"/>
+                </a:lnTo>
+                <a:lnTo>
+                  <a:pt x="556" y="1253"/>
+                </a:lnTo>
+                <a:lnTo>
+                  <a:pt x="558" y="1296"/>
+                </a:lnTo>
+                <a:lnTo>
+                  <a:pt x="556" y="1339"/>
+                </a:lnTo>
+                <a:lnTo>
+                  <a:pt x="552" y="1377"/>
+                </a:lnTo>
+                <a:lnTo>
+                  <a:pt x="545" y="1410"/>
+                </a:lnTo>
+                <a:lnTo>
+                  <a:pt x="535" y="1439"/>
+                </a:lnTo>
+                <a:lnTo>
+                  <a:pt x="525" y="1465"/>
+                </a:lnTo>
+                <a:lnTo>
+                  <a:pt x="515" y="1488"/>
+                </a:lnTo>
+                <a:lnTo>
+                  <a:pt x="503" y="1512"/>
+                </a:lnTo>
+                <a:lnTo>
+                  <a:pt x="491" y="1536"/>
+                </a:lnTo>
+                <a:lnTo>
+                  <a:pt x="479" y="1559"/>
+                </a:lnTo>
+                <a:lnTo>
+                  <a:pt x="469" y="1585"/>
+                </a:lnTo>
+                <a:lnTo>
+                  <a:pt x="460" y="1614"/>
+                </a:lnTo>
+                <a:lnTo>
+                  <a:pt x="453" y="1647"/>
+                </a:lnTo>
+                <a:lnTo>
+                  <a:pt x="448" y="1685"/>
+                </a:lnTo>
+                <a:lnTo>
+                  <a:pt x="447" y="1728"/>
+                </a:lnTo>
+                <a:lnTo>
+                  <a:pt x="448" y="1771"/>
+                </a:lnTo>
+                <a:lnTo>
+                  <a:pt x="453" y="1809"/>
+                </a:lnTo>
+                <a:lnTo>
+                  <a:pt x="460" y="1842"/>
+                </a:lnTo>
+                <a:lnTo>
+                  <a:pt x="469" y="1871"/>
+                </a:lnTo>
+                <a:lnTo>
+                  <a:pt x="479" y="1897"/>
+                </a:lnTo>
+                <a:lnTo>
+                  <a:pt x="491" y="1920"/>
+                </a:lnTo>
+                <a:lnTo>
+                  <a:pt x="503" y="1944"/>
+                </a:lnTo>
+                <a:lnTo>
+                  <a:pt x="515" y="1968"/>
+                </a:lnTo>
+                <a:lnTo>
+                  <a:pt x="525" y="1991"/>
+                </a:lnTo>
+                <a:lnTo>
+                  <a:pt x="535" y="2017"/>
+                </a:lnTo>
+                <a:lnTo>
+                  <a:pt x="545" y="2046"/>
+                </a:lnTo>
+                <a:lnTo>
+                  <a:pt x="552" y="2079"/>
+                </a:lnTo>
+                <a:lnTo>
+                  <a:pt x="556" y="2117"/>
+                </a:lnTo>
+                <a:lnTo>
+                  <a:pt x="558" y="2159"/>
+                </a:lnTo>
+                <a:lnTo>
+                  <a:pt x="556" y="2203"/>
+                </a:lnTo>
+                <a:lnTo>
+                  <a:pt x="552" y="2241"/>
+                </a:lnTo>
+                <a:lnTo>
+                  <a:pt x="545" y="2274"/>
+                </a:lnTo>
+                <a:lnTo>
+                  <a:pt x="535" y="2303"/>
+                </a:lnTo>
+                <a:lnTo>
+                  <a:pt x="525" y="2329"/>
+                </a:lnTo>
+                <a:lnTo>
+                  <a:pt x="515" y="2352"/>
+                </a:lnTo>
+                <a:lnTo>
+                  <a:pt x="503" y="2376"/>
+                </a:lnTo>
+                <a:lnTo>
+                  <a:pt x="491" y="2400"/>
+                </a:lnTo>
+                <a:lnTo>
+                  <a:pt x="479" y="2423"/>
+                </a:lnTo>
+                <a:lnTo>
+                  <a:pt x="469" y="2449"/>
+                </a:lnTo>
+                <a:lnTo>
+                  <a:pt x="460" y="2478"/>
+                </a:lnTo>
+                <a:lnTo>
+                  <a:pt x="453" y="2511"/>
+                </a:lnTo>
+                <a:lnTo>
+                  <a:pt x="448" y="2549"/>
+                </a:lnTo>
+                <a:lnTo>
+                  <a:pt x="447" y="2592"/>
+                </a:lnTo>
+                <a:lnTo>
+                  <a:pt x="448" y="2635"/>
+                </a:lnTo>
+                <a:lnTo>
+                  <a:pt x="453" y="2673"/>
+                </a:lnTo>
+                <a:lnTo>
+                  <a:pt x="460" y="2706"/>
+                </a:lnTo>
+                <a:lnTo>
+                  <a:pt x="469" y="2735"/>
+                </a:lnTo>
+                <a:lnTo>
+                  <a:pt x="479" y="2761"/>
+                </a:lnTo>
+                <a:lnTo>
+                  <a:pt x="491" y="2784"/>
+                </a:lnTo>
+                <a:lnTo>
+                  <a:pt x="515" y="2832"/>
+                </a:lnTo>
+                <a:lnTo>
+                  <a:pt x="525" y="2855"/>
+                </a:lnTo>
+                <a:lnTo>
+                  <a:pt x="535" y="2881"/>
+                </a:lnTo>
+                <a:lnTo>
+                  <a:pt x="545" y="2910"/>
+                </a:lnTo>
+                <a:lnTo>
+                  <a:pt x="552" y="2943"/>
+                </a:lnTo>
+                <a:lnTo>
+                  <a:pt x="556" y="2981"/>
+                </a:lnTo>
+                <a:lnTo>
+                  <a:pt x="558" y="3024"/>
+                </a:lnTo>
+                <a:lnTo>
+                  <a:pt x="556" y="3067"/>
+                </a:lnTo>
+                <a:lnTo>
+                  <a:pt x="552" y="3105"/>
+                </a:lnTo>
+                <a:lnTo>
+                  <a:pt x="545" y="3138"/>
+                </a:lnTo>
+                <a:lnTo>
+                  <a:pt x="535" y="3167"/>
+                </a:lnTo>
+                <a:lnTo>
+                  <a:pt x="525" y="3193"/>
+                </a:lnTo>
+                <a:lnTo>
+                  <a:pt x="515" y="3216"/>
+                </a:lnTo>
+                <a:lnTo>
+                  <a:pt x="503" y="3240"/>
+                </a:lnTo>
+                <a:lnTo>
+                  <a:pt x="491" y="3264"/>
+                </a:lnTo>
+                <a:lnTo>
+                  <a:pt x="479" y="3287"/>
+                </a:lnTo>
+                <a:lnTo>
+                  <a:pt x="469" y="3313"/>
+                </a:lnTo>
+                <a:lnTo>
+                  <a:pt x="460" y="3342"/>
+                </a:lnTo>
+                <a:lnTo>
+                  <a:pt x="453" y="3375"/>
+                </a:lnTo>
+                <a:lnTo>
+                  <a:pt x="448" y="3413"/>
+                </a:lnTo>
+                <a:lnTo>
+                  <a:pt x="447" y="3456"/>
+                </a:lnTo>
+                <a:lnTo>
+                  <a:pt x="448" y="3499"/>
+                </a:lnTo>
+                <a:lnTo>
+                  <a:pt x="453" y="3537"/>
+                </a:lnTo>
+                <a:lnTo>
+                  <a:pt x="460" y="3570"/>
+                </a:lnTo>
+                <a:lnTo>
+                  <a:pt x="469" y="3599"/>
+                </a:lnTo>
+                <a:lnTo>
+                  <a:pt x="479" y="3625"/>
+                </a:lnTo>
+                <a:lnTo>
+                  <a:pt x="491" y="3648"/>
+                </a:lnTo>
+                <a:lnTo>
+                  <a:pt x="503" y="3672"/>
+                </a:lnTo>
+                <a:lnTo>
+                  <a:pt x="515" y="3696"/>
+                </a:lnTo>
+                <a:lnTo>
+                  <a:pt x="525" y="3719"/>
+                </a:lnTo>
+                <a:lnTo>
+                  <a:pt x="535" y="3745"/>
+                </a:lnTo>
+                <a:lnTo>
+                  <a:pt x="545" y="3774"/>
+                </a:lnTo>
+                <a:lnTo>
+                  <a:pt x="552" y="3807"/>
+                </a:lnTo>
+                <a:lnTo>
+                  <a:pt x="556" y="3845"/>
+                </a:lnTo>
+                <a:lnTo>
+                  <a:pt x="558" y="3888"/>
+                </a:lnTo>
+                <a:lnTo>
+                  <a:pt x="556" y="3931"/>
+                </a:lnTo>
+                <a:lnTo>
+                  <a:pt x="552" y="3969"/>
+                </a:lnTo>
+                <a:lnTo>
+                  <a:pt x="545" y="4002"/>
+                </a:lnTo>
+                <a:lnTo>
+                  <a:pt x="535" y="4031"/>
+                </a:lnTo>
+                <a:lnTo>
+                  <a:pt x="525" y="4057"/>
+                </a:lnTo>
+                <a:lnTo>
+                  <a:pt x="515" y="4080"/>
+                </a:lnTo>
+                <a:lnTo>
+                  <a:pt x="503" y="4104"/>
+                </a:lnTo>
+                <a:lnTo>
+                  <a:pt x="491" y="4128"/>
+                </a:lnTo>
+                <a:lnTo>
+                  <a:pt x="479" y="4151"/>
+                </a:lnTo>
+                <a:lnTo>
+                  <a:pt x="469" y="4177"/>
+                </a:lnTo>
+                <a:lnTo>
+                  <a:pt x="460" y="4206"/>
+                </a:lnTo>
+                <a:lnTo>
+                  <a:pt x="453" y="4239"/>
+                </a:lnTo>
+                <a:lnTo>
+                  <a:pt x="448" y="4277"/>
+                </a:lnTo>
+                <a:lnTo>
+                  <a:pt x="447" y="4320"/>
+                </a:lnTo>
+                <a:lnTo>
+                  <a:pt x="0" y="4320"/>
+                </a:lnTo>
+                <a:lnTo>
+                  <a:pt x="0" y="0"/>
+                </a:lnTo>
+                <a:close/>
+              </a:path>
+            </a:pathLst>
+          </a:custGeom>
+          <a:solidFill>
+            <a:schemeClr val="tx2"/>
+          </a:solidFill>
+          <a:ln w="0">
+            <a:noFill/>
+            <a:prstDash val="solid"/>
+            <a:round/>
+            <a:headEnd/>
+            <a:tailEnd/>
+          </a:ln>
+        </p:spPr>
+        <p:txBody>
+          <a:bodyPr/>
+          <a:lstStyle/>
+          <a:p>
+            <a:endParaRPr lang="pt-BR"/>
+          </a:p>
+        </p:txBody>
+      </p:sp>
+      <p:pic>
+        <p:nvPicPr>
+          <p:cNvPr id="27" name="Graphic 26" descr="Programador">
+            <a:extLst>
+              <a:ext uri="{FF2B5EF4-FFF2-40B4-BE49-F238E27FC236}">
+                <a16:creationId xmlns:a16="http://schemas.microsoft.com/office/drawing/2014/main" id="{84ADACB3-6759-6202-E5E9-D8673D71ACD3}"/>
+              </a:ext>
+            </a:extLst>
+          </p:cNvPr>
+          <p:cNvPicPr>
+            <a:picLocks noChangeAspect="1"/>
+          </p:cNvPicPr>
+          <p:nvPr/>
+        </p:nvPicPr>
+        <p:blipFill>
+          <a:blip r:embed="rId2">
+            <a:extLst>
+              <a:ext uri="{28A0092B-C50C-407E-A947-70E740481C1C}">
+                <a14:useLocalDpi xmlns:a14="http://schemas.microsoft.com/office/drawing/2010/main" val="0"/>
+              </a:ext>
+              <a:ext uri="{96DAC541-7B7A-43D3-8B79-37D633B846F1}">
+                <asvg:svgBlip xmlns:asvg="http://schemas.microsoft.com/office/drawing/2016/SVG/main" r:embed="rId3"/>
+              </a:ext>
+            </a:extLst>
+          </a:blip>
+          <a:stretch>
+            <a:fillRect/>
+          </a:stretch>
+        </p:blipFill>
+        <p:spPr>
+          <a:xfrm>
+            <a:off x="1240971" y="1709603"/>
+            <a:ext cx="3398085" cy="3398085"/>
+          </a:xfrm>
+          <a:prstGeom prst="rect">
+            <a:avLst/>
+          </a:prstGeom>
+        </p:spPr>
+      </p:pic>
+      <p:sp>
+        <p:nvSpPr>
+          <p:cNvPr id="44" name="Rectangle 43">
+            <a:extLst>
+              <a:ext uri="{FF2B5EF4-FFF2-40B4-BE49-F238E27FC236}">
+                <a16:creationId xmlns:a16="http://schemas.microsoft.com/office/drawing/2014/main" id="{E9EC3243-CA25-4485-A7FE-8B0141923844}"/>
+              </a:ext>
+              <a:ext uri="{C183D7F6-B498-43B3-948B-1728B52AA6E4}">
+                <adec:decorative xmlns:adec="http://schemas.microsoft.com/office/drawing/2017/decorative" val="1"/>
+              </a:ext>
+            </a:extLst>
+          </p:cNvPr>
+          <p:cNvSpPr>
+            <a:spLocks noGrp="1" noRot="1" noChangeAspect="1" noMove="1" noResize="1" noEditPoints="1" noAdjustHandles="1" noChangeArrowheads="1" noChangeShapeType="1" noTextEdit="1"/>
+          </p:cNvSpPr>
+          <p:nvPr>
+            <p:extLst>
+              <p:ext uri="{386F3935-93C4-4BCD-93E2-E3B085C9AB24}">
+                <p16:designElem xmlns:p16="http://schemas.microsoft.com/office/powerpoint/2015/main" val="1"/>
+              </p:ext>
+            </p:extLst>
+          </p:nvPr>
+        </p:nvSpPr>
+        <p:spPr>
+          <a:xfrm>
+            <a:off x="11908536" y="0"/>
+            <a:ext cx="283464" cy="6858000"/>
+          </a:xfrm>
+          <a:prstGeom prst="rect">
+            <a:avLst/>
+          </a:prstGeom>
+          <a:solidFill>
+            <a:schemeClr val="accent1"/>
+          </a:solidFill>
+          <a:ln>
+            <a:noFill/>
+          </a:ln>
+        </p:spPr>
+        <p:style>
+          <a:lnRef idx="2">
+            <a:schemeClr val="accent1">
+              <a:shade val="50000"/>
+            </a:schemeClr>
+          </a:lnRef>
+          <a:fillRef idx="1">
+            <a:schemeClr val="accent1"/>
+          </a:fillRef>
+          <a:effectRef idx="0">
+            <a:schemeClr val="accent1"/>
+          </a:effectRef>
+          <a:fontRef idx="minor">
+            <a:schemeClr val="lt1"/>
+          </a:fontRef>
+        </p:style>
+        <p:txBody>
+          <a:bodyPr/>
+          <a:lstStyle/>
+          <a:p>
+            <a:endParaRPr lang="pt-BR"/>
+          </a:p>
+        </p:txBody>
+      </p:sp>
+    </p:spTree>
+    <p:extLst>
+      <p:ext uri="{BB962C8B-B14F-4D97-AF65-F5344CB8AC3E}">
+        <p14:creationId xmlns:p14="http://schemas.microsoft.com/office/powerpoint/2010/main" val="1749467006"/>
+      </p:ext>
+    </p:extLst>
+  </p:cSld>
+  <p:clrMapOvr>
+    <a:masterClrMapping/>
+  </p:clrMapOvr>
+</p:sld>
+</file>
+
+<file path=ppt/slides/slide14.xml><?xml version="1.0" encoding="utf-8"?>
+<p:sld xmlns:a="http://schemas.openxmlformats.org/drawingml/2006/main" xmlns:r="http://schemas.openxmlformats.org/officeDocument/2006/relationships" xmlns:p="http://schemas.openxmlformats.org/presentationml/2006/main">
+  <p:cSld>
+    <p:bg>
+      <p:bgPr>
+        <a:solidFill>
+          <a:schemeClr val="bg1">
+            <a:tint val="95000"/>
+            <a:satMod val="170000"/>
+          </a:schemeClr>
+        </a:solidFill>
+        <a:effectLst/>
+      </p:bgPr>
+    </p:bg>
+    <p:spTree>
+      <p:nvGrpSpPr>
+        <p:cNvPr id="1" name=""/>
+        <p:cNvGrpSpPr/>
+        <p:nvPr/>
+      </p:nvGrpSpPr>
+      <p:grpSpPr>
+        <a:xfrm>
+          <a:off x="0" y="0"/>
+          <a:ext cx="0" cy="0"/>
+          <a:chOff x="0" y="0"/>
+          <a:chExt cx="0" cy="0"/>
+        </a:xfrm>
+      </p:grpSpPr>
+      <p:sp useBgFill="1">
+        <p:nvSpPr>
+          <p:cNvPr id="8" name="Rectangle 7">
+            <a:extLst>
+              <a:ext uri="{FF2B5EF4-FFF2-40B4-BE49-F238E27FC236}">
+                <a16:creationId xmlns:a16="http://schemas.microsoft.com/office/drawing/2014/main" id="{CFC012A5-170D-4B0F-A916-A8EE2C6CE94A}"/>
+              </a:ext>
+              <a:ext uri="{C183D7F6-B498-43B3-948B-1728B52AA6E4}">
+                <adec:decorative xmlns:adec="http://schemas.microsoft.com/office/drawing/2017/decorative" val="1"/>
+              </a:ext>
+            </a:extLst>
+          </p:cNvPr>
+          <p:cNvSpPr>
+            <a:spLocks noGrp="1" noRot="1" noChangeAspect="1" noMove="1" noResize="1" noEditPoints="1" noAdjustHandles="1" noChangeArrowheads="1" noChangeShapeType="1" noTextEdit="1"/>
+          </p:cNvSpPr>
+          <p:nvPr>
+            <p:extLst>
+              <p:ext uri="{386F3935-93C4-4BCD-93E2-E3B085C9AB24}">
+                <p16:designElem xmlns:p16="http://schemas.microsoft.com/office/powerpoint/2015/main" val="1"/>
+              </p:ext>
+            </p:extLst>
+          </p:nvPr>
+        </p:nvSpPr>
+        <p:spPr>
+          <a:xfrm>
+            <a:off x="0" y="0"/>
+            <a:ext cx="12192000" cy="6858000"/>
+          </a:xfrm>
+          <a:prstGeom prst="rect">
+            <a:avLst/>
+          </a:prstGeom>
+          <a:ln>
+            <a:noFill/>
+          </a:ln>
+        </p:spPr>
+        <p:style>
+          <a:lnRef idx="2">
+            <a:schemeClr val="accent1">
+              <a:shade val="50000"/>
+            </a:schemeClr>
+          </a:lnRef>
+          <a:fillRef idx="1">
+            <a:schemeClr val="accent1"/>
+          </a:fillRef>
+          <a:effectRef idx="0">
+            <a:schemeClr val="accent1"/>
+          </a:effectRef>
+          <a:fontRef idx="minor">
+            <a:schemeClr val="lt1"/>
+          </a:fontRef>
+        </p:style>
+        <p:txBody>
+          <a:bodyPr rtlCol="0" anchor="ctr"/>
+          <a:lstStyle/>
+          <a:p>
+            <a:pPr algn="ctr"/>
+            <a:endParaRPr lang="en-US"/>
+          </a:p>
+        </p:txBody>
+      </p:sp>
+      <p:sp>
+        <p:nvSpPr>
+          <p:cNvPr id="10" name="Rectangle 9">
+            <a:extLst>
+              <a:ext uri="{FF2B5EF4-FFF2-40B4-BE49-F238E27FC236}">
+                <a16:creationId xmlns:a16="http://schemas.microsoft.com/office/drawing/2014/main" id="{37F40654-5E8C-468A-9596-50927AF198AB}"/>
+              </a:ext>
+              <a:ext uri="{C183D7F6-B498-43B3-948B-1728B52AA6E4}">
+                <adec:decorative xmlns:adec="http://schemas.microsoft.com/office/drawing/2017/decorative" val="1"/>
+              </a:ext>
+            </a:extLst>
+          </p:cNvPr>
+          <p:cNvSpPr>
+            <a:spLocks noGrp="1" noRot="1" noChangeAspect="1" noMove="1" noResize="1" noEditPoints="1" noAdjustHandles="1" noChangeArrowheads="1" noChangeShapeType="1" noTextEdit="1"/>
+          </p:cNvSpPr>
+          <p:nvPr>
+            <p:extLst>
+              <p:ext uri="{386F3935-93C4-4BCD-93E2-E3B085C9AB24}">
+                <p16:designElem xmlns:p16="http://schemas.microsoft.com/office/powerpoint/2015/main" val="1"/>
+              </p:ext>
+            </p:extLst>
+          </p:nvPr>
+        </p:nvSpPr>
+        <p:spPr>
+          <a:xfrm>
+            <a:off x="0" y="0"/>
+            <a:ext cx="3345981" cy="6858000"/>
+          </a:xfrm>
+          <a:prstGeom prst="rect">
+            <a:avLst/>
+          </a:prstGeom>
+          <a:solidFill>
+            <a:schemeClr val="accent1"/>
+          </a:solidFill>
+          <a:ln>
+            <a:noFill/>
+          </a:ln>
+        </p:spPr>
+        <p:style>
+          <a:lnRef idx="2">
+            <a:schemeClr val="accent1">
+              <a:shade val="50000"/>
+            </a:schemeClr>
+          </a:lnRef>
+          <a:fillRef idx="1">
+            <a:schemeClr val="accent1"/>
+          </a:fillRef>
+          <a:effectRef idx="0">
+            <a:schemeClr val="accent1"/>
+          </a:effectRef>
+          <a:fontRef idx="minor">
+            <a:schemeClr val="lt1"/>
+          </a:fontRef>
+        </p:style>
+        <p:txBody>
+          <a:bodyPr rtlCol="0" anchor="ctr"/>
+          <a:lstStyle/>
+          <a:p>
+            <a:pPr algn="ctr"/>
+            <a:endParaRPr lang="en-US"/>
+          </a:p>
+        </p:txBody>
+      </p:sp>
+      <p:sp>
+        <p:nvSpPr>
+          <p:cNvPr id="2" name="Título 1">
+            <a:extLst>
+              <a:ext uri="{FF2B5EF4-FFF2-40B4-BE49-F238E27FC236}">
+                <a16:creationId xmlns:a16="http://schemas.microsoft.com/office/drawing/2014/main" id="{D21C56AC-69C0-9250-ABFF-EEDEB609601F}"/>
+              </a:ext>
+            </a:extLst>
+          </p:cNvPr>
+          <p:cNvSpPr>
+            <a:spLocks noGrp="1"/>
+          </p:cNvSpPr>
+          <p:nvPr>
+            <p:ph type="title"/>
+          </p:nvPr>
+        </p:nvSpPr>
+        <p:spPr>
+          <a:xfrm>
+            <a:off x="965201" y="1354945"/>
+            <a:ext cx="2059048" cy="4148110"/>
+          </a:xfrm>
+        </p:spPr>
+        <p:txBody>
+          <a:bodyPr anchor="ctr">
+            <a:normAutofit/>
+          </a:bodyPr>
+          <a:lstStyle/>
+          <a:p>
+            <a:r>
+              <a:rPr lang="pt-BR" sz="2800" dirty="0">
+                <a:solidFill>
+                  <a:srgbClr val="2A1A00"/>
+                </a:solidFill>
+              </a:rPr>
+              <a:t>Escopo</a:t>
+            </a:r>
+          </a:p>
+        </p:txBody>
+      </p:sp>
+      <p:sp>
+        <p:nvSpPr>
+          <p:cNvPr id="12" name="Rectangle 11">
+            <a:extLst>
+              <a:ext uri="{FF2B5EF4-FFF2-40B4-BE49-F238E27FC236}">
+                <a16:creationId xmlns:a16="http://schemas.microsoft.com/office/drawing/2014/main" id="{50B1BD4A-8DE6-4266-9C27-59260F938ED8}"/>
+              </a:ext>
+              <a:ext uri="{C183D7F6-B498-43B3-948B-1728B52AA6E4}">
+                <adec:decorative xmlns:adec="http://schemas.microsoft.com/office/drawing/2017/decorative" val="1"/>
+              </a:ext>
+            </a:extLst>
+          </p:cNvPr>
+          <p:cNvSpPr>
+            <a:spLocks noGrp="1" noRot="1" noChangeAspect="1" noMove="1" noResize="1" noEditPoints="1" noAdjustHandles="1" noChangeArrowheads="1" noChangeShapeType="1" noTextEdit="1"/>
+          </p:cNvSpPr>
+          <p:nvPr>
+            <p:extLst>
+              <p:ext uri="{386F3935-93C4-4BCD-93E2-E3B085C9AB24}">
+                <p16:designElem xmlns:p16="http://schemas.microsoft.com/office/powerpoint/2015/main" val="1"/>
+              </p:ext>
+            </p:extLst>
+          </p:nvPr>
+        </p:nvSpPr>
+        <p:spPr>
+          <a:xfrm>
+            <a:off x="0" y="0"/>
+            <a:ext cx="643467" cy="6858000"/>
+          </a:xfrm>
+          <a:prstGeom prst="rect">
+            <a:avLst/>
+          </a:prstGeom>
+          <a:solidFill>
+            <a:schemeClr val="accent1">
+              <a:lumMod val="75000"/>
+            </a:schemeClr>
+          </a:solidFill>
+          <a:ln>
+            <a:noFill/>
+          </a:ln>
+        </p:spPr>
+        <p:style>
+          <a:lnRef idx="2">
+            <a:schemeClr val="accent1">
+              <a:shade val="50000"/>
+            </a:schemeClr>
+          </a:lnRef>
+          <a:fillRef idx="1003">
+            <a:schemeClr val="lt1"/>
+          </a:fillRef>
+          <a:effectRef idx="0">
+            <a:schemeClr val="accent1"/>
+          </a:effectRef>
+          <a:fontRef idx="minor">
+            <a:schemeClr val="lt1"/>
+          </a:fontRef>
+        </p:style>
+        <p:txBody>
+          <a:bodyPr rtlCol="0" anchor="ctr"/>
+          <a:lstStyle/>
+          <a:p>
+            <a:pPr algn="ctr"/>
+            <a:endParaRPr lang="en-US">
+              <a:solidFill>
+                <a:schemeClr val="accent2"/>
+              </a:solidFill>
+            </a:endParaRPr>
+          </a:p>
+        </p:txBody>
+      </p:sp>
+      <p:sp>
+        <p:nvSpPr>
+          <p:cNvPr id="3" name="Espaço Reservado para Conteúdo 2">
+            <a:extLst>
+              <a:ext uri="{FF2B5EF4-FFF2-40B4-BE49-F238E27FC236}">
+                <a16:creationId xmlns:a16="http://schemas.microsoft.com/office/drawing/2014/main" id="{ADC7C2F9-6024-503C-CFEE-48C4893DD35F}"/>
+              </a:ext>
+            </a:extLst>
+          </p:cNvPr>
+          <p:cNvSpPr>
+            <a:spLocks noGrp="1"/>
+          </p:cNvSpPr>
+          <p:nvPr>
+            <p:ph idx="1"/>
+          </p:nvPr>
+        </p:nvSpPr>
+        <p:spPr>
+          <a:xfrm>
+            <a:off x="3828580" y="419878"/>
+            <a:ext cx="7601419" cy="5990253"/>
+          </a:xfrm>
+        </p:spPr>
+        <p:txBody>
+          <a:bodyPr anchor="ctr">
+            <a:normAutofit fontScale="92500" lnSpcReduction="20000"/>
+          </a:bodyPr>
+          <a:lstStyle/>
+          <a:p>
+            <a:pPr marL="0" indent="0">
+              <a:buNone/>
+            </a:pPr>
+            <a:r>
+              <a:rPr lang="pt-BR" sz="2400" b="1" dirty="0">
+                <a:solidFill>
+                  <a:schemeClr val="tx2"/>
+                </a:solidFill>
+              </a:rPr>
+              <a:t>Escopo Local:</a:t>
+            </a:r>
+          </a:p>
+          <a:p>
+            <a:pPr marL="0" indent="0">
+              <a:buNone/>
+            </a:pPr>
+            <a:r>
+              <a:rPr lang="pt-BR" sz="2400" dirty="0">
+                <a:solidFill>
+                  <a:schemeClr val="tx2"/>
+                </a:solidFill>
+              </a:rPr>
+              <a:t>Variáveis ou funções definidas dentro de um bloco específico, como uma função ou um loop, têm escopo local.</a:t>
+            </a:r>
+          </a:p>
+          <a:p>
+            <a:pPr marL="0" indent="0">
+              <a:buNone/>
+            </a:pPr>
+            <a:r>
+              <a:rPr lang="pt-BR" sz="2400" dirty="0">
+                <a:solidFill>
+                  <a:schemeClr val="tx2"/>
+                </a:solidFill>
+              </a:rPr>
+              <a:t>Elas só podem ser acessadas dentro desse bloco onde foram definidas.</a:t>
+            </a:r>
+          </a:p>
+          <a:p>
+            <a:pPr marL="0" indent="0">
+              <a:buNone/>
+            </a:pPr>
+            <a:r>
+              <a:rPr lang="pt-BR" sz="2400" dirty="0">
+                <a:solidFill>
+                  <a:schemeClr val="tx2"/>
+                </a:solidFill>
+              </a:rPr>
+              <a:t>Quando o bloco é concluído, essas variáveis geralmente são descartadas da memória (a menos que estejam ligadas a um encerramento em linguagens como Python ou </a:t>
+            </a:r>
+            <a:r>
+              <a:rPr lang="pt-BR" sz="2400" dirty="0" err="1">
+                <a:solidFill>
+                  <a:schemeClr val="tx2"/>
+                </a:solidFill>
+              </a:rPr>
+              <a:t>JavaScript</a:t>
+            </a:r>
+            <a:r>
+              <a:rPr lang="pt-BR" sz="2400" dirty="0">
+                <a:solidFill>
+                  <a:schemeClr val="tx2"/>
+                </a:solidFill>
+              </a:rPr>
+              <a:t>).</a:t>
+            </a:r>
+          </a:p>
+          <a:p>
+            <a:pPr marL="0" indent="0">
+              <a:buNone/>
+            </a:pPr>
+            <a:endParaRPr lang="pt-BR" sz="2400" dirty="0">
+              <a:solidFill>
+                <a:schemeClr val="tx2"/>
+              </a:solidFill>
+            </a:endParaRPr>
+          </a:p>
+          <a:p>
+            <a:pPr marL="0" indent="0">
+              <a:buNone/>
+            </a:pPr>
+            <a:r>
+              <a:rPr lang="pt-BR" sz="2400" b="1" dirty="0">
+                <a:solidFill>
+                  <a:schemeClr val="tx2"/>
+                </a:solidFill>
+              </a:rPr>
+              <a:t>Escopo Global:</a:t>
+            </a:r>
+          </a:p>
+          <a:p>
+            <a:pPr marL="0" indent="0">
+              <a:buNone/>
+            </a:pPr>
+            <a:r>
+              <a:rPr lang="pt-BR" sz="2400" dirty="0">
+                <a:solidFill>
+                  <a:schemeClr val="tx2"/>
+                </a:solidFill>
+              </a:rPr>
+              <a:t>Variáveis ou funções definidas fora de todos os blocos de código têm escopo global.</a:t>
+            </a:r>
+          </a:p>
+          <a:p>
+            <a:pPr marL="0" indent="0">
+              <a:buNone/>
+            </a:pPr>
+            <a:r>
+              <a:rPr lang="pt-BR" sz="2400" dirty="0">
+                <a:solidFill>
+                  <a:schemeClr val="tx2"/>
+                </a:solidFill>
+              </a:rPr>
+              <a:t>Elas podem ser acessadas de qualquer lugar no programa, incluindo dentro de funções ou blocos locais.</a:t>
+            </a:r>
+          </a:p>
+          <a:p>
+            <a:pPr marL="0" indent="0">
+              <a:buNone/>
+            </a:pPr>
+            <a:r>
+              <a:rPr lang="pt-BR" sz="2400" dirty="0">
+                <a:solidFill>
+                  <a:schemeClr val="tx2"/>
+                </a:solidFill>
+              </a:rPr>
+              <a:t>Variáveis globais geralmente têm uma vida útil mais longa e podem ser acessadas de qualquer lugar do programa.</a:t>
+            </a:r>
+          </a:p>
+        </p:txBody>
+      </p:sp>
+    </p:spTree>
+    <p:extLst>
+      <p:ext uri="{BB962C8B-B14F-4D97-AF65-F5344CB8AC3E}">
+        <p14:creationId xmlns:p14="http://schemas.microsoft.com/office/powerpoint/2010/main" val="2278746244"/>
+      </p:ext>
+    </p:extLst>
+  </p:cSld>
+  <p:clrMapOvr>
+    <a:overrideClrMapping bg1="dk1" tx1="lt1" bg2="dk2" tx2="lt2" accent1="accent1" accent2="accent2" accent3="accent3" accent4="accent4" accent5="accent5" accent6="accent6" hlink="hlink" folHlink="folHlink"/>
+  </p:clrMapOvr>
+</p:sld>
+</file>
+
+<file path=ppt/slides/slide15.xml><?xml version="1.0" encoding="utf-8"?>
+<p:sld xmlns:a="http://schemas.openxmlformats.org/drawingml/2006/main" xmlns:r="http://schemas.openxmlformats.org/officeDocument/2006/relationships" xmlns:p="http://schemas.openxmlformats.org/presentationml/2006/main" showMasterSp="0">
+  <p:cSld>
+    <p:bg>
+      <p:bgPr>
+        <a:solidFill>
+          <a:schemeClr val="bg2">
+            <a:lumMod val="10000"/>
+          </a:schemeClr>
+        </a:solidFill>
+        <a:effectLst/>
+      </p:bgPr>
+    </p:bg>
+    <p:spTree>
+      <p:nvGrpSpPr>
+        <p:cNvPr id="1" name=""/>
+        <p:cNvGrpSpPr/>
+        <p:nvPr/>
+      </p:nvGrpSpPr>
+      <p:grpSpPr>
+        <a:xfrm>
+          <a:off x="0" y="0"/>
+          <a:ext cx="0" cy="0"/>
+          <a:chOff x="0" y="0"/>
+          <a:chExt cx="0" cy="0"/>
+        </a:xfrm>
+      </p:grpSpPr>
+      <p:sp>
+        <p:nvSpPr>
+          <p:cNvPr id="2" name="Título 1">
+            <a:extLst>
+              <a:ext uri="{FF2B5EF4-FFF2-40B4-BE49-F238E27FC236}">
+                <a16:creationId xmlns:a16="http://schemas.microsoft.com/office/drawing/2014/main" id="{83C6E063-9BFE-06CE-C9BC-5EE9CCAE3D29}"/>
+              </a:ext>
+            </a:extLst>
+          </p:cNvPr>
+          <p:cNvSpPr>
+            <a:spLocks noGrp="1"/>
+          </p:cNvSpPr>
+          <p:nvPr>
+            <p:ph type="title"/>
+          </p:nvPr>
+        </p:nvSpPr>
+        <p:spPr/>
+        <p:txBody>
+          <a:bodyPr/>
+          <a:lstStyle/>
+          <a:p>
+            <a:r>
+              <a:rPr lang="pt-BR" dirty="0"/>
+              <a:t>DEF – Aula5	</a:t>
+            </a:r>
+          </a:p>
+        </p:txBody>
+      </p:sp>
+      <p:pic>
+        <p:nvPicPr>
+          <p:cNvPr id="1026" name="Picture 2">
+            <a:extLst>
+              <a:ext uri="{FF2B5EF4-FFF2-40B4-BE49-F238E27FC236}">
+                <a16:creationId xmlns:a16="http://schemas.microsoft.com/office/drawing/2014/main" id="{BFCC1361-CFA5-41DC-9639-9812D7C04FC8}"/>
+              </a:ext>
+            </a:extLst>
+          </p:cNvPr>
+          <p:cNvPicPr>
+            <a:picLocks noChangeAspect="1" noChangeArrowheads="1"/>
+          </p:cNvPicPr>
+          <p:nvPr/>
+        </p:nvPicPr>
+        <p:blipFill>
+          <a:blip r:embed="rId2">
+            <a:extLst>
+              <a:ext uri="{28A0092B-C50C-407E-A947-70E740481C1C}">
+                <a14:useLocalDpi xmlns:a14="http://schemas.microsoft.com/office/drawing/2010/main" val="0"/>
+              </a:ext>
+            </a:extLst>
+          </a:blip>
+          <a:srcRect/>
+          <a:stretch>
+            <a:fillRect/>
+          </a:stretch>
+        </p:blipFill>
+        <p:spPr bwMode="auto">
+          <a:xfrm>
+            <a:off x="102198" y="20849"/>
+            <a:ext cx="659802" cy="723071"/>
+          </a:xfrm>
+          <a:prstGeom prst="rect">
+            <a:avLst/>
+          </a:prstGeom>
+          <a:noFill/>
+          <a:extLst>
+            <a:ext uri="{909E8E84-426E-40DD-AFC4-6F175D3DCCD1}">
+              <a14:hiddenFill xmlns:a14="http://schemas.microsoft.com/office/drawing/2010/main">
+                <a:solidFill>
+                  <a:srgbClr val="FFFFFF"/>
+                </a:solidFill>
+              </a14:hiddenFill>
+            </a:ext>
+          </a:extLst>
+        </p:spPr>
+      </p:pic>
+      <p:sp>
+        <p:nvSpPr>
+          <p:cNvPr id="5" name="CaixaDeTexto 4">
+            <a:extLst>
+              <a:ext uri="{FF2B5EF4-FFF2-40B4-BE49-F238E27FC236}">
+                <a16:creationId xmlns:a16="http://schemas.microsoft.com/office/drawing/2014/main" id="{48296B17-0AD6-452F-7C95-B1215564D1DC}"/>
+              </a:ext>
+            </a:extLst>
+          </p:cNvPr>
+          <p:cNvSpPr txBox="1"/>
+          <p:nvPr/>
+        </p:nvSpPr>
+        <p:spPr>
+          <a:xfrm>
+            <a:off x="1251678" y="1582340"/>
+            <a:ext cx="6097554" cy="3693319"/>
+          </a:xfrm>
+          <a:prstGeom prst="rect">
+            <a:avLst/>
+          </a:prstGeom>
+          <a:noFill/>
+        </p:spPr>
+        <p:txBody>
+          <a:bodyPr wrap="square">
+            <a:spAutoFit/>
+          </a:bodyPr>
+          <a:lstStyle/>
+          <a:p>
+            <a:r>
+              <a:rPr lang="pt-BR" b="0" dirty="0">
+                <a:solidFill>
+                  <a:srgbClr val="CE9178"/>
+                </a:solidFill>
+                <a:effectLst/>
+                <a:highlight>
+                  <a:srgbClr val="1F1F1F"/>
+                </a:highlight>
+                <a:latin typeface="Consolas" panose="020B0609020204030204" pitchFamily="49" charset="0"/>
+              </a:rPr>
+              <a:t>"""</a:t>
+            </a:r>
+            <a:endParaRPr lang="pt-BR" b="0" dirty="0">
+              <a:solidFill>
+                <a:srgbClr val="CCCCCC"/>
+              </a:solidFill>
+              <a:effectLst/>
+              <a:highlight>
+                <a:srgbClr val="1F1F1F"/>
+              </a:highlight>
+              <a:latin typeface="Consolas" panose="020B0609020204030204" pitchFamily="49" charset="0"/>
+            </a:endParaRPr>
+          </a:p>
+          <a:p>
+            <a:r>
+              <a:rPr lang="pt-BR" b="0" dirty="0">
+                <a:solidFill>
+                  <a:srgbClr val="CE9178"/>
+                </a:solidFill>
+                <a:effectLst/>
+                <a:highlight>
+                  <a:srgbClr val="1F1F1F"/>
+                </a:highlight>
+                <a:latin typeface="Consolas" panose="020B0609020204030204" pitchFamily="49" charset="0"/>
+              </a:rPr>
+              <a:t>Escopo de variáveis globais e locais</a:t>
+            </a:r>
+            <a:endParaRPr lang="pt-BR" b="0" dirty="0">
+              <a:solidFill>
+                <a:srgbClr val="CCCCCC"/>
+              </a:solidFill>
+              <a:effectLst/>
+              <a:highlight>
+                <a:srgbClr val="1F1F1F"/>
+              </a:highlight>
+              <a:latin typeface="Consolas" panose="020B0609020204030204" pitchFamily="49" charset="0"/>
+            </a:endParaRPr>
+          </a:p>
+          <a:p>
+            <a:r>
+              <a:rPr lang="pt-BR" b="0" dirty="0">
+                <a:solidFill>
+                  <a:srgbClr val="CE9178"/>
+                </a:solidFill>
+                <a:effectLst/>
+                <a:highlight>
+                  <a:srgbClr val="1F1F1F"/>
+                </a:highlight>
+                <a:latin typeface="Consolas" panose="020B0609020204030204" pitchFamily="49" charset="0"/>
+              </a:rPr>
+              <a:t>"""</a:t>
+            </a:r>
+            <a:endParaRPr lang="pt-BR" b="0" dirty="0">
+              <a:solidFill>
+                <a:srgbClr val="CCCCCC"/>
+              </a:solidFill>
+              <a:effectLst/>
+              <a:highlight>
+                <a:srgbClr val="1F1F1F"/>
+              </a:highlight>
+              <a:latin typeface="Consolas" panose="020B0609020204030204" pitchFamily="49" charset="0"/>
+            </a:endParaRPr>
+          </a:p>
+          <a:p>
+            <a:br>
+              <a:rPr lang="pt-BR" b="0" dirty="0">
+                <a:solidFill>
+                  <a:srgbClr val="CCCCCC"/>
+                </a:solidFill>
+                <a:effectLst/>
+                <a:highlight>
+                  <a:srgbClr val="1F1F1F"/>
+                </a:highlight>
+                <a:latin typeface="Consolas" panose="020B0609020204030204" pitchFamily="49" charset="0"/>
+              </a:rPr>
+            </a:br>
+            <a:r>
+              <a:rPr lang="pt-BR" b="0" dirty="0">
+                <a:solidFill>
+                  <a:srgbClr val="9CDCFE"/>
+                </a:solidFill>
+                <a:effectLst/>
+                <a:highlight>
+                  <a:srgbClr val="1F1F1F"/>
+                </a:highlight>
+                <a:latin typeface="Consolas" panose="020B0609020204030204" pitchFamily="49" charset="0"/>
+              </a:rPr>
+              <a:t>y</a:t>
+            </a:r>
+            <a:r>
+              <a:rPr lang="pt-BR" b="0" dirty="0">
+                <a:solidFill>
+                  <a:srgbClr val="CCCCCC"/>
+                </a:solidFill>
+                <a:effectLst/>
+                <a:highlight>
+                  <a:srgbClr val="1F1F1F"/>
+                </a:highlight>
+                <a:latin typeface="Consolas" panose="020B0609020204030204" pitchFamily="49" charset="0"/>
+              </a:rPr>
+              <a:t> </a:t>
+            </a:r>
+            <a:r>
+              <a:rPr lang="pt-BR" b="0" dirty="0">
+                <a:solidFill>
+                  <a:srgbClr val="D4D4D4"/>
+                </a:solidFill>
+                <a:effectLst/>
+                <a:highlight>
+                  <a:srgbClr val="1F1F1F"/>
+                </a:highlight>
+                <a:latin typeface="Consolas" panose="020B0609020204030204" pitchFamily="49" charset="0"/>
+              </a:rPr>
+              <a:t>=</a:t>
+            </a:r>
+            <a:r>
+              <a:rPr lang="pt-BR" b="0" dirty="0">
+                <a:solidFill>
+                  <a:srgbClr val="CCCCCC"/>
+                </a:solidFill>
+                <a:effectLst/>
+                <a:highlight>
+                  <a:srgbClr val="1F1F1F"/>
+                </a:highlight>
+                <a:latin typeface="Consolas" panose="020B0609020204030204" pitchFamily="49" charset="0"/>
+              </a:rPr>
+              <a:t> </a:t>
+            </a:r>
+            <a:r>
+              <a:rPr lang="pt-BR" b="0" dirty="0">
+                <a:solidFill>
+                  <a:srgbClr val="B5CEA8"/>
+                </a:solidFill>
+                <a:effectLst/>
+                <a:highlight>
+                  <a:srgbClr val="1F1F1F"/>
+                </a:highlight>
+                <a:latin typeface="Consolas" panose="020B0609020204030204" pitchFamily="49" charset="0"/>
+              </a:rPr>
+              <a:t>100</a:t>
+            </a:r>
+            <a:endParaRPr lang="pt-BR" b="0" dirty="0">
+              <a:solidFill>
+                <a:srgbClr val="CCCCCC"/>
+              </a:solidFill>
+              <a:effectLst/>
+              <a:highlight>
+                <a:srgbClr val="1F1F1F"/>
+              </a:highlight>
+              <a:latin typeface="Consolas" panose="020B0609020204030204" pitchFamily="49" charset="0"/>
+            </a:endParaRPr>
+          </a:p>
+          <a:p>
+            <a:r>
+              <a:rPr lang="pt-BR" b="0" dirty="0" err="1">
+                <a:solidFill>
+                  <a:srgbClr val="569CD6"/>
+                </a:solidFill>
+                <a:effectLst/>
+                <a:highlight>
+                  <a:srgbClr val="1F1F1F"/>
+                </a:highlight>
+                <a:latin typeface="Consolas" panose="020B0609020204030204" pitchFamily="49" charset="0"/>
+              </a:rPr>
+              <a:t>def</a:t>
+            </a:r>
+            <a:r>
+              <a:rPr lang="pt-BR" b="0" dirty="0">
+                <a:solidFill>
+                  <a:srgbClr val="CCCCCC"/>
+                </a:solidFill>
+                <a:effectLst/>
+                <a:highlight>
+                  <a:srgbClr val="1F1F1F"/>
+                </a:highlight>
+                <a:latin typeface="Consolas" panose="020B0609020204030204" pitchFamily="49" charset="0"/>
+              </a:rPr>
+              <a:t> </a:t>
+            </a:r>
+            <a:r>
+              <a:rPr lang="pt-BR" b="0" dirty="0" err="1">
+                <a:solidFill>
+                  <a:srgbClr val="DCDCAA"/>
+                </a:solidFill>
+                <a:effectLst/>
+                <a:highlight>
+                  <a:srgbClr val="1F1F1F"/>
+                </a:highlight>
+                <a:latin typeface="Consolas" panose="020B0609020204030204" pitchFamily="49" charset="0"/>
+              </a:rPr>
+              <a:t>funcao</a:t>
+            </a:r>
+            <a:r>
+              <a:rPr lang="pt-BR" b="0" dirty="0">
+                <a:solidFill>
+                  <a:srgbClr val="CCCCCC"/>
+                </a:solidFill>
+                <a:effectLst/>
+                <a:highlight>
+                  <a:srgbClr val="1F1F1F"/>
+                </a:highlight>
+                <a:latin typeface="Consolas" panose="020B0609020204030204" pitchFamily="49" charset="0"/>
+              </a:rPr>
+              <a:t>():</a:t>
+            </a:r>
+          </a:p>
+          <a:p>
+            <a:r>
+              <a:rPr lang="pt-BR" b="0" dirty="0">
+                <a:solidFill>
+                  <a:srgbClr val="CCCCCC"/>
+                </a:solidFill>
+                <a:effectLst/>
+                <a:highlight>
+                  <a:srgbClr val="1F1F1F"/>
+                </a:highlight>
+                <a:latin typeface="Consolas" panose="020B0609020204030204" pitchFamily="49" charset="0"/>
+              </a:rPr>
+              <a:t>    </a:t>
+            </a:r>
+            <a:r>
+              <a:rPr lang="pt-BR" b="0" dirty="0">
+                <a:solidFill>
+                  <a:srgbClr val="569CD6"/>
+                </a:solidFill>
+                <a:effectLst/>
+                <a:highlight>
+                  <a:srgbClr val="1F1F1F"/>
+                </a:highlight>
+                <a:latin typeface="Consolas" panose="020B0609020204030204" pitchFamily="49" charset="0"/>
+              </a:rPr>
+              <a:t>global</a:t>
+            </a:r>
+            <a:r>
+              <a:rPr lang="pt-BR" b="0" dirty="0">
+                <a:solidFill>
+                  <a:srgbClr val="CCCCCC"/>
+                </a:solidFill>
+                <a:effectLst/>
+                <a:highlight>
+                  <a:srgbClr val="1F1F1F"/>
+                </a:highlight>
+                <a:latin typeface="Consolas" panose="020B0609020204030204" pitchFamily="49" charset="0"/>
+              </a:rPr>
+              <a:t> </a:t>
+            </a:r>
+            <a:r>
+              <a:rPr lang="pt-BR" b="0" dirty="0">
+                <a:solidFill>
+                  <a:srgbClr val="9CDCFE"/>
+                </a:solidFill>
+                <a:effectLst/>
+                <a:highlight>
+                  <a:srgbClr val="1F1F1F"/>
+                </a:highlight>
+                <a:latin typeface="Consolas" panose="020B0609020204030204" pitchFamily="49" charset="0"/>
+              </a:rPr>
+              <a:t>y</a:t>
+            </a:r>
+            <a:r>
+              <a:rPr lang="pt-BR" b="0" dirty="0">
+                <a:solidFill>
+                  <a:srgbClr val="CCCCCC"/>
+                </a:solidFill>
+                <a:effectLst/>
+                <a:highlight>
+                  <a:srgbClr val="1F1F1F"/>
+                </a:highlight>
+                <a:latin typeface="Consolas" panose="020B0609020204030204" pitchFamily="49" charset="0"/>
+              </a:rPr>
+              <a:t> </a:t>
+            </a:r>
+            <a:r>
+              <a:rPr lang="pt-BR" b="0" dirty="0">
+                <a:solidFill>
+                  <a:srgbClr val="6A9955"/>
+                </a:solidFill>
+                <a:effectLst/>
+                <a:highlight>
+                  <a:srgbClr val="1F1F1F"/>
+                </a:highlight>
+                <a:latin typeface="Consolas" panose="020B0609020204030204" pitchFamily="49" charset="0"/>
+              </a:rPr>
+              <a:t>#Utilizando desta forma consegue trabalhar com </a:t>
+            </a:r>
+            <a:r>
+              <a:rPr lang="pt-BR" b="0" dirty="0" err="1">
+                <a:solidFill>
+                  <a:srgbClr val="6A9955"/>
+                </a:solidFill>
+                <a:effectLst/>
+                <a:highlight>
+                  <a:srgbClr val="1F1F1F"/>
+                </a:highlight>
+                <a:latin typeface="Consolas" panose="020B0609020204030204" pitchFamily="49" charset="0"/>
+              </a:rPr>
+              <a:t>variveis</a:t>
+            </a:r>
+            <a:r>
+              <a:rPr lang="pt-BR" b="0" dirty="0">
+                <a:solidFill>
+                  <a:srgbClr val="6A9955"/>
+                </a:solidFill>
+                <a:effectLst/>
+                <a:highlight>
+                  <a:srgbClr val="1F1F1F"/>
+                </a:highlight>
+                <a:latin typeface="Consolas" panose="020B0609020204030204" pitchFamily="49" charset="0"/>
+              </a:rPr>
+              <a:t> fora do escopo</a:t>
+            </a:r>
+            <a:endParaRPr lang="pt-BR" b="0" dirty="0">
+              <a:solidFill>
+                <a:srgbClr val="CCCCCC"/>
+              </a:solidFill>
+              <a:effectLst/>
+              <a:highlight>
+                <a:srgbClr val="1F1F1F"/>
+              </a:highlight>
+              <a:latin typeface="Consolas" panose="020B0609020204030204" pitchFamily="49" charset="0"/>
+            </a:endParaRPr>
+          </a:p>
+          <a:p>
+            <a:r>
+              <a:rPr lang="pt-BR" b="0" dirty="0">
+                <a:solidFill>
+                  <a:srgbClr val="CCCCCC"/>
+                </a:solidFill>
+                <a:effectLst/>
+                <a:highlight>
+                  <a:srgbClr val="1F1F1F"/>
+                </a:highlight>
+                <a:latin typeface="Consolas" panose="020B0609020204030204" pitchFamily="49" charset="0"/>
+              </a:rPr>
+              <a:t>    </a:t>
+            </a:r>
+            <a:r>
+              <a:rPr lang="pt-BR" b="0" dirty="0">
+                <a:solidFill>
+                  <a:srgbClr val="9CDCFE"/>
+                </a:solidFill>
+                <a:effectLst/>
+                <a:highlight>
+                  <a:srgbClr val="1F1F1F"/>
+                </a:highlight>
+                <a:latin typeface="Consolas" panose="020B0609020204030204" pitchFamily="49" charset="0"/>
+              </a:rPr>
+              <a:t>y</a:t>
+            </a:r>
+            <a:r>
+              <a:rPr lang="pt-BR" b="0" dirty="0">
+                <a:solidFill>
+                  <a:srgbClr val="D4D4D4"/>
+                </a:solidFill>
+                <a:effectLst/>
+                <a:highlight>
+                  <a:srgbClr val="1F1F1F"/>
+                </a:highlight>
+                <a:latin typeface="Consolas" panose="020B0609020204030204" pitchFamily="49" charset="0"/>
+              </a:rPr>
+              <a:t>=</a:t>
+            </a:r>
+            <a:r>
+              <a:rPr lang="pt-BR" b="0" dirty="0">
+                <a:solidFill>
+                  <a:srgbClr val="B5CEA8"/>
+                </a:solidFill>
+                <a:effectLst/>
+                <a:highlight>
+                  <a:srgbClr val="1F1F1F"/>
+                </a:highlight>
+                <a:latin typeface="Consolas" panose="020B0609020204030204" pitchFamily="49" charset="0"/>
+              </a:rPr>
+              <a:t>200</a:t>
+            </a:r>
+            <a:endParaRPr lang="pt-BR" b="0" dirty="0">
+              <a:solidFill>
+                <a:srgbClr val="CCCCCC"/>
+              </a:solidFill>
+              <a:effectLst/>
+              <a:highlight>
+                <a:srgbClr val="1F1F1F"/>
+              </a:highlight>
+              <a:latin typeface="Consolas" panose="020B0609020204030204" pitchFamily="49" charset="0"/>
+            </a:endParaRPr>
+          </a:p>
+          <a:p>
+            <a:br>
+              <a:rPr lang="pt-BR" b="0" dirty="0">
+                <a:solidFill>
+                  <a:srgbClr val="CCCCCC"/>
+                </a:solidFill>
+                <a:effectLst/>
+                <a:highlight>
+                  <a:srgbClr val="1F1F1F"/>
+                </a:highlight>
+                <a:latin typeface="Consolas" panose="020B0609020204030204" pitchFamily="49" charset="0"/>
+              </a:rPr>
+            </a:br>
+            <a:br>
+              <a:rPr lang="pt-BR" b="0" dirty="0">
+                <a:solidFill>
+                  <a:srgbClr val="CCCCCC"/>
+                </a:solidFill>
+                <a:effectLst/>
+                <a:highlight>
+                  <a:srgbClr val="1F1F1F"/>
+                </a:highlight>
+                <a:latin typeface="Consolas" panose="020B0609020204030204" pitchFamily="49" charset="0"/>
+              </a:rPr>
+            </a:br>
+            <a:r>
+              <a:rPr lang="pt-BR" b="0" dirty="0">
+                <a:solidFill>
+                  <a:srgbClr val="DCDCAA"/>
+                </a:solidFill>
+                <a:effectLst/>
+                <a:highlight>
+                  <a:srgbClr val="1F1F1F"/>
+                </a:highlight>
+                <a:latin typeface="Consolas" panose="020B0609020204030204" pitchFamily="49" charset="0"/>
+              </a:rPr>
+              <a:t>print</a:t>
+            </a:r>
+            <a:r>
+              <a:rPr lang="pt-BR" b="0" dirty="0">
+                <a:solidFill>
+                  <a:srgbClr val="CCCCCC"/>
+                </a:solidFill>
+                <a:effectLst/>
+                <a:highlight>
+                  <a:srgbClr val="1F1F1F"/>
+                </a:highlight>
+                <a:latin typeface="Consolas" panose="020B0609020204030204" pitchFamily="49" charset="0"/>
+              </a:rPr>
+              <a:t>(</a:t>
+            </a:r>
+            <a:r>
+              <a:rPr lang="pt-BR" b="0" dirty="0" err="1">
+                <a:solidFill>
+                  <a:srgbClr val="DCDCAA"/>
+                </a:solidFill>
+                <a:effectLst/>
+                <a:highlight>
+                  <a:srgbClr val="1F1F1F"/>
+                </a:highlight>
+                <a:latin typeface="Consolas" panose="020B0609020204030204" pitchFamily="49" charset="0"/>
+              </a:rPr>
+              <a:t>funcao</a:t>
+            </a:r>
+            <a:r>
+              <a:rPr lang="pt-BR" b="0" dirty="0">
+                <a:solidFill>
+                  <a:srgbClr val="CCCCCC"/>
+                </a:solidFill>
+                <a:effectLst/>
+                <a:highlight>
+                  <a:srgbClr val="1F1F1F"/>
+                </a:highlight>
+                <a:latin typeface="Consolas" panose="020B0609020204030204" pitchFamily="49" charset="0"/>
+              </a:rPr>
+              <a:t>()) </a:t>
+            </a:r>
+          </a:p>
+          <a:p>
+            <a:r>
+              <a:rPr lang="pt-BR" b="0" dirty="0">
+                <a:solidFill>
+                  <a:srgbClr val="DCDCAA"/>
+                </a:solidFill>
+                <a:effectLst/>
+                <a:highlight>
+                  <a:srgbClr val="1F1F1F"/>
+                </a:highlight>
+                <a:latin typeface="Consolas" panose="020B0609020204030204" pitchFamily="49" charset="0"/>
+              </a:rPr>
+              <a:t>print</a:t>
+            </a:r>
+            <a:r>
+              <a:rPr lang="pt-BR" b="0" dirty="0">
+                <a:solidFill>
+                  <a:srgbClr val="CCCCCC"/>
+                </a:solidFill>
+                <a:effectLst/>
+                <a:highlight>
+                  <a:srgbClr val="1F1F1F"/>
+                </a:highlight>
+                <a:latin typeface="Consolas" panose="020B0609020204030204" pitchFamily="49" charset="0"/>
+              </a:rPr>
+              <a:t>(</a:t>
+            </a:r>
+            <a:r>
+              <a:rPr lang="pt-BR" b="0" dirty="0">
+                <a:solidFill>
+                  <a:srgbClr val="9CDCFE"/>
+                </a:solidFill>
+                <a:effectLst/>
+                <a:highlight>
+                  <a:srgbClr val="1F1F1F"/>
+                </a:highlight>
+                <a:latin typeface="Consolas" panose="020B0609020204030204" pitchFamily="49" charset="0"/>
+              </a:rPr>
+              <a:t>y</a:t>
+            </a:r>
+            <a:r>
+              <a:rPr lang="pt-BR" b="0" dirty="0">
+                <a:solidFill>
+                  <a:srgbClr val="CCCCCC"/>
+                </a:solidFill>
+                <a:effectLst/>
+                <a:highlight>
+                  <a:srgbClr val="1F1F1F"/>
+                </a:highlight>
+                <a:latin typeface="Consolas" panose="020B0609020204030204" pitchFamily="49" charset="0"/>
+              </a:rPr>
+              <a:t>) </a:t>
+            </a:r>
+          </a:p>
+        </p:txBody>
+      </p:sp>
+    </p:spTree>
+    <p:extLst>
+      <p:ext uri="{BB962C8B-B14F-4D97-AF65-F5344CB8AC3E}">
+        <p14:creationId xmlns:p14="http://schemas.microsoft.com/office/powerpoint/2010/main" val="3248923319"/>
+      </p:ext>
+    </p:extLst>
+  </p:cSld>
+  <p:clrMapOvr>
+    <a:masterClrMapping/>
+  </p:clrMapOvr>
+</p:sld>
+</file>
+
+<file path=ppt/slides/slide16.xml><?xml version="1.0" encoding="utf-8"?>
+<p:sld xmlns:a="http://schemas.openxmlformats.org/drawingml/2006/main" xmlns:r="http://schemas.openxmlformats.org/officeDocument/2006/relationships" xmlns:p="http://schemas.openxmlformats.org/presentationml/2006/main" showMasterSp="0">
+  <p:cSld>
+    <p:bg>
+      <p:bgPr>
+        <a:solidFill>
+          <a:schemeClr val="bg2">
+            <a:lumMod val="10000"/>
+          </a:schemeClr>
+        </a:solidFill>
+        <a:effectLst/>
+      </p:bgPr>
+    </p:bg>
+    <p:spTree>
+      <p:nvGrpSpPr>
+        <p:cNvPr id="1" name=""/>
+        <p:cNvGrpSpPr/>
+        <p:nvPr/>
+      </p:nvGrpSpPr>
+      <p:grpSpPr>
+        <a:xfrm>
+          <a:off x="0" y="0"/>
+          <a:ext cx="0" cy="0"/>
+          <a:chOff x="0" y="0"/>
+          <a:chExt cx="0" cy="0"/>
+        </a:xfrm>
+      </p:grpSpPr>
+      <p:sp>
+        <p:nvSpPr>
+          <p:cNvPr id="2" name="Título 1">
+            <a:extLst>
+              <a:ext uri="{FF2B5EF4-FFF2-40B4-BE49-F238E27FC236}">
+                <a16:creationId xmlns:a16="http://schemas.microsoft.com/office/drawing/2014/main" id="{83C6E063-9BFE-06CE-C9BC-5EE9CCAE3D29}"/>
+              </a:ext>
+            </a:extLst>
+          </p:cNvPr>
+          <p:cNvSpPr>
+            <a:spLocks noGrp="1"/>
+          </p:cNvSpPr>
+          <p:nvPr>
+            <p:ph type="title"/>
+          </p:nvPr>
+        </p:nvSpPr>
+        <p:spPr/>
+        <p:txBody>
+          <a:bodyPr/>
+          <a:lstStyle/>
+          <a:p>
+            <a:r>
+              <a:rPr lang="pt-BR" dirty="0"/>
+              <a:t>Exercício 4	</a:t>
+            </a:r>
+          </a:p>
+        </p:txBody>
+      </p:sp>
+      <p:pic>
+        <p:nvPicPr>
+          <p:cNvPr id="1026" name="Picture 2">
+            <a:extLst>
+              <a:ext uri="{FF2B5EF4-FFF2-40B4-BE49-F238E27FC236}">
+                <a16:creationId xmlns:a16="http://schemas.microsoft.com/office/drawing/2014/main" id="{BFCC1361-CFA5-41DC-9639-9812D7C04FC8}"/>
+              </a:ext>
+            </a:extLst>
+          </p:cNvPr>
+          <p:cNvPicPr>
+            <a:picLocks noChangeAspect="1" noChangeArrowheads="1"/>
+          </p:cNvPicPr>
+          <p:nvPr/>
+        </p:nvPicPr>
+        <p:blipFill>
+          <a:blip r:embed="rId2">
+            <a:extLst>
+              <a:ext uri="{28A0092B-C50C-407E-A947-70E740481C1C}">
+                <a14:useLocalDpi xmlns:a14="http://schemas.microsoft.com/office/drawing/2010/main" val="0"/>
+              </a:ext>
+            </a:extLst>
+          </a:blip>
+          <a:srcRect/>
+          <a:stretch>
+            <a:fillRect/>
+          </a:stretch>
+        </p:blipFill>
+        <p:spPr bwMode="auto">
+          <a:xfrm>
+            <a:off x="102198" y="20849"/>
+            <a:ext cx="659802" cy="723071"/>
+          </a:xfrm>
+          <a:prstGeom prst="rect">
+            <a:avLst/>
+          </a:prstGeom>
+          <a:noFill/>
+          <a:extLst>
+            <a:ext uri="{909E8E84-426E-40DD-AFC4-6F175D3DCCD1}">
+              <a14:hiddenFill xmlns:a14="http://schemas.microsoft.com/office/drawing/2010/main">
+                <a:solidFill>
+                  <a:srgbClr val="FFFFFF"/>
+                </a:solidFill>
+              </a14:hiddenFill>
+            </a:ext>
+          </a:extLst>
+        </p:spPr>
+      </p:pic>
+      <p:sp>
+        <p:nvSpPr>
+          <p:cNvPr id="5" name="CaixaDeTexto 4">
+            <a:extLst>
+              <a:ext uri="{FF2B5EF4-FFF2-40B4-BE49-F238E27FC236}">
+                <a16:creationId xmlns:a16="http://schemas.microsoft.com/office/drawing/2014/main" id="{5148FF07-CB41-F533-D1A8-41E9CA41BFF8}"/>
+              </a:ext>
+            </a:extLst>
+          </p:cNvPr>
+          <p:cNvSpPr txBox="1"/>
+          <p:nvPr/>
+        </p:nvSpPr>
+        <p:spPr>
+          <a:xfrm>
+            <a:off x="5997251" y="1397302"/>
+            <a:ext cx="6097554" cy="5078313"/>
+          </a:xfrm>
+          <a:prstGeom prst="rect">
+            <a:avLst/>
+          </a:prstGeom>
+          <a:noFill/>
+        </p:spPr>
+        <p:txBody>
+          <a:bodyPr wrap="square">
+            <a:spAutoFit/>
+          </a:bodyPr>
+          <a:lstStyle/>
+          <a:p>
+            <a:r>
+              <a:rPr lang="pt-BR" b="0" dirty="0">
+                <a:solidFill>
+                  <a:srgbClr val="6A9955"/>
+                </a:solidFill>
+                <a:effectLst/>
+                <a:highlight>
+                  <a:srgbClr val="1F1F1F"/>
+                </a:highlight>
+                <a:latin typeface="Consolas" panose="020B0609020204030204" pitchFamily="49" charset="0"/>
+              </a:rPr>
+              <a:t># Variável global</a:t>
+            </a:r>
+            <a:endParaRPr lang="pt-BR" b="0" dirty="0">
+              <a:solidFill>
+                <a:srgbClr val="CCCCCC"/>
+              </a:solidFill>
+              <a:effectLst/>
+              <a:highlight>
+                <a:srgbClr val="1F1F1F"/>
+              </a:highlight>
+              <a:latin typeface="Consolas" panose="020B0609020204030204" pitchFamily="49" charset="0"/>
+            </a:endParaRPr>
+          </a:p>
+          <a:p>
+            <a:r>
+              <a:rPr lang="pt-BR" b="0" dirty="0" err="1">
+                <a:solidFill>
+                  <a:srgbClr val="9CDCFE"/>
+                </a:solidFill>
+                <a:effectLst/>
+                <a:highlight>
+                  <a:srgbClr val="1F1F1F"/>
+                </a:highlight>
+                <a:latin typeface="Consolas" panose="020B0609020204030204" pitchFamily="49" charset="0"/>
+              </a:rPr>
+              <a:t>var_global</a:t>
+            </a:r>
+            <a:r>
+              <a:rPr lang="pt-BR" b="0" dirty="0">
+                <a:solidFill>
+                  <a:srgbClr val="CCCCCC"/>
+                </a:solidFill>
+                <a:effectLst/>
+                <a:highlight>
+                  <a:srgbClr val="1F1F1F"/>
+                </a:highlight>
+                <a:latin typeface="Consolas" panose="020B0609020204030204" pitchFamily="49" charset="0"/>
+              </a:rPr>
+              <a:t> </a:t>
+            </a:r>
+            <a:r>
+              <a:rPr lang="pt-BR" b="0" dirty="0">
+                <a:solidFill>
+                  <a:srgbClr val="D4D4D4"/>
+                </a:solidFill>
+                <a:effectLst/>
+                <a:highlight>
+                  <a:srgbClr val="1F1F1F"/>
+                </a:highlight>
+                <a:latin typeface="Consolas" panose="020B0609020204030204" pitchFamily="49" charset="0"/>
+              </a:rPr>
+              <a:t>=</a:t>
+            </a:r>
+            <a:r>
+              <a:rPr lang="pt-BR" b="0" dirty="0">
+                <a:solidFill>
+                  <a:srgbClr val="CCCCCC"/>
+                </a:solidFill>
+                <a:effectLst/>
+                <a:highlight>
+                  <a:srgbClr val="1F1F1F"/>
+                </a:highlight>
+                <a:latin typeface="Consolas" panose="020B0609020204030204" pitchFamily="49" charset="0"/>
+              </a:rPr>
+              <a:t> </a:t>
+            </a:r>
+            <a:r>
+              <a:rPr lang="pt-BR" b="0" dirty="0">
+                <a:solidFill>
+                  <a:srgbClr val="B5CEA8"/>
+                </a:solidFill>
+                <a:effectLst/>
+                <a:highlight>
+                  <a:srgbClr val="1F1F1F"/>
+                </a:highlight>
+                <a:latin typeface="Consolas" panose="020B0609020204030204" pitchFamily="49" charset="0"/>
+              </a:rPr>
+              <a:t>0</a:t>
+            </a:r>
+            <a:endParaRPr lang="pt-BR" b="0" dirty="0">
+              <a:solidFill>
+                <a:srgbClr val="CCCCCC"/>
+              </a:solidFill>
+              <a:effectLst/>
+              <a:highlight>
+                <a:srgbClr val="1F1F1F"/>
+              </a:highlight>
+              <a:latin typeface="Consolas" panose="020B0609020204030204" pitchFamily="49" charset="0"/>
+            </a:endParaRPr>
+          </a:p>
+          <a:p>
+            <a:br>
+              <a:rPr lang="pt-BR" b="0" dirty="0">
+                <a:solidFill>
+                  <a:srgbClr val="CCCCCC"/>
+                </a:solidFill>
+                <a:effectLst/>
+                <a:highlight>
+                  <a:srgbClr val="1F1F1F"/>
+                </a:highlight>
+                <a:latin typeface="Consolas" panose="020B0609020204030204" pitchFamily="49" charset="0"/>
+              </a:rPr>
+            </a:br>
+            <a:r>
+              <a:rPr lang="pt-BR" b="0" dirty="0">
+                <a:solidFill>
+                  <a:srgbClr val="6A9955"/>
+                </a:solidFill>
+                <a:effectLst/>
+                <a:highlight>
+                  <a:srgbClr val="1F1F1F"/>
+                </a:highlight>
+                <a:latin typeface="Consolas" panose="020B0609020204030204" pitchFamily="49" charset="0"/>
+              </a:rPr>
+              <a:t># Função que modifica a variável global</a:t>
+            </a:r>
+            <a:endParaRPr lang="pt-BR" b="0" dirty="0">
+              <a:solidFill>
+                <a:srgbClr val="CCCCCC"/>
+              </a:solidFill>
+              <a:effectLst/>
+              <a:highlight>
+                <a:srgbClr val="1F1F1F"/>
+              </a:highlight>
+              <a:latin typeface="Consolas" panose="020B0609020204030204" pitchFamily="49" charset="0"/>
+            </a:endParaRPr>
+          </a:p>
+          <a:p>
+            <a:r>
+              <a:rPr lang="pt-BR" b="0" dirty="0" err="1">
+                <a:solidFill>
+                  <a:srgbClr val="569CD6"/>
+                </a:solidFill>
+                <a:effectLst/>
+                <a:highlight>
+                  <a:srgbClr val="1F1F1F"/>
+                </a:highlight>
+                <a:latin typeface="Consolas" panose="020B0609020204030204" pitchFamily="49" charset="0"/>
+              </a:rPr>
+              <a:t>def</a:t>
+            </a:r>
+            <a:r>
+              <a:rPr lang="pt-BR" b="0" dirty="0">
+                <a:solidFill>
+                  <a:srgbClr val="CCCCCC"/>
+                </a:solidFill>
+                <a:effectLst/>
+                <a:highlight>
+                  <a:srgbClr val="1F1F1F"/>
+                </a:highlight>
+                <a:latin typeface="Consolas" panose="020B0609020204030204" pitchFamily="49" charset="0"/>
+              </a:rPr>
+              <a:t> </a:t>
+            </a:r>
+            <a:r>
+              <a:rPr lang="pt-BR" b="0" dirty="0" err="1">
+                <a:solidFill>
+                  <a:srgbClr val="DCDCAA"/>
+                </a:solidFill>
+                <a:effectLst/>
+                <a:highlight>
+                  <a:srgbClr val="1F1F1F"/>
+                </a:highlight>
+                <a:latin typeface="Consolas" panose="020B0609020204030204" pitchFamily="49" charset="0"/>
+              </a:rPr>
+              <a:t>modificar_variavel_global</a:t>
+            </a:r>
+            <a:r>
+              <a:rPr lang="pt-BR" b="0" dirty="0">
+                <a:solidFill>
+                  <a:srgbClr val="CCCCCC"/>
+                </a:solidFill>
+                <a:effectLst/>
+                <a:highlight>
+                  <a:srgbClr val="1F1F1F"/>
+                </a:highlight>
+                <a:latin typeface="Consolas" panose="020B0609020204030204" pitchFamily="49" charset="0"/>
+              </a:rPr>
+              <a:t>(</a:t>
+            </a:r>
+            <a:r>
+              <a:rPr lang="pt-BR" b="0" dirty="0">
+                <a:solidFill>
+                  <a:srgbClr val="9CDCFE"/>
+                </a:solidFill>
+                <a:effectLst/>
+                <a:highlight>
+                  <a:srgbClr val="1F1F1F"/>
+                </a:highlight>
+                <a:latin typeface="Consolas" panose="020B0609020204030204" pitchFamily="49" charset="0"/>
+              </a:rPr>
+              <a:t>x</a:t>
+            </a:r>
+            <a:r>
+              <a:rPr lang="pt-BR" b="0" dirty="0">
+                <a:solidFill>
+                  <a:srgbClr val="CCCCCC"/>
+                </a:solidFill>
+                <a:effectLst/>
+                <a:highlight>
+                  <a:srgbClr val="1F1F1F"/>
+                </a:highlight>
+                <a:latin typeface="Consolas" panose="020B0609020204030204" pitchFamily="49" charset="0"/>
+              </a:rPr>
+              <a:t> </a:t>
+            </a:r>
+            <a:r>
+              <a:rPr lang="pt-BR" b="0" dirty="0">
+                <a:solidFill>
+                  <a:srgbClr val="D4D4D4"/>
+                </a:solidFill>
+                <a:effectLst/>
+                <a:highlight>
+                  <a:srgbClr val="1F1F1F"/>
+                </a:highlight>
+                <a:latin typeface="Consolas" panose="020B0609020204030204" pitchFamily="49" charset="0"/>
+              </a:rPr>
+              <a:t>=</a:t>
+            </a:r>
+            <a:r>
+              <a:rPr lang="pt-BR" b="0" dirty="0">
+                <a:solidFill>
+                  <a:srgbClr val="CCCCCC"/>
+                </a:solidFill>
+                <a:effectLst/>
+                <a:highlight>
+                  <a:srgbClr val="1F1F1F"/>
+                </a:highlight>
+                <a:latin typeface="Consolas" panose="020B0609020204030204" pitchFamily="49" charset="0"/>
+              </a:rPr>
+              <a:t> </a:t>
+            </a:r>
+            <a:r>
+              <a:rPr lang="pt-BR" b="0" dirty="0">
+                <a:solidFill>
+                  <a:srgbClr val="B5CEA8"/>
+                </a:solidFill>
+                <a:effectLst/>
+                <a:highlight>
+                  <a:srgbClr val="1F1F1F"/>
+                </a:highlight>
+                <a:latin typeface="Consolas" panose="020B0609020204030204" pitchFamily="49" charset="0"/>
+              </a:rPr>
+              <a:t>10</a:t>
+            </a:r>
+            <a:r>
+              <a:rPr lang="pt-BR" b="0" dirty="0">
+                <a:solidFill>
+                  <a:srgbClr val="CCCCCC"/>
+                </a:solidFill>
+                <a:effectLst/>
+                <a:highlight>
+                  <a:srgbClr val="1F1F1F"/>
+                </a:highlight>
+                <a:latin typeface="Consolas" panose="020B0609020204030204" pitchFamily="49" charset="0"/>
+              </a:rPr>
+              <a:t>):</a:t>
+            </a:r>
+          </a:p>
+          <a:p>
+            <a:r>
+              <a:rPr lang="pt-BR" b="0" dirty="0">
+                <a:solidFill>
+                  <a:srgbClr val="CCCCCC"/>
+                </a:solidFill>
+                <a:effectLst/>
+                <a:highlight>
+                  <a:srgbClr val="1F1F1F"/>
+                </a:highlight>
+                <a:latin typeface="Consolas" panose="020B0609020204030204" pitchFamily="49" charset="0"/>
+              </a:rPr>
+              <a:t>    </a:t>
+            </a:r>
+            <a:r>
+              <a:rPr lang="pt-BR" b="0" dirty="0">
+                <a:solidFill>
+                  <a:srgbClr val="569CD6"/>
+                </a:solidFill>
+                <a:effectLst/>
+                <a:highlight>
+                  <a:srgbClr val="1F1F1F"/>
+                </a:highlight>
+                <a:latin typeface="Consolas" panose="020B0609020204030204" pitchFamily="49" charset="0"/>
+              </a:rPr>
+              <a:t>global</a:t>
+            </a:r>
+            <a:r>
+              <a:rPr lang="pt-BR" b="0" dirty="0">
+                <a:solidFill>
+                  <a:srgbClr val="CCCCCC"/>
+                </a:solidFill>
+                <a:effectLst/>
+                <a:highlight>
+                  <a:srgbClr val="1F1F1F"/>
+                </a:highlight>
+                <a:latin typeface="Consolas" panose="020B0609020204030204" pitchFamily="49" charset="0"/>
+              </a:rPr>
+              <a:t> </a:t>
+            </a:r>
+            <a:r>
+              <a:rPr lang="pt-BR" b="0" dirty="0" err="1">
+                <a:solidFill>
+                  <a:srgbClr val="9CDCFE"/>
+                </a:solidFill>
+                <a:effectLst/>
+                <a:highlight>
+                  <a:srgbClr val="1F1F1F"/>
+                </a:highlight>
+                <a:latin typeface="Consolas" panose="020B0609020204030204" pitchFamily="49" charset="0"/>
+              </a:rPr>
+              <a:t>var_global</a:t>
+            </a:r>
+            <a:endParaRPr lang="pt-BR" b="0" dirty="0">
+              <a:solidFill>
+                <a:srgbClr val="CCCCCC"/>
+              </a:solidFill>
+              <a:effectLst/>
+              <a:highlight>
+                <a:srgbClr val="1F1F1F"/>
+              </a:highlight>
+              <a:latin typeface="Consolas" panose="020B0609020204030204" pitchFamily="49" charset="0"/>
+            </a:endParaRPr>
+          </a:p>
+          <a:p>
+            <a:r>
+              <a:rPr lang="pt-BR" b="0" dirty="0">
+                <a:solidFill>
+                  <a:srgbClr val="CCCCCC"/>
+                </a:solidFill>
+                <a:effectLst/>
+                <a:highlight>
+                  <a:srgbClr val="1F1F1F"/>
+                </a:highlight>
+                <a:latin typeface="Consolas" panose="020B0609020204030204" pitchFamily="49" charset="0"/>
+              </a:rPr>
+              <a:t>    </a:t>
+            </a:r>
+            <a:r>
+              <a:rPr lang="pt-BR" b="0" dirty="0" err="1">
+                <a:solidFill>
+                  <a:srgbClr val="9CDCFE"/>
+                </a:solidFill>
+                <a:effectLst/>
+                <a:highlight>
+                  <a:srgbClr val="1F1F1F"/>
+                </a:highlight>
+                <a:latin typeface="Consolas" panose="020B0609020204030204" pitchFamily="49" charset="0"/>
+              </a:rPr>
+              <a:t>var_global</a:t>
+            </a:r>
+            <a:r>
+              <a:rPr lang="pt-BR" b="0" dirty="0">
+                <a:solidFill>
+                  <a:srgbClr val="CCCCCC"/>
+                </a:solidFill>
+                <a:effectLst/>
+                <a:highlight>
+                  <a:srgbClr val="1F1F1F"/>
+                </a:highlight>
+                <a:latin typeface="Consolas" panose="020B0609020204030204" pitchFamily="49" charset="0"/>
+              </a:rPr>
+              <a:t> </a:t>
+            </a:r>
+            <a:r>
+              <a:rPr lang="pt-BR" b="0" dirty="0">
+                <a:solidFill>
+                  <a:srgbClr val="D4D4D4"/>
+                </a:solidFill>
+                <a:effectLst/>
+                <a:highlight>
+                  <a:srgbClr val="1F1F1F"/>
+                </a:highlight>
+                <a:latin typeface="Consolas" panose="020B0609020204030204" pitchFamily="49" charset="0"/>
+              </a:rPr>
+              <a:t>+=</a:t>
+            </a:r>
+            <a:r>
+              <a:rPr lang="pt-BR" b="0" dirty="0">
+                <a:solidFill>
+                  <a:srgbClr val="CCCCCC"/>
+                </a:solidFill>
+                <a:effectLst/>
+                <a:highlight>
+                  <a:srgbClr val="1F1F1F"/>
+                </a:highlight>
+                <a:latin typeface="Consolas" panose="020B0609020204030204" pitchFamily="49" charset="0"/>
+              </a:rPr>
+              <a:t> </a:t>
+            </a:r>
+            <a:r>
+              <a:rPr lang="pt-BR" b="0" dirty="0">
+                <a:solidFill>
+                  <a:srgbClr val="9CDCFE"/>
+                </a:solidFill>
+                <a:effectLst/>
+                <a:highlight>
+                  <a:srgbClr val="1F1F1F"/>
+                </a:highlight>
+                <a:latin typeface="Consolas" panose="020B0609020204030204" pitchFamily="49" charset="0"/>
+              </a:rPr>
+              <a:t>x</a:t>
+            </a:r>
+            <a:endParaRPr lang="pt-BR" b="0" dirty="0">
+              <a:solidFill>
+                <a:srgbClr val="CCCCCC"/>
+              </a:solidFill>
+              <a:effectLst/>
+              <a:highlight>
+                <a:srgbClr val="1F1F1F"/>
+              </a:highlight>
+              <a:latin typeface="Consolas" panose="020B0609020204030204" pitchFamily="49" charset="0"/>
+            </a:endParaRPr>
+          </a:p>
+          <a:p>
+            <a:br>
+              <a:rPr lang="pt-BR" b="0" dirty="0">
+                <a:solidFill>
+                  <a:srgbClr val="CCCCCC"/>
+                </a:solidFill>
+                <a:effectLst/>
+                <a:highlight>
+                  <a:srgbClr val="1F1F1F"/>
+                </a:highlight>
+                <a:latin typeface="Consolas" panose="020B0609020204030204" pitchFamily="49" charset="0"/>
+              </a:rPr>
+            </a:br>
+            <a:r>
+              <a:rPr lang="pt-BR" b="0" dirty="0">
+                <a:solidFill>
+                  <a:srgbClr val="6A9955"/>
+                </a:solidFill>
+                <a:effectLst/>
+                <a:highlight>
+                  <a:srgbClr val="1F1F1F"/>
+                </a:highlight>
+                <a:latin typeface="Consolas" panose="020B0609020204030204" pitchFamily="49" charset="0"/>
+              </a:rPr>
+              <a:t># Função que recebe a variável global como argumento e a utiliza</a:t>
+            </a:r>
+            <a:endParaRPr lang="pt-BR" b="0" dirty="0">
+              <a:solidFill>
+                <a:srgbClr val="CCCCCC"/>
+              </a:solidFill>
+              <a:effectLst/>
+              <a:highlight>
+                <a:srgbClr val="1F1F1F"/>
+              </a:highlight>
+              <a:latin typeface="Consolas" panose="020B0609020204030204" pitchFamily="49" charset="0"/>
+            </a:endParaRPr>
+          </a:p>
+          <a:p>
+            <a:r>
+              <a:rPr lang="pt-BR" b="0" dirty="0" err="1">
+                <a:solidFill>
+                  <a:srgbClr val="569CD6"/>
+                </a:solidFill>
+                <a:effectLst/>
+                <a:highlight>
+                  <a:srgbClr val="1F1F1F"/>
+                </a:highlight>
+                <a:latin typeface="Consolas" panose="020B0609020204030204" pitchFamily="49" charset="0"/>
+              </a:rPr>
+              <a:t>def</a:t>
+            </a:r>
+            <a:r>
+              <a:rPr lang="pt-BR" b="0" dirty="0">
+                <a:solidFill>
+                  <a:srgbClr val="CCCCCC"/>
+                </a:solidFill>
+                <a:effectLst/>
+                <a:highlight>
+                  <a:srgbClr val="1F1F1F"/>
+                </a:highlight>
+                <a:latin typeface="Consolas" panose="020B0609020204030204" pitchFamily="49" charset="0"/>
+              </a:rPr>
+              <a:t> </a:t>
+            </a:r>
+            <a:r>
+              <a:rPr lang="pt-BR" b="0" dirty="0" err="1">
+                <a:solidFill>
+                  <a:srgbClr val="DCDCAA"/>
+                </a:solidFill>
+                <a:effectLst/>
+                <a:highlight>
+                  <a:srgbClr val="1F1F1F"/>
+                </a:highlight>
+                <a:latin typeface="Consolas" panose="020B0609020204030204" pitchFamily="49" charset="0"/>
+              </a:rPr>
+              <a:t>usar_variavel_global</a:t>
+            </a:r>
+            <a:r>
+              <a:rPr lang="pt-BR" b="0" dirty="0">
+                <a:solidFill>
+                  <a:srgbClr val="CCCCCC"/>
+                </a:solidFill>
+                <a:effectLst/>
+                <a:highlight>
+                  <a:srgbClr val="1F1F1F"/>
+                </a:highlight>
+                <a:latin typeface="Consolas" panose="020B0609020204030204" pitchFamily="49" charset="0"/>
+              </a:rPr>
+              <a:t>(</a:t>
+            </a:r>
+            <a:r>
+              <a:rPr lang="pt-BR" b="0" dirty="0">
+                <a:solidFill>
+                  <a:srgbClr val="9CDCFE"/>
+                </a:solidFill>
+                <a:effectLst/>
+                <a:highlight>
+                  <a:srgbClr val="1F1F1F"/>
+                </a:highlight>
+                <a:latin typeface="Consolas" panose="020B0609020204030204" pitchFamily="49" charset="0"/>
+              </a:rPr>
+              <a:t>valor</a:t>
+            </a:r>
+            <a:r>
+              <a:rPr lang="pt-BR" b="0" dirty="0">
+                <a:solidFill>
+                  <a:srgbClr val="CCCCCC"/>
+                </a:solidFill>
+                <a:effectLst/>
+                <a:highlight>
+                  <a:srgbClr val="1F1F1F"/>
+                </a:highlight>
+                <a:latin typeface="Consolas" panose="020B0609020204030204" pitchFamily="49" charset="0"/>
+              </a:rPr>
+              <a:t>):</a:t>
+            </a:r>
+          </a:p>
+          <a:p>
+            <a:r>
+              <a:rPr lang="pt-BR" b="0" dirty="0">
+                <a:solidFill>
+                  <a:srgbClr val="CCCCCC"/>
+                </a:solidFill>
+                <a:effectLst/>
+                <a:highlight>
+                  <a:srgbClr val="1F1F1F"/>
+                </a:highlight>
+                <a:latin typeface="Consolas" panose="020B0609020204030204" pitchFamily="49" charset="0"/>
+              </a:rPr>
+              <a:t>    </a:t>
+            </a:r>
+            <a:r>
+              <a:rPr lang="pt-BR" b="0" dirty="0">
+                <a:solidFill>
+                  <a:srgbClr val="DCDCAA"/>
+                </a:solidFill>
+                <a:effectLst/>
+                <a:highlight>
+                  <a:srgbClr val="1F1F1F"/>
+                </a:highlight>
+                <a:latin typeface="Consolas" panose="020B0609020204030204" pitchFamily="49" charset="0"/>
+              </a:rPr>
+              <a:t>print</a:t>
+            </a:r>
+            <a:r>
+              <a:rPr lang="pt-BR" b="0" dirty="0">
+                <a:solidFill>
+                  <a:srgbClr val="CCCCCC"/>
+                </a:solidFill>
+                <a:effectLst/>
+                <a:highlight>
+                  <a:srgbClr val="1F1F1F"/>
+                </a:highlight>
+                <a:latin typeface="Consolas" panose="020B0609020204030204" pitchFamily="49" charset="0"/>
+              </a:rPr>
+              <a:t>(</a:t>
+            </a:r>
+            <a:r>
+              <a:rPr lang="pt-BR" b="0" dirty="0">
+                <a:solidFill>
+                  <a:srgbClr val="CE9178"/>
+                </a:solidFill>
+                <a:effectLst/>
+                <a:highlight>
+                  <a:srgbClr val="1F1F1F"/>
+                </a:highlight>
+                <a:latin typeface="Consolas" panose="020B0609020204030204" pitchFamily="49" charset="0"/>
+              </a:rPr>
+              <a:t>"Valor da variável global:"</a:t>
+            </a:r>
+            <a:r>
+              <a:rPr lang="pt-BR" b="0" dirty="0">
+                <a:solidFill>
+                  <a:srgbClr val="CCCCCC"/>
+                </a:solidFill>
+                <a:effectLst/>
+                <a:highlight>
+                  <a:srgbClr val="1F1F1F"/>
+                </a:highlight>
+                <a:latin typeface="Consolas" panose="020B0609020204030204" pitchFamily="49" charset="0"/>
+              </a:rPr>
+              <a:t>, </a:t>
+            </a:r>
+            <a:r>
+              <a:rPr lang="pt-BR" b="0" dirty="0">
+                <a:solidFill>
+                  <a:srgbClr val="9CDCFE"/>
+                </a:solidFill>
+                <a:effectLst/>
+                <a:highlight>
+                  <a:srgbClr val="1F1F1F"/>
+                </a:highlight>
+                <a:latin typeface="Consolas" panose="020B0609020204030204" pitchFamily="49" charset="0"/>
+              </a:rPr>
+              <a:t>valor</a:t>
+            </a:r>
+            <a:r>
+              <a:rPr lang="pt-BR" b="0" dirty="0">
+                <a:solidFill>
+                  <a:srgbClr val="CCCCCC"/>
+                </a:solidFill>
+                <a:effectLst/>
+                <a:highlight>
+                  <a:srgbClr val="1F1F1F"/>
+                </a:highlight>
+                <a:latin typeface="Consolas" panose="020B0609020204030204" pitchFamily="49" charset="0"/>
+              </a:rPr>
+              <a:t>)</a:t>
+            </a:r>
+          </a:p>
+          <a:p>
+            <a:br>
+              <a:rPr lang="pt-BR" b="0" dirty="0">
+                <a:solidFill>
+                  <a:srgbClr val="CCCCCC"/>
+                </a:solidFill>
+                <a:effectLst/>
+                <a:highlight>
+                  <a:srgbClr val="1F1F1F"/>
+                </a:highlight>
+                <a:latin typeface="Consolas" panose="020B0609020204030204" pitchFamily="49" charset="0"/>
+              </a:rPr>
+            </a:br>
+            <a:r>
+              <a:rPr lang="pt-BR" b="0" dirty="0">
+                <a:solidFill>
+                  <a:srgbClr val="6A9955"/>
+                </a:solidFill>
+                <a:effectLst/>
+                <a:highlight>
+                  <a:srgbClr val="1F1F1F"/>
+                </a:highlight>
+                <a:latin typeface="Consolas" panose="020B0609020204030204" pitchFamily="49" charset="0"/>
+              </a:rPr>
+              <a:t># Chamadas das funções</a:t>
+            </a:r>
+            <a:endParaRPr lang="pt-BR" b="0" dirty="0">
+              <a:solidFill>
+                <a:srgbClr val="CCCCCC"/>
+              </a:solidFill>
+              <a:effectLst/>
+              <a:highlight>
+                <a:srgbClr val="1F1F1F"/>
+              </a:highlight>
+              <a:latin typeface="Consolas" panose="020B0609020204030204" pitchFamily="49" charset="0"/>
+            </a:endParaRPr>
+          </a:p>
+          <a:p>
+            <a:r>
+              <a:rPr lang="pt-BR" b="0" dirty="0" err="1">
+                <a:solidFill>
+                  <a:srgbClr val="DCDCAA"/>
+                </a:solidFill>
+                <a:effectLst/>
+                <a:highlight>
+                  <a:srgbClr val="1F1F1F"/>
+                </a:highlight>
+                <a:latin typeface="Consolas" panose="020B0609020204030204" pitchFamily="49" charset="0"/>
+              </a:rPr>
+              <a:t>modificar_variavel_global</a:t>
+            </a:r>
+            <a:r>
+              <a:rPr lang="pt-BR" b="0" dirty="0">
+                <a:solidFill>
+                  <a:srgbClr val="CCCCCC"/>
+                </a:solidFill>
+                <a:effectLst/>
+                <a:highlight>
+                  <a:srgbClr val="1F1F1F"/>
+                </a:highlight>
+                <a:latin typeface="Consolas" panose="020B0609020204030204" pitchFamily="49" charset="0"/>
+              </a:rPr>
+              <a:t>(</a:t>
+            </a:r>
+            <a:r>
+              <a:rPr lang="pt-BR" b="0" dirty="0">
+                <a:solidFill>
+                  <a:srgbClr val="B5CEA8"/>
+                </a:solidFill>
+                <a:effectLst/>
+                <a:highlight>
+                  <a:srgbClr val="1F1F1F"/>
+                </a:highlight>
+                <a:latin typeface="Consolas" panose="020B0609020204030204" pitchFamily="49" charset="0"/>
+              </a:rPr>
+              <a:t>10</a:t>
+            </a:r>
+            <a:r>
+              <a:rPr lang="pt-BR" b="0" dirty="0">
+                <a:solidFill>
+                  <a:srgbClr val="CCCCCC"/>
+                </a:solidFill>
+                <a:effectLst/>
+                <a:highlight>
+                  <a:srgbClr val="1F1F1F"/>
+                </a:highlight>
+                <a:latin typeface="Consolas" panose="020B0609020204030204" pitchFamily="49" charset="0"/>
+              </a:rPr>
+              <a:t>)</a:t>
+            </a:r>
+          </a:p>
+          <a:p>
+            <a:r>
+              <a:rPr lang="pt-BR" b="0" dirty="0">
+                <a:solidFill>
+                  <a:srgbClr val="6A9955"/>
+                </a:solidFill>
+                <a:effectLst/>
+                <a:highlight>
+                  <a:srgbClr val="1F1F1F"/>
+                </a:highlight>
+                <a:latin typeface="Consolas" panose="020B0609020204030204" pitchFamily="49" charset="0"/>
+              </a:rPr>
+              <a:t>#Adiciona 10 a variável</a:t>
+            </a:r>
+            <a:endParaRPr lang="pt-BR" b="0" dirty="0">
+              <a:solidFill>
+                <a:srgbClr val="CCCCCC"/>
+              </a:solidFill>
+              <a:effectLst/>
+              <a:highlight>
+                <a:srgbClr val="1F1F1F"/>
+              </a:highlight>
+              <a:latin typeface="Consolas" panose="020B0609020204030204" pitchFamily="49" charset="0"/>
+            </a:endParaRPr>
+          </a:p>
+          <a:p>
+            <a:r>
+              <a:rPr lang="pt-BR" b="0" dirty="0" err="1">
+                <a:solidFill>
+                  <a:srgbClr val="9CDCFE"/>
+                </a:solidFill>
+                <a:effectLst/>
+                <a:highlight>
+                  <a:srgbClr val="1F1F1F"/>
+                </a:highlight>
+                <a:latin typeface="Consolas" panose="020B0609020204030204" pitchFamily="49" charset="0"/>
+              </a:rPr>
+              <a:t>var_global</a:t>
+            </a:r>
+            <a:r>
+              <a:rPr lang="pt-BR" b="0" dirty="0">
+                <a:solidFill>
+                  <a:srgbClr val="CCCCCC"/>
+                </a:solidFill>
+                <a:effectLst/>
+                <a:highlight>
+                  <a:srgbClr val="1F1F1F"/>
+                </a:highlight>
+                <a:latin typeface="Consolas" panose="020B0609020204030204" pitchFamily="49" charset="0"/>
+              </a:rPr>
+              <a:t> </a:t>
+            </a:r>
+            <a:r>
+              <a:rPr lang="pt-BR" b="0" dirty="0">
+                <a:solidFill>
+                  <a:srgbClr val="D4D4D4"/>
+                </a:solidFill>
+                <a:effectLst/>
+                <a:highlight>
+                  <a:srgbClr val="1F1F1F"/>
+                </a:highlight>
+                <a:latin typeface="Consolas" panose="020B0609020204030204" pitchFamily="49" charset="0"/>
+              </a:rPr>
+              <a:t>+=</a:t>
+            </a:r>
+            <a:r>
+              <a:rPr lang="pt-BR" b="0" dirty="0">
+                <a:solidFill>
+                  <a:srgbClr val="CCCCCC"/>
+                </a:solidFill>
+                <a:effectLst/>
+                <a:highlight>
+                  <a:srgbClr val="1F1F1F"/>
+                </a:highlight>
+                <a:latin typeface="Consolas" panose="020B0609020204030204" pitchFamily="49" charset="0"/>
+              </a:rPr>
+              <a:t> </a:t>
+            </a:r>
+            <a:r>
+              <a:rPr lang="pt-BR" b="0" dirty="0">
+                <a:solidFill>
+                  <a:srgbClr val="B5CEA8"/>
+                </a:solidFill>
+                <a:effectLst/>
+                <a:highlight>
+                  <a:srgbClr val="1F1F1F"/>
+                </a:highlight>
+                <a:latin typeface="Consolas" panose="020B0609020204030204" pitchFamily="49" charset="0"/>
+              </a:rPr>
+              <a:t>10</a:t>
+            </a:r>
+            <a:endParaRPr lang="pt-BR" b="0" dirty="0">
+              <a:solidFill>
+                <a:srgbClr val="CCCCCC"/>
+              </a:solidFill>
+              <a:effectLst/>
+              <a:highlight>
+                <a:srgbClr val="1F1F1F"/>
+              </a:highlight>
+              <a:latin typeface="Consolas" panose="020B0609020204030204" pitchFamily="49" charset="0"/>
+            </a:endParaRPr>
+          </a:p>
+          <a:p>
+            <a:r>
+              <a:rPr lang="pt-BR" b="0" dirty="0" err="1">
+                <a:solidFill>
+                  <a:srgbClr val="DCDCAA"/>
+                </a:solidFill>
+                <a:effectLst/>
+                <a:highlight>
+                  <a:srgbClr val="1F1F1F"/>
+                </a:highlight>
+                <a:latin typeface="Consolas" panose="020B0609020204030204" pitchFamily="49" charset="0"/>
+              </a:rPr>
+              <a:t>usar_variavel_global</a:t>
+            </a:r>
+            <a:r>
+              <a:rPr lang="pt-BR" b="0" dirty="0">
+                <a:solidFill>
+                  <a:srgbClr val="CCCCCC"/>
+                </a:solidFill>
+                <a:effectLst/>
+                <a:highlight>
+                  <a:srgbClr val="1F1F1F"/>
+                </a:highlight>
+                <a:latin typeface="Consolas" panose="020B0609020204030204" pitchFamily="49" charset="0"/>
+              </a:rPr>
+              <a:t>(</a:t>
+            </a:r>
+            <a:r>
+              <a:rPr lang="pt-BR" b="0" dirty="0" err="1">
+                <a:solidFill>
+                  <a:srgbClr val="9CDCFE"/>
+                </a:solidFill>
+                <a:effectLst/>
+                <a:highlight>
+                  <a:srgbClr val="1F1F1F"/>
+                </a:highlight>
+                <a:latin typeface="Consolas" panose="020B0609020204030204" pitchFamily="49" charset="0"/>
+              </a:rPr>
+              <a:t>var_global</a:t>
+            </a:r>
+            <a:r>
+              <a:rPr lang="pt-BR" b="0" dirty="0">
+                <a:solidFill>
+                  <a:srgbClr val="CCCCCC"/>
+                </a:solidFill>
+                <a:effectLst/>
+                <a:highlight>
+                  <a:srgbClr val="1F1F1F"/>
+                </a:highlight>
+                <a:latin typeface="Consolas" panose="020B0609020204030204" pitchFamily="49" charset="0"/>
+              </a:rPr>
+              <a:t>)</a:t>
+            </a:r>
+          </a:p>
+        </p:txBody>
+      </p:sp>
+      <p:sp>
+        <p:nvSpPr>
+          <p:cNvPr id="6" name="CaixaDeTexto 5">
+            <a:extLst>
+              <a:ext uri="{FF2B5EF4-FFF2-40B4-BE49-F238E27FC236}">
+                <a16:creationId xmlns:a16="http://schemas.microsoft.com/office/drawing/2014/main" id="{5E0B6437-C412-91D9-623F-EDCB75BEA295}"/>
+              </a:ext>
+            </a:extLst>
+          </p:cNvPr>
+          <p:cNvSpPr txBox="1"/>
+          <p:nvPr/>
+        </p:nvSpPr>
+        <p:spPr>
+          <a:xfrm>
+            <a:off x="335903" y="2470493"/>
+            <a:ext cx="5421086" cy="2400657"/>
+          </a:xfrm>
+          <a:prstGeom prst="rect">
+            <a:avLst/>
+          </a:prstGeom>
+          <a:noFill/>
+        </p:spPr>
+        <p:txBody>
+          <a:bodyPr wrap="square" rtlCol="0">
+            <a:spAutoFit/>
+          </a:bodyPr>
+          <a:lstStyle/>
+          <a:p>
+            <a:pPr marL="742950" indent="-742950">
+              <a:buFont typeface="+mj-lt"/>
+              <a:buAutoNum type="arabicPeriod"/>
+            </a:pPr>
+            <a:r>
+              <a:rPr lang="pt-BR" sz="2500" dirty="0">
+                <a:solidFill>
+                  <a:schemeClr val="bg2"/>
+                </a:solidFill>
+              </a:rPr>
+              <a:t>Crie uma variável global</a:t>
+            </a:r>
+          </a:p>
+          <a:p>
+            <a:pPr marL="742950" indent="-742950">
+              <a:buFont typeface="+mj-lt"/>
+              <a:buAutoNum type="arabicPeriod"/>
+            </a:pPr>
+            <a:r>
+              <a:rPr lang="pt-BR" sz="2500" dirty="0">
+                <a:solidFill>
+                  <a:schemeClr val="bg2"/>
+                </a:solidFill>
+              </a:rPr>
+              <a:t>Atribua para ela o valor 10</a:t>
+            </a:r>
+          </a:p>
+          <a:p>
+            <a:pPr marL="742950" indent="-742950">
+              <a:buFont typeface="+mj-lt"/>
+              <a:buAutoNum type="arabicPeriod"/>
+            </a:pPr>
+            <a:r>
+              <a:rPr lang="pt-BR" sz="2500" dirty="0">
+                <a:solidFill>
+                  <a:schemeClr val="bg2"/>
+                </a:solidFill>
+              </a:rPr>
+              <a:t>Mude no escopo o valor dela somando 20</a:t>
+            </a:r>
+          </a:p>
+          <a:p>
+            <a:pPr marL="742950" indent="-742950">
+              <a:buFont typeface="+mj-lt"/>
+              <a:buAutoNum type="arabicPeriod"/>
+            </a:pPr>
+            <a:r>
+              <a:rPr lang="pt-BR" sz="2500">
+                <a:solidFill>
+                  <a:schemeClr val="bg2"/>
+                </a:solidFill>
+              </a:rPr>
+              <a:t>Exiba </a:t>
+            </a:r>
+            <a:r>
+              <a:rPr lang="pt-BR" sz="2500" dirty="0">
+                <a:solidFill>
+                  <a:schemeClr val="bg2"/>
+                </a:solidFill>
+              </a:rPr>
+              <a:t>a variável global</a:t>
+            </a:r>
+          </a:p>
+          <a:p>
+            <a:pPr marL="742950" indent="-742950">
+              <a:buFont typeface="+mj-lt"/>
+              <a:buAutoNum type="arabicPeriod"/>
+            </a:pPr>
+            <a:endParaRPr lang="pt-BR" sz="2500" dirty="0">
+              <a:solidFill>
+                <a:schemeClr val="bg2"/>
+              </a:solidFill>
+            </a:endParaRPr>
+          </a:p>
+        </p:txBody>
+      </p:sp>
+    </p:spTree>
+    <p:extLst>
+      <p:ext uri="{BB962C8B-B14F-4D97-AF65-F5344CB8AC3E}">
+        <p14:creationId xmlns:p14="http://schemas.microsoft.com/office/powerpoint/2010/main" val="1046306199"/>
       </p:ext>
     </p:extLst>
   </p:cSld>

--- a/Python_Dev/Python Intermediário/Material Python/1- Funções em Python.pptx
+++ b/Python_Dev/Python Intermediário/Material Python/1- Funções em Python.pptx
@@ -21,6 +21,11 @@
     <p:sldId id="296" r:id="rId15"/>
     <p:sldId id="295" r:id="rId16"/>
     <p:sldId id="298" r:id="rId17"/>
+    <p:sldId id="299" r:id="rId18"/>
+    <p:sldId id="300" r:id="rId19"/>
+    <p:sldId id="301" r:id="rId20"/>
+    <p:sldId id="302" r:id="rId21"/>
+    <p:sldId id="303" r:id="rId22"/>
   </p:sldIdLst>
   <p:sldSz cx="12192000" cy="6858000"/>
   <p:notesSz cx="6858000" cy="9144000"/>
@@ -1339,7 +1344,7 @@
             <a:fld id="{9334D819-9F07-4261-B09B-9E467E5D9002}" type="datetimeFigureOut">
               <a:rPr lang="en-US" dirty="0"/>
               <a:pPr/>
-              <a:t>5/20/2024</a:t>
+              <a:t>5/22/2024</a:t>
             </a:fld>
             <a:endParaRPr lang="en-US" dirty="0"/>
           </a:p>
@@ -1573,7 +1578,7 @@
           <a:p>
             <a:fld id="{9334D819-9F07-4261-B09B-9E467E5D9002}" type="datetimeFigureOut">
               <a:rPr lang="en-US" dirty="0"/>
-              <a:t>5/20/2024</a:t>
+              <a:t>5/22/2024</a:t>
             </a:fld>
             <a:endParaRPr lang="en-US" dirty="0"/>
           </a:p>
@@ -1748,7 +1753,7 @@
           <a:p>
             <a:fld id="{9334D819-9F07-4261-B09B-9E467E5D9002}" type="datetimeFigureOut">
               <a:rPr lang="en-US" dirty="0"/>
-              <a:t>5/20/2024</a:t>
+              <a:t>5/22/2024</a:t>
             </a:fld>
             <a:endParaRPr lang="en-US" dirty="0"/>
           </a:p>
@@ -1913,7 +1918,7 @@
           <a:p>
             <a:fld id="{9334D819-9F07-4261-B09B-9E467E5D9002}" type="datetimeFigureOut">
               <a:rPr lang="en-US" dirty="0"/>
-              <a:t>5/20/2024</a:t>
+              <a:t>5/22/2024</a:t>
             </a:fld>
             <a:endParaRPr lang="en-US" dirty="0"/>
           </a:p>
@@ -2185,7 +2190,7 @@
             <a:fld id="{9334D819-9F07-4261-B09B-9E467E5D9002}" type="datetimeFigureOut">
               <a:rPr lang="en-US" dirty="0"/>
               <a:pPr/>
-              <a:t>5/20/2024</a:t>
+              <a:t>5/22/2024</a:t>
             </a:fld>
             <a:endParaRPr lang="en-US" dirty="0"/>
           </a:p>
@@ -3382,7 +3387,7 @@
           <a:p>
             <a:fld id="{9334D819-9F07-4261-B09B-9E467E5D9002}" type="datetimeFigureOut">
               <a:rPr lang="en-US" dirty="0"/>
-              <a:t>5/20/2024</a:t>
+              <a:t>5/22/2024</a:t>
             </a:fld>
             <a:endParaRPr lang="en-US" dirty="0"/>
           </a:p>
@@ -3767,7 +3772,7 @@
           <a:p>
             <a:fld id="{9334D819-9F07-4261-B09B-9E467E5D9002}" type="datetimeFigureOut">
               <a:rPr lang="en-US" dirty="0"/>
-              <a:t>5/20/2024</a:t>
+              <a:t>5/22/2024</a:t>
             </a:fld>
             <a:endParaRPr lang="en-US" dirty="0"/>
           </a:p>
@@ -3885,7 +3890,7 @@
           <a:p>
             <a:fld id="{9334D819-9F07-4261-B09B-9E467E5D9002}" type="datetimeFigureOut">
               <a:rPr lang="en-US" dirty="0"/>
-              <a:t>5/20/2024</a:t>
+              <a:t>5/22/2024</a:t>
             </a:fld>
             <a:endParaRPr lang="en-US" dirty="0"/>
           </a:p>
@@ -3975,7 +3980,7 @@
           <a:p>
             <a:fld id="{9334D819-9F07-4261-B09B-9E467E5D9002}" type="datetimeFigureOut">
               <a:rPr lang="en-US" dirty="0"/>
-              <a:t>5/20/2024</a:t>
+              <a:t>5/22/2024</a:t>
             </a:fld>
             <a:endParaRPr lang="en-US" dirty="0"/>
           </a:p>
@@ -4733,7 +4738,7 @@
           <a:p>
             <a:fld id="{9334D819-9F07-4261-B09B-9E467E5D9002}" type="datetimeFigureOut">
               <a:rPr lang="en-US" dirty="0"/>
-              <a:t>5/20/2024</a:t>
+              <a:t>5/22/2024</a:t>
             </a:fld>
             <a:endParaRPr lang="en-US" dirty="0"/>
           </a:p>
@@ -5568,7 +5573,7 @@
           <a:p>
             <a:fld id="{9334D819-9F07-4261-B09B-9E467E5D9002}" type="datetimeFigureOut">
               <a:rPr lang="en-US" dirty="0"/>
-              <a:t>5/20/2024</a:t>
+              <a:t>5/22/2024</a:t>
             </a:fld>
             <a:endParaRPr lang="en-US" dirty="0"/>
           </a:p>
@@ -5791,7 +5796,7 @@
             <a:fld id="{9334D819-9F07-4261-B09B-9E467E5D9002}" type="datetimeFigureOut">
               <a:rPr lang="en-US" dirty="0"/>
               <a:pPr/>
-              <a:t>5/20/2024</a:t>
+              <a:t>5/22/2024</a:t>
             </a:fld>
             <a:endParaRPr lang="en-US" dirty="0"/>
           </a:p>
@@ -13122,20 +13127,12 @@
               <a:buAutoNum type="arabicPeriod"/>
             </a:pPr>
             <a:r>
-              <a:rPr lang="pt-BR" sz="2500">
+              <a:rPr lang="pt-BR" sz="2500" dirty="0">
                 <a:solidFill>
                   <a:schemeClr val="bg2"/>
                 </a:solidFill>
               </a:rPr>
-              <a:t>Exiba </a:t>
-            </a:r>
-            <a:r>
-              <a:rPr lang="pt-BR" sz="2500" dirty="0">
-                <a:solidFill>
-                  <a:schemeClr val="bg2"/>
-                </a:solidFill>
-              </a:rPr>
-              <a:t>a variável global</a:t>
+              <a:t>Exiba a variável global</a:t>
             </a:r>
           </a:p>
           <a:p>
@@ -13155,6 +13152,2522 @@
     <p:extLst>
       <p:ext uri="{BB962C8B-B14F-4D97-AF65-F5344CB8AC3E}">
         <p14:creationId xmlns:p14="http://schemas.microsoft.com/office/powerpoint/2010/main" val="1046306199"/>
+      </p:ext>
+    </p:extLst>
+  </p:cSld>
+  <p:clrMapOvr>
+    <a:masterClrMapping/>
+  </p:clrMapOvr>
+</p:sld>
+</file>
+
+<file path=ppt/slides/slide17.xml><?xml version="1.0" encoding="utf-8"?>
+<p:sld xmlns:a="http://schemas.openxmlformats.org/drawingml/2006/main" xmlns:r="http://schemas.openxmlformats.org/officeDocument/2006/relationships" xmlns:p="http://schemas.openxmlformats.org/presentationml/2006/main">
+  <p:cSld>
+    <p:bg>
+      <p:bgPr>
+        <a:solidFill>
+          <a:schemeClr val="bg1"/>
+        </a:solidFill>
+        <a:effectLst/>
+      </p:bgPr>
+    </p:bg>
+    <p:spTree>
+      <p:nvGrpSpPr>
+        <p:cNvPr id="1" name=""/>
+        <p:cNvGrpSpPr/>
+        <p:nvPr/>
+      </p:nvGrpSpPr>
+      <p:grpSpPr>
+        <a:xfrm>
+          <a:off x="0" y="0"/>
+          <a:ext cx="0" cy="0"/>
+          <a:chOff x="0" y="0"/>
+          <a:chExt cx="0" cy="0"/>
+        </a:xfrm>
+      </p:grpSpPr>
+      <p:sp useBgFill="1">
+        <p:nvSpPr>
+          <p:cNvPr id="40" name="Rectangle 39">
+            <a:extLst>
+              <a:ext uri="{FF2B5EF4-FFF2-40B4-BE49-F238E27FC236}">
+                <a16:creationId xmlns:a16="http://schemas.microsoft.com/office/drawing/2014/main" id="{B89090F2-B101-458B-9AFF-27327443BB09}"/>
+              </a:ext>
+              <a:ext uri="{C183D7F6-B498-43B3-948B-1728B52AA6E4}">
+                <adec:decorative xmlns:adec="http://schemas.microsoft.com/office/drawing/2017/decorative" val="1"/>
+              </a:ext>
+            </a:extLst>
+          </p:cNvPr>
+          <p:cNvSpPr>
+            <a:spLocks noGrp="1" noRot="1" noChangeAspect="1" noMove="1" noResize="1" noEditPoints="1" noAdjustHandles="1" noChangeArrowheads="1" noChangeShapeType="1" noTextEdit="1"/>
+          </p:cNvSpPr>
+          <p:nvPr>
+            <p:extLst>
+              <p:ext uri="{386F3935-93C4-4BCD-93E2-E3B085C9AB24}">
+                <p16:designElem xmlns:p16="http://schemas.microsoft.com/office/powerpoint/2015/main" val="1"/>
+              </p:ext>
+            </p:extLst>
+          </p:nvPr>
+        </p:nvSpPr>
+        <p:spPr bwMode="white">
+          <a:xfrm>
+            <a:off x="0" y="0"/>
+            <a:ext cx="12192000" cy="6858000"/>
+          </a:xfrm>
+          <a:prstGeom prst="rect">
+            <a:avLst/>
+          </a:prstGeom>
+          <a:ln>
+            <a:noFill/>
+          </a:ln>
+        </p:spPr>
+        <p:style>
+          <a:lnRef idx="2">
+            <a:schemeClr val="accent1">
+              <a:shade val="50000"/>
+            </a:schemeClr>
+          </a:lnRef>
+          <a:fillRef idx="1">
+            <a:schemeClr val="accent1"/>
+          </a:fillRef>
+          <a:effectRef idx="0">
+            <a:schemeClr val="accent1"/>
+          </a:effectRef>
+          <a:fontRef idx="minor">
+            <a:schemeClr val="lt1"/>
+          </a:fontRef>
+        </p:style>
+        <p:txBody>
+          <a:bodyPr rot="0" spcFirstLastPara="0" vert="horz" wrap="square" lIns="91440" tIns="45720" rIns="91440" bIns="45720" numCol="1" spcCol="0" rtlCol="0" fromWordArt="0" anchor="ctr" anchorCtr="0" forceAA="0" compatLnSpc="1">
+            <a:prstTxWarp prst="textNoShape">
+              <a:avLst/>
+            </a:prstTxWarp>
+            <a:noAutofit/>
+          </a:bodyPr>
+          <a:lstStyle>
+            <a:defPPr>
+              <a:defRPr lang="en-US"/>
+            </a:defPPr>
+            <a:lvl1pPr marL="0" algn="l" defTabSz="914400" rtl="0" eaLnBrk="1" latinLnBrk="0" hangingPunct="1">
+              <a:defRPr sz="1800" kern="1200">
+                <a:solidFill>
+                  <a:schemeClr val="lt1"/>
+                </a:solidFill>
+                <a:latin typeface="+mn-lt"/>
+                <a:ea typeface="+mn-ea"/>
+                <a:cs typeface="+mn-cs"/>
+              </a:defRPr>
+            </a:lvl1pPr>
+            <a:lvl2pPr marL="457200" algn="l" defTabSz="914400" rtl="0" eaLnBrk="1" latinLnBrk="0" hangingPunct="1">
+              <a:defRPr sz="1800" kern="1200">
+                <a:solidFill>
+                  <a:schemeClr val="lt1"/>
+                </a:solidFill>
+                <a:latin typeface="+mn-lt"/>
+                <a:ea typeface="+mn-ea"/>
+                <a:cs typeface="+mn-cs"/>
+              </a:defRPr>
+            </a:lvl2pPr>
+            <a:lvl3pPr marL="914400" algn="l" defTabSz="914400" rtl="0" eaLnBrk="1" latinLnBrk="0" hangingPunct="1">
+              <a:defRPr sz="1800" kern="1200">
+                <a:solidFill>
+                  <a:schemeClr val="lt1"/>
+                </a:solidFill>
+                <a:latin typeface="+mn-lt"/>
+                <a:ea typeface="+mn-ea"/>
+                <a:cs typeface="+mn-cs"/>
+              </a:defRPr>
+            </a:lvl3pPr>
+            <a:lvl4pPr marL="1371600" algn="l" defTabSz="914400" rtl="0" eaLnBrk="1" latinLnBrk="0" hangingPunct="1">
+              <a:defRPr sz="1800" kern="1200">
+                <a:solidFill>
+                  <a:schemeClr val="lt1"/>
+                </a:solidFill>
+                <a:latin typeface="+mn-lt"/>
+                <a:ea typeface="+mn-ea"/>
+                <a:cs typeface="+mn-cs"/>
+              </a:defRPr>
+            </a:lvl4pPr>
+            <a:lvl5pPr marL="1828800" algn="l" defTabSz="914400" rtl="0" eaLnBrk="1" latinLnBrk="0" hangingPunct="1">
+              <a:defRPr sz="1800" kern="1200">
+                <a:solidFill>
+                  <a:schemeClr val="lt1"/>
+                </a:solidFill>
+                <a:latin typeface="+mn-lt"/>
+                <a:ea typeface="+mn-ea"/>
+                <a:cs typeface="+mn-cs"/>
+              </a:defRPr>
+            </a:lvl5pPr>
+            <a:lvl6pPr marL="2286000" algn="l" defTabSz="914400" rtl="0" eaLnBrk="1" latinLnBrk="0" hangingPunct="1">
+              <a:defRPr sz="1800" kern="1200">
+                <a:solidFill>
+                  <a:schemeClr val="lt1"/>
+                </a:solidFill>
+                <a:latin typeface="+mn-lt"/>
+                <a:ea typeface="+mn-ea"/>
+                <a:cs typeface="+mn-cs"/>
+              </a:defRPr>
+            </a:lvl6pPr>
+            <a:lvl7pPr marL="2743200" algn="l" defTabSz="914400" rtl="0" eaLnBrk="1" latinLnBrk="0" hangingPunct="1">
+              <a:defRPr sz="1800" kern="1200">
+                <a:solidFill>
+                  <a:schemeClr val="lt1"/>
+                </a:solidFill>
+                <a:latin typeface="+mn-lt"/>
+                <a:ea typeface="+mn-ea"/>
+                <a:cs typeface="+mn-cs"/>
+              </a:defRPr>
+            </a:lvl7pPr>
+            <a:lvl8pPr marL="3200400" algn="l" defTabSz="914400" rtl="0" eaLnBrk="1" latinLnBrk="0" hangingPunct="1">
+              <a:defRPr sz="1800" kern="1200">
+                <a:solidFill>
+                  <a:schemeClr val="lt1"/>
+                </a:solidFill>
+                <a:latin typeface="+mn-lt"/>
+                <a:ea typeface="+mn-ea"/>
+                <a:cs typeface="+mn-cs"/>
+              </a:defRPr>
+            </a:lvl8pPr>
+            <a:lvl9pPr marL="3657600" algn="l" defTabSz="914400" rtl="0" eaLnBrk="1" latinLnBrk="0" hangingPunct="1">
+              <a:defRPr sz="1800" kern="1200">
+                <a:solidFill>
+                  <a:schemeClr val="lt1"/>
+                </a:solidFill>
+                <a:latin typeface="+mn-lt"/>
+                <a:ea typeface="+mn-ea"/>
+                <a:cs typeface="+mn-cs"/>
+              </a:defRPr>
+            </a:lvl9pPr>
+          </a:lstStyle>
+          <a:p>
+            <a:pPr algn="ctr"/>
+            <a:endParaRPr lang="en-US"/>
+          </a:p>
+        </p:txBody>
+      </p:sp>
+      <p:sp>
+        <p:nvSpPr>
+          <p:cNvPr id="2" name="Título 1">
+            <a:extLst>
+              <a:ext uri="{FF2B5EF4-FFF2-40B4-BE49-F238E27FC236}">
+                <a16:creationId xmlns:a16="http://schemas.microsoft.com/office/drawing/2014/main" id="{9D4DFD27-ACA4-1794-D857-3BC7340744BA}"/>
+              </a:ext>
+            </a:extLst>
+          </p:cNvPr>
+          <p:cNvSpPr>
+            <a:spLocks noGrp="1"/>
+          </p:cNvSpPr>
+          <p:nvPr>
+            <p:ph type="ctrTitle"/>
+          </p:nvPr>
+        </p:nvSpPr>
+        <p:spPr>
+          <a:xfrm>
+            <a:off x="4639056" y="1235847"/>
+            <a:ext cx="6784847" cy="3325266"/>
+          </a:xfrm>
+        </p:spPr>
+        <p:txBody>
+          <a:bodyPr>
+            <a:normAutofit/>
+          </a:bodyPr>
+          <a:lstStyle/>
+          <a:p>
+            <a:r>
+              <a:rPr lang="pt-BR" sz="7200" dirty="0"/>
+              <a:t>Retorno</a:t>
+            </a:r>
+            <a:br>
+              <a:rPr lang="pt-BR" sz="7200" dirty="0"/>
+            </a:br>
+            <a:r>
+              <a:rPr lang="pt-BR" sz="7200" dirty="0"/>
+              <a:t>Funções</a:t>
+            </a:r>
+          </a:p>
+        </p:txBody>
+      </p:sp>
+      <p:sp>
+        <p:nvSpPr>
+          <p:cNvPr id="42" name="Freeform 6">
+            <a:extLst>
+              <a:ext uri="{FF2B5EF4-FFF2-40B4-BE49-F238E27FC236}">
+                <a16:creationId xmlns:a16="http://schemas.microsoft.com/office/drawing/2014/main" id="{526C103B-17BD-4B48-AB6F-0D9EF826AAC4}"/>
+              </a:ext>
+              <a:ext uri="{C183D7F6-B498-43B3-948B-1728B52AA6E4}">
+                <adec:decorative xmlns:adec="http://schemas.microsoft.com/office/drawing/2017/decorative" val="1"/>
+              </a:ext>
+            </a:extLst>
+          </p:cNvPr>
+          <p:cNvSpPr>
+            <a:spLocks noGrp="1" noRot="1" noChangeAspect="1" noMove="1" noResize="1" noEditPoints="1" noAdjustHandles="1" noChangeArrowheads="1" noChangeShapeType="1" noTextEdit="1"/>
+          </p:cNvSpPr>
+          <p:nvPr>
+            <p:extLst>
+              <p:ext uri="{386F3935-93C4-4BCD-93E2-E3B085C9AB24}">
+                <p16:designElem xmlns:p16="http://schemas.microsoft.com/office/powerpoint/2015/main" val="1"/>
+              </p:ext>
+            </p:extLst>
+          </p:nvPr>
+        </p:nvSpPr>
+        <p:spPr bwMode="auto">
+          <a:xfrm>
+            <a:off x="0" y="0"/>
+            <a:ext cx="885825" cy="6858000"/>
+          </a:xfrm>
+          <a:custGeom>
+            <a:avLst/>
+            <a:gdLst/>
+            <a:ahLst/>
+            <a:cxnLst/>
+            <a:rect l="0" t="0" r="r" b="b"/>
+            <a:pathLst>
+              <a:path w="558" h="4320">
+                <a:moveTo>
+                  <a:pt x="0" y="0"/>
+                </a:moveTo>
+                <a:lnTo>
+                  <a:pt x="447" y="0"/>
+                </a:lnTo>
+                <a:lnTo>
+                  <a:pt x="448" y="43"/>
+                </a:lnTo>
+                <a:lnTo>
+                  <a:pt x="453" y="81"/>
+                </a:lnTo>
+                <a:lnTo>
+                  <a:pt x="460" y="114"/>
+                </a:lnTo>
+                <a:lnTo>
+                  <a:pt x="469" y="143"/>
+                </a:lnTo>
+                <a:lnTo>
+                  <a:pt x="479" y="169"/>
+                </a:lnTo>
+                <a:lnTo>
+                  <a:pt x="491" y="192"/>
+                </a:lnTo>
+                <a:lnTo>
+                  <a:pt x="503" y="216"/>
+                </a:lnTo>
+                <a:lnTo>
+                  <a:pt x="515" y="240"/>
+                </a:lnTo>
+                <a:lnTo>
+                  <a:pt x="525" y="263"/>
+                </a:lnTo>
+                <a:lnTo>
+                  <a:pt x="535" y="289"/>
+                </a:lnTo>
+                <a:lnTo>
+                  <a:pt x="545" y="318"/>
+                </a:lnTo>
+                <a:lnTo>
+                  <a:pt x="552" y="351"/>
+                </a:lnTo>
+                <a:lnTo>
+                  <a:pt x="556" y="389"/>
+                </a:lnTo>
+                <a:lnTo>
+                  <a:pt x="558" y="432"/>
+                </a:lnTo>
+                <a:lnTo>
+                  <a:pt x="556" y="475"/>
+                </a:lnTo>
+                <a:lnTo>
+                  <a:pt x="552" y="513"/>
+                </a:lnTo>
+                <a:lnTo>
+                  <a:pt x="545" y="546"/>
+                </a:lnTo>
+                <a:lnTo>
+                  <a:pt x="535" y="575"/>
+                </a:lnTo>
+                <a:lnTo>
+                  <a:pt x="525" y="601"/>
+                </a:lnTo>
+                <a:lnTo>
+                  <a:pt x="515" y="624"/>
+                </a:lnTo>
+                <a:lnTo>
+                  <a:pt x="503" y="648"/>
+                </a:lnTo>
+                <a:lnTo>
+                  <a:pt x="491" y="672"/>
+                </a:lnTo>
+                <a:lnTo>
+                  <a:pt x="479" y="695"/>
+                </a:lnTo>
+                <a:lnTo>
+                  <a:pt x="469" y="721"/>
+                </a:lnTo>
+                <a:lnTo>
+                  <a:pt x="460" y="750"/>
+                </a:lnTo>
+                <a:lnTo>
+                  <a:pt x="453" y="783"/>
+                </a:lnTo>
+                <a:lnTo>
+                  <a:pt x="448" y="821"/>
+                </a:lnTo>
+                <a:lnTo>
+                  <a:pt x="447" y="864"/>
+                </a:lnTo>
+                <a:lnTo>
+                  <a:pt x="448" y="907"/>
+                </a:lnTo>
+                <a:lnTo>
+                  <a:pt x="453" y="945"/>
+                </a:lnTo>
+                <a:lnTo>
+                  <a:pt x="460" y="978"/>
+                </a:lnTo>
+                <a:lnTo>
+                  <a:pt x="469" y="1007"/>
+                </a:lnTo>
+                <a:lnTo>
+                  <a:pt x="479" y="1033"/>
+                </a:lnTo>
+                <a:lnTo>
+                  <a:pt x="491" y="1056"/>
+                </a:lnTo>
+                <a:lnTo>
+                  <a:pt x="503" y="1080"/>
+                </a:lnTo>
+                <a:lnTo>
+                  <a:pt x="515" y="1104"/>
+                </a:lnTo>
+                <a:lnTo>
+                  <a:pt x="525" y="1127"/>
+                </a:lnTo>
+                <a:lnTo>
+                  <a:pt x="535" y="1153"/>
+                </a:lnTo>
+                <a:lnTo>
+                  <a:pt x="545" y="1182"/>
+                </a:lnTo>
+                <a:lnTo>
+                  <a:pt x="552" y="1215"/>
+                </a:lnTo>
+                <a:lnTo>
+                  <a:pt x="556" y="1253"/>
+                </a:lnTo>
+                <a:lnTo>
+                  <a:pt x="558" y="1296"/>
+                </a:lnTo>
+                <a:lnTo>
+                  <a:pt x="556" y="1339"/>
+                </a:lnTo>
+                <a:lnTo>
+                  <a:pt x="552" y="1377"/>
+                </a:lnTo>
+                <a:lnTo>
+                  <a:pt x="545" y="1410"/>
+                </a:lnTo>
+                <a:lnTo>
+                  <a:pt x="535" y="1439"/>
+                </a:lnTo>
+                <a:lnTo>
+                  <a:pt x="525" y="1465"/>
+                </a:lnTo>
+                <a:lnTo>
+                  <a:pt x="515" y="1488"/>
+                </a:lnTo>
+                <a:lnTo>
+                  <a:pt x="503" y="1512"/>
+                </a:lnTo>
+                <a:lnTo>
+                  <a:pt x="491" y="1536"/>
+                </a:lnTo>
+                <a:lnTo>
+                  <a:pt x="479" y="1559"/>
+                </a:lnTo>
+                <a:lnTo>
+                  <a:pt x="469" y="1585"/>
+                </a:lnTo>
+                <a:lnTo>
+                  <a:pt x="460" y="1614"/>
+                </a:lnTo>
+                <a:lnTo>
+                  <a:pt x="453" y="1647"/>
+                </a:lnTo>
+                <a:lnTo>
+                  <a:pt x="448" y="1685"/>
+                </a:lnTo>
+                <a:lnTo>
+                  <a:pt x="447" y="1728"/>
+                </a:lnTo>
+                <a:lnTo>
+                  <a:pt x="448" y="1771"/>
+                </a:lnTo>
+                <a:lnTo>
+                  <a:pt x="453" y="1809"/>
+                </a:lnTo>
+                <a:lnTo>
+                  <a:pt x="460" y="1842"/>
+                </a:lnTo>
+                <a:lnTo>
+                  <a:pt x="469" y="1871"/>
+                </a:lnTo>
+                <a:lnTo>
+                  <a:pt x="479" y="1897"/>
+                </a:lnTo>
+                <a:lnTo>
+                  <a:pt x="491" y="1920"/>
+                </a:lnTo>
+                <a:lnTo>
+                  <a:pt x="503" y="1944"/>
+                </a:lnTo>
+                <a:lnTo>
+                  <a:pt x="515" y="1968"/>
+                </a:lnTo>
+                <a:lnTo>
+                  <a:pt x="525" y="1991"/>
+                </a:lnTo>
+                <a:lnTo>
+                  <a:pt x="535" y="2017"/>
+                </a:lnTo>
+                <a:lnTo>
+                  <a:pt x="545" y="2046"/>
+                </a:lnTo>
+                <a:lnTo>
+                  <a:pt x="552" y="2079"/>
+                </a:lnTo>
+                <a:lnTo>
+                  <a:pt x="556" y="2117"/>
+                </a:lnTo>
+                <a:lnTo>
+                  <a:pt x="558" y="2159"/>
+                </a:lnTo>
+                <a:lnTo>
+                  <a:pt x="556" y="2203"/>
+                </a:lnTo>
+                <a:lnTo>
+                  <a:pt x="552" y="2241"/>
+                </a:lnTo>
+                <a:lnTo>
+                  <a:pt x="545" y="2274"/>
+                </a:lnTo>
+                <a:lnTo>
+                  <a:pt x="535" y="2303"/>
+                </a:lnTo>
+                <a:lnTo>
+                  <a:pt x="525" y="2329"/>
+                </a:lnTo>
+                <a:lnTo>
+                  <a:pt x="515" y="2352"/>
+                </a:lnTo>
+                <a:lnTo>
+                  <a:pt x="503" y="2376"/>
+                </a:lnTo>
+                <a:lnTo>
+                  <a:pt x="491" y="2400"/>
+                </a:lnTo>
+                <a:lnTo>
+                  <a:pt x="479" y="2423"/>
+                </a:lnTo>
+                <a:lnTo>
+                  <a:pt x="469" y="2449"/>
+                </a:lnTo>
+                <a:lnTo>
+                  <a:pt x="460" y="2478"/>
+                </a:lnTo>
+                <a:lnTo>
+                  <a:pt x="453" y="2511"/>
+                </a:lnTo>
+                <a:lnTo>
+                  <a:pt x="448" y="2549"/>
+                </a:lnTo>
+                <a:lnTo>
+                  <a:pt x="447" y="2592"/>
+                </a:lnTo>
+                <a:lnTo>
+                  <a:pt x="448" y="2635"/>
+                </a:lnTo>
+                <a:lnTo>
+                  <a:pt x="453" y="2673"/>
+                </a:lnTo>
+                <a:lnTo>
+                  <a:pt x="460" y="2706"/>
+                </a:lnTo>
+                <a:lnTo>
+                  <a:pt x="469" y="2735"/>
+                </a:lnTo>
+                <a:lnTo>
+                  <a:pt x="479" y="2761"/>
+                </a:lnTo>
+                <a:lnTo>
+                  <a:pt x="491" y="2784"/>
+                </a:lnTo>
+                <a:lnTo>
+                  <a:pt x="515" y="2832"/>
+                </a:lnTo>
+                <a:lnTo>
+                  <a:pt x="525" y="2855"/>
+                </a:lnTo>
+                <a:lnTo>
+                  <a:pt x="535" y="2881"/>
+                </a:lnTo>
+                <a:lnTo>
+                  <a:pt x="545" y="2910"/>
+                </a:lnTo>
+                <a:lnTo>
+                  <a:pt x="552" y="2943"/>
+                </a:lnTo>
+                <a:lnTo>
+                  <a:pt x="556" y="2981"/>
+                </a:lnTo>
+                <a:lnTo>
+                  <a:pt x="558" y="3024"/>
+                </a:lnTo>
+                <a:lnTo>
+                  <a:pt x="556" y="3067"/>
+                </a:lnTo>
+                <a:lnTo>
+                  <a:pt x="552" y="3105"/>
+                </a:lnTo>
+                <a:lnTo>
+                  <a:pt x="545" y="3138"/>
+                </a:lnTo>
+                <a:lnTo>
+                  <a:pt x="535" y="3167"/>
+                </a:lnTo>
+                <a:lnTo>
+                  <a:pt x="525" y="3193"/>
+                </a:lnTo>
+                <a:lnTo>
+                  <a:pt x="515" y="3216"/>
+                </a:lnTo>
+                <a:lnTo>
+                  <a:pt x="503" y="3240"/>
+                </a:lnTo>
+                <a:lnTo>
+                  <a:pt x="491" y="3264"/>
+                </a:lnTo>
+                <a:lnTo>
+                  <a:pt x="479" y="3287"/>
+                </a:lnTo>
+                <a:lnTo>
+                  <a:pt x="469" y="3313"/>
+                </a:lnTo>
+                <a:lnTo>
+                  <a:pt x="460" y="3342"/>
+                </a:lnTo>
+                <a:lnTo>
+                  <a:pt x="453" y="3375"/>
+                </a:lnTo>
+                <a:lnTo>
+                  <a:pt x="448" y="3413"/>
+                </a:lnTo>
+                <a:lnTo>
+                  <a:pt x="447" y="3456"/>
+                </a:lnTo>
+                <a:lnTo>
+                  <a:pt x="448" y="3499"/>
+                </a:lnTo>
+                <a:lnTo>
+                  <a:pt x="453" y="3537"/>
+                </a:lnTo>
+                <a:lnTo>
+                  <a:pt x="460" y="3570"/>
+                </a:lnTo>
+                <a:lnTo>
+                  <a:pt x="469" y="3599"/>
+                </a:lnTo>
+                <a:lnTo>
+                  <a:pt x="479" y="3625"/>
+                </a:lnTo>
+                <a:lnTo>
+                  <a:pt x="491" y="3648"/>
+                </a:lnTo>
+                <a:lnTo>
+                  <a:pt x="503" y="3672"/>
+                </a:lnTo>
+                <a:lnTo>
+                  <a:pt x="515" y="3696"/>
+                </a:lnTo>
+                <a:lnTo>
+                  <a:pt x="525" y="3719"/>
+                </a:lnTo>
+                <a:lnTo>
+                  <a:pt x="535" y="3745"/>
+                </a:lnTo>
+                <a:lnTo>
+                  <a:pt x="545" y="3774"/>
+                </a:lnTo>
+                <a:lnTo>
+                  <a:pt x="552" y="3807"/>
+                </a:lnTo>
+                <a:lnTo>
+                  <a:pt x="556" y="3845"/>
+                </a:lnTo>
+                <a:lnTo>
+                  <a:pt x="558" y="3888"/>
+                </a:lnTo>
+                <a:lnTo>
+                  <a:pt x="556" y="3931"/>
+                </a:lnTo>
+                <a:lnTo>
+                  <a:pt x="552" y="3969"/>
+                </a:lnTo>
+                <a:lnTo>
+                  <a:pt x="545" y="4002"/>
+                </a:lnTo>
+                <a:lnTo>
+                  <a:pt x="535" y="4031"/>
+                </a:lnTo>
+                <a:lnTo>
+                  <a:pt x="525" y="4057"/>
+                </a:lnTo>
+                <a:lnTo>
+                  <a:pt x="515" y="4080"/>
+                </a:lnTo>
+                <a:lnTo>
+                  <a:pt x="503" y="4104"/>
+                </a:lnTo>
+                <a:lnTo>
+                  <a:pt x="491" y="4128"/>
+                </a:lnTo>
+                <a:lnTo>
+                  <a:pt x="479" y="4151"/>
+                </a:lnTo>
+                <a:lnTo>
+                  <a:pt x="469" y="4177"/>
+                </a:lnTo>
+                <a:lnTo>
+                  <a:pt x="460" y="4206"/>
+                </a:lnTo>
+                <a:lnTo>
+                  <a:pt x="453" y="4239"/>
+                </a:lnTo>
+                <a:lnTo>
+                  <a:pt x="448" y="4277"/>
+                </a:lnTo>
+                <a:lnTo>
+                  <a:pt x="447" y="4320"/>
+                </a:lnTo>
+                <a:lnTo>
+                  <a:pt x="0" y="4320"/>
+                </a:lnTo>
+                <a:lnTo>
+                  <a:pt x="0" y="0"/>
+                </a:lnTo>
+                <a:close/>
+              </a:path>
+            </a:pathLst>
+          </a:custGeom>
+          <a:solidFill>
+            <a:schemeClr val="tx2"/>
+          </a:solidFill>
+          <a:ln w="0">
+            <a:noFill/>
+            <a:prstDash val="solid"/>
+            <a:round/>
+            <a:headEnd/>
+            <a:tailEnd/>
+          </a:ln>
+        </p:spPr>
+        <p:txBody>
+          <a:bodyPr/>
+          <a:lstStyle/>
+          <a:p>
+            <a:endParaRPr lang="pt-BR"/>
+          </a:p>
+        </p:txBody>
+      </p:sp>
+      <p:pic>
+        <p:nvPicPr>
+          <p:cNvPr id="27" name="Graphic 26" descr="Programador">
+            <a:extLst>
+              <a:ext uri="{FF2B5EF4-FFF2-40B4-BE49-F238E27FC236}">
+                <a16:creationId xmlns:a16="http://schemas.microsoft.com/office/drawing/2014/main" id="{84ADACB3-6759-6202-E5E9-D8673D71ACD3}"/>
+              </a:ext>
+            </a:extLst>
+          </p:cNvPr>
+          <p:cNvPicPr>
+            <a:picLocks noChangeAspect="1"/>
+          </p:cNvPicPr>
+          <p:nvPr/>
+        </p:nvPicPr>
+        <p:blipFill>
+          <a:blip r:embed="rId2">
+            <a:extLst>
+              <a:ext uri="{28A0092B-C50C-407E-A947-70E740481C1C}">
+                <a14:useLocalDpi xmlns:a14="http://schemas.microsoft.com/office/drawing/2010/main" val="0"/>
+              </a:ext>
+              <a:ext uri="{96DAC541-7B7A-43D3-8B79-37D633B846F1}">
+                <asvg:svgBlip xmlns:asvg="http://schemas.microsoft.com/office/drawing/2016/SVG/main" r:embed="rId3"/>
+              </a:ext>
+            </a:extLst>
+          </a:blip>
+          <a:stretch>
+            <a:fillRect/>
+          </a:stretch>
+        </p:blipFill>
+        <p:spPr>
+          <a:xfrm>
+            <a:off x="1240971" y="1709603"/>
+            <a:ext cx="3398085" cy="3398085"/>
+          </a:xfrm>
+          <a:prstGeom prst="rect">
+            <a:avLst/>
+          </a:prstGeom>
+        </p:spPr>
+      </p:pic>
+      <p:sp>
+        <p:nvSpPr>
+          <p:cNvPr id="44" name="Rectangle 43">
+            <a:extLst>
+              <a:ext uri="{FF2B5EF4-FFF2-40B4-BE49-F238E27FC236}">
+                <a16:creationId xmlns:a16="http://schemas.microsoft.com/office/drawing/2014/main" id="{E9EC3243-CA25-4485-A7FE-8B0141923844}"/>
+              </a:ext>
+              <a:ext uri="{C183D7F6-B498-43B3-948B-1728B52AA6E4}">
+                <adec:decorative xmlns:adec="http://schemas.microsoft.com/office/drawing/2017/decorative" val="1"/>
+              </a:ext>
+            </a:extLst>
+          </p:cNvPr>
+          <p:cNvSpPr>
+            <a:spLocks noGrp="1" noRot="1" noChangeAspect="1" noMove="1" noResize="1" noEditPoints="1" noAdjustHandles="1" noChangeArrowheads="1" noChangeShapeType="1" noTextEdit="1"/>
+          </p:cNvSpPr>
+          <p:nvPr>
+            <p:extLst>
+              <p:ext uri="{386F3935-93C4-4BCD-93E2-E3B085C9AB24}">
+                <p16:designElem xmlns:p16="http://schemas.microsoft.com/office/powerpoint/2015/main" val="1"/>
+              </p:ext>
+            </p:extLst>
+          </p:nvPr>
+        </p:nvSpPr>
+        <p:spPr>
+          <a:xfrm>
+            <a:off x="11908536" y="0"/>
+            <a:ext cx="283464" cy="6858000"/>
+          </a:xfrm>
+          <a:prstGeom prst="rect">
+            <a:avLst/>
+          </a:prstGeom>
+          <a:solidFill>
+            <a:schemeClr val="accent1"/>
+          </a:solidFill>
+          <a:ln>
+            <a:noFill/>
+          </a:ln>
+        </p:spPr>
+        <p:style>
+          <a:lnRef idx="2">
+            <a:schemeClr val="accent1">
+              <a:shade val="50000"/>
+            </a:schemeClr>
+          </a:lnRef>
+          <a:fillRef idx="1">
+            <a:schemeClr val="accent1"/>
+          </a:fillRef>
+          <a:effectRef idx="0">
+            <a:schemeClr val="accent1"/>
+          </a:effectRef>
+          <a:fontRef idx="minor">
+            <a:schemeClr val="lt1"/>
+          </a:fontRef>
+        </p:style>
+        <p:txBody>
+          <a:bodyPr/>
+          <a:lstStyle/>
+          <a:p>
+            <a:endParaRPr lang="pt-BR"/>
+          </a:p>
+        </p:txBody>
+      </p:sp>
+    </p:spTree>
+    <p:extLst>
+      <p:ext uri="{BB962C8B-B14F-4D97-AF65-F5344CB8AC3E}">
+        <p14:creationId xmlns:p14="http://schemas.microsoft.com/office/powerpoint/2010/main" val="55074186"/>
+      </p:ext>
+    </p:extLst>
+  </p:cSld>
+  <p:clrMapOvr>
+    <a:masterClrMapping/>
+  </p:clrMapOvr>
+</p:sld>
+</file>
+
+<file path=ppt/slides/slide18.xml><?xml version="1.0" encoding="utf-8"?>
+<p:sld xmlns:a="http://schemas.openxmlformats.org/drawingml/2006/main" xmlns:r="http://schemas.openxmlformats.org/officeDocument/2006/relationships" xmlns:p="http://schemas.openxmlformats.org/presentationml/2006/main" showMasterSp="0">
+  <p:cSld>
+    <p:bg>
+      <p:bgPr>
+        <a:solidFill>
+          <a:schemeClr val="bg2">
+            <a:lumMod val="10000"/>
+          </a:schemeClr>
+        </a:solidFill>
+        <a:effectLst/>
+      </p:bgPr>
+    </p:bg>
+    <p:spTree>
+      <p:nvGrpSpPr>
+        <p:cNvPr id="1" name=""/>
+        <p:cNvGrpSpPr/>
+        <p:nvPr/>
+      </p:nvGrpSpPr>
+      <p:grpSpPr>
+        <a:xfrm>
+          <a:off x="0" y="0"/>
+          <a:ext cx="0" cy="0"/>
+          <a:chOff x="0" y="0"/>
+          <a:chExt cx="0" cy="0"/>
+        </a:xfrm>
+      </p:grpSpPr>
+      <p:sp>
+        <p:nvSpPr>
+          <p:cNvPr id="2" name="Título 1">
+            <a:extLst>
+              <a:ext uri="{FF2B5EF4-FFF2-40B4-BE49-F238E27FC236}">
+                <a16:creationId xmlns:a16="http://schemas.microsoft.com/office/drawing/2014/main" id="{83C6E063-9BFE-06CE-C9BC-5EE9CCAE3D29}"/>
+              </a:ext>
+            </a:extLst>
+          </p:cNvPr>
+          <p:cNvSpPr>
+            <a:spLocks noGrp="1"/>
+          </p:cNvSpPr>
+          <p:nvPr>
+            <p:ph type="title"/>
+          </p:nvPr>
+        </p:nvSpPr>
+        <p:spPr/>
+        <p:txBody>
+          <a:bodyPr/>
+          <a:lstStyle/>
+          <a:p>
+            <a:r>
+              <a:rPr lang="pt-BR" dirty="0"/>
+              <a:t>DEF – Aula 6	</a:t>
+            </a:r>
+          </a:p>
+        </p:txBody>
+      </p:sp>
+      <p:pic>
+        <p:nvPicPr>
+          <p:cNvPr id="1026" name="Picture 2">
+            <a:extLst>
+              <a:ext uri="{FF2B5EF4-FFF2-40B4-BE49-F238E27FC236}">
+                <a16:creationId xmlns:a16="http://schemas.microsoft.com/office/drawing/2014/main" id="{BFCC1361-CFA5-41DC-9639-9812D7C04FC8}"/>
+              </a:ext>
+            </a:extLst>
+          </p:cNvPr>
+          <p:cNvPicPr>
+            <a:picLocks noChangeAspect="1" noChangeArrowheads="1"/>
+          </p:cNvPicPr>
+          <p:nvPr/>
+        </p:nvPicPr>
+        <p:blipFill>
+          <a:blip r:embed="rId2">
+            <a:extLst>
+              <a:ext uri="{28A0092B-C50C-407E-A947-70E740481C1C}">
+                <a14:useLocalDpi xmlns:a14="http://schemas.microsoft.com/office/drawing/2010/main" val="0"/>
+              </a:ext>
+            </a:extLst>
+          </a:blip>
+          <a:srcRect/>
+          <a:stretch>
+            <a:fillRect/>
+          </a:stretch>
+        </p:blipFill>
+        <p:spPr bwMode="auto">
+          <a:xfrm>
+            <a:off x="102198" y="20849"/>
+            <a:ext cx="659802" cy="723071"/>
+          </a:xfrm>
+          <a:prstGeom prst="rect">
+            <a:avLst/>
+          </a:prstGeom>
+          <a:noFill/>
+          <a:extLst>
+            <a:ext uri="{909E8E84-426E-40DD-AFC4-6F175D3DCCD1}">
+              <a14:hiddenFill xmlns:a14="http://schemas.microsoft.com/office/drawing/2010/main">
+                <a:solidFill>
+                  <a:srgbClr val="FFFFFF"/>
+                </a:solidFill>
+              </a14:hiddenFill>
+            </a:ext>
+          </a:extLst>
+        </p:spPr>
+      </p:pic>
+      <p:sp>
+        <p:nvSpPr>
+          <p:cNvPr id="4" name="CaixaDeTexto 3">
+            <a:extLst>
+              <a:ext uri="{FF2B5EF4-FFF2-40B4-BE49-F238E27FC236}">
+                <a16:creationId xmlns:a16="http://schemas.microsoft.com/office/drawing/2014/main" id="{8D81CC35-8176-616A-4DDB-D2A60C4C2388}"/>
+              </a:ext>
+            </a:extLst>
+          </p:cNvPr>
+          <p:cNvSpPr txBox="1"/>
+          <p:nvPr/>
+        </p:nvSpPr>
+        <p:spPr>
+          <a:xfrm>
+            <a:off x="1251677" y="1579422"/>
+            <a:ext cx="8489481" cy="2585323"/>
+          </a:xfrm>
+          <a:prstGeom prst="rect">
+            <a:avLst/>
+          </a:prstGeom>
+          <a:noFill/>
+        </p:spPr>
+        <p:txBody>
+          <a:bodyPr wrap="square">
+            <a:spAutoFit/>
+          </a:bodyPr>
+          <a:lstStyle/>
+          <a:p>
+            <a:r>
+              <a:rPr lang="pt-BR" b="0" dirty="0" err="1">
+                <a:solidFill>
+                  <a:srgbClr val="F269B9"/>
+                </a:solidFill>
+                <a:effectLst/>
+                <a:highlight>
+                  <a:srgbClr val="1B1D28"/>
+                </a:highlight>
+                <a:latin typeface="Consolas" panose="020B0609020204030204" pitchFamily="49" charset="0"/>
+              </a:rPr>
+              <a:t>def</a:t>
+            </a:r>
+            <a:r>
+              <a:rPr lang="pt-BR" b="0" dirty="0">
+                <a:solidFill>
+                  <a:srgbClr val="D1D4E0"/>
+                </a:solidFill>
+                <a:effectLst/>
+                <a:highlight>
+                  <a:srgbClr val="1B1D28"/>
+                </a:highlight>
+                <a:latin typeface="Consolas" panose="020B0609020204030204" pitchFamily="49" charset="0"/>
+              </a:rPr>
+              <a:t> </a:t>
+            </a:r>
+            <a:r>
+              <a:rPr lang="pt-BR" b="0" dirty="0">
+                <a:solidFill>
+                  <a:srgbClr val="2DE266"/>
+                </a:solidFill>
+                <a:effectLst/>
+                <a:highlight>
+                  <a:srgbClr val="1B1D28"/>
+                </a:highlight>
+                <a:latin typeface="Consolas" panose="020B0609020204030204" pitchFamily="49" charset="0"/>
+              </a:rPr>
+              <a:t>soma</a:t>
+            </a:r>
+            <a:r>
+              <a:rPr lang="pt-BR" b="0" dirty="0">
+                <a:solidFill>
+                  <a:srgbClr val="D1D4E0"/>
+                </a:solidFill>
+                <a:effectLst/>
+                <a:highlight>
+                  <a:srgbClr val="1B1D28"/>
+                </a:highlight>
+                <a:latin typeface="Consolas" panose="020B0609020204030204" pitchFamily="49" charset="0"/>
+              </a:rPr>
+              <a:t>(</a:t>
+            </a:r>
+            <a:r>
+              <a:rPr lang="pt-BR" b="0" dirty="0">
+                <a:solidFill>
+                  <a:srgbClr val="EDA85D"/>
+                </a:solidFill>
+                <a:effectLst/>
+                <a:highlight>
+                  <a:srgbClr val="1B1D28"/>
+                </a:highlight>
+                <a:latin typeface="Consolas" panose="020B0609020204030204" pitchFamily="49" charset="0"/>
+              </a:rPr>
+              <a:t>x</a:t>
+            </a:r>
+            <a:r>
+              <a:rPr lang="pt-BR" b="0" dirty="0">
+                <a:solidFill>
+                  <a:srgbClr val="D1D4E0"/>
+                </a:solidFill>
+                <a:effectLst/>
+                <a:highlight>
+                  <a:srgbClr val="1B1D28"/>
+                </a:highlight>
+                <a:latin typeface="Consolas" panose="020B0609020204030204" pitchFamily="49" charset="0"/>
+              </a:rPr>
+              <a:t>, </a:t>
+            </a:r>
+            <a:r>
+              <a:rPr lang="pt-BR" b="0" dirty="0">
+                <a:solidFill>
+                  <a:srgbClr val="EDA85D"/>
+                </a:solidFill>
+                <a:effectLst/>
+                <a:highlight>
+                  <a:srgbClr val="1B1D28"/>
+                </a:highlight>
+                <a:latin typeface="Consolas" panose="020B0609020204030204" pitchFamily="49" charset="0"/>
+              </a:rPr>
+              <a:t>y</a:t>
+            </a:r>
+            <a:r>
+              <a:rPr lang="pt-BR" b="0" dirty="0">
+                <a:solidFill>
+                  <a:srgbClr val="D1D4E0"/>
+                </a:solidFill>
+                <a:effectLst/>
+                <a:highlight>
+                  <a:srgbClr val="1B1D28"/>
+                </a:highlight>
+                <a:latin typeface="Consolas" panose="020B0609020204030204" pitchFamily="49" charset="0"/>
+              </a:rPr>
+              <a:t>):</a:t>
+            </a:r>
+          </a:p>
+          <a:p>
+            <a:r>
+              <a:rPr lang="pt-BR" b="0" dirty="0">
+                <a:solidFill>
+                  <a:srgbClr val="D1D4E0"/>
+                </a:solidFill>
+                <a:effectLst/>
+                <a:highlight>
+                  <a:srgbClr val="1B1D28"/>
+                </a:highlight>
+                <a:latin typeface="Consolas" panose="020B0609020204030204" pitchFamily="49" charset="0"/>
+              </a:rPr>
+              <a:t>    </a:t>
+            </a:r>
+            <a:r>
+              <a:rPr lang="pt-BR" b="0" dirty="0" err="1">
+                <a:solidFill>
+                  <a:srgbClr val="F269B9"/>
+                </a:solidFill>
+                <a:effectLst/>
+                <a:highlight>
+                  <a:srgbClr val="1B1D28"/>
+                </a:highlight>
+                <a:latin typeface="Consolas" panose="020B0609020204030204" pitchFamily="49" charset="0"/>
+              </a:rPr>
+              <a:t>if</a:t>
+            </a:r>
+            <a:r>
+              <a:rPr lang="pt-BR" b="0" dirty="0">
+                <a:solidFill>
+                  <a:srgbClr val="D1D4E0"/>
+                </a:solidFill>
+                <a:effectLst/>
+                <a:highlight>
+                  <a:srgbClr val="1B1D28"/>
+                </a:highlight>
+                <a:latin typeface="Consolas" panose="020B0609020204030204" pitchFamily="49" charset="0"/>
+              </a:rPr>
+              <a:t> </a:t>
+            </a:r>
+            <a:r>
+              <a:rPr lang="pt-BR" b="0" dirty="0">
+                <a:solidFill>
+                  <a:srgbClr val="EDA85D"/>
+                </a:solidFill>
+                <a:effectLst/>
+                <a:highlight>
+                  <a:srgbClr val="1B1D28"/>
+                </a:highlight>
+                <a:latin typeface="Consolas" panose="020B0609020204030204" pitchFamily="49" charset="0"/>
+              </a:rPr>
+              <a:t>x</a:t>
+            </a:r>
+            <a:r>
+              <a:rPr lang="pt-BR" b="0" dirty="0">
+                <a:solidFill>
+                  <a:srgbClr val="D1D4E0"/>
+                </a:solidFill>
+                <a:effectLst/>
+                <a:highlight>
+                  <a:srgbClr val="1B1D28"/>
+                </a:highlight>
+                <a:latin typeface="Consolas" panose="020B0609020204030204" pitchFamily="49" charset="0"/>
+              </a:rPr>
+              <a:t> </a:t>
+            </a:r>
+            <a:r>
+              <a:rPr lang="pt-BR" b="0" dirty="0">
+                <a:solidFill>
+                  <a:srgbClr val="F269B9"/>
+                </a:solidFill>
+                <a:effectLst/>
+                <a:highlight>
+                  <a:srgbClr val="1B1D28"/>
+                </a:highlight>
+                <a:latin typeface="Consolas" panose="020B0609020204030204" pitchFamily="49" charset="0"/>
+              </a:rPr>
+              <a:t>&gt;</a:t>
+            </a:r>
+            <a:r>
+              <a:rPr lang="pt-BR" b="0" dirty="0">
+                <a:solidFill>
+                  <a:srgbClr val="D1D4E0"/>
+                </a:solidFill>
+                <a:effectLst/>
+                <a:highlight>
+                  <a:srgbClr val="1B1D28"/>
+                </a:highlight>
+                <a:latin typeface="Consolas" panose="020B0609020204030204" pitchFamily="49" charset="0"/>
+              </a:rPr>
+              <a:t> </a:t>
+            </a:r>
+            <a:r>
+              <a:rPr lang="pt-BR" b="0" dirty="0">
+                <a:solidFill>
+                  <a:srgbClr val="AF86EB"/>
+                </a:solidFill>
+                <a:effectLst/>
+                <a:highlight>
+                  <a:srgbClr val="1B1D28"/>
+                </a:highlight>
+                <a:latin typeface="Consolas" panose="020B0609020204030204" pitchFamily="49" charset="0"/>
+              </a:rPr>
+              <a:t>10</a:t>
+            </a:r>
+            <a:r>
+              <a:rPr lang="pt-BR" b="0" dirty="0">
+                <a:solidFill>
+                  <a:srgbClr val="D1D4E0"/>
+                </a:solidFill>
+                <a:effectLst/>
+                <a:highlight>
+                  <a:srgbClr val="1B1D28"/>
+                </a:highlight>
+                <a:latin typeface="Consolas" panose="020B0609020204030204" pitchFamily="49" charset="0"/>
+              </a:rPr>
+              <a:t>:</a:t>
+            </a:r>
+          </a:p>
+          <a:p>
+            <a:r>
+              <a:rPr lang="pt-BR" b="0" dirty="0">
+                <a:solidFill>
+                  <a:srgbClr val="D1D4E0"/>
+                </a:solidFill>
+                <a:effectLst/>
+                <a:highlight>
+                  <a:srgbClr val="1B1D28"/>
+                </a:highlight>
+                <a:latin typeface="Consolas" panose="020B0609020204030204" pitchFamily="49" charset="0"/>
+              </a:rPr>
+              <a:t>        </a:t>
+            </a:r>
+            <a:r>
+              <a:rPr lang="pt-BR" b="0" dirty="0">
+                <a:solidFill>
+                  <a:srgbClr val="606890"/>
+                </a:solidFill>
+                <a:effectLst/>
+                <a:highlight>
+                  <a:srgbClr val="1B1D28"/>
+                </a:highlight>
+                <a:latin typeface="Consolas" panose="020B0609020204030204" pitchFamily="49" charset="0"/>
+              </a:rPr>
+              <a:t>#caso valores passado para x for maior que 10</a:t>
+            </a:r>
+            <a:endParaRPr lang="pt-BR" b="0" dirty="0">
+              <a:solidFill>
+                <a:srgbClr val="D1D4E0"/>
+              </a:solidFill>
+              <a:effectLst/>
+              <a:highlight>
+                <a:srgbClr val="1B1D28"/>
+              </a:highlight>
+              <a:latin typeface="Consolas" panose="020B0609020204030204" pitchFamily="49" charset="0"/>
+            </a:endParaRPr>
+          </a:p>
+          <a:p>
+            <a:r>
+              <a:rPr lang="pt-BR" b="0" dirty="0">
+                <a:solidFill>
+                  <a:srgbClr val="D1D4E0"/>
+                </a:solidFill>
+                <a:effectLst/>
+                <a:highlight>
+                  <a:srgbClr val="1B1D28"/>
+                </a:highlight>
+                <a:latin typeface="Consolas" panose="020B0609020204030204" pitchFamily="49" charset="0"/>
+              </a:rPr>
+              <a:t>        </a:t>
+            </a:r>
+            <a:r>
+              <a:rPr lang="pt-BR" b="0" dirty="0" err="1">
+                <a:solidFill>
+                  <a:srgbClr val="F269B9"/>
+                </a:solidFill>
+                <a:effectLst/>
+                <a:highlight>
+                  <a:srgbClr val="1B1D28"/>
+                </a:highlight>
+                <a:latin typeface="Consolas" panose="020B0609020204030204" pitchFamily="49" charset="0"/>
+              </a:rPr>
+              <a:t>return</a:t>
+            </a:r>
+            <a:r>
+              <a:rPr lang="pt-BR" b="0" dirty="0">
+                <a:solidFill>
+                  <a:srgbClr val="D1D4E0"/>
+                </a:solidFill>
+                <a:effectLst/>
+                <a:highlight>
+                  <a:srgbClr val="1B1D28"/>
+                </a:highlight>
+                <a:latin typeface="Consolas" panose="020B0609020204030204" pitchFamily="49" charset="0"/>
+              </a:rPr>
+              <a:t> [</a:t>
+            </a:r>
+            <a:r>
+              <a:rPr lang="pt-BR" b="0" dirty="0">
+                <a:solidFill>
+                  <a:srgbClr val="AF86EB"/>
+                </a:solidFill>
+                <a:effectLst/>
+                <a:highlight>
+                  <a:srgbClr val="1B1D28"/>
+                </a:highlight>
+                <a:latin typeface="Consolas" panose="020B0609020204030204" pitchFamily="49" charset="0"/>
+              </a:rPr>
+              <a:t>10</a:t>
+            </a:r>
+            <a:r>
+              <a:rPr lang="pt-BR" b="0" dirty="0">
+                <a:solidFill>
+                  <a:srgbClr val="D1D4E0"/>
+                </a:solidFill>
+                <a:effectLst/>
+                <a:highlight>
+                  <a:srgbClr val="1B1D28"/>
+                </a:highlight>
+                <a:latin typeface="Consolas" panose="020B0609020204030204" pitchFamily="49" charset="0"/>
+              </a:rPr>
+              <a:t>, </a:t>
+            </a:r>
+            <a:r>
+              <a:rPr lang="pt-BR" b="0" dirty="0">
+                <a:solidFill>
+                  <a:srgbClr val="AF86EB"/>
+                </a:solidFill>
+                <a:effectLst/>
+                <a:highlight>
+                  <a:srgbClr val="1B1D28"/>
+                </a:highlight>
+                <a:latin typeface="Consolas" panose="020B0609020204030204" pitchFamily="49" charset="0"/>
+              </a:rPr>
+              <a:t>20</a:t>
+            </a:r>
+            <a:r>
+              <a:rPr lang="pt-BR" b="0" dirty="0">
+                <a:solidFill>
+                  <a:srgbClr val="D1D4E0"/>
+                </a:solidFill>
+                <a:effectLst/>
+                <a:highlight>
+                  <a:srgbClr val="1B1D28"/>
+                </a:highlight>
+                <a:latin typeface="Consolas" panose="020B0609020204030204" pitchFamily="49" charset="0"/>
+              </a:rPr>
+              <a:t>]</a:t>
+            </a:r>
+          </a:p>
+          <a:p>
+            <a:r>
+              <a:rPr lang="pt-BR" b="0" dirty="0">
+                <a:solidFill>
+                  <a:srgbClr val="D1D4E0"/>
+                </a:solidFill>
+                <a:effectLst/>
+                <a:highlight>
+                  <a:srgbClr val="1B1D28"/>
+                </a:highlight>
+                <a:latin typeface="Consolas" panose="020B0609020204030204" pitchFamily="49" charset="0"/>
+              </a:rPr>
+              <a:t>    </a:t>
+            </a:r>
+            <a:r>
+              <a:rPr lang="pt-BR" b="0" dirty="0">
+                <a:solidFill>
+                  <a:srgbClr val="606890"/>
+                </a:solidFill>
+                <a:effectLst/>
+                <a:highlight>
+                  <a:srgbClr val="1B1D28"/>
+                </a:highlight>
+                <a:latin typeface="Consolas" panose="020B0609020204030204" pitchFamily="49" charset="0"/>
+              </a:rPr>
+              <a:t>#return finaliza a função</a:t>
+            </a:r>
+            <a:endParaRPr lang="pt-BR" b="0" dirty="0">
+              <a:solidFill>
+                <a:srgbClr val="D1D4E0"/>
+              </a:solidFill>
+              <a:effectLst/>
+              <a:highlight>
+                <a:srgbClr val="1B1D28"/>
+              </a:highlight>
+              <a:latin typeface="Consolas" panose="020B0609020204030204" pitchFamily="49" charset="0"/>
+            </a:endParaRPr>
+          </a:p>
+          <a:p>
+            <a:r>
+              <a:rPr lang="pt-BR" b="0" dirty="0">
+                <a:solidFill>
+                  <a:srgbClr val="D1D4E0"/>
+                </a:solidFill>
+                <a:effectLst/>
+                <a:highlight>
+                  <a:srgbClr val="1B1D28"/>
+                </a:highlight>
+                <a:latin typeface="Consolas" panose="020B0609020204030204" pitchFamily="49" charset="0"/>
+              </a:rPr>
+              <a:t>    </a:t>
+            </a:r>
+            <a:r>
+              <a:rPr lang="pt-BR" b="0" dirty="0" err="1">
+                <a:solidFill>
+                  <a:srgbClr val="F269B9"/>
+                </a:solidFill>
+                <a:effectLst/>
+                <a:highlight>
+                  <a:srgbClr val="1B1D28"/>
+                </a:highlight>
+                <a:latin typeface="Consolas" panose="020B0609020204030204" pitchFamily="49" charset="0"/>
+              </a:rPr>
+              <a:t>return</a:t>
+            </a:r>
+            <a:r>
+              <a:rPr lang="pt-BR" b="0" dirty="0">
+                <a:solidFill>
+                  <a:srgbClr val="D1D4E0"/>
+                </a:solidFill>
+                <a:effectLst/>
+                <a:highlight>
+                  <a:srgbClr val="1B1D28"/>
+                </a:highlight>
+                <a:latin typeface="Consolas" panose="020B0609020204030204" pitchFamily="49" charset="0"/>
+              </a:rPr>
+              <a:t> </a:t>
+            </a:r>
+            <a:r>
+              <a:rPr lang="pt-BR" b="0" dirty="0">
+                <a:solidFill>
+                  <a:srgbClr val="EDA85D"/>
+                </a:solidFill>
+                <a:effectLst/>
+                <a:highlight>
+                  <a:srgbClr val="1B1D28"/>
+                </a:highlight>
+                <a:latin typeface="Consolas" panose="020B0609020204030204" pitchFamily="49" charset="0"/>
+              </a:rPr>
+              <a:t>x</a:t>
+            </a:r>
+            <a:r>
+              <a:rPr lang="pt-BR" b="0" dirty="0">
+                <a:solidFill>
+                  <a:srgbClr val="D1D4E0"/>
+                </a:solidFill>
+                <a:effectLst/>
+                <a:highlight>
+                  <a:srgbClr val="1B1D28"/>
+                </a:highlight>
+                <a:latin typeface="Consolas" panose="020B0609020204030204" pitchFamily="49" charset="0"/>
+              </a:rPr>
+              <a:t> </a:t>
+            </a:r>
+            <a:r>
+              <a:rPr lang="pt-BR" b="0" dirty="0">
+                <a:solidFill>
+                  <a:srgbClr val="F269B9"/>
+                </a:solidFill>
+                <a:effectLst/>
+                <a:highlight>
+                  <a:srgbClr val="1B1D28"/>
+                </a:highlight>
+                <a:latin typeface="Consolas" panose="020B0609020204030204" pitchFamily="49" charset="0"/>
+              </a:rPr>
+              <a:t>+</a:t>
+            </a:r>
+            <a:r>
+              <a:rPr lang="pt-BR" b="0" dirty="0">
+                <a:solidFill>
+                  <a:srgbClr val="D1D4E0"/>
+                </a:solidFill>
+                <a:effectLst/>
+                <a:highlight>
+                  <a:srgbClr val="1B1D28"/>
+                </a:highlight>
+                <a:latin typeface="Consolas" panose="020B0609020204030204" pitchFamily="49" charset="0"/>
+              </a:rPr>
+              <a:t> </a:t>
+            </a:r>
+            <a:r>
+              <a:rPr lang="pt-BR" b="0" dirty="0">
+                <a:solidFill>
+                  <a:srgbClr val="EDA85D"/>
+                </a:solidFill>
+                <a:effectLst/>
+                <a:highlight>
+                  <a:srgbClr val="1B1D28"/>
+                </a:highlight>
+                <a:latin typeface="Consolas" panose="020B0609020204030204" pitchFamily="49" charset="0"/>
+              </a:rPr>
+              <a:t>y</a:t>
+            </a:r>
+            <a:endParaRPr lang="pt-BR" b="0" dirty="0">
+              <a:solidFill>
+                <a:srgbClr val="D1D4E0"/>
+              </a:solidFill>
+              <a:effectLst/>
+              <a:highlight>
+                <a:srgbClr val="1B1D28"/>
+              </a:highlight>
+              <a:latin typeface="Consolas" panose="020B0609020204030204" pitchFamily="49" charset="0"/>
+            </a:endParaRPr>
+          </a:p>
+          <a:p>
+            <a:br>
+              <a:rPr lang="pt-BR" b="0" dirty="0">
+                <a:solidFill>
+                  <a:srgbClr val="D1D4E0"/>
+                </a:solidFill>
+                <a:effectLst/>
+                <a:highlight>
+                  <a:srgbClr val="1B1D28"/>
+                </a:highlight>
+                <a:latin typeface="Consolas" panose="020B0609020204030204" pitchFamily="49" charset="0"/>
+              </a:rPr>
+            </a:br>
+            <a:r>
+              <a:rPr lang="pt-BR" b="0" dirty="0">
+                <a:solidFill>
+                  <a:srgbClr val="606890"/>
+                </a:solidFill>
+                <a:effectLst/>
+                <a:highlight>
+                  <a:srgbClr val="1B1D28"/>
+                </a:highlight>
+                <a:latin typeface="Consolas" panose="020B0609020204030204" pitchFamily="49" charset="0"/>
+              </a:rPr>
+              <a:t>#----------------------------------------------------------------</a:t>
+            </a:r>
+            <a:endParaRPr lang="pt-BR" b="0" dirty="0">
+              <a:solidFill>
+                <a:srgbClr val="D1D4E0"/>
+              </a:solidFill>
+              <a:effectLst/>
+              <a:highlight>
+                <a:srgbClr val="1B1D28"/>
+              </a:highlight>
+              <a:latin typeface="Consolas" panose="020B0609020204030204" pitchFamily="49" charset="0"/>
+            </a:endParaRPr>
+          </a:p>
+          <a:p>
+            <a:r>
+              <a:rPr lang="pt-BR" b="0" dirty="0">
+                <a:solidFill>
+                  <a:srgbClr val="2DE266"/>
+                </a:solidFill>
+                <a:effectLst/>
+                <a:highlight>
+                  <a:srgbClr val="1B1D28"/>
+                </a:highlight>
+                <a:latin typeface="Consolas" panose="020B0609020204030204" pitchFamily="49" charset="0"/>
+              </a:rPr>
+              <a:t>print</a:t>
+            </a:r>
+            <a:r>
+              <a:rPr lang="pt-BR" b="0" dirty="0">
+                <a:solidFill>
+                  <a:srgbClr val="D1D4E0"/>
+                </a:solidFill>
+                <a:effectLst/>
+                <a:highlight>
+                  <a:srgbClr val="1B1D28"/>
+                </a:highlight>
+                <a:latin typeface="Consolas" panose="020B0609020204030204" pitchFamily="49" charset="0"/>
+              </a:rPr>
+              <a:t>(</a:t>
+            </a:r>
+            <a:r>
+              <a:rPr lang="pt-BR" b="0" dirty="0">
+                <a:solidFill>
+                  <a:srgbClr val="2DE266"/>
+                </a:solidFill>
+                <a:effectLst/>
+                <a:highlight>
+                  <a:srgbClr val="1B1D28"/>
+                </a:highlight>
+                <a:latin typeface="Consolas" panose="020B0609020204030204" pitchFamily="49" charset="0"/>
+              </a:rPr>
+              <a:t>soma</a:t>
+            </a:r>
+            <a:r>
+              <a:rPr lang="pt-BR" b="0" dirty="0">
+                <a:solidFill>
+                  <a:srgbClr val="D1D4E0"/>
+                </a:solidFill>
+                <a:effectLst/>
+                <a:highlight>
+                  <a:srgbClr val="1B1D28"/>
+                </a:highlight>
+                <a:latin typeface="Consolas" panose="020B0609020204030204" pitchFamily="49" charset="0"/>
+              </a:rPr>
+              <a:t>(</a:t>
+            </a:r>
+            <a:r>
+              <a:rPr lang="pt-BR" b="0" dirty="0">
+                <a:solidFill>
+                  <a:srgbClr val="AF86EB"/>
+                </a:solidFill>
+                <a:effectLst/>
+                <a:highlight>
+                  <a:srgbClr val="1B1D28"/>
+                </a:highlight>
+                <a:latin typeface="Consolas" panose="020B0609020204030204" pitchFamily="49" charset="0"/>
+              </a:rPr>
+              <a:t>11</a:t>
+            </a:r>
+            <a:r>
+              <a:rPr lang="pt-BR" b="0" dirty="0">
+                <a:solidFill>
+                  <a:srgbClr val="D1D4E0"/>
+                </a:solidFill>
+                <a:effectLst/>
+                <a:highlight>
+                  <a:srgbClr val="1B1D28"/>
+                </a:highlight>
+                <a:latin typeface="Consolas" panose="020B0609020204030204" pitchFamily="49" charset="0"/>
+              </a:rPr>
+              <a:t>, </a:t>
+            </a:r>
+            <a:r>
+              <a:rPr lang="pt-BR" b="0" dirty="0">
+                <a:solidFill>
+                  <a:srgbClr val="AF86EB"/>
+                </a:solidFill>
+                <a:effectLst/>
+                <a:highlight>
+                  <a:srgbClr val="1B1D28"/>
+                </a:highlight>
+                <a:latin typeface="Consolas" panose="020B0609020204030204" pitchFamily="49" charset="0"/>
+              </a:rPr>
+              <a:t>55</a:t>
+            </a:r>
+            <a:r>
+              <a:rPr lang="pt-BR" b="0" dirty="0">
+                <a:solidFill>
+                  <a:srgbClr val="D1D4E0"/>
+                </a:solidFill>
+                <a:effectLst/>
+                <a:highlight>
+                  <a:srgbClr val="1B1D28"/>
+                </a:highlight>
+                <a:latin typeface="Consolas" panose="020B0609020204030204" pitchFamily="49" charset="0"/>
+              </a:rPr>
+              <a:t>))</a:t>
+            </a:r>
+          </a:p>
+        </p:txBody>
+      </p:sp>
+      <p:sp>
+        <p:nvSpPr>
+          <p:cNvPr id="6" name="Texto Explicativo: Linha 5">
+            <a:extLst>
+              <a:ext uri="{FF2B5EF4-FFF2-40B4-BE49-F238E27FC236}">
+                <a16:creationId xmlns:a16="http://schemas.microsoft.com/office/drawing/2014/main" id="{5AAACC08-F92C-C0E0-B85F-E6148C123DB3}"/>
+              </a:ext>
+            </a:extLst>
+          </p:cNvPr>
+          <p:cNvSpPr/>
+          <p:nvPr/>
+        </p:nvSpPr>
+        <p:spPr>
+          <a:xfrm>
+            <a:off x="6578082" y="4572000"/>
+            <a:ext cx="2565918" cy="1371600"/>
+          </a:xfrm>
+          <a:prstGeom prst="borderCallout1">
+            <a:avLst>
+              <a:gd name="adj1" fmla="val 18750"/>
+              <a:gd name="adj2" fmla="val -8333"/>
+              <a:gd name="adj3" fmla="val -82058"/>
+              <a:gd name="adj4" fmla="val -113969"/>
+            </a:avLst>
+          </a:prstGeom>
+        </p:spPr>
+        <p:style>
+          <a:lnRef idx="2">
+            <a:schemeClr val="accent1">
+              <a:shade val="15000"/>
+            </a:schemeClr>
+          </a:lnRef>
+          <a:fillRef idx="1">
+            <a:schemeClr val="accent1"/>
+          </a:fillRef>
+          <a:effectRef idx="0">
+            <a:schemeClr val="accent1"/>
+          </a:effectRef>
+          <a:fontRef idx="minor">
+            <a:schemeClr val="lt1"/>
+          </a:fontRef>
+        </p:style>
+        <p:txBody>
+          <a:bodyPr rtlCol="0" anchor="ctr"/>
+          <a:lstStyle/>
+          <a:p>
+            <a:pPr algn="ctr"/>
+            <a:r>
+              <a:rPr lang="pt-BR" dirty="0"/>
+              <a:t>Função e finalizada </a:t>
+            </a:r>
+          </a:p>
+          <a:p>
+            <a:pPr algn="ctr"/>
+            <a:r>
+              <a:rPr lang="pt-BR" dirty="0"/>
+              <a:t>No </a:t>
+            </a:r>
+            <a:r>
+              <a:rPr lang="pt-BR" dirty="0" err="1"/>
+              <a:t>return</a:t>
+            </a:r>
+            <a:r>
+              <a:rPr lang="pt-BR" dirty="0"/>
+              <a:t>.</a:t>
+            </a:r>
+          </a:p>
+        </p:txBody>
+      </p:sp>
+    </p:spTree>
+    <p:extLst>
+      <p:ext uri="{BB962C8B-B14F-4D97-AF65-F5344CB8AC3E}">
+        <p14:creationId xmlns:p14="http://schemas.microsoft.com/office/powerpoint/2010/main" val="3459539112"/>
+      </p:ext>
+    </p:extLst>
+  </p:cSld>
+  <p:clrMapOvr>
+    <a:masterClrMapping/>
+  </p:clrMapOvr>
+</p:sld>
+</file>
+
+<file path=ppt/slides/slide19.xml><?xml version="1.0" encoding="utf-8"?>
+<p:sld xmlns:a="http://schemas.openxmlformats.org/drawingml/2006/main" xmlns:r="http://schemas.openxmlformats.org/officeDocument/2006/relationships" xmlns:p="http://schemas.openxmlformats.org/presentationml/2006/main">
+  <p:cSld>
+    <p:bg>
+      <p:bgPr>
+        <a:solidFill>
+          <a:schemeClr val="bg1"/>
+        </a:solidFill>
+        <a:effectLst/>
+      </p:bgPr>
+    </p:bg>
+    <p:spTree>
+      <p:nvGrpSpPr>
+        <p:cNvPr id="1" name=""/>
+        <p:cNvGrpSpPr/>
+        <p:nvPr/>
+      </p:nvGrpSpPr>
+      <p:grpSpPr>
+        <a:xfrm>
+          <a:off x="0" y="0"/>
+          <a:ext cx="0" cy="0"/>
+          <a:chOff x="0" y="0"/>
+          <a:chExt cx="0" cy="0"/>
+        </a:xfrm>
+      </p:grpSpPr>
+      <p:sp useBgFill="1">
+        <p:nvSpPr>
+          <p:cNvPr id="40" name="Rectangle 39">
+            <a:extLst>
+              <a:ext uri="{FF2B5EF4-FFF2-40B4-BE49-F238E27FC236}">
+                <a16:creationId xmlns:a16="http://schemas.microsoft.com/office/drawing/2014/main" id="{B89090F2-B101-458B-9AFF-27327443BB09}"/>
+              </a:ext>
+              <a:ext uri="{C183D7F6-B498-43B3-948B-1728B52AA6E4}">
+                <adec:decorative xmlns:adec="http://schemas.microsoft.com/office/drawing/2017/decorative" val="1"/>
+              </a:ext>
+            </a:extLst>
+          </p:cNvPr>
+          <p:cNvSpPr>
+            <a:spLocks noGrp="1" noRot="1" noChangeAspect="1" noMove="1" noResize="1" noEditPoints="1" noAdjustHandles="1" noChangeArrowheads="1" noChangeShapeType="1" noTextEdit="1"/>
+          </p:cNvSpPr>
+          <p:nvPr>
+            <p:extLst>
+              <p:ext uri="{386F3935-93C4-4BCD-93E2-E3B085C9AB24}">
+                <p16:designElem xmlns:p16="http://schemas.microsoft.com/office/powerpoint/2015/main" val="1"/>
+              </p:ext>
+            </p:extLst>
+          </p:nvPr>
+        </p:nvSpPr>
+        <p:spPr bwMode="white">
+          <a:xfrm>
+            <a:off x="0" y="0"/>
+            <a:ext cx="12192000" cy="6858000"/>
+          </a:xfrm>
+          <a:prstGeom prst="rect">
+            <a:avLst/>
+          </a:prstGeom>
+          <a:ln>
+            <a:noFill/>
+          </a:ln>
+        </p:spPr>
+        <p:style>
+          <a:lnRef idx="2">
+            <a:schemeClr val="accent1">
+              <a:shade val="50000"/>
+            </a:schemeClr>
+          </a:lnRef>
+          <a:fillRef idx="1">
+            <a:schemeClr val="accent1"/>
+          </a:fillRef>
+          <a:effectRef idx="0">
+            <a:schemeClr val="accent1"/>
+          </a:effectRef>
+          <a:fontRef idx="minor">
+            <a:schemeClr val="lt1"/>
+          </a:fontRef>
+        </p:style>
+        <p:txBody>
+          <a:bodyPr rot="0" spcFirstLastPara="0" vert="horz" wrap="square" lIns="91440" tIns="45720" rIns="91440" bIns="45720" numCol="1" spcCol="0" rtlCol="0" fromWordArt="0" anchor="ctr" anchorCtr="0" forceAA="0" compatLnSpc="1">
+            <a:prstTxWarp prst="textNoShape">
+              <a:avLst/>
+            </a:prstTxWarp>
+            <a:noAutofit/>
+          </a:bodyPr>
+          <a:lstStyle>
+            <a:defPPr>
+              <a:defRPr lang="en-US"/>
+            </a:defPPr>
+            <a:lvl1pPr marL="0" algn="l" defTabSz="914400" rtl="0" eaLnBrk="1" latinLnBrk="0" hangingPunct="1">
+              <a:defRPr sz="1800" kern="1200">
+                <a:solidFill>
+                  <a:schemeClr val="lt1"/>
+                </a:solidFill>
+                <a:latin typeface="+mn-lt"/>
+                <a:ea typeface="+mn-ea"/>
+                <a:cs typeface="+mn-cs"/>
+              </a:defRPr>
+            </a:lvl1pPr>
+            <a:lvl2pPr marL="457200" algn="l" defTabSz="914400" rtl="0" eaLnBrk="1" latinLnBrk="0" hangingPunct="1">
+              <a:defRPr sz="1800" kern="1200">
+                <a:solidFill>
+                  <a:schemeClr val="lt1"/>
+                </a:solidFill>
+                <a:latin typeface="+mn-lt"/>
+                <a:ea typeface="+mn-ea"/>
+                <a:cs typeface="+mn-cs"/>
+              </a:defRPr>
+            </a:lvl2pPr>
+            <a:lvl3pPr marL="914400" algn="l" defTabSz="914400" rtl="0" eaLnBrk="1" latinLnBrk="0" hangingPunct="1">
+              <a:defRPr sz="1800" kern="1200">
+                <a:solidFill>
+                  <a:schemeClr val="lt1"/>
+                </a:solidFill>
+                <a:latin typeface="+mn-lt"/>
+                <a:ea typeface="+mn-ea"/>
+                <a:cs typeface="+mn-cs"/>
+              </a:defRPr>
+            </a:lvl3pPr>
+            <a:lvl4pPr marL="1371600" algn="l" defTabSz="914400" rtl="0" eaLnBrk="1" latinLnBrk="0" hangingPunct="1">
+              <a:defRPr sz="1800" kern="1200">
+                <a:solidFill>
+                  <a:schemeClr val="lt1"/>
+                </a:solidFill>
+                <a:latin typeface="+mn-lt"/>
+                <a:ea typeface="+mn-ea"/>
+                <a:cs typeface="+mn-cs"/>
+              </a:defRPr>
+            </a:lvl4pPr>
+            <a:lvl5pPr marL="1828800" algn="l" defTabSz="914400" rtl="0" eaLnBrk="1" latinLnBrk="0" hangingPunct="1">
+              <a:defRPr sz="1800" kern="1200">
+                <a:solidFill>
+                  <a:schemeClr val="lt1"/>
+                </a:solidFill>
+                <a:latin typeface="+mn-lt"/>
+                <a:ea typeface="+mn-ea"/>
+                <a:cs typeface="+mn-cs"/>
+              </a:defRPr>
+            </a:lvl5pPr>
+            <a:lvl6pPr marL="2286000" algn="l" defTabSz="914400" rtl="0" eaLnBrk="1" latinLnBrk="0" hangingPunct="1">
+              <a:defRPr sz="1800" kern="1200">
+                <a:solidFill>
+                  <a:schemeClr val="lt1"/>
+                </a:solidFill>
+                <a:latin typeface="+mn-lt"/>
+                <a:ea typeface="+mn-ea"/>
+                <a:cs typeface="+mn-cs"/>
+              </a:defRPr>
+            </a:lvl6pPr>
+            <a:lvl7pPr marL="2743200" algn="l" defTabSz="914400" rtl="0" eaLnBrk="1" latinLnBrk="0" hangingPunct="1">
+              <a:defRPr sz="1800" kern="1200">
+                <a:solidFill>
+                  <a:schemeClr val="lt1"/>
+                </a:solidFill>
+                <a:latin typeface="+mn-lt"/>
+                <a:ea typeface="+mn-ea"/>
+                <a:cs typeface="+mn-cs"/>
+              </a:defRPr>
+            </a:lvl7pPr>
+            <a:lvl8pPr marL="3200400" algn="l" defTabSz="914400" rtl="0" eaLnBrk="1" latinLnBrk="0" hangingPunct="1">
+              <a:defRPr sz="1800" kern="1200">
+                <a:solidFill>
+                  <a:schemeClr val="lt1"/>
+                </a:solidFill>
+                <a:latin typeface="+mn-lt"/>
+                <a:ea typeface="+mn-ea"/>
+                <a:cs typeface="+mn-cs"/>
+              </a:defRPr>
+            </a:lvl8pPr>
+            <a:lvl9pPr marL="3657600" algn="l" defTabSz="914400" rtl="0" eaLnBrk="1" latinLnBrk="0" hangingPunct="1">
+              <a:defRPr sz="1800" kern="1200">
+                <a:solidFill>
+                  <a:schemeClr val="lt1"/>
+                </a:solidFill>
+                <a:latin typeface="+mn-lt"/>
+                <a:ea typeface="+mn-ea"/>
+                <a:cs typeface="+mn-cs"/>
+              </a:defRPr>
+            </a:lvl9pPr>
+          </a:lstStyle>
+          <a:p>
+            <a:pPr algn="ctr"/>
+            <a:endParaRPr lang="en-US"/>
+          </a:p>
+        </p:txBody>
+      </p:sp>
+      <p:sp>
+        <p:nvSpPr>
+          <p:cNvPr id="2" name="Título 1">
+            <a:extLst>
+              <a:ext uri="{FF2B5EF4-FFF2-40B4-BE49-F238E27FC236}">
+                <a16:creationId xmlns:a16="http://schemas.microsoft.com/office/drawing/2014/main" id="{9D4DFD27-ACA4-1794-D857-3BC7340744BA}"/>
+              </a:ext>
+            </a:extLst>
+          </p:cNvPr>
+          <p:cNvSpPr>
+            <a:spLocks noGrp="1"/>
+          </p:cNvSpPr>
+          <p:nvPr>
+            <p:ph type="ctrTitle"/>
+          </p:nvPr>
+        </p:nvSpPr>
+        <p:spPr>
+          <a:xfrm>
+            <a:off x="4639056" y="1235847"/>
+            <a:ext cx="6784847" cy="3325266"/>
+          </a:xfrm>
+        </p:spPr>
+        <p:txBody>
+          <a:bodyPr>
+            <a:normAutofit/>
+          </a:bodyPr>
+          <a:lstStyle/>
+          <a:p>
+            <a:r>
+              <a:rPr lang="pt-BR" sz="7200" dirty="0" err="1"/>
+              <a:t>Args</a:t>
+            </a:r>
+            <a:endParaRPr lang="pt-BR" sz="7200" dirty="0"/>
+          </a:p>
+        </p:txBody>
+      </p:sp>
+      <p:sp>
+        <p:nvSpPr>
+          <p:cNvPr id="42" name="Freeform 6">
+            <a:extLst>
+              <a:ext uri="{FF2B5EF4-FFF2-40B4-BE49-F238E27FC236}">
+                <a16:creationId xmlns:a16="http://schemas.microsoft.com/office/drawing/2014/main" id="{526C103B-17BD-4B48-AB6F-0D9EF826AAC4}"/>
+              </a:ext>
+              <a:ext uri="{C183D7F6-B498-43B3-948B-1728B52AA6E4}">
+                <adec:decorative xmlns:adec="http://schemas.microsoft.com/office/drawing/2017/decorative" val="1"/>
+              </a:ext>
+            </a:extLst>
+          </p:cNvPr>
+          <p:cNvSpPr>
+            <a:spLocks noGrp="1" noRot="1" noChangeAspect="1" noMove="1" noResize="1" noEditPoints="1" noAdjustHandles="1" noChangeArrowheads="1" noChangeShapeType="1" noTextEdit="1"/>
+          </p:cNvSpPr>
+          <p:nvPr>
+            <p:extLst>
+              <p:ext uri="{386F3935-93C4-4BCD-93E2-E3B085C9AB24}">
+                <p16:designElem xmlns:p16="http://schemas.microsoft.com/office/powerpoint/2015/main" val="1"/>
+              </p:ext>
+            </p:extLst>
+          </p:nvPr>
+        </p:nvSpPr>
+        <p:spPr bwMode="auto">
+          <a:xfrm>
+            <a:off x="0" y="0"/>
+            <a:ext cx="885825" cy="6858000"/>
+          </a:xfrm>
+          <a:custGeom>
+            <a:avLst/>
+            <a:gdLst/>
+            <a:ahLst/>
+            <a:cxnLst/>
+            <a:rect l="0" t="0" r="r" b="b"/>
+            <a:pathLst>
+              <a:path w="558" h="4320">
+                <a:moveTo>
+                  <a:pt x="0" y="0"/>
+                </a:moveTo>
+                <a:lnTo>
+                  <a:pt x="447" y="0"/>
+                </a:lnTo>
+                <a:lnTo>
+                  <a:pt x="448" y="43"/>
+                </a:lnTo>
+                <a:lnTo>
+                  <a:pt x="453" y="81"/>
+                </a:lnTo>
+                <a:lnTo>
+                  <a:pt x="460" y="114"/>
+                </a:lnTo>
+                <a:lnTo>
+                  <a:pt x="469" y="143"/>
+                </a:lnTo>
+                <a:lnTo>
+                  <a:pt x="479" y="169"/>
+                </a:lnTo>
+                <a:lnTo>
+                  <a:pt x="491" y="192"/>
+                </a:lnTo>
+                <a:lnTo>
+                  <a:pt x="503" y="216"/>
+                </a:lnTo>
+                <a:lnTo>
+                  <a:pt x="515" y="240"/>
+                </a:lnTo>
+                <a:lnTo>
+                  <a:pt x="525" y="263"/>
+                </a:lnTo>
+                <a:lnTo>
+                  <a:pt x="535" y="289"/>
+                </a:lnTo>
+                <a:lnTo>
+                  <a:pt x="545" y="318"/>
+                </a:lnTo>
+                <a:lnTo>
+                  <a:pt x="552" y="351"/>
+                </a:lnTo>
+                <a:lnTo>
+                  <a:pt x="556" y="389"/>
+                </a:lnTo>
+                <a:lnTo>
+                  <a:pt x="558" y="432"/>
+                </a:lnTo>
+                <a:lnTo>
+                  <a:pt x="556" y="475"/>
+                </a:lnTo>
+                <a:lnTo>
+                  <a:pt x="552" y="513"/>
+                </a:lnTo>
+                <a:lnTo>
+                  <a:pt x="545" y="546"/>
+                </a:lnTo>
+                <a:lnTo>
+                  <a:pt x="535" y="575"/>
+                </a:lnTo>
+                <a:lnTo>
+                  <a:pt x="525" y="601"/>
+                </a:lnTo>
+                <a:lnTo>
+                  <a:pt x="515" y="624"/>
+                </a:lnTo>
+                <a:lnTo>
+                  <a:pt x="503" y="648"/>
+                </a:lnTo>
+                <a:lnTo>
+                  <a:pt x="491" y="672"/>
+                </a:lnTo>
+                <a:lnTo>
+                  <a:pt x="479" y="695"/>
+                </a:lnTo>
+                <a:lnTo>
+                  <a:pt x="469" y="721"/>
+                </a:lnTo>
+                <a:lnTo>
+                  <a:pt x="460" y="750"/>
+                </a:lnTo>
+                <a:lnTo>
+                  <a:pt x="453" y="783"/>
+                </a:lnTo>
+                <a:lnTo>
+                  <a:pt x="448" y="821"/>
+                </a:lnTo>
+                <a:lnTo>
+                  <a:pt x="447" y="864"/>
+                </a:lnTo>
+                <a:lnTo>
+                  <a:pt x="448" y="907"/>
+                </a:lnTo>
+                <a:lnTo>
+                  <a:pt x="453" y="945"/>
+                </a:lnTo>
+                <a:lnTo>
+                  <a:pt x="460" y="978"/>
+                </a:lnTo>
+                <a:lnTo>
+                  <a:pt x="469" y="1007"/>
+                </a:lnTo>
+                <a:lnTo>
+                  <a:pt x="479" y="1033"/>
+                </a:lnTo>
+                <a:lnTo>
+                  <a:pt x="491" y="1056"/>
+                </a:lnTo>
+                <a:lnTo>
+                  <a:pt x="503" y="1080"/>
+                </a:lnTo>
+                <a:lnTo>
+                  <a:pt x="515" y="1104"/>
+                </a:lnTo>
+                <a:lnTo>
+                  <a:pt x="525" y="1127"/>
+                </a:lnTo>
+                <a:lnTo>
+                  <a:pt x="535" y="1153"/>
+                </a:lnTo>
+                <a:lnTo>
+                  <a:pt x="545" y="1182"/>
+                </a:lnTo>
+                <a:lnTo>
+                  <a:pt x="552" y="1215"/>
+                </a:lnTo>
+                <a:lnTo>
+                  <a:pt x="556" y="1253"/>
+                </a:lnTo>
+                <a:lnTo>
+                  <a:pt x="558" y="1296"/>
+                </a:lnTo>
+                <a:lnTo>
+                  <a:pt x="556" y="1339"/>
+                </a:lnTo>
+                <a:lnTo>
+                  <a:pt x="552" y="1377"/>
+                </a:lnTo>
+                <a:lnTo>
+                  <a:pt x="545" y="1410"/>
+                </a:lnTo>
+                <a:lnTo>
+                  <a:pt x="535" y="1439"/>
+                </a:lnTo>
+                <a:lnTo>
+                  <a:pt x="525" y="1465"/>
+                </a:lnTo>
+                <a:lnTo>
+                  <a:pt x="515" y="1488"/>
+                </a:lnTo>
+                <a:lnTo>
+                  <a:pt x="503" y="1512"/>
+                </a:lnTo>
+                <a:lnTo>
+                  <a:pt x="491" y="1536"/>
+                </a:lnTo>
+                <a:lnTo>
+                  <a:pt x="479" y="1559"/>
+                </a:lnTo>
+                <a:lnTo>
+                  <a:pt x="469" y="1585"/>
+                </a:lnTo>
+                <a:lnTo>
+                  <a:pt x="460" y="1614"/>
+                </a:lnTo>
+                <a:lnTo>
+                  <a:pt x="453" y="1647"/>
+                </a:lnTo>
+                <a:lnTo>
+                  <a:pt x="448" y="1685"/>
+                </a:lnTo>
+                <a:lnTo>
+                  <a:pt x="447" y="1728"/>
+                </a:lnTo>
+                <a:lnTo>
+                  <a:pt x="448" y="1771"/>
+                </a:lnTo>
+                <a:lnTo>
+                  <a:pt x="453" y="1809"/>
+                </a:lnTo>
+                <a:lnTo>
+                  <a:pt x="460" y="1842"/>
+                </a:lnTo>
+                <a:lnTo>
+                  <a:pt x="469" y="1871"/>
+                </a:lnTo>
+                <a:lnTo>
+                  <a:pt x="479" y="1897"/>
+                </a:lnTo>
+                <a:lnTo>
+                  <a:pt x="491" y="1920"/>
+                </a:lnTo>
+                <a:lnTo>
+                  <a:pt x="503" y="1944"/>
+                </a:lnTo>
+                <a:lnTo>
+                  <a:pt x="515" y="1968"/>
+                </a:lnTo>
+                <a:lnTo>
+                  <a:pt x="525" y="1991"/>
+                </a:lnTo>
+                <a:lnTo>
+                  <a:pt x="535" y="2017"/>
+                </a:lnTo>
+                <a:lnTo>
+                  <a:pt x="545" y="2046"/>
+                </a:lnTo>
+                <a:lnTo>
+                  <a:pt x="552" y="2079"/>
+                </a:lnTo>
+                <a:lnTo>
+                  <a:pt x="556" y="2117"/>
+                </a:lnTo>
+                <a:lnTo>
+                  <a:pt x="558" y="2159"/>
+                </a:lnTo>
+                <a:lnTo>
+                  <a:pt x="556" y="2203"/>
+                </a:lnTo>
+                <a:lnTo>
+                  <a:pt x="552" y="2241"/>
+                </a:lnTo>
+                <a:lnTo>
+                  <a:pt x="545" y="2274"/>
+                </a:lnTo>
+                <a:lnTo>
+                  <a:pt x="535" y="2303"/>
+                </a:lnTo>
+                <a:lnTo>
+                  <a:pt x="525" y="2329"/>
+                </a:lnTo>
+                <a:lnTo>
+                  <a:pt x="515" y="2352"/>
+                </a:lnTo>
+                <a:lnTo>
+                  <a:pt x="503" y="2376"/>
+                </a:lnTo>
+                <a:lnTo>
+                  <a:pt x="491" y="2400"/>
+                </a:lnTo>
+                <a:lnTo>
+                  <a:pt x="479" y="2423"/>
+                </a:lnTo>
+                <a:lnTo>
+                  <a:pt x="469" y="2449"/>
+                </a:lnTo>
+                <a:lnTo>
+                  <a:pt x="460" y="2478"/>
+                </a:lnTo>
+                <a:lnTo>
+                  <a:pt x="453" y="2511"/>
+                </a:lnTo>
+                <a:lnTo>
+                  <a:pt x="448" y="2549"/>
+                </a:lnTo>
+                <a:lnTo>
+                  <a:pt x="447" y="2592"/>
+                </a:lnTo>
+                <a:lnTo>
+                  <a:pt x="448" y="2635"/>
+                </a:lnTo>
+                <a:lnTo>
+                  <a:pt x="453" y="2673"/>
+                </a:lnTo>
+                <a:lnTo>
+                  <a:pt x="460" y="2706"/>
+                </a:lnTo>
+                <a:lnTo>
+                  <a:pt x="469" y="2735"/>
+                </a:lnTo>
+                <a:lnTo>
+                  <a:pt x="479" y="2761"/>
+                </a:lnTo>
+                <a:lnTo>
+                  <a:pt x="491" y="2784"/>
+                </a:lnTo>
+                <a:lnTo>
+                  <a:pt x="515" y="2832"/>
+                </a:lnTo>
+                <a:lnTo>
+                  <a:pt x="525" y="2855"/>
+                </a:lnTo>
+                <a:lnTo>
+                  <a:pt x="535" y="2881"/>
+                </a:lnTo>
+                <a:lnTo>
+                  <a:pt x="545" y="2910"/>
+                </a:lnTo>
+                <a:lnTo>
+                  <a:pt x="552" y="2943"/>
+                </a:lnTo>
+                <a:lnTo>
+                  <a:pt x="556" y="2981"/>
+                </a:lnTo>
+                <a:lnTo>
+                  <a:pt x="558" y="3024"/>
+                </a:lnTo>
+                <a:lnTo>
+                  <a:pt x="556" y="3067"/>
+                </a:lnTo>
+                <a:lnTo>
+                  <a:pt x="552" y="3105"/>
+                </a:lnTo>
+                <a:lnTo>
+                  <a:pt x="545" y="3138"/>
+                </a:lnTo>
+                <a:lnTo>
+                  <a:pt x="535" y="3167"/>
+                </a:lnTo>
+                <a:lnTo>
+                  <a:pt x="525" y="3193"/>
+                </a:lnTo>
+                <a:lnTo>
+                  <a:pt x="515" y="3216"/>
+                </a:lnTo>
+                <a:lnTo>
+                  <a:pt x="503" y="3240"/>
+                </a:lnTo>
+                <a:lnTo>
+                  <a:pt x="491" y="3264"/>
+                </a:lnTo>
+                <a:lnTo>
+                  <a:pt x="479" y="3287"/>
+                </a:lnTo>
+                <a:lnTo>
+                  <a:pt x="469" y="3313"/>
+                </a:lnTo>
+                <a:lnTo>
+                  <a:pt x="460" y="3342"/>
+                </a:lnTo>
+                <a:lnTo>
+                  <a:pt x="453" y="3375"/>
+                </a:lnTo>
+                <a:lnTo>
+                  <a:pt x="448" y="3413"/>
+                </a:lnTo>
+                <a:lnTo>
+                  <a:pt x="447" y="3456"/>
+                </a:lnTo>
+                <a:lnTo>
+                  <a:pt x="448" y="3499"/>
+                </a:lnTo>
+                <a:lnTo>
+                  <a:pt x="453" y="3537"/>
+                </a:lnTo>
+                <a:lnTo>
+                  <a:pt x="460" y="3570"/>
+                </a:lnTo>
+                <a:lnTo>
+                  <a:pt x="469" y="3599"/>
+                </a:lnTo>
+                <a:lnTo>
+                  <a:pt x="479" y="3625"/>
+                </a:lnTo>
+                <a:lnTo>
+                  <a:pt x="491" y="3648"/>
+                </a:lnTo>
+                <a:lnTo>
+                  <a:pt x="503" y="3672"/>
+                </a:lnTo>
+                <a:lnTo>
+                  <a:pt x="515" y="3696"/>
+                </a:lnTo>
+                <a:lnTo>
+                  <a:pt x="525" y="3719"/>
+                </a:lnTo>
+                <a:lnTo>
+                  <a:pt x="535" y="3745"/>
+                </a:lnTo>
+                <a:lnTo>
+                  <a:pt x="545" y="3774"/>
+                </a:lnTo>
+                <a:lnTo>
+                  <a:pt x="552" y="3807"/>
+                </a:lnTo>
+                <a:lnTo>
+                  <a:pt x="556" y="3845"/>
+                </a:lnTo>
+                <a:lnTo>
+                  <a:pt x="558" y="3888"/>
+                </a:lnTo>
+                <a:lnTo>
+                  <a:pt x="556" y="3931"/>
+                </a:lnTo>
+                <a:lnTo>
+                  <a:pt x="552" y="3969"/>
+                </a:lnTo>
+                <a:lnTo>
+                  <a:pt x="545" y="4002"/>
+                </a:lnTo>
+                <a:lnTo>
+                  <a:pt x="535" y="4031"/>
+                </a:lnTo>
+                <a:lnTo>
+                  <a:pt x="525" y="4057"/>
+                </a:lnTo>
+                <a:lnTo>
+                  <a:pt x="515" y="4080"/>
+                </a:lnTo>
+                <a:lnTo>
+                  <a:pt x="503" y="4104"/>
+                </a:lnTo>
+                <a:lnTo>
+                  <a:pt x="491" y="4128"/>
+                </a:lnTo>
+                <a:lnTo>
+                  <a:pt x="479" y="4151"/>
+                </a:lnTo>
+                <a:lnTo>
+                  <a:pt x="469" y="4177"/>
+                </a:lnTo>
+                <a:lnTo>
+                  <a:pt x="460" y="4206"/>
+                </a:lnTo>
+                <a:lnTo>
+                  <a:pt x="453" y="4239"/>
+                </a:lnTo>
+                <a:lnTo>
+                  <a:pt x="448" y="4277"/>
+                </a:lnTo>
+                <a:lnTo>
+                  <a:pt x="447" y="4320"/>
+                </a:lnTo>
+                <a:lnTo>
+                  <a:pt x="0" y="4320"/>
+                </a:lnTo>
+                <a:lnTo>
+                  <a:pt x="0" y="0"/>
+                </a:lnTo>
+                <a:close/>
+              </a:path>
+            </a:pathLst>
+          </a:custGeom>
+          <a:solidFill>
+            <a:schemeClr val="tx2"/>
+          </a:solidFill>
+          <a:ln w="0">
+            <a:noFill/>
+            <a:prstDash val="solid"/>
+            <a:round/>
+            <a:headEnd/>
+            <a:tailEnd/>
+          </a:ln>
+        </p:spPr>
+        <p:txBody>
+          <a:bodyPr/>
+          <a:lstStyle/>
+          <a:p>
+            <a:endParaRPr lang="pt-BR"/>
+          </a:p>
+        </p:txBody>
+      </p:sp>
+      <p:pic>
+        <p:nvPicPr>
+          <p:cNvPr id="27" name="Graphic 26" descr="Programador">
+            <a:extLst>
+              <a:ext uri="{FF2B5EF4-FFF2-40B4-BE49-F238E27FC236}">
+                <a16:creationId xmlns:a16="http://schemas.microsoft.com/office/drawing/2014/main" id="{84ADACB3-6759-6202-E5E9-D8673D71ACD3}"/>
+              </a:ext>
+            </a:extLst>
+          </p:cNvPr>
+          <p:cNvPicPr>
+            <a:picLocks noChangeAspect="1"/>
+          </p:cNvPicPr>
+          <p:nvPr/>
+        </p:nvPicPr>
+        <p:blipFill>
+          <a:blip r:embed="rId2">
+            <a:extLst>
+              <a:ext uri="{28A0092B-C50C-407E-A947-70E740481C1C}">
+                <a14:useLocalDpi xmlns:a14="http://schemas.microsoft.com/office/drawing/2010/main" val="0"/>
+              </a:ext>
+              <a:ext uri="{96DAC541-7B7A-43D3-8B79-37D633B846F1}">
+                <asvg:svgBlip xmlns:asvg="http://schemas.microsoft.com/office/drawing/2016/SVG/main" r:embed="rId3"/>
+              </a:ext>
+            </a:extLst>
+          </a:blip>
+          <a:stretch>
+            <a:fillRect/>
+          </a:stretch>
+        </p:blipFill>
+        <p:spPr>
+          <a:xfrm>
+            <a:off x="1240971" y="1709603"/>
+            <a:ext cx="3398085" cy="3398085"/>
+          </a:xfrm>
+          <a:prstGeom prst="rect">
+            <a:avLst/>
+          </a:prstGeom>
+        </p:spPr>
+      </p:pic>
+      <p:sp>
+        <p:nvSpPr>
+          <p:cNvPr id="44" name="Rectangle 43">
+            <a:extLst>
+              <a:ext uri="{FF2B5EF4-FFF2-40B4-BE49-F238E27FC236}">
+                <a16:creationId xmlns:a16="http://schemas.microsoft.com/office/drawing/2014/main" id="{E9EC3243-CA25-4485-A7FE-8B0141923844}"/>
+              </a:ext>
+              <a:ext uri="{C183D7F6-B498-43B3-948B-1728B52AA6E4}">
+                <adec:decorative xmlns:adec="http://schemas.microsoft.com/office/drawing/2017/decorative" val="1"/>
+              </a:ext>
+            </a:extLst>
+          </p:cNvPr>
+          <p:cNvSpPr>
+            <a:spLocks noGrp="1" noRot="1" noChangeAspect="1" noMove="1" noResize="1" noEditPoints="1" noAdjustHandles="1" noChangeArrowheads="1" noChangeShapeType="1" noTextEdit="1"/>
+          </p:cNvSpPr>
+          <p:nvPr>
+            <p:extLst>
+              <p:ext uri="{386F3935-93C4-4BCD-93E2-E3B085C9AB24}">
+                <p16:designElem xmlns:p16="http://schemas.microsoft.com/office/powerpoint/2015/main" val="1"/>
+              </p:ext>
+            </p:extLst>
+          </p:nvPr>
+        </p:nvSpPr>
+        <p:spPr>
+          <a:xfrm>
+            <a:off x="11908536" y="0"/>
+            <a:ext cx="283464" cy="6858000"/>
+          </a:xfrm>
+          <a:prstGeom prst="rect">
+            <a:avLst/>
+          </a:prstGeom>
+          <a:solidFill>
+            <a:schemeClr val="accent1"/>
+          </a:solidFill>
+          <a:ln>
+            <a:noFill/>
+          </a:ln>
+        </p:spPr>
+        <p:style>
+          <a:lnRef idx="2">
+            <a:schemeClr val="accent1">
+              <a:shade val="50000"/>
+            </a:schemeClr>
+          </a:lnRef>
+          <a:fillRef idx="1">
+            <a:schemeClr val="accent1"/>
+          </a:fillRef>
+          <a:effectRef idx="0">
+            <a:schemeClr val="accent1"/>
+          </a:effectRef>
+          <a:fontRef idx="minor">
+            <a:schemeClr val="lt1"/>
+          </a:fontRef>
+        </p:style>
+        <p:txBody>
+          <a:bodyPr/>
+          <a:lstStyle/>
+          <a:p>
+            <a:endParaRPr lang="pt-BR"/>
+          </a:p>
+        </p:txBody>
+      </p:sp>
+    </p:spTree>
+    <p:extLst>
+      <p:ext uri="{BB962C8B-B14F-4D97-AF65-F5344CB8AC3E}">
+        <p14:creationId xmlns:p14="http://schemas.microsoft.com/office/powerpoint/2010/main" val="3365348993"/>
       </p:ext>
     </p:extLst>
   </p:cSld>
@@ -13976,6 +16489,1799 @@
     <p:extLst>
       <p:ext uri="{BB962C8B-B14F-4D97-AF65-F5344CB8AC3E}">
         <p14:creationId xmlns:p14="http://schemas.microsoft.com/office/powerpoint/2010/main" val="4223320377"/>
+      </p:ext>
+    </p:extLst>
+  </p:cSld>
+  <p:clrMapOvr>
+    <a:masterClrMapping/>
+  </p:clrMapOvr>
+</p:sld>
+</file>
+
+<file path=ppt/slides/slide20.xml><?xml version="1.0" encoding="utf-8"?>
+<p:sld xmlns:a="http://schemas.openxmlformats.org/drawingml/2006/main" xmlns:r="http://schemas.openxmlformats.org/officeDocument/2006/relationships" xmlns:p="http://schemas.openxmlformats.org/presentationml/2006/main" showMasterSp="0">
+  <p:cSld>
+    <p:bg>
+      <p:bgPr>
+        <a:solidFill>
+          <a:schemeClr val="bg2">
+            <a:lumMod val="10000"/>
+          </a:schemeClr>
+        </a:solidFill>
+        <a:effectLst/>
+      </p:bgPr>
+    </p:bg>
+    <p:spTree>
+      <p:nvGrpSpPr>
+        <p:cNvPr id="1" name=""/>
+        <p:cNvGrpSpPr/>
+        <p:nvPr/>
+      </p:nvGrpSpPr>
+      <p:grpSpPr>
+        <a:xfrm>
+          <a:off x="0" y="0"/>
+          <a:ext cx="0" cy="0"/>
+          <a:chOff x="0" y="0"/>
+          <a:chExt cx="0" cy="0"/>
+        </a:xfrm>
+      </p:grpSpPr>
+      <p:sp>
+        <p:nvSpPr>
+          <p:cNvPr id="2" name="Título 1">
+            <a:extLst>
+              <a:ext uri="{FF2B5EF4-FFF2-40B4-BE49-F238E27FC236}">
+                <a16:creationId xmlns:a16="http://schemas.microsoft.com/office/drawing/2014/main" id="{83C6E063-9BFE-06CE-C9BC-5EE9CCAE3D29}"/>
+              </a:ext>
+            </a:extLst>
+          </p:cNvPr>
+          <p:cNvSpPr>
+            <a:spLocks noGrp="1"/>
+          </p:cNvSpPr>
+          <p:nvPr>
+            <p:ph type="title"/>
+          </p:nvPr>
+        </p:nvSpPr>
+        <p:spPr/>
+        <p:txBody>
+          <a:bodyPr/>
+          <a:lstStyle/>
+          <a:p>
+            <a:r>
+              <a:rPr lang="pt-BR" dirty="0"/>
+              <a:t>DEF – Aula 7	</a:t>
+            </a:r>
+          </a:p>
+        </p:txBody>
+      </p:sp>
+      <p:pic>
+        <p:nvPicPr>
+          <p:cNvPr id="1026" name="Picture 2">
+            <a:extLst>
+              <a:ext uri="{FF2B5EF4-FFF2-40B4-BE49-F238E27FC236}">
+                <a16:creationId xmlns:a16="http://schemas.microsoft.com/office/drawing/2014/main" id="{BFCC1361-CFA5-41DC-9639-9812D7C04FC8}"/>
+              </a:ext>
+            </a:extLst>
+          </p:cNvPr>
+          <p:cNvPicPr>
+            <a:picLocks noChangeAspect="1" noChangeArrowheads="1"/>
+          </p:cNvPicPr>
+          <p:nvPr/>
+        </p:nvPicPr>
+        <p:blipFill>
+          <a:blip r:embed="rId2">
+            <a:extLst>
+              <a:ext uri="{28A0092B-C50C-407E-A947-70E740481C1C}">
+                <a14:useLocalDpi xmlns:a14="http://schemas.microsoft.com/office/drawing/2010/main" val="0"/>
+              </a:ext>
+            </a:extLst>
+          </a:blip>
+          <a:srcRect/>
+          <a:stretch>
+            <a:fillRect/>
+          </a:stretch>
+        </p:blipFill>
+        <p:spPr bwMode="auto">
+          <a:xfrm>
+            <a:off x="102198" y="20849"/>
+            <a:ext cx="659802" cy="723071"/>
+          </a:xfrm>
+          <a:prstGeom prst="rect">
+            <a:avLst/>
+          </a:prstGeom>
+          <a:noFill/>
+          <a:extLst>
+            <a:ext uri="{909E8E84-426E-40DD-AFC4-6F175D3DCCD1}">
+              <a14:hiddenFill xmlns:a14="http://schemas.microsoft.com/office/drawing/2010/main">
+                <a:solidFill>
+                  <a:srgbClr val="FFFFFF"/>
+                </a:solidFill>
+              </a14:hiddenFill>
+            </a:ext>
+          </a:extLst>
+        </p:spPr>
+      </p:pic>
+      <p:sp>
+        <p:nvSpPr>
+          <p:cNvPr id="5" name="CaixaDeTexto 4">
+            <a:extLst>
+              <a:ext uri="{FF2B5EF4-FFF2-40B4-BE49-F238E27FC236}">
+                <a16:creationId xmlns:a16="http://schemas.microsoft.com/office/drawing/2014/main" id="{3B751454-10AE-94DD-0D6A-C872A72CAB4C}"/>
+              </a:ext>
+            </a:extLst>
+          </p:cNvPr>
+          <p:cNvSpPr txBox="1"/>
+          <p:nvPr/>
+        </p:nvSpPr>
+        <p:spPr>
+          <a:xfrm>
+            <a:off x="1251678" y="1498938"/>
+            <a:ext cx="6097554" cy="2031325"/>
+          </a:xfrm>
+          <a:prstGeom prst="rect">
+            <a:avLst/>
+          </a:prstGeom>
+          <a:noFill/>
+        </p:spPr>
+        <p:txBody>
+          <a:bodyPr wrap="square">
+            <a:spAutoFit/>
+          </a:bodyPr>
+          <a:lstStyle/>
+          <a:p>
+            <a:r>
+              <a:rPr lang="en-US" b="0" dirty="0">
+                <a:solidFill>
+                  <a:srgbClr val="F269B9"/>
+                </a:solidFill>
+                <a:effectLst/>
+                <a:highlight>
+                  <a:srgbClr val="1B1D28"/>
+                </a:highlight>
+                <a:latin typeface="Consolas" panose="020B0609020204030204" pitchFamily="49" charset="0"/>
+              </a:rPr>
+              <a:t>def</a:t>
+            </a:r>
+            <a:r>
+              <a:rPr lang="en-US" b="0" dirty="0">
+                <a:solidFill>
+                  <a:srgbClr val="D1D4E0"/>
+                </a:solidFill>
+                <a:effectLst/>
+                <a:highlight>
+                  <a:srgbClr val="1B1D28"/>
+                </a:highlight>
+                <a:latin typeface="Consolas" panose="020B0609020204030204" pitchFamily="49" charset="0"/>
+              </a:rPr>
+              <a:t> </a:t>
+            </a:r>
+            <a:r>
+              <a:rPr lang="en-US" b="0" dirty="0">
+                <a:solidFill>
+                  <a:srgbClr val="2DE266"/>
+                </a:solidFill>
+                <a:effectLst/>
+                <a:highlight>
+                  <a:srgbClr val="1B1D28"/>
+                </a:highlight>
+                <a:latin typeface="Consolas" panose="020B0609020204030204" pitchFamily="49" charset="0"/>
+              </a:rPr>
+              <a:t>soma</a:t>
+            </a:r>
+            <a:r>
+              <a:rPr lang="en-US" b="0" dirty="0">
+                <a:solidFill>
+                  <a:srgbClr val="D1D4E0"/>
+                </a:solidFill>
+                <a:effectLst/>
+                <a:highlight>
+                  <a:srgbClr val="1B1D28"/>
+                </a:highlight>
+                <a:latin typeface="Consolas" panose="020B0609020204030204" pitchFamily="49" charset="0"/>
+              </a:rPr>
+              <a:t>(</a:t>
+            </a:r>
+            <a:r>
+              <a:rPr lang="en-US" b="0" dirty="0">
+                <a:solidFill>
+                  <a:srgbClr val="F269B9"/>
+                </a:solidFill>
+                <a:effectLst/>
+                <a:highlight>
+                  <a:srgbClr val="1B1D28"/>
+                </a:highlight>
+                <a:latin typeface="Consolas" panose="020B0609020204030204" pitchFamily="49" charset="0"/>
+              </a:rPr>
+              <a:t>*</a:t>
+            </a:r>
+            <a:r>
+              <a:rPr lang="en-US" b="0" dirty="0" err="1">
+                <a:solidFill>
+                  <a:srgbClr val="EDA85D"/>
+                </a:solidFill>
+                <a:effectLst/>
+                <a:highlight>
+                  <a:srgbClr val="1B1D28"/>
+                </a:highlight>
+                <a:latin typeface="Consolas" panose="020B0609020204030204" pitchFamily="49" charset="0"/>
+              </a:rPr>
+              <a:t>args</a:t>
+            </a:r>
+            <a:r>
+              <a:rPr lang="en-US" b="0" dirty="0">
+                <a:solidFill>
+                  <a:srgbClr val="D1D4E0"/>
+                </a:solidFill>
+                <a:effectLst/>
+                <a:highlight>
+                  <a:srgbClr val="1B1D28"/>
+                </a:highlight>
+                <a:latin typeface="Consolas" panose="020B0609020204030204" pitchFamily="49" charset="0"/>
+              </a:rPr>
+              <a:t>):</a:t>
+            </a:r>
+          </a:p>
+          <a:p>
+            <a:r>
+              <a:rPr lang="en-US" b="0" dirty="0">
+                <a:solidFill>
+                  <a:srgbClr val="D1D4E0"/>
+                </a:solidFill>
+                <a:effectLst/>
+                <a:highlight>
+                  <a:srgbClr val="1B1D28"/>
+                </a:highlight>
+                <a:latin typeface="Consolas" panose="020B0609020204030204" pitchFamily="49" charset="0"/>
+              </a:rPr>
+              <a:t>    total </a:t>
+            </a:r>
+            <a:r>
+              <a:rPr lang="en-US" b="0" dirty="0">
+                <a:solidFill>
+                  <a:srgbClr val="F269B9"/>
+                </a:solidFill>
+                <a:effectLst/>
+                <a:highlight>
+                  <a:srgbClr val="1B1D28"/>
+                </a:highlight>
+                <a:latin typeface="Consolas" panose="020B0609020204030204" pitchFamily="49" charset="0"/>
+              </a:rPr>
+              <a:t>=</a:t>
+            </a:r>
+            <a:r>
+              <a:rPr lang="en-US" b="0" dirty="0">
+                <a:solidFill>
+                  <a:srgbClr val="D1D4E0"/>
+                </a:solidFill>
+                <a:effectLst/>
+                <a:highlight>
+                  <a:srgbClr val="1B1D28"/>
+                </a:highlight>
+                <a:latin typeface="Consolas" panose="020B0609020204030204" pitchFamily="49" charset="0"/>
+              </a:rPr>
+              <a:t> </a:t>
+            </a:r>
+            <a:r>
+              <a:rPr lang="en-US" b="0" dirty="0">
+                <a:solidFill>
+                  <a:srgbClr val="AF86EB"/>
+                </a:solidFill>
+                <a:effectLst/>
+                <a:highlight>
+                  <a:srgbClr val="1B1D28"/>
+                </a:highlight>
+                <a:latin typeface="Consolas" panose="020B0609020204030204" pitchFamily="49" charset="0"/>
+              </a:rPr>
+              <a:t>0</a:t>
+            </a:r>
+            <a:endParaRPr lang="en-US" b="0" dirty="0">
+              <a:solidFill>
+                <a:srgbClr val="D1D4E0"/>
+              </a:solidFill>
+              <a:effectLst/>
+              <a:highlight>
+                <a:srgbClr val="1B1D28"/>
+              </a:highlight>
+              <a:latin typeface="Consolas" panose="020B0609020204030204" pitchFamily="49" charset="0"/>
+            </a:endParaRPr>
+          </a:p>
+          <a:p>
+            <a:r>
+              <a:rPr lang="en-US" b="0" dirty="0">
+                <a:solidFill>
+                  <a:srgbClr val="D1D4E0"/>
+                </a:solidFill>
+                <a:effectLst/>
+                <a:highlight>
+                  <a:srgbClr val="1B1D28"/>
+                </a:highlight>
+                <a:latin typeface="Consolas" panose="020B0609020204030204" pitchFamily="49" charset="0"/>
+              </a:rPr>
+              <a:t>    </a:t>
+            </a:r>
+            <a:r>
+              <a:rPr lang="en-US" b="0" dirty="0">
+                <a:solidFill>
+                  <a:srgbClr val="F269B9"/>
+                </a:solidFill>
+                <a:effectLst/>
+                <a:highlight>
+                  <a:srgbClr val="1B1D28"/>
+                </a:highlight>
+                <a:latin typeface="Consolas" panose="020B0609020204030204" pitchFamily="49" charset="0"/>
+              </a:rPr>
+              <a:t>for</a:t>
+            </a:r>
+            <a:r>
+              <a:rPr lang="en-US" b="0" dirty="0">
+                <a:solidFill>
+                  <a:srgbClr val="D1D4E0"/>
+                </a:solidFill>
+                <a:effectLst/>
+                <a:highlight>
+                  <a:srgbClr val="1B1D28"/>
+                </a:highlight>
+                <a:latin typeface="Consolas" panose="020B0609020204030204" pitchFamily="49" charset="0"/>
+              </a:rPr>
+              <a:t> </a:t>
+            </a:r>
+            <a:r>
+              <a:rPr lang="en-US" b="0" dirty="0" err="1">
+                <a:solidFill>
+                  <a:srgbClr val="D1D4E0"/>
+                </a:solidFill>
+                <a:effectLst/>
+                <a:highlight>
+                  <a:srgbClr val="1B1D28"/>
+                </a:highlight>
+                <a:latin typeface="Consolas" panose="020B0609020204030204" pitchFamily="49" charset="0"/>
+              </a:rPr>
+              <a:t>arg</a:t>
+            </a:r>
+            <a:r>
+              <a:rPr lang="en-US" b="0" dirty="0">
+                <a:solidFill>
+                  <a:srgbClr val="D1D4E0"/>
+                </a:solidFill>
+                <a:effectLst/>
+                <a:highlight>
+                  <a:srgbClr val="1B1D28"/>
+                </a:highlight>
+                <a:latin typeface="Consolas" panose="020B0609020204030204" pitchFamily="49" charset="0"/>
+              </a:rPr>
+              <a:t> </a:t>
+            </a:r>
+            <a:r>
+              <a:rPr lang="en-US" b="0" dirty="0">
+                <a:solidFill>
+                  <a:srgbClr val="F269B9"/>
+                </a:solidFill>
+                <a:effectLst/>
+                <a:highlight>
+                  <a:srgbClr val="1B1D28"/>
+                </a:highlight>
+                <a:latin typeface="Consolas" panose="020B0609020204030204" pitchFamily="49" charset="0"/>
+              </a:rPr>
+              <a:t>in</a:t>
+            </a:r>
+            <a:r>
+              <a:rPr lang="en-US" b="0" dirty="0">
+                <a:solidFill>
+                  <a:srgbClr val="D1D4E0"/>
+                </a:solidFill>
+                <a:effectLst/>
+                <a:highlight>
+                  <a:srgbClr val="1B1D28"/>
+                </a:highlight>
+                <a:latin typeface="Consolas" panose="020B0609020204030204" pitchFamily="49" charset="0"/>
+              </a:rPr>
+              <a:t> </a:t>
+            </a:r>
+            <a:r>
+              <a:rPr lang="en-US" b="0" dirty="0" err="1">
+                <a:solidFill>
+                  <a:srgbClr val="EDA85D"/>
+                </a:solidFill>
+                <a:effectLst/>
+                <a:highlight>
+                  <a:srgbClr val="1B1D28"/>
+                </a:highlight>
+                <a:latin typeface="Consolas" panose="020B0609020204030204" pitchFamily="49" charset="0"/>
+              </a:rPr>
+              <a:t>args</a:t>
+            </a:r>
+            <a:r>
+              <a:rPr lang="en-US" b="0" dirty="0">
+                <a:solidFill>
+                  <a:srgbClr val="D1D4E0"/>
+                </a:solidFill>
+                <a:effectLst/>
+                <a:highlight>
+                  <a:srgbClr val="1B1D28"/>
+                </a:highlight>
+                <a:latin typeface="Consolas" panose="020B0609020204030204" pitchFamily="49" charset="0"/>
+              </a:rPr>
+              <a:t>:</a:t>
+            </a:r>
+          </a:p>
+          <a:p>
+            <a:r>
+              <a:rPr lang="en-US" b="0" dirty="0">
+                <a:solidFill>
+                  <a:srgbClr val="D1D4E0"/>
+                </a:solidFill>
+                <a:effectLst/>
+                <a:highlight>
+                  <a:srgbClr val="1B1D28"/>
+                </a:highlight>
+                <a:latin typeface="Consolas" panose="020B0609020204030204" pitchFamily="49" charset="0"/>
+              </a:rPr>
+              <a:t>        total </a:t>
+            </a:r>
+            <a:r>
+              <a:rPr lang="en-US" b="0" dirty="0">
+                <a:solidFill>
+                  <a:srgbClr val="F269B9"/>
+                </a:solidFill>
+                <a:effectLst/>
+                <a:highlight>
+                  <a:srgbClr val="1B1D28"/>
+                </a:highlight>
+                <a:latin typeface="Consolas" panose="020B0609020204030204" pitchFamily="49" charset="0"/>
+              </a:rPr>
+              <a:t>+=</a:t>
+            </a:r>
+            <a:r>
+              <a:rPr lang="en-US" b="0" dirty="0">
+                <a:solidFill>
+                  <a:srgbClr val="D1D4E0"/>
+                </a:solidFill>
+                <a:effectLst/>
+                <a:highlight>
+                  <a:srgbClr val="1B1D28"/>
+                </a:highlight>
+                <a:latin typeface="Consolas" panose="020B0609020204030204" pitchFamily="49" charset="0"/>
+              </a:rPr>
+              <a:t> </a:t>
+            </a:r>
+            <a:r>
+              <a:rPr lang="en-US" b="0" dirty="0" err="1">
+                <a:solidFill>
+                  <a:srgbClr val="D1D4E0"/>
+                </a:solidFill>
+                <a:effectLst/>
+                <a:highlight>
+                  <a:srgbClr val="1B1D28"/>
+                </a:highlight>
+                <a:latin typeface="Consolas" panose="020B0609020204030204" pitchFamily="49" charset="0"/>
+              </a:rPr>
+              <a:t>arg</a:t>
+            </a:r>
+            <a:endParaRPr lang="en-US" b="0" dirty="0">
+              <a:solidFill>
+                <a:srgbClr val="D1D4E0"/>
+              </a:solidFill>
+              <a:effectLst/>
+              <a:highlight>
+                <a:srgbClr val="1B1D28"/>
+              </a:highlight>
+              <a:latin typeface="Consolas" panose="020B0609020204030204" pitchFamily="49" charset="0"/>
+            </a:endParaRPr>
+          </a:p>
+          <a:p>
+            <a:r>
+              <a:rPr lang="en-US" b="0" dirty="0">
+                <a:solidFill>
+                  <a:srgbClr val="D1D4E0"/>
+                </a:solidFill>
+                <a:effectLst/>
+                <a:highlight>
+                  <a:srgbClr val="1B1D28"/>
+                </a:highlight>
+                <a:latin typeface="Consolas" panose="020B0609020204030204" pitchFamily="49" charset="0"/>
+              </a:rPr>
+              <a:t>    </a:t>
+            </a:r>
+            <a:r>
+              <a:rPr lang="en-US" b="0" dirty="0">
+                <a:solidFill>
+                  <a:srgbClr val="F269B9"/>
+                </a:solidFill>
+                <a:effectLst/>
+                <a:highlight>
+                  <a:srgbClr val="1B1D28"/>
+                </a:highlight>
+                <a:latin typeface="Consolas" panose="020B0609020204030204" pitchFamily="49" charset="0"/>
+              </a:rPr>
+              <a:t>return</a:t>
+            </a:r>
+            <a:r>
+              <a:rPr lang="en-US" b="0" dirty="0">
+                <a:solidFill>
+                  <a:srgbClr val="D1D4E0"/>
+                </a:solidFill>
+                <a:effectLst/>
+                <a:highlight>
+                  <a:srgbClr val="1B1D28"/>
+                </a:highlight>
+                <a:latin typeface="Consolas" panose="020B0609020204030204" pitchFamily="49" charset="0"/>
+              </a:rPr>
+              <a:t> total</a:t>
+            </a:r>
+          </a:p>
+          <a:p>
+            <a:br>
+              <a:rPr lang="en-US" b="0" dirty="0">
+                <a:solidFill>
+                  <a:srgbClr val="D1D4E0"/>
+                </a:solidFill>
+                <a:effectLst/>
+                <a:highlight>
+                  <a:srgbClr val="1B1D28"/>
+                </a:highlight>
+                <a:latin typeface="Consolas" panose="020B0609020204030204" pitchFamily="49" charset="0"/>
+              </a:rPr>
+            </a:br>
+            <a:r>
+              <a:rPr lang="en-US" b="0" dirty="0">
+                <a:solidFill>
+                  <a:srgbClr val="2DE266"/>
+                </a:solidFill>
+                <a:effectLst/>
+                <a:highlight>
+                  <a:srgbClr val="1B1D28"/>
+                </a:highlight>
+                <a:latin typeface="Consolas" panose="020B0609020204030204" pitchFamily="49" charset="0"/>
+              </a:rPr>
+              <a:t>print</a:t>
+            </a:r>
+            <a:r>
+              <a:rPr lang="en-US" b="0" dirty="0">
+                <a:solidFill>
+                  <a:srgbClr val="D1D4E0"/>
+                </a:solidFill>
+                <a:effectLst/>
+                <a:highlight>
+                  <a:srgbClr val="1B1D28"/>
+                </a:highlight>
+                <a:latin typeface="Consolas" panose="020B0609020204030204" pitchFamily="49" charset="0"/>
+              </a:rPr>
+              <a:t>(</a:t>
+            </a:r>
+            <a:r>
+              <a:rPr lang="en-US" b="0" dirty="0">
+                <a:solidFill>
+                  <a:srgbClr val="2DE266"/>
+                </a:solidFill>
+                <a:effectLst/>
+                <a:highlight>
+                  <a:srgbClr val="1B1D28"/>
+                </a:highlight>
+                <a:latin typeface="Consolas" panose="020B0609020204030204" pitchFamily="49" charset="0"/>
+              </a:rPr>
+              <a:t>soma</a:t>
+            </a:r>
+            <a:r>
+              <a:rPr lang="en-US" b="0" dirty="0">
+                <a:solidFill>
+                  <a:srgbClr val="D1D4E0"/>
+                </a:solidFill>
+                <a:effectLst/>
+                <a:highlight>
+                  <a:srgbClr val="1B1D28"/>
+                </a:highlight>
+                <a:latin typeface="Consolas" panose="020B0609020204030204" pitchFamily="49" charset="0"/>
+              </a:rPr>
+              <a:t>(</a:t>
+            </a:r>
+            <a:r>
+              <a:rPr lang="en-US" b="0" dirty="0">
+                <a:solidFill>
+                  <a:srgbClr val="AF86EB"/>
+                </a:solidFill>
+                <a:effectLst/>
+                <a:highlight>
+                  <a:srgbClr val="1B1D28"/>
+                </a:highlight>
+                <a:latin typeface="Consolas" panose="020B0609020204030204" pitchFamily="49" charset="0"/>
+              </a:rPr>
+              <a:t>1</a:t>
+            </a:r>
+            <a:r>
+              <a:rPr lang="en-US" b="0" dirty="0">
+                <a:solidFill>
+                  <a:srgbClr val="D1D4E0"/>
+                </a:solidFill>
+                <a:effectLst/>
+                <a:highlight>
+                  <a:srgbClr val="1B1D28"/>
+                </a:highlight>
+                <a:latin typeface="Consolas" panose="020B0609020204030204" pitchFamily="49" charset="0"/>
+              </a:rPr>
+              <a:t>, </a:t>
+            </a:r>
+            <a:r>
+              <a:rPr lang="en-US" b="0" dirty="0">
+                <a:solidFill>
+                  <a:srgbClr val="AF86EB"/>
+                </a:solidFill>
+                <a:effectLst/>
+                <a:highlight>
+                  <a:srgbClr val="1B1D28"/>
+                </a:highlight>
+                <a:latin typeface="Consolas" panose="020B0609020204030204" pitchFamily="49" charset="0"/>
+              </a:rPr>
+              <a:t>2</a:t>
+            </a:r>
+            <a:r>
+              <a:rPr lang="en-US" b="0" dirty="0">
+                <a:solidFill>
+                  <a:srgbClr val="D1D4E0"/>
+                </a:solidFill>
+                <a:effectLst/>
+                <a:highlight>
+                  <a:srgbClr val="1B1D28"/>
+                </a:highlight>
+                <a:latin typeface="Consolas" panose="020B0609020204030204" pitchFamily="49" charset="0"/>
+              </a:rPr>
+              <a:t>, </a:t>
+            </a:r>
+            <a:r>
+              <a:rPr lang="en-US" b="0" dirty="0">
+                <a:solidFill>
+                  <a:srgbClr val="AF86EB"/>
+                </a:solidFill>
+                <a:effectLst/>
+                <a:highlight>
+                  <a:srgbClr val="1B1D28"/>
+                </a:highlight>
+                <a:latin typeface="Consolas" panose="020B0609020204030204" pitchFamily="49" charset="0"/>
+              </a:rPr>
+              <a:t>3</a:t>
+            </a:r>
+            <a:r>
+              <a:rPr lang="en-US" b="0" dirty="0">
+                <a:solidFill>
+                  <a:srgbClr val="D1D4E0"/>
+                </a:solidFill>
+                <a:effectLst/>
+                <a:highlight>
+                  <a:srgbClr val="1B1D28"/>
+                </a:highlight>
+                <a:latin typeface="Consolas" panose="020B0609020204030204" pitchFamily="49" charset="0"/>
+              </a:rPr>
+              <a:t>, </a:t>
+            </a:r>
+            <a:r>
+              <a:rPr lang="en-US" b="0" dirty="0">
+                <a:solidFill>
+                  <a:srgbClr val="AF86EB"/>
+                </a:solidFill>
+                <a:effectLst/>
+                <a:highlight>
+                  <a:srgbClr val="1B1D28"/>
+                </a:highlight>
+                <a:latin typeface="Consolas" panose="020B0609020204030204" pitchFamily="49" charset="0"/>
+              </a:rPr>
+              <a:t>4</a:t>
+            </a:r>
+            <a:r>
+              <a:rPr lang="en-US" b="0" dirty="0">
+                <a:solidFill>
+                  <a:srgbClr val="D1D4E0"/>
+                </a:solidFill>
+                <a:effectLst/>
+                <a:highlight>
+                  <a:srgbClr val="1B1D28"/>
+                </a:highlight>
+                <a:latin typeface="Consolas" panose="020B0609020204030204" pitchFamily="49" charset="0"/>
+              </a:rPr>
+              <a:t>, </a:t>
+            </a:r>
+            <a:r>
+              <a:rPr lang="en-US" b="0" dirty="0">
+                <a:solidFill>
+                  <a:srgbClr val="AF86EB"/>
+                </a:solidFill>
+                <a:effectLst/>
+                <a:highlight>
+                  <a:srgbClr val="1B1D28"/>
+                </a:highlight>
+                <a:latin typeface="Consolas" panose="020B0609020204030204" pitchFamily="49" charset="0"/>
+              </a:rPr>
+              <a:t>5</a:t>
+            </a:r>
+            <a:r>
+              <a:rPr lang="en-US" b="0" dirty="0">
+                <a:solidFill>
+                  <a:srgbClr val="D1D4E0"/>
+                </a:solidFill>
+                <a:effectLst/>
+                <a:highlight>
+                  <a:srgbClr val="1B1D28"/>
+                </a:highlight>
+                <a:latin typeface="Consolas" panose="020B0609020204030204" pitchFamily="49" charset="0"/>
+              </a:rPr>
+              <a:t>, </a:t>
+            </a:r>
+            <a:r>
+              <a:rPr lang="en-US" b="0" dirty="0">
+                <a:solidFill>
+                  <a:srgbClr val="AF86EB"/>
+                </a:solidFill>
+                <a:effectLst/>
+                <a:highlight>
+                  <a:srgbClr val="1B1D28"/>
+                </a:highlight>
+                <a:latin typeface="Consolas" panose="020B0609020204030204" pitchFamily="49" charset="0"/>
+              </a:rPr>
+              <a:t>6</a:t>
+            </a:r>
+            <a:r>
+              <a:rPr lang="en-US" b="0" dirty="0">
+                <a:solidFill>
+                  <a:srgbClr val="D1D4E0"/>
+                </a:solidFill>
+                <a:effectLst/>
+                <a:highlight>
+                  <a:srgbClr val="1B1D28"/>
+                </a:highlight>
+                <a:latin typeface="Consolas" panose="020B0609020204030204" pitchFamily="49" charset="0"/>
+              </a:rPr>
+              <a:t>, </a:t>
+            </a:r>
+            <a:r>
+              <a:rPr lang="en-US" b="0" dirty="0">
+                <a:solidFill>
+                  <a:srgbClr val="AF86EB"/>
+                </a:solidFill>
+                <a:effectLst/>
+                <a:highlight>
+                  <a:srgbClr val="1B1D28"/>
+                </a:highlight>
+                <a:latin typeface="Consolas" panose="020B0609020204030204" pitchFamily="49" charset="0"/>
+              </a:rPr>
+              <a:t>7</a:t>
+            </a:r>
+            <a:r>
+              <a:rPr lang="en-US" b="0" dirty="0">
+                <a:solidFill>
+                  <a:srgbClr val="D1D4E0"/>
+                </a:solidFill>
+                <a:effectLst/>
+                <a:highlight>
+                  <a:srgbClr val="1B1D28"/>
+                </a:highlight>
+                <a:latin typeface="Consolas" panose="020B0609020204030204" pitchFamily="49" charset="0"/>
+              </a:rPr>
+              <a:t>, </a:t>
+            </a:r>
+            <a:r>
+              <a:rPr lang="en-US" b="0" dirty="0">
+                <a:solidFill>
+                  <a:srgbClr val="AF86EB"/>
+                </a:solidFill>
+                <a:effectLst/>
+                <a:highlight>
+                  <a:srgbClr val="1B1D28"/>
+                </a:highlight>
+                <a:latin typeface="Consolas" panose="020B0609020204030204" pitchFamily="49" charset="0"/>
+              </a:rPr>
+              <a:t>8</a:t>
+            </a:r>
+            <a:r>
+              <a:rPr lang="en-US" b="0" dirty="0">
+                <a:solidFill>
+                  <a:srgbClr val="D1D4E0"/>
+                </a:solidFill>
+                <a:effectLst/>
+                <a:highlight>
+                  <a:srgbClr val="1B1D28"/>
+                </a:highlight>
+                <a:latin typeface="Consolas" panose="020B0609020204030204" pitchFamily="49" charset="0"/>
+              </a:rPr>
+              <a:t>))</a:t>
+            </a:r>
+          </a:p>
+        </p:txBody>
+      </p:sp>
+      <p:sp>
+        <p:nvSpPr>
+          <p:cNvPr id="7" name="Texto Explicativo: Linha 6">
+            <a:extLst>
+              <a:ext uri="{FF2B5EF4-FFF2-40B4-BE49-F238E27FC236}">
+                <a16:creationId xmlns:a16="http://schemas.microsoft.com/office/drawing/2014/main" id="{64523DD9-59CF-8DC0-4E50-31349CA76E2E}"/>
+              </a:ext>
+            </a:extLst>
+          </p:cNvPr>
+          <p:cNvSpPr/>
+          <p:nvPr/>
+        </p:nvSpPr>
+        <p:spPr>
+          <a:xfrm>
+            <a:off x="7349232" y="4767943"/>
+            <a:ext cx="2565918" cy="1371600"/>
+          </a:xfrm>
+          <a:prstGeom prst="borderCallout1">
+            <a:avLst>
+              <a:gd name="adj1" fmla="val 18750"/>
+              <a:gd name="adj2" fmla="val -8333"/>
+              <a:gd name="adj3" fmla="val -82058"/>
+              <a:gd name="adj4" fmla="val -113969"/>
+            </a:avLst>
+          </a:prstGeom>
+        </p:spPr>
+        <p:style>
+          <a:lnRef idx="2">
+            <a:schemeClr val="accent1">
+              <a:shade val="15000"/>
+            </a:schemeClr>
+          </a:lnRef>
+          <a:fillRef idx="1">
+            <a:schemeClr val="accent1"/>
+          </a:fillRef>
+          <a:effectRef idx="0">
+            <a:schemeClr val="accent1"/>
+          </a:effectRef>
+          <a:fontRef idx="minor">
+            <a:schemeClr val="lt1"/>
+          </a:fontRef>
+        </p:style>
+        <p:txBody>
+          <a:bodyPr rtlCol="0" anchor="ctr"/>
+          <a:lstStyle/>
+          <a:p>
+            <a:pPr algn="ctr"/>
+            <a:r>
+              <a:rPr lang="pt-BR" dirty="0"/>
+              <a:t>Pode receber vários argumentos com as </a:t>
+            </a:r>
+            <a:r>
+              <a:rPr lang="pt-BR" dirty="0" err="1"/>
+              <a:t>Turplas</a:t>
+            </a:r>
+            <a:endParaRPr lang="pt-BR" dirty="0"/>
+          </a:p>
+        </p:txBody>
+      </p:sp>
+    </p:spTree>
+    <p:extLst>
+      <p:ext uri="{BB962C8B-B14F-4D97-AF65-F5344CB8AC3E}">
+        <p14:creationId xmlns:p14="http://schemas.microsoft.com/office/powerpoint/2010/main" val="1536625500"/>
+      </p:ext>
+    </p:extLst>
+  </p:cSld>
+  <p:clrMapOvr>
+    <a:masterClrMapping/>
+  </p:clrMapOvr>
+</p:sld>
+</file>
+
+<file path=ppt/slides/slide21.xml><?xml version="1.0" encoding="utf-8"?>
+<p:sld xmlns:a="http://schemas.openxmlformats.org/drawingml/2006/main" xmlns:r="http://schemas.openxmlformats.org/officeDocument/2006/relationships" xmlns:p="http://schemas.openxmlformats.org/presentationml/2006/main" showMasterSp="0">
+  <p:cSld>
+    <p:bg>
+      <p:bgPr>
+        <a:solidFill>
+          <a:schemeClr val="bg2">
+            <a:lumMod val="10000"/>
+          </a:schemeClr>
+        </a:solidFill>
+        <a:effectLst/>
+      </p:bgPr>
+    </p:bg>
+    <p:spTree>
+      <p:nvGrpSpPr>
+        <p:cNvPr id="1" name=""/>
+        <p:cNvGrpSpPr/>
+        <p:nvPr/>
+      </p:nvGrpSpPr>
+      <p:grpSpPr>
+        <a:xfrm>
+          <a:off x="0" y="0"/>
+          <a:ext cx="0" cy="0"/>
+          <a:chOff x="0" y="0"/>
+          <a:chExt cx="0" cy="0"/>
+        </a:xfrm>
+      </p:grpSpPr>
+      <p:sp>
+        <p:nvSpPr>
+          <p:cNvPr id="2" name="Título 1">
+            <a:extLst>
+              <a:ext uri="{FF2B5EF4-FFF2-40B4-BE49-F238E27FC236}">
+                <a16:creationId xmlns:a16="http://schemas.microsoft.com/office/drawing/2014/main" id="{83C6E063-9BFE-06CE-C9BC-5EE9CCAE3D29}"/>
+              </a:ext>
+            </a:extLst>
+          </p:cNvPr>
+          <p:cNvSpPr>
+            <a:spLocks noGrp="1"/>
+          </p:cNvSpPr>
+          <p:nvPr>
+            <p:ph type="title"/>
+          </p:nvPr>
+        </p:nvSpPr>
+        <p:spPr/>
+        <p:txBody>
+          <a:bodyPr/>
+          <a:lstStyle/>
+          <a:p>
+            <a:r>
+              <a:rPr lang="pt-BR" dirty="0"/>
+              <a:t>Exercício 8</a:t>
+            </a:r>
+          </a:p>
+        </p:txBody>
+      </p:sp>
+      <p:pic>
+        <p:nvPicPr>
+          <p:cNvPr id="1026" name="Picture 2">
+            <a:extLst>
+              <a:ext uri="{FF2B5EF4-FFF2-40B4-BE49-F238E27FC236}">
+                <a16:creationId xmlns:a16="http://schemas.microsoft.com/office/drawing/2014/main" id="{BFCC1361-CFA5-41DC-9639-9812D7C04FC8}"/>
+              </a:ext>
+            </a:extLst>
+          </p:cNvPr>
+          <p:cNvPicPr>
+            <a:picLocks noChangeAspect="1" noChangeArrowheads="1"/>
+          </p:cNvPicPr>
+          <p:nvPr/>
+        </p:nvPicPr>
+        <p:blipFill>
+          <a:blip r:embed="rId2">
+            <a:extLst>
+              <a:ext uri="{28A0092B-C50C-407E-A947-70E740481C1C}">
+                <a14:useLocalDpi xmlns:a14="http://schemas.microsoft.com/office/drawing/2010/main" val="0"/>
+              </a:ext>
+            </a:extLst>
+          </a:blip>
+          <a:srcRect/>
+          <a:stretch>
+            <a:fillRect/>
+          </a:stretch>
+        </p:blipFill>
+        <p:spPr bwMode="auto">
+          <a:xfrm>
+            <a:off x="102198" y="20849"/>
+            <a:ext cx="659802" cy="723071"/>
+          </a:xfrm>
+          <a:prstGeom prst="rect">
+            <a:avLst/>
+          </a:prstGeom>
+          <a:noFill/>
+          <a:extLst>
+            <a:ext uri="{909E8E84-426E-40DD-AFC4-6F175D3DCCD1}">
+              <a14:hiddenFill xmlns:a14="http://schemas.microsoft.com/office/drawing/2010/main">
+                <a:solidFill>
+                  <a:srgbClr val="FFFFFF"/>
+                </a:solidFill>
+              </a14:hiddenFill>
+            </a:ext>
+          </a:extLst>
+        </p:spPr>
+      </p:pic>
+      <p:sp>
+        <p:nvSpPr>
+          <p:cNvPr id="4" name="CaixaDeTexto 3">
+            <a:extLst>
+              <a:ext uri="{FF2B5EF4-FFF2-40B4-BE49-F238E27FC236}">
+                <a16:creationId xmlns:a16="http://schemas.microsoft.com/office/drawing/2014/main" id="{76CDA99F-A0D8-ACAE-5EFA-0F7D05092785}"/>
+              </a:ext>
+            </a:extLst>
+          </p:cNvPr>
+          <p:cNvSpPr txBox="1"/>
+          <p:nvPr/>
+        </p:nvSpPr>
+        <p:spPr>
+          <a:xfrm>
+            <a:off x="1537636" y="1528388"/>
+            <a:ext cx="8377514" cy="2031325"/>
+          </a:xfrm>
+          <a:prstGeom prst="rect">
+            <a:avLst/>
+          </a:prstGeom>
+          <a:noFill/>
+        </p:spPr>
+        <p:txBody>
+          <a:bodyPr wrap="square">
+            <a:spAutoFit/>
+          </a:bodyPr>
+          <a:lstStyle/>
+          <a:p>
+            <a:r>
+              <a:rPr lang="pt-BR" b="0" dirty="0" err="1">
+                <a:solidFill>
+                  <a:srgbClr val="F269B9"/>
+                </a:solidFill>
+                <a:effectLst/>
+                <a:highlight>
+                  <a:srgbClr val="1B1D28"/>
+                </a:highlight>
+                <a:latin typeface="Consolas" panose="020B0609020204030204" pitchFamily="49" charset="0"/>
+              </a:rPr>
+              <a:t>def</a:t>
+            </a:r>
+            <a:r>
+              <a:rPr lang="pt-BR" b="0" dirty="0">
+                <a:solidFill>
+                  <a:srgbClr val="D1D4E0"/>
+                </a:solidFill>
+                <a:effectLst/>
+                <a:highlight>
+                  <a:srgbClr val="1B1D28"/>
+                </a:highlight>
+                <a:latin typeface="Consolas" panose="020B0609020204030204" pitchFamily="49" charset="0"/>
+              </a:rPr>
+              <a:t> </a:t>
+            </a:r>
+            <a:r>
+              <a:rPr lang="pt-BR" b="0" dirty="0">
+                <a:solidFill>
+                  <a:srgbClr val="2DE266"/>
+                </a:solidFill>
+                <a:effectLst/>
+                <a:highlight>
+                  <a:srgbClr val="1B1D28"/>
+                </a:highlight>
+                <a:latin typeface="Consolas" panose="020B0609020204030204" pitchFamily="49" charset="0"/>
+              </a:rPr>
+              <a:t>multiplica</a:t>
+            </a:r>
+            <a:r>
+              <a:rPr lang="pt-BR" b="0" dirty="0">
+                <a:solidFill>
+                  <a:srgbClr val="D1D4E0"/>
+                </a:solidFill>
+                <a:effectLst/>
+                <a:highlight>
+                  <a:srgbClr val="1B1D28"/>
+                </a:highlight>
+                <a:latin typeface="Consolas" panose="020B0609020204030204" pitchFamily="49" charset="0"/>
+              </a:rPr>
+              <a:t>(</a:t>
+            </a:r>
+            <a:r>
+              <a:rPr lang="pt-BR" b="0" dirty="0">
+                <a:solidFill>
+                  <a:srgbClr val="F269B9"/>
+                </a:solidFill>
+                <a:effectLst/>
+                <a:highlight>
+                  <a:srgbClr val="1B1D28"/>
+                </a:highlight>
+                <a:latin typeface="Consolas" panose="020B0609020204030204" pitchFamily="49" charset="0"/>
+              </a:rPr>
+              <a:t>*</a:t>
+            </a:r>
+            <a:r>
+              <a:rPr lang="pt-BR" b="0" dirty="0" err="1">
+                <a:solidFill>
+                  <a:srgbClr val="EDA85D"/>
+                </a:solidFill>
+                <a:effectLst/>
+                <a:highlight>
+                  <a:srgbClr val="1B1D28"/>
+                </a:highlight>
+                <a:latin typeface="Consolas" panose="020B0609020204030204" pitchFamily="49" charset="0"/>
+              </a:rPr>
+              <a:t>args</a:t>
+            </a:r>
+            <a:r>
+              <a:rPr lang="pt-BR" b="0" dirty="0">
+                <a:solidFill>
+                  <a:srgbClr val="D1D4E0"/>
+                </a:solidFill>
+                <a:effectLst/>
+                <a:highlight>
+                  <a:srgbClr val="1B1D28"/>
+                </a:highlight>
+                <a:latin typeface="Consolas" panose="020B0609020204030204" pitchFamily="49" charset="0"/>
+              </a:rPr>
+              <a:t>):</a:t>
+            </a:r>
+          </a:p>
+          <a:p>
+            <a:r>
+              <a:rPr lang="pt-BR" b="0" dirty="0">
+                <a:solidFill>
+                  <a:srgbClr val="D1D4E0"/>
+                </a:solidFill>
+                <a:effectLst/>
+                <a:highlight>
+                  <a:srgbClr val="1B1D28"/>
+                </a:highlight>
+                <a:latin typeface="Consolas" panose="020B0609020204030204" pitchFamily="49" charset="0"/>
+              </a:rPr>
+              <a:t>    total </a:t>
+            </a:r>
+            <a:r>
+              <a:rPr lang="pt-BR" b="0" dirty="0">
+                <a:solidFill>
+                  <a:srgbClr val="F269B9"/>
+                </a:solidFill>
+                <a:effectLst/>
+                <a:highlight>
+                  <a:srgbClr val="1B1D28"/>
+                </a:highlight>
+                <a:latin typeface="Consolas" panose="020B0609020204030204" pitchFamily="49" charset="0"/>
+              </a:rPr>
+              <a:t>=</a:t>
+            </a:r>
+            <a:r>
+              <a:rPr lang="pt-BR" b="0" dirty="0">
+                <a:solidFill>
+                  <a:srgbClr val="D1D4E0"/>
+                </a:solidFill>
+                <a:effectLst/>
+                <a:highlight>
+                  <a:srgbClr val="1B1D28"/>
+                </a:highlight>
+                <a:latin typeface="Consolas" panose="020B0609020204030204" pitchFamily="49" charset="0"/>
+              </a:rPr>
+              <a:t> </a:t>
+            </a:r>
+            <a:r>
+              <a:rPr lang="pt-BR" b="0" dirty="0">
+                <a:solidFill>
+                  <a:srgbClr val="AF86EB"/>
+                </a:solidFill>
+                <a:effectLst/>
+                <a:highlight>
+                  <a:srgbClr val="1B1D28"/>
+                </a:highlight>
+                <a:latin typeface="Consolas" panose="020B0609020204030204" pitchFamily="49" charset="0"/>
+              </a:rPr>
+              <a:t>1</a:t>
+            </a:r>
+            <a:r>
+              <a:rPr lang="pt-BR" b="0" dirty="0">
+                <a:solidFill>
+                  <a:srgbClr val="D1D4E0"/>
+                </a:solidFill>
+                <a:effectLst/>
+                <a:highlight>
+                  <a:srgbClr val="1B1D28"/>
+                </a:highlight>
+                <a:latin typeface="Consolas" panose="020B0609020204030204" pitchFamily="49" charset="0"/>
+              </a:rPr>
+              <a:t>  </a:t>
+            </a:r>
+            <a:r>
+              <a:rPr lang="pt-BR" b="0" dirty="0">
+                <a:solidFill>
+                  <a:srgbClr val="606890"/>
+                </a:solidFill>
+                <a:effectLst/>
+                <a:highlight>
+                  <a:srgbClr val="1B1D28"/>
+                </a:highlight>
+                <a:latin typeface="Consolas" panose="020B0609020204030204" pitchFamily="49" charset="0"/>
+              </a:rPr>
+              <a:t># Inicializa total com 1</a:t>
+            </a:r>
+            <a:endParaRPr lang="pt-BR" b="0" dirty="0">
+              <a:solidFill>
+                <a:srgbClr val="D1D4E0"/>
+              </a:solidFill>
+              <a:effectLst/>
+              <a:highlight>
+                <a:srgbClr val="1B1D28"/>
+              </a:highlight>
+              <a:latin typeface="Consolas" panose="020B0609020204030204" pitchFamily="49" charset="0"/>
+            </a:endParaRPr>
+          </a:p>
+          <a:p>
+            <a:r>
+              <a:rPr lang="pt-BR" b="0" dirty="0">
+                <a:solidFill>
+                  <a:srgbClr val="D1D4E0"/>
+                </a:solidFill>
+                <a:effectLst/>
+                <a:highlight>
+                  <a:srgbClr val="1B1D28"/>
+                </a:highlight>
+                <a:latin typeface="Consolas" panose="020B0609020204030204" pitchFamily="49" charset="0"/>
+              </a:rPr>
+              <a:t>    </a:t>
+            </a:r>
+            <a:r>
+              <a:rPr lang="pt-BR" b="0" dirty="0">
+                <a:solidFill>
+                  <a:srgbClr val="F269B9"/>
+                </a:solidFill>
+                <a:effectLst/>
+                <a:highlight>
+                  <a:srgbClr val="1B1D28"/>
+                </a:highlight>
+                <a:latin typeface="Consolas" panose="020B0609020204030204" pitchFamily="49" charset="0"/>
+              </a:rPr>
+              <a:t>for</a:t>
+            </a:r>
+            <a:r>
+              <a:rPr lang="pt-BR" b="0" dirty="0">
+                <a:solidFill>
+                  <a:srgbClr val="D1D4E0"/>
+                </a:solidFill>
+                <a:effectLst/>
+                <a:highlight>
+                  <a:srgbClr val="1B1D28"/>
+                </a:highlight>
+                <a:latin typeface="Consolas" panose="020B0609020204030204" pitchFamily="49" charset="0"/>
+              </a:rPr>
+              <a:t> </a:t>
+            </a:r>
+            <a:r>
+              <a:rPr lang="pt-BR" b="0" dirty="0" err="1">
+                <a:solidFill>
+                  <a:srgbClr val="D1D4E0"/>
+                </a:solidFill>
+                <a:effectLst/>
+                <a:highlight>
+                  <a:srgbClr val="1B1D28"/>
+                </a:highlight>
+                <a:latin typeface="Consolas" panose="020B0609020204030204" pitchFamily="49" charset="0"/>
+              </a:rPr>
+              <a:t>arg</a:t>
+            </a:r>
+            <a:r>
+              <a:rPr lang="pt-BR" b="0" dirty="0">
+                <a:solidFill>
+                  <a:srgbClr val="D1D4E0"/>
+                </a:solidFill>
+                <a:effectLst/>
+                <a:highlight>
+                  <a:srgbClr val="1B1D28"/>
+                </a:highlight>
+                <a:latin typeface="Consolas" panose="020B0609020204030204" pitchFamily="49" charset="0"/>
+              </a:rPr>
+              <a:t> </a:t>
+            </a:r>
+            <a:r>
+              <a:rPr lang="pt-BR" b="0" dirty="0">
+                <a:solidFill>
+                  <a:srgbClr val="F269B9"/>
+                </a:solidFill>
+                <a:effectLst/>
+                <a:highlight>
+                  <a:srgbClr val="1B1D28"/>
+                </a:highlight>
+                <a:latin typeface="Consolas" panose="020B0609020204030204" pitchFamily="49" charset="0"/>
+              </a:rPr>
+              <a:t>in</a:t>
+            </a:r>
+            <a:r>
+              <a:rPr lang="pt-BR" b="0" dirty="0">
+                <a:solidFill>
+                  <a:srgbClr val="D1D4E0"/>
+                </a:solidFill>
+                <a:effectLst/>
+                <a:highlight>
+                  <a:srgbClr val="1B1D28"/>
+                </a:highlight>
+                <a:latin typeface="Consolas" panose="020B0609020204030204" pitchFamily="49" charset="0"/>
+              </a:rPr>
+              <a:t> </a:t>
+            </a:r>
+            <a:r>
+              <a:rPr lang="pt-BR" b="0" dirty="0" err="1">
+                <a:solidFill>
+                  <a:srgbClr val="EDA85D"/>
+                </a:solidFill>
+                <a:effectLst/>
+                <a:highlight>
+                  <a:srgbClr val="1B1D28"/>
+                </a:highlight>
+                <a:latin typeface="Consolas" panose="020B0609020204030204" pitchFamily="49" charset="0"/>
+              </a:rPr>
+              <a:t>args</a:t>
+            </a:r>
+            <a:r>
+              <a:rPr lang="pt-BR" b="0" dirty="0">
+                <a:solidFill>
+                  <a:srgbClr val="D1D4E0"/>
+                </a:solidFill>
+                <a:effectLst/>
+                <a:highlight>
+                  <a:srgbClr val="1B1D28"/>
+                </a:highlight>
+                <a:latin typeface="Consolas" panose="020B0609020204030204" pitchFamily="49" charset="0"/>
+              </a:rPr>
+              <a:t>:</a:t>
+            </a:r>
+          </a:p>
+          <a:p>
+            <a:r>
+              <a:rPr lang="pt-BR" b="0" dirty="0">
+                <a:solidFill>
+                  <a:srgbClr val="D1D4E0"/>
+                </a:solidFill>
+                <a:effectLst/>
+                <a:highlight>
+                  <a:srgbClr val="1B1D28"/>
+                </a:highlight>
+                <a:latin typeface="Consolas" panose="020B0609020204030204" pitchFamily="49" charset="0"/>
+              </a:rPr>
+              <a:t>        total </a:t>
+            </a:r>
+            <a:r>
+              <a:rPr lang="pt-BR" b="0" dirty="0">
+                <a:solidFill>
+                  <a:srgbClr val="F269B9"/>
+                </a:solidFill>
+                <a:effectLst/>
+                <a:highlight>
+                  <a:srgbClr val="1B1D28"/>
+                </a:highlight>
+                <a:latin typeface="Consolas" panose="020B0609020204030204" pitchFamily="49" charset="0"/>
+              </a:rPr>
+              <a:t>*=</a:t>
+            </a:r>
+            <a:r>
+              <a:rPr lang="pt-BR" b="0" dirty="0">
+                <a:solidFill>
+                  <a:srgbClr val="D1D4E0"/>
+                </a:solidFill>
+                <a:effectLst/>
+                <a:highlight>
+                  <a:srgbClr val="1B1D28"/>
+                </a:highlight>
+                <a:latin typeface="Consolas" panose="020B0609020204030204" pitchFamily="49" charset="0"/>
+              </a:rPr>
+              <a:t> </a:t>
+            </a:r>
+            <a:r>
+              <a:rPr lang="pt-BR" b="0" dirty="0" err="1">
+                <a:solidFill>
+                  <a:srgbClr val="D1D4E0"/>
+                </a:solidFill>
+                <a:effectLst/>
+                <a:highlight>
+                  <a:srgbClr val="1B1D28"/>
+                </a:highlight>
+                <a:latin typeface="Consolas" panose="020B0609020204030204" pitchFamily="49" charset="0"/>
+              </a:rPr>
+              <a:t>arg</a:t>
+            </a:r>
+            <a:r>
+              <a:rPr lang="pt-BR" b="0" dirty="0">
+                <a:solidFill>
+                  <a:srgbClr val="D1D4E0"/>
+                </a:solidFill>
+                <a:effectLst/>
+                <a:highlight>
+                  <a:srgbClr val="1B1D28"/>
+                </a:highlight>
+                <a:latin typeface="Consolas" panose="020B0609020204030204" pitchFamily="49" charset="0"/>
+              </a:rPr>
+              <a:t>  </a:t>
+            </a:r>
+            <a:r>
+              <a:rPr lang="pt-BR" b="0" dirty="0">
+                <a:solidFill>
+                  <a:srgbClr val="606890"/>
+                </a:solidFill>
+                <a:effectLst/>
+                <a:highlight>
+                  <a:srgbClr val="1B1D28"/>
+                </a:highlight>
+                <a:latin typeface="Consolas" panose="020B0609020204030204" pitchFamily="49" charset="0"/>
+              </a:rPr>
+              <a:t># Multiplica cada argumento ao total</a:t>
+            </a:r>
+            <a:endParaRPr lang="pt-BR" b="0" dirty="0">
+              <a:solidFill>
+                <a:srgbClr val="D1D4E0"/>
+              </a:solidFill>
+              <a:effectLst/>
+              <a:highlight>
+                <a:srgbClr val="1B1D28"/>
+              </a:highlight>
+              <a:latin typeface="Consolas" panose="020B0609020204030204" pitchFamily="49" charset="0"/>
+            </a:endParaRPr>
+          </a:p>
+          <a:p>
+            <a:r>
+              <a:rPr lang="pt-BR" b="0" dirty="0">
+                <a:solidFill>
+                  <a:srgbClr val="D1D4E0"/>
+                </a:solidFill>
+                <a:effectLst/>
+                <a:highlight>
+                  <a:srgbClr val="1B1D28"/>
+                </a:highlight>
+                <a:latin typeface="Consolas" panose="020B0609020204030204" pitchFamily="49" charset="0"/>
+              </a:rPr>
+              <a:t>    </a:t>
+            </a:r>
+            <a:r>
+              <a:rPr lang="pt-BR" b="0" dirty="0" err="1">
+                <a:solidFill>
+                  <a:srgbClr val="F269B9"/>
+                </a:solidFill>
+                <a:effectLst/>
+                <a:highlight>
+                  <a:srgbClr val="1B1D28"/>
+                </a:highlight>
+                <a:latin typeface="Consolas" panose="020B0609020204030204" pitchFamily="49" charset="0"/>
+              </a:rPr>
+              <a:t>return</a:t>
+            </a:r>
+            <a:r>
+              <a:rPr lang="pt-BR" b="0" dirty="0">
+                <a:solidFill>
+                  <a:srgbClr val="D1D4E0"/>
+                </a:solidFill>
+                <a:effectLst/>
+                <a:highlight>
+                  <a:srgbClr val="1B1D28"/>
+                </a:highlight>
+                <a:latin typeface="Consolas" panose="020B0609020204030204" pitchFamily="49" charset="0"/>
+              </a:rPr>
+              <a:t> total</a:t>
+            </a:r>
+          </a:p>
+          <a:p>
+            <a:br>
+              <a:rPr lang="pt-BR" b="0" dirty="0">
+                <a:solidFill>
+                  <a:srgbClr val="D1D4E0"/>
+                </a:solidFill>
+                <a:effectLst/>
+                <a:highlight>
+                  <a:srgbClr val="1B1D28"/>
+                </a:highlight>
+                <a:latin typeface="Consolas" panose="020B0609020204030204" pitchFamily="49" charset="0"/>
+              </a:rPr>
+            </a:br>
+            <a:r>
+              <a:rPr lang="pt-BR" b="0" dirty="0">
+                <a:solidFill>
+                  <a:srgbClr val="2DE266"/>
+                </a:solidFill>
+                <a:effectLst/>
+                <a:highlight>
+                  <a:srgbClr val="1B1D28"/>
+                </a:highlight>
+                <a:latin typeface="Consolas" panose="020B0609020204030204" pitchFamily="49" charset="0"/>
+              </a:rPr>
+              <a:t>print</a:t>
+            </a:r>
+            <a:r>
+              <a:rPr lang="pt-BR" b="0" dirty="0">
+                <a:solidFill>
+                  <a:srgbClr val="D1D4E0"/>
+                </a:solidFill>
+                <a:effectLst/>
+                <a:highlight>
+                  <a:srgbClr val="1B1D28"/>
+                </a:highlight>
+                <a:latin typeface="Consolas" panose="020B0609020204030204" pitchFamily="49" charset="0"/>
+              </a:rPr>
+              <a:t>(</a:t>
+            </a:r>
+            <a:r>
+              <a:rPr lang="pt-BR" b="0" dirty="0">
+                <a:solidFill>
+                  <a:srgbClr val="2DE266"/>
+                </a:solidFill>
+                <a:effectLst/>
+                <a:highlight>
+                  <a:srgbClr val="1B1D28"/>
+                </a:highlight>
+                <a:latin typeface="Consolas" panose="020B0609020204030204" pitchFamily="49" charset="0"/>
+              </a:rPr>
+              <a:t>multiplica</a:t>
+            </a:r>
+            <a:r>
+              <a:rPr lang="pt-BR" b="0" dirty="0">
+                <a:solidFill>
+                  <a:srgbClr val="D1D4E0"/>
+                </a:solidFill>
+                <a:effectLst/>
+                <a:highlight>
+                  <a:srgbClr val="1B1D28"/>
+                </a:highlight>
+                <a:latin typeface="Consolas" panose="020B0609020204030204" pitchFamily="49" charset="0"/>
+              </a:rPr>
+              <a:t>(</a:t>
+            </a:r>
+            <a:r>
+              <a:rPr lang="pt-BR" b="0" dirty="0">
+                <a:solidFill>
+                  <a:srgbClr val="AF86EB"/>
+                </a:solidFill>
+                <a:effectLst/>
+                <a:highlight>
+                  <a:srgbClr val="1B1D28"/>
+                </a:highlight>
+                <a:latin typeface="Consolas" panose="020B0609020204030204" pitchFamily="49" charset="0"/>
+              </a:rPr>
+              <a:t>1</a:t>
+            </a:r>
+            <a:r>
+              <a:rPr lang="pt-BR" b="0" dirty="0">
+                <a:solidFill>
+                  <a:srgbClr val="D1D4E0"/>
+                </a:solidFill>
+                <a:effectLst/>
+                <a:highlight>
+                  <a:srgbClr val="1B1D28"/>
+                </a:highlight>
+                <a:latin typeface="Consolas" panose="020B0609020204030204" pitchFamily="49" charset="0"/>
+              </a:rPr>
+              <a:t>, </a:t>
+            </a:r>
+            <a:r>
+              <a:rPr lang="pt-BR" b="0" dirty="0">
+                <a:solidFill>
+                  <a:srgbClr val="AF86EB"/>
+                </a:solidFill>
+                <a:effectLst/>
+                <a:highlight>
+                  <a:srgbClr val="1B1D28"/>
+                </a:highlight>
+                <a:latin typeface="Consolas" panose="020B0609020204030204" pitchFamily="49" charset="0"/>
+              </a:rPr>
+              <a:t>2</a:t>
+            </a:r>
+            <a:r>
+              <a:rPr lang="pt-BR" b="0" dirty="0">
+                <a:solidFill>
+                  <a:srgbClr val="D1D4E0"/>
+                </a:solidFill>
+                <a:effectLst/>
+                <a:highlight>
+                  <a:srgbClr val="1B1D28"/>
+                </a:highlight>
+                <a:latin typeface="Consolas" panose="020B0609020204030204" pitchFamily="49" charset="0"/>
+              </a:rPr>
+              <a:t>, </a:t>
+            </a:r>
+            <a:r>
+              <a:rPr lang="pt-BR" b="0" dirty="0">
+                <a:solidFill>
+                  <a:srgbClr val="AF86EB"/>
+                </a:solidFill>
+                <a:effectLst/>
+                <a:highlight>
+                  <a:srgbClr val="1B1D28"/>
+                </a:highlight>
+                <a:latin typeface="Consolas" panose="020B0609020204030204" pitchFamily="49" charset="0"/>
+              </a:rPr>
+              <a:t>3</a:t>
+            </a:r>
+            <a:r>
+              <a:rPr lang="pt-BR" b="0" dirty="0">
+                <a:solidFill>
+                  <a:srgbClr val="D1D4E0"/>
+                </a:solidFill>
+                <a:effectLst/>
+                <a:highlight>
+                  <a:srgbClr val="1B1D28"/>
+                </a:highlight>
+                <a:latin typeface="Consolas" panose="020B0609020204030204" pitchFamily="49" charset="0"/>
+              </a:rPr>
+              <a:t>, </a:t>
+            </a:r>
+            <a:r>
+              <a:rPr lang="pt-BR" b="0" dirty="0">
+                <a:solidFill>
+                  <a:srgbClr val="AF86EB"/>
+                </a:solidFill>
+                <a:effectLst/>
+                <a:highlight>
+                  <a:srgbClr val="1B1D28"/>
+                </a:highlight>
+                <a:latin typeface="Consolas" panose="020B0609020204030204" pitchFamily="49" charset="0"/>
+              </a:rPr>
+              <a:t>4</a:t>
+            </a:r>
+            <a:r>
+              <a:rPr lang="pt-BR" b="0" dirty="0">
+                <a:solidFill>
+                  <a:srgbClr val="D1D4E0"/>
+                </a:solidFill>
+                <a:effectLst/>
+                <a:highlight>
+                  <a:srgbClr val="1B1D28"/>
+                </a:highlight>
+                <a:latin typeface="Consolas" panose="020B0609020204030204" pitchFamily="49" charset="0"/>
+              </a:rPr>
+              <a:t>, </a:t>
+            </a:r>
+            <a:r>
+              <a:rPr lang="pt-BR" b="0" dirty="0">
+                <a:solidFill>
+                  <a:srgbClr val="AF86EB"/>
+                </a:solidFill>
+                <a:effectLst/>
+                <a:highlight>
+                  <a:srgbClr val="1B1D28"/>
+                </a:highlight>
+                <a:latin typeface="Consolas" panose="020B0609020204030204" pitchFamily="49" charset="0"/>
+              </a:rPr>
+              <a:t>5</a:t>
+            </a:r>
+            <a:r>
+              <a:rPr lang="pt-BR" b="0" dirty="0">
+                <a:solidFill>
+                  <a:srgbClr val="D1D4E0"/>
+                </a:solidFill>
+                <a:effectLst/>
+                <a:highlight>
+                  <a:srgbClr val="1B1D28"/>
+                </a:highlight>
+                <a:latin typeface="Consolas" panose="020B0609020204030204" pitchFamily="49" charset="0"/>
+              </a:rPr>
+              <a:t>, </a:t>
+            </a:r>
+            <a:r>
+              <a:rPr lang="pt-BR" b="0" dirty="0">
+                <a:solidFill>
+                  <a:srgbClr val="AF86EB"/>
+                </a:solidFill>
+                <a:effectLst/>
+                <a:highlight>
+                  <a:srgbClr val="1B1D28"/>
+                </a:highlight>
+                <a:latin typeface="Consolas" panose="020B0609020204030204" pitchFamily="49" charset="0"/>
+              </a:rPr>
+              <a:t>6</a:t>
+            </a:r>
+            <a:r>
+              <a:rPr lang="pt-BR" b="0" dirty="0">
+                <a:solidFill>
+                  <a:srgbClr val="D1D4E0"/>
+                </a:solidFill>
+                <a:effectLst/>
+                <a:highlight>
+                  <a:srgbClr val="1B1D28"/>
+                </a:highlight>
+                <a:latin typeface="Consolas" panose="020B0609020204030204" pitchFamily="49" charset="0"/>
+              </a:rPr>
+              <a:t>, </a:t>
+            </a:r>
+            <a:r>
+              <a:rPr lang="pt-BR" b="0" dirty="0">
+                <a:solidFill>
+                  <a:srgbClr val="AF86EB"/>
+                </a:solidFill>
+                <a:effectLst/>
+                <a:highlight>
+                  <a:srgbClr val="1B1D28"/>
+                </a:highlight>
+                <a:latin typeface="Consolas" panose="020B0609020204030204" pitchFamily="49" charset="0"/>
+              </a:rPr>
+              <a:t>7</a:t>
+            </a:r>
+            <a:r>
+              <a:rPr lang="pt-BR" b="0" dirty="0">
+                <a:solidFill>
+                  <a:srgbClr val="D1D4E0"/>
+                </a:solidFill>
+                <a:effectLst/>
+                <a:highlight>
+                  <a:srgbClr val="1B1D28"/>
+                </a:highlight>
+                <a:latin typeface="Consolas" panose="020B0609020204030204" pitchFamily="49" charset="0"/>
+              </a:rPr>
+              <a:t>, </a:t>
+            </a:r>
+            <a:r>
+              <a:rPr lang="pt-BR" b="0" dirty="0">
+                <a:solidFill>
+                  <a:srgbClr val="AF86EB"/>
+                </a:solidFill>
+                <a:effectLst/>
+                <a:highlight>
+                  <a:srgbClr val="1B1D28"/>
+                </a:highlight>
+                <a:latin typeface="Consolas" panose="020B0609020204030204" pitchFamily="49" charset="0"/>
+              </a:rPr>
+              <a:t>8</a:t>
+            </a:r>
+            <a:r>
+              <a:rPr lang="pt-BR" b="0" dirty="0">
+                <a:solidFill>
+                  <a:srgbClr val="D1D4E0"/>
+                </a:solidFill>
+                <a:effectLst/>
+                <a:highlight>
+                  <a:srgbClr val="1B1D28"/>
+                </a:highlight>
+                <a:latin typeface="Consolas" panose="020B0609020204030204" pitchFamily="49" charset="0"/>
+              </a:rPr>
+              <a:t>))</a:t>
+            </a:r>
+          </a:p>
+        </p:txBody>
+      </p:sp>
+      <p:sp>
+        <p:nvSpPr>
+          <p:cNvPr id="6" name="CaixaDeTexto 5">
+            <a:extLst>
+              <a:ext uri="{FF2B5EF4-FFF2-40B4-BE49-F238E27FC236}">
+                <a16:creationId xmlns:a16="http://schemas.microsoft.com/office/drawing/2014/main" id="{24F98A62-CDE5-2A97-42FC-511A1B1E1634}"/>
+              </a:ext>
+            </a:extLst>
+          </p:cNvPr>
+          <p:cNvSpPr txBox="1"/>
+          <p:nvPr/>
+        </p:nvSpPr>
+        <p:spPr>
+          <a:xfrm>
+            <a:off x="1726164" y="4280632"/>
+            <a:ext cx="7081933" cy="1246495"/>
+          </a:xfrm>
+          <a:prstGeom prst="rect">
+            <a:avLst/>
+          </a:prstGeom>
+          <a:noFill/>
+        </p:spPr>
+        <p:txBody>
+          <a:bodyPr wrap="square" rtlCol="0">
+            <a:spAutoFit/>
+          </a:bodyPr>
+          <a:lstStyle/>
+          <a:p>
+            <a:pPr marL="742950" indent="-742950">
+              <a:buFont typeface="+mj-lt"/>
+              <a:buAutoNum type="arabicPeriod"/>
+            </a:pPr>
+            <a:r>
+              <a:rPr lang="pt-BR" sz="2500" dirty="0">
+                <a:solidFill>
+                  <a:schemeClr val="bg2"/>
+                </a:solidFill>
+              </a:rPr>
+              <a:t>Crie uma função </a:t>
+            </a:r>
+          </a:p>
+          <a:p>
+            <a:pPr marL="742950" indent="-742950">
+              <a:buFont typeface="+mj-lt"/>
+              <a:buAutoNum type="arabicPeriod"/>
+            </a:pPr>
+            <a:r>
+              <a:rPr lang="pt-BR" sz="2500" dirty="0">
+                <a:solidFill>
+                  <a:schemeClr val="bg2"/>
+                </a:solidFill>
+              </a:rPr>
+              <a:t>Para realizar a multiplicação de vários itens.</a:t>
+            </a:r>
+          </a:p>
+          <a:p>
+            <a:pPr marL="742950" indent="-742950">
+              <a:buFont typeface="+mj-lt"/>
+              <a:buAutoNum type="arabicPeriod"/>
+            </a:pPr>
+            <a:r>
+              <a:rPr lang="pt-BR" sz="2500" dirty="0">
+                <a:solidFill>
+                  <a:schemeClr val="bg2"/>
+                </a:solidFill>
+              </a:rPr>
+              <a:t>Utilizando </a:t>
+            </a:r>
+            <a:r>
+              <a:rPr lang="pt-BR" sz="2500">
+                <a:solidFill>
+                  <a:schemeClr val="bg2"/>
+                </a:solidFill>
+              </a:rPr>
+              <a:t>Args</a:t>
+            </a:r>
+            <a:endParaRPr lang="pt-BR" sz="2500" dirty="0">
+              <a:solidFill>
+                <a:schemeClr val="bg2"/>
+              </a:solidFill>
+            </a:endParaRPr>
+          </a:p>
+        </p:txBody>
+      </p:sp>
+    </p:spTree>
+    <p:extLst>
+      <p:ext uri="{BB962C8B-B14F-4D97-AF65-F5344CB8AC3E}">
+        <p14:creationId xmlns:p14="http://schemas.microsoft.com/office/powerpoint/2010/main" val="2362985354"/>
       </p:ext>
     </p:extLst>
   </p:cSld>

--- a/Python_Dev/Python Intermediário/Material Python/1- Funções em Python.pptx
+++ b/Python_Dev/Python Intermediário/Material Python/1- Funções em Python.pptx
@@ -26,6 +26,9 @@
     <p:sldId id="301" r:id="rId20"/>
     <p:sldId id="302" r:id="rId21"/>
     <p:sldId id="303" r:id="rId22"/>
+    <p:sldId id="304" r:id="rId23"/>
+    <p:sldId id="305" r:id="rId24"/>
+    <p:sldId id="306" r:id="rId25"/>
   </p:sldIdLst>
   <p:sldSz cx="12192000" cy="6858000"/>
   <p:notesSz cx="6858000" cy="9144000"/>
@@ -6932,10 +6935,10 @@
       </p:grpSpPr>
       <p:sp useBgFill="1">
         <p:nvSpPr>
-          <p:cNvPr id="40" name="Rectangle 39">
+          <p:cNvPr id="49" name="Rectangle 48">
             <a:extLst>
               <a:ext uri="{FF2B5EF4-FFF2-40B4-BE49-F238E27FC236}">
-                <a16:creationId xmlns:a16="http://schemas.microsoft.com/office/drawing/2014/main" id="{B89090F2-B101-458B-9AFF-27327443BB09}"/>
+                <a16:creationId xmlns:a16="http://schemas.microsoft.com/office/drawing/2014/main" id="{1D21332B-FE15-41A6-8919-8563A89EAEDA}"/>
               </a:ext>
               <a:ext uri="{C183D7F6-B498-43B3-948B-1728B52AA6E4}">
                 <adec:decorative xmlns:adec="http://schemas.microsoft.com/office/drawing/2017/decorative" val="1"/>
@@ -7107,25 +7110,25 @@
         </p:nvSpPr>
         <p:spPr>
           <a:xfrm>
-            <a:off x="4639056" y="1235847"/>
-            <a:ext cx="6784847" cy="3325266"/>
+            <a:off x="1028901" y="3741641"/>
+            <a:ext cx="10134198" cy="1857901"/>
           </a:xfrm>
         </p:spPr>
         <p:txBody>
-          <a:bodyPr>
+          <a:bodyPr anchor="t">
             <a:normAutofit/>
           </a:bodyPr>
           <a:lstStyle/>
           <a:p>
             <a:r>
-              <a:rPr lang="pt-BR" sz="7200" dirty="0"/>
+              <a:rPr lang="pt-BR" sz="6100"/>
               <a:t>Funções</a:t>
             </a:r>
             <a:br>
-              <a:rPr lang="pt-BR" sz="7200" dirty="0"/>
+              <a:rPr lang="pt-BR" sz="6100"/>
             </a:br>
             <a:r>
-              <a:rPr lang="pt-BR" sz="7200" dirty="0"/>
+              <a:rPr lang="pt-BR" sz="6100"/>
               <a:t>Condicionais</a:t>
             </a:r>
           </a:p>
@@ -7133,10 +7136,10 @@
       </p:sp>
       <p:sp>
         <p:nvSpPr>
-          <p:cNvPr id="42" name="Freeform 6">
+          <p:cNvPr id="51" name="Freeform 6">
             <a:extLst>
               <a:ext uri="{FF2B5EF4-FFF2-40B4-BE49-F238E27FC236}">
-                <a16:creationId xmlns:a16="http://schemas.microsoft.com/office/drawing/2014/main" id="{526C103B-17BD-4B48-AB6F-0D9EF826AAC4}"/>
+                <a16:creationId xmlns:a16="http://schemas.microsoft.com/office/drawing/2014/main" id="{439F6CA3-780D-4C3A-A889-C705E7E7D12D}"/>
               </a:ext>
               <a:ext uri="{C183D7F6-B498-43B3-948B-1728B52AA6E4}">
                 <adec:decorative xmlns:adec="http://schemas.microsoft.com/office/drawing/2017/decorative" val="1"/>
@@ -7650,8 +7653,8 @@
         </p:blipFill>
         <p:spPr>
           <a:xfrm>
-            <a:off x="1240971" y="1709603"/>
-            <a:ext cx="3398085" cy="3398085"/>
+            <a:off x="4852271" y="941544"/>
+            <a:ext cx="2487458" cy="2487458"/>
           </a:xfrm>
           <a:prstGeom prst="rect">
             <a:avLst/>
@@ -7660,10 +7663,10 @@
       </p:pic>
       <p:sp>
         <p:nvSpPr>
-          <p:cNvPr id="44" name="Rectangle 43">
+          <p:cNvPr id="53" name="Rectangle 52">
             <a:extLst>
               <a:ext uri="{FF2B5EF4-FFF2-40B4-BE49-F238E27FC236}">
-                <a16:creationId xmlns:a16="http://schemas.microsoft.com/office/drawing/2014/main" id="{E9EC3243-CA25-4485-A7FE-8B0141923844}"/>
+                <a16:creationId xmlns:a16="http://schemas.microsoft.com/office/drawing/2014/main" id="{E6335BA4-3C40-424B-A885-29B1007B802A}"/>
               </a:ext>
               <a:ext uri="{C183D7F6-B498-43B3-948B-1728B52AA6E4}">
                 <adec:decorative xmlns:adec="http://schemas.microsoft.com/office/drawing/2017/decorative" val="1"/>
@@ -13188,10 +13191,10 @@
       </p:grpSpPr>
       <p:sp useBgFill="1">
         <p:nvSpPr>
-          <p:cNvPr id="40" name="Rectangle 39">
+          <p:cNvPr id="49" name="Rectangle 48">
             <a:extLst>
               <a:ext uri="{FF2B5EF4-FFF2-40B4-BE49-F238E27FC236}">
-                <a16:creationId xmlns:a16="http://schemas.microsoft.com/office/drawing/2014/main" id="{B89090F2-B101-458B-9AFF-27327443BB09}"/>
+                <a16:creationId xmlns:a16="http://schemas.microsoft.com/office/drawing/2014/main" id="{0E624BD9-62FB-467A-ACDC-4836ADC5FEDF}"/>
               </a:ext>
               <a:ext uri="{C183D7F6-B498-43B3-948B-1728B52AA6E4}">
                 <adec:decorative xmlns:adec="http://schemas.microsoft.com/office/drawing/2017/decorative" val="1"/>
@@ -13347,52 +13350,10 @@
       </p:sp>
       <p:sp>
         <p:nvSpPr>
-          <p:cNvPr id="2" name="Título 1">
+          <p:cNvPr id="51" name="Freeform 13">
             <a:extLst>
               <a:ext uri="{FF2B5EF4-FFF2-40B4-BE49-F238E27FC236}">
-                <a16:creationId xmlns:a16="http://schemas.microsoft.com/office/drawing/2014/main" id="{9D4DFD27-ACA4-1794-D857-3BC7340744BA}"/>
-              </a:ext>
-            </a:extLst>
-          </p:cNvPr>
-          <p:cNvSpPr>
-            <a:spLocks noGrp="1"/>
-          </p:cNvSpPr>
-          <p:nvPr>
-            <p:ph type="ctrTitle"/>
-          </p:nvPr>
-        </p:nvSpPr>
-        <p:spPr>
-          <a:xfrm>
-            <a:off x="4639056" y="1235847"/>
-            <a:ext cx="6784847" cy="3325266"/>
-          </a:xfrm>
-        </p:spPr>
-        <p:txBody>
-          <a:bodyPr>
-            <a:normAutofit/>
-          </a:bodyPr>
-          <a:lstStyle/>
-          <a:p>
-            <a:r>
-              <a:rPr lang="pt-BR" sz="7200" dirty="0"/>
-              <a:t>Retorno</a:t>
-            </a:r>
-            <a:br>
-              <a:rPr lang="pt-BR" sz="7200" dirty="0"/>
-            </a:br>
-            <a:r>
-              <a:rPr lang="pt-BR" sz="7200" dirty="0"/>
-              <a:t>Funções</a:t>
-            </a:r>
-          </a:p>
-        </p:txBody>
-      </p:sp>
-      <p:sp>
-        <p:nvSpPr>
-          <p:cNvPr id="42" name="Freeform 6">
-            <a:extLst>
-              <a:ext uri="{FF2B5EF4-FFF2-40B4-BE49-F238E27FC236}">
-                <a16:creationId xmlns:a16="http://schemas.microsoft.com/office/drawing/2014/main" id="{526C103B-17BD-4B48-AB6F-0D9EF826AAC4}"/>
+                <a16:creationId xmlns:a16="http://schemas.microsoft.com/office/drawing/2014/main" id="{4C973920-672E-443D-8D2E-2D1E3853A0CE}"/>
               </a:ext>
               <a:ext uri="{C183D7F6-B498-43B3-948B-1728B52AA6E4}">
                 <adec:decorative xmlns:adec="http://schemas.microsoft.com/office/drawing/2017/decorative" val="1"/>
@@ -13410,454 +13371,795 @@
             </p:extLst>
           </p:nvPr>
         </p:nvSpPr>
-        <p:spPr bwMode="auto">
-          <a:xfrm>
-            <a:off x="0" y="0"/>
-            <a:ext cx="885825" cy="6858000"/>
+        <p:spPr bwMode="white">
+          <a:xfrm flipH="1">
+            <a:off x="141730" y="0"/>
+            <a:ext cx="7789615" cy="6858000"/>
           </a:xfrm>
           <a:custGeom>
             <a:avLst/>
-            <a:gdLst/>
+            <a:gdLst>
+              <a:gd name="connsiteX0" fmla="*/ 9807836 w 9807836"/>
+              <a:gd name="connsiteY0" fmla="*/ 0 h 6858000"/>
+              <a:gd name="connsiteX1" fmla="*/ 0 w 9807836"/>
+              <a:gd name="connsiteY1" fmla="*/ 0 h 6858000"/>
+              <a:gd name="connsiteX2" fmla="*/ 26987 w 9807836"/>
+              <a:gd name="connsiteY2" fmla="*/ 87312 h 6858000"/>
+              <a:gd name="connsiteX3" fmla="*/ 52387 w 9807836"/>
+              <a:gd name="connsiteY3" fmla="*/ 174625 h 6858000"/>
+              <a:gd name="connsiteX4" fmla="*/ 77787 w 9807836"/>
+              <a:gd name="connsiteY4" fmla="*/ 263525 h 6858000"/>
+              <a:gd name="connsiteX5" fmla="*/ 100012 w 9807836"/>
+              <a:gd name="connsiteY5" fmla="*/ 354012 h 6858000"/>
+              <a:gd name="connsiteX6" fmla="*/ 127000 w 9807836"/>
+              <a:gd name="connsiteY6" fmla="*/ 441325 h 6858000"/>
+              <a:gd name="connsiteX7" fmla="*/ 155575 w 9807836"/>
+              <a:gd name="connsiteY7" fmla="*/ 525462 h 6858000"/>
+              <a:gd name="connsiteX8" fmla="*/ 192087 w 9807836"/>
+              <a:gd name="connsiteY8" fmla="*/ 604837 h 6858000"/>
+              <a:gd name="connsiteX9" fmla="*/ 234950 w 9807836"/>
+              <a:gd name="connsiteY9" fmla="*/ 677862 h 6858000"/>
+              <a:gd name="connsiteX10" fmla="*/ 282575 w 9807836"/>
+              <a:gd name="connsiteY10" fmla="*/ 739775 h 6858000"/>
+              <a:gd name="connsiteX11" fmla="*/ 334962 w 9807836"/>
+              <a:gd name="connsiteY11" fmla="*/ 798512 h 6858000"/>
+              <a:gd name="connsiteX12" fmla="*/ 395287 w 9807836"/>
+              <a:gd name="connsiteY12" fmla="*/ 852487 h 6858000"/>
+              <a:gd name="connsiteX13" fmla="*/ 458787 w 9807836"/>
+              <a:gd name="connsiteY13" fmla="*/ 906462 h 6858000"/>
+              <a:gd name="connsiteX14" fmla="*/ 525462 w 9807836"/>
+              <a:gd name="connsiteY14" fmla="*/ 957262 h 6858000"/>
+              <a:gd name="connsiteX15" fmla="*/ 592137 w 9807836"/>
+              <a:gd name="connsiteY15" fmla="*/ 1008062 h 6858000"/>
+              <a:gd name="connsiteX16" fmla="*/ 660400 w 9807836"/>
+              <a:gd name="connsiteY16" fmla="*/ 1060450 h 6858000"/>
+              <a:gd name="connsiteX17" fmla="*/ 725487 w 9807836"/>
+              <a:gd name="connsiteY17" fmla="*/ 1111250 h 6858000"/>
+              <a:gd name="connsiteX18" fmla="*/ 787400 w 9807836"/>
+              <a:gd name="connsiteY18" fmla="*/ 1165225 h 6858000"/>
+              <a:gd name="connsiteX19" fmla="*/ 844550 w 9807836"/>
+              <a:gd name="connsiteY19" fmla="*/ 1223962 h 6858000"/>
+              <a:gd name="connsiteX20" fmla="*/ 896937 w 9807836"/>
+              <a:gd name="connsiteY20" fmla="*/ 1282700 h 6858000"/>
+              <a:gd name="connsiteX21" fmla="*/ 939800 w 9807836"/>
+              <a:gd name="connsiteY21" fmla="*/ 1346200 h 6858000"/>
+              <a:gd name="connsiteX22" fmla="*/ 976312 w 9807836"/>
+              <a:gd name="connsiteY22" fmla="*/ 1417637 h 6858000"/>
+              <a:gd name="connsiteX23" fmla="*/ 998537 w 9807836"/>
+              <a:gd name="connsiteY23" fmla="*/ 1487487 h 6858000"/>
+              <a:gd name="connsiteX24" fmla="*/ 1012825 w 9807836"/>
+              <a:gd name="connsiteY24" fmla="*/ 1565275 h 6858000"/>
+              <a:gd name="connsiteX25" fmla="*/ 1019175 w 9807836"/>
+              <a:gd name="connsiteY25" fmla="*/ 1641475 h 6858000"/>
+              <a:gd name="connsiteX26" fmla="*/ 1017587 w 9807836"/>
+              <a:gd name="connsiteY26" fmla="*/ 1722437 h 6858000"/>
+              <a:gd name="connsiteX27" fmla="*/ 1011237 w 9807836"/>
+              <a:gd name="connsiteY27" fmla="*/ 1803400 h 6858000"/>
+              <a:gd name="connsiteX28" fmla="*/ 1003300 w 9807836"/>
+              <a:gd name="connsiteY28" fmla="*/ 1887537 h 6858000"/>
+              <a:gd name="connsiteX29" fmla="*/ 992187 w 9807836"/>
+              <a:gd name="connsiteY29" fmla="*/ 1971675 h 6858000"/>
+              <a:gd name="connsiteX30" fmla="*/ 979487 w 9807836"/>
+              <a:gd name="connsiteY30" fmla="*/ 2055812 h 6858000"/>
+              <a:gd name="connsiteX31" fmla="*/ 969962 w 9807836"/>
+              <a:gd name="connsiteY31" fmla="*/ 2139950 h 6858000"/>
+              <a:gd name="connsiteX32" fmla="*/ 963612 w 9807836"/>
+              <a:gd name="connsiteY32" fmla="*/ 2224087 h 6858000"/>
+              <a:gd name="connsiteX33" fmla="*/ 958850 w 9807836"/>
+              <a:gd name="connsiteY33" fmla="*/ 2305050 h 6858000"/>
+              <a:gd name="connsiteX34" fmla="*/ 963612 w 9807836"/>
+              <a:gd name="connsiteY34" fmla="*/ 2384425 h 6858000"/>
+              <a:gd name="connsiteX35" fmla="*/ 973137 w 9807836"/>
+              <a:gd name="connsiteY35" fmla="*/ 2462212 h 6858000"/>
+              <a:gd name="connsiteX36" fmla="*/ 993775 w 9807836"/>
+              <a:gd name="connsiteY36" fmla="*/ 2543175 h 6858000"/>
+              <a:gd name="connsiteX37" fmla="*/ 1025525 w 9807836"/>
+              <a:gd name="connsiteY37" fmla="*/ 2622550 h 6858000"/>
+              <a:gd name="connsiteX38" fmla="*/ 1063625 w 9807836"/>
+              <a:gd name="connsiteY38" fmla="*/ 2701925 h 6858000"/>
+              <a:gd name="connsiteX39" fmla="*/ 1106487 w 9807836"/>
+              <a:gd name="connsiteY39" fmla="*/ 2781300 h 6858000"/>
+              <a:gd name="connsiteX40" fmla="*/ 1150937 w 9807836"/>
+              <a:gd name="connsiteY40" fmla="*/ 2859087 h 6858000"/>
+              <a:gd name="connsiteX41" fmla="*/ 1198562 w 9807836"/>
+              <a:gd name="connsiteY41" fmla="*/ 2938462 h 6858000"/>
+              <a:gd name="connsiteX42" fmla="*/ 1241425 w 9807836"/>
+              <a:gd name="connsiteY42" fmla="*/ 3017837 h 6858000"/>
+              <a:gd name="connsiteX43" fmla="*/ 1284288 w 9807836"/>
+              <a:gd name="connsiteY43" fmla="*/ 3098800 h 6858000"/>
+              <a:gd name="connsiteX44" fmla="*/ 1320800 w 9807836"/>
+              <a:gd name="connsiteY44" fmla="*/ 3179762 h 6858000"/>
+              <a:gd name="connsiteX45" fmla="*/ 1349375 w 9807836"/>
+              <a:gd name="connsiteY45" fmla="*/ 3260725 h 6858000"/>
+              <a:gd name="connsiteX46" fmla="*/ 1365250 w 9807836"/>
+              <a:gd name="connsiteY46" fmla="*/ 3343275 h 6858000"/>
+              <a:gd name="connsiteX47" fmla="*/ 1374775 w 9807836"/>
+              <a:gd name="connsiteY47" fmla="*/ 3429000 h 6858000"/>
+              <a:gd name="connsiteX48" fmla="*/ 1365250 w 9807836"/>
+              <a:gd name="connsiteY48" fmla="*/ 3514725 h 6858000"/>
+              <a:gd name="connsiteX49" fmla="*/ 1349375 w 9807836"/>
+              <a:gd name="connsiteY49" fmla="*/ 3597275 h 6858000"/>
+              <a:gd name="connsiteX50" fmla="*/ 1320800 w 9807836"/>
+              <a:gd name="connsiteY50" fmla="*/ 3678237 h 6858000"/>
+              <a:gd name="connsiteX51" fmla="*/ 1284288 w 9807836"/>
+              <a:gd name="connsiteY51" fmla="*/ 3759200 h 6858000"/>
+              <a:gd name="connsiteX52" fmla="*/ 1241425 w 9807836"/>
+              <a:gd name="connsiteY52" fmla="*/ 3840162 h 6858000"/>
+              <a:gd name="connsiteX53" fmla="*/ 1198562 w 9807836"/>
+              <a:gd name="connsiteY53" fmla="*/ 3919537 h 6858000"/>
+              <a:gd name="connsiteX54" fmla="*/ 1150937 w 9807836"/>
+              <a:gd name="connsiteY54" fmla="*/ 3998912 h 6858000"/>
+              <a:gd name="connsiteX55" fmla="*/ 1106487 w 9807836"/>
+              <a:gd name="connsiteY55" fmla="*/ 4076700 h 6858000"/>
+              <a:gd name="connsiteX56" fmla="*/ 1063625 w 9807836"/>
+              <a:gd name="connsiteY56" fmla="*/ 4156075 h 6858000"/>
+              <a:gd name="connsiteX57" fmla="*/ 1025525 w 9807836"/>
+              <a:gd name="connsiteY57" fmla="*/ 4235450 h 6858000"/>
+              <a:gd name="connsiteX58" fmla="*/ 993775 w 9807836"/>
+              <a:gd name="connsiteY58" fmla="*/ 4314825 h 6858000"/>
+              <a:gd name="connsiteX59" fmla="*/ 973137 w 9807836"/>
+              <a:gd name="connsiteY59" fmla="*/ 4395787 h 6858000"/>
+              <a:gd name="connsiteX60" fmla="*/ 963612 w 9807836"/>
+              <a:gd name="connsiteY60" fmla="*/ 4473575 h 6858000"/>
+              <a:gd name="connsiteX61" fmla="*/ 958850 w 9807836"/>
+              <a:gd name="connsiteY61" fmla="*/ 4552950 h 6858000"/>
+              <a:gd name="connsiteX62" fmla="*/ 963612 w 9807836"/>
+              <a:gd name="connsiteY62" fmla="*/ 4633912 h 6858000"/>
+              <a:gd name="connsiteX63" fmla="*/ 969962 w 9807836"/>
+              <a:gd name="connsiteY63" fmla="*/ 4718050 h 6858000"/>
+              <a:gd name="connsiteX64" fmla="*/ 979487 w 9807836"/>
+              <a:gd name="connsiteY64" fmla="*/ 4802187 h 6858000"/>
+              <a:gd name="connsiteX65" fmla="*/ 992187 w 9807836"/>
+              <a:gd name="connsiteY65" fmla="*/ 4886325 h 6858000"/>
+              <a:gd name="connsiteX66" fmla="*/ 1003300 w 9807836"/>
+              <a:gd name="connsiteY66" fmla="*/ 4970462 h 6858000"/>
+              <a:gd name="connsiteX67" fmla="*/ 1011237 w 9807836"/>
+              <a:gd name="connsiteY67" fmla="*/ 5054600 h 6858000"/>
+              <a:gd name="connsiteX68" fmla="*/ 1017587 w 9807836"/>
+              <a:gd name="connsiteY68" fmla="*/ 5135562 h 6858000"/>
+              <a:gd name="connsiteX69" fmla="*/ 1019175 w 9807836"/>
+              <a:gd name="connsiteY69" fmla="*/ 5216525 h 6858000"/>
+              <a:gd name="connsiteX70" fmla="*/ 1012825 w 9807836"/>
+              <a:gd name="connsiteY70" fmla="*/ 5292725 h 6858000"/>
+              <a:gd name="connsiteX71" fmla="*/ 998537 w 9807836"/>
+              <a:gd name="connsiteY71" fmla="*/ 5370512 h 6858000"/>
+              <a:gd name="connsiteX72" fmla="*/ 976312 w 9807836"/>
+              <a:gd name="connsiteY72" fmla="*/ 5440362 h 6858000"/>
+              <a:gd name="connsiteX73" fmla="*/ 939800 w 9807836"/>
+              <a:gd name="connsiteY73" fmla="*/ 5511800 h 6858000"/>
+              <a:gd name="connsiteX74" fmla="*/ 896937 w 9807836"/>
+              <a:gd name="connsiteY74" fmla="*/ 5575300 h 6858000"/>
+              <a:gd name="connsiteX75" fmla="*/ 844550 w 9807836"/>
+              <a:gd name="connsiteY75" fmla="*/ 5634037 h 6858000"/>
+              <a:gd name="connsiteX76" fmla="*/ 787400 w 9807836"/>
+              <a:gd name="connsiteY76" fmla="*/ 5692775 h 6858000"/>
+              <a:gd name="connsiteX77" fmla="*/ 725487 w 9807836"/>
+              <a:gd name="connsiteY77" fmla="*/ 5746750 h 6858000"/>
+              <a:gd name="connsiteX78" fmla="*/ 660400 w 9807836"/>
+              <a:gd name="connsiteY78" fmla="*/ 5797550 h 6858000"/>
+              <a:gd name="connsiteX79" fmla="*/ 592137 w 9807836"/>
+              <a:gd name="connsiteY79" fmla="*/ 5849937 h 6858000"/>
+              <a:gd name="connsiteX80" fmla="*/ 525462 w 9807836"/>
+              <a:gd name="connsiteY80" fmla="*/ 5900737 h 6858000"/>
+              <a:gd name="connsiteX81" fmla="*/ 458787 w 9807836"/>
+              <a:gd name="connsiteY81" fmla="*/ 5951537 h 6858000"/>
+              <a:gd name="connsiteX82" fmla="*/ 395287 w 9807836"/>
+              <a:gd name="connsiteY82" fmla="*/ 6005512 h 6858000"/>
+              <a:gd name="connsiteX83" fmla="*/ 334962 w 9807836"/>
+              <a:gd name="connsiteY83" fmla="*/ 6059487 h 6858000"/>
+              <a:gd name="connsiteX84" fmla="*/ 282575 w 9807836"/>
+              <a:gd name="connsiteY84" fmla="*/ 6118225 h 6858000"/>
+              <a:gd name="connsiteX85" fmla="*/ 234950 w 9807836"/>
+              <a:gd name="connsiteY85" fmla="*/ 6180137 h 6858000"/>
+              <a:gd name="connsiteX86" fmla="*/ 192087 w 9807836"/>
+              <a:gd name="connsiteY86" fmla="*/ 6253162 h 6858000"/>
+              <a:gd name="connsiteX87" fmla="*/ 155575 w 9807836"/>
+              <a:gd name="connsiteY87" fmla="*/ 6332537 h 6858000"/>
+              <a:gd name="connsiteX88" fmla="*/ 127000 w 9807836"/>
+              <a:gd name="connsiteY88" fmla="*/ 6416675 h 6858000"/>
+              <a:gd name="connsiteX89" fmla="*/ 100012 w 9807836"/>
+              <a:gd name="connsiteY89" fmla="*/ 6503987 h 6858000"/>
+              <a:gd name="connsiteX90" fmla="*/ 77787 w 9807836"/>
+              <a:gd name="connsiteY90" fmla="*/ 6594475 h 6858000"/>
+              <a:gd name="connsiteX91" fmla="*/ 52387 w 9807836"/>
+              <a:gd name="connsiteY91" fmla="*/ 6683375 h 6858000"/>
+              <a:gd name="connsiteX92" fmla="*/ 26987 w 9807836"/>
+              <a:gd name="connsiteY92" fmla="*/ 6770687 h 6858000"/>
+              <a:gd name="connsiteX93" fmla="*/ 0 w 9807836"/>
+              <a:gd name="connsiteY93" fmla="*/ 6858000 h 6858000"/>
+              <a:gd name="connsiteX94" fmla="*/ 9807836 w 9807836"/>
+              <a:gd name="connsiteY94" fmla="*/ 6858000 h 6858000"/>
+              <a:gd name="connsiteX95" fmla="*/ 9807836 w 9807836"/>
+              <a:gd name="connsiteY95" fmla="*/ 0 h 6858000"/>
+            </a:gdLst>
             <a:ahLst/>
-            <a:cxnLst/>
-            <a:rect l="0" t="0" r="r" b="b"/>
+            <a:cxnLst>
+              <a:cxn ang="0">
+                <a:pos x="connsiteX0" y="connsiteY0"/>
+              </a:cxn>
+              <a:cxn ang="0">
+                <a:pos x="connsiteX1" y="connsiteY1"/>
+              </a:cxn>
+              <a:cxn ang="0">
+                <a:pos x="connsiteX2" y="connsiteY2"/>
+              </a:cxn>
+              <a:cxn ang="0">
+                <a:pos x="connsiteX3" y="connsiteY3"/>
+              </a:cxn>
+              <a:cxn ang="0">
+                <a:pos x="connsiteX4" y="connsiteY4"/>
+              </a:cxn>
+              <a:cxn ang="0">
+                <a:pos x="connsiteX5" y="connsiteY5"/>
+              </a:cxn>
+              <a:cxn ang="0">
+                <a:pos x="connsiteX6" y="connsiteY6"/>
+              </a:cxn>
+              <a:cxn ang="0">
+                <a:pos x="connsiteX7" y="connsiteY7"/>
+              </a:cxn>
+              <a:cxn ang="0">
+                <a:pos x="connsiteX8" y="connsiteY8"/>
+              </a:cxn>
+              <a:cxn ang="0">
+                <a:pos x="connsiteX9" y="connsiteY9"/>
+              </a:cxn>
+              <a:cxn ang="0">
+                <a:pos x="connsiteX10" y="connsiteY10"/>
+              </a:cxn>
+              <a:cxn ang="0">
+                <a:pos x="connsiteX11" y="connsiteY11"/>
+              </a:cxn>
+              <a:cxn ang="0">
+                <a:pos x="connsiteX12" y="connsiteY12"/>
+              </a:cxn>
+              <a:cxn ang="0">
+                <a:pos x="connsiteX13" y="connsiteY13"/>
+              </a:cxn>
+              <a:cxn ang="0">
+                <a:pos x="connsiteX14" y="connsiteY14"/>
+              </a:cxn>
+              <a:cxn ang="0">
+                <a:pos x="connsiteX15" y="connsiteY15"/>
+              </a:cxn>
+              <a:cxn ang="0">
+                <a:pos x="connsiteX16" y="connsiteY16"/>
+              </a:cxn>
+              <a:cxn ang="0">
+                <a:pos x="connsiteX17" y="connsiteY17"/>
+              </a:cxn>
+              <a:cxn ang="0">
+                <a:pos x="connsiteX18" y="connsiteY18"/>
+              </a:cxn>
+              <a:cxn ang="0">
+                <a:pos x="connsiteX19" y="connsiteY19"/>
+              </a:cxn>
+              <a:cxn ang="0">
+                <a:pos x="connsiteX20" y="connsiteY20"/>
+              </a:cxn>
+              <a:cxn ang="0">
+                <a:pos x="connsiteX21" y="connsiteY21"/>
+              </a:cxn>
+              <a:cxn ang="0">
+                <a:pos x="connsiteX22" y="connsiteY22"/>
+              </a:cxn>
+              <a:cxn ang="0">
+                <a:pos x="connsiteX23" y="connsiteY23"/>
+              </a:cxn>
+              <a:cxn ang="0">
+                <a:pos x="connsiteX24" y="connsiteY24"/>
+              </a:cxn>
+              <a:cxn ang="0">
+                <a:pos x="connsiteX25" y="connsiteY25"/>
+              </a:cxn>
+              <a:cxn ang="0">
+                <a:pos x="connsiteX26" y="connsiteY26"/>
+              </a:cxn>
+              <a:cxn ang="0">
+                <a:pos x="connsiteX27" y="connsiteY27"/>
+              </a:cxn>
+              <a:cxn ang="0">
+                <a:pos x="connsiteX28" y="connsiteY28"/>
+              </a:cxn>
+              <a:cxn ang="0">
+                <a:pos x="connsiteX29" y="connsiteY29"/>
+              </a:cxn>
+              <a:cxn ang="0">
+                <a:pos x="connsiteX30" y="connsiteY30"/>
+              </a:cxn>
+              <a:cxn ang="0">
+                <a:pos x="connsiteX31" y="connsiteY31"/>
+              </a:cxn>
+              <a:cxn ang="0">
+                <a:pos x="connsiteX32" y="connsiteY32"/>
+              </a:cxn>
+              <a:cxn ang="0">
+                <a:pos x="connsiteX33" y="connsiteY33"/>
+              </a:cxn>
+              <a:cxn ang="0">
+                <a:pos x="connsiteX34" y="connsiteY34"/>
+              </a:cxn>
+              <a:cxn ang="0">
+                <a:pos x="connsiteX35" y="connsiteY35"/>
+              </a:cxn>
+              <a:cxn ang="0">
+                <a:pos x="connsiteX36" y="connsiteY36"/>
+              </a:cxn>
+              <a:cxn ang="0">
+                <a:pos x="connsiteX37" y="connsiteY37"/>
+              </a:cxn>
+              <a:cxn ang="0">
+                <a:pos x="connsiteX38" y="connsiteY38"/>
+              </a:cxn>
+              <a:cxn ang="0">
+                <a:pos x="connsiteX39" y="connsiteY39"/>
+              </a:cxn>
+              <a:cxn ang="0">
+                <a:pos x="connsiteX40" y="connsiteY40"/>
+              </a:cxn>
+              <a:cxn ang="0">
+                <a:pos x="connsiteX41" y="connsiteY41"/>
+              </a:cxn>
+              <a:cxn ang="0">
+                <a:pos x="connsiteX42" y="connsiteY42"/>
+              </a:cxn>
+              <a:cxn ang="0">
+                <a:pos x="connsiteX43" y="connsiteY43"/>
+              </a:cxn>
+              <a:cxn ang="0">
+                <a:pos x="connsiteX44" y="connsiteY44"/>
+              </a:cxn>
+              <a:cxn ang="0">
+                <a:pos x="connsiteX45" y="connsiteY45"/>
+              </a:cxn>
+              <a:cxn ang="0">
+                <a:pos x="connsiteX46" y="connsiteY46"/>
+              </a:cxn>
+              <a:cxn ang="0">
+                <a:pos x="connsiteX47" y="connsiteY47"/>
+              </a:cxn>
+              <a:cxn ang="0">
+                <a:pos x="connsiteX48" y="connsiteY48"/>
+              </a:cxn>
+              <a:cxn ang="0">
+                <a:pos x="connsiteX49" y="connsiteY49"/>
+              </a:cxn>
+              <a:cxn ang="0">
+                <a:pos x="connsiteX50" y="connsiteY50"/>
+              </a:cxn>
+              <a:cxn ang="0">
+                <a:pos x="connsiteX51" y="connsiteY51"/>
+              </a:cxn>
+              <a:cxn ang="0">
+                <a:pos x="connsiteX52" y="connsiteY52"/>
+              </a:cxn>
+              <a:cxn ang="0">
+                <a:pos x="connsiteX53" y="connsiteY53"/>
+              </a:cxn>
+              <a:cxn ang="0">
+                <a:pos x="connsiteX54" y="connsiteY54"/>
+              </a:cxn>
+              <a:cxn ang="0">
+                <a:pos x="connsiteX55" y="connsiteY55"/>
+              </a:cxn>
+              <a:cxn ang="0">
+                <a:pos x="connsiteX56" y="connsiteY56"/>
+              </a:cxn>
+              <a:cxn ang="0">
+                <a:pos x="connsiteX57" y="connsiteY57"/>
+              </a:cxn>
+              <a:cxn ang="0">
+                <a:pos x="connsiteX58" y="connsiteY58"/>
+              </a:cxn>
+              <a:cxn ang="0">
+                <a:pos x="connsiteX59" y="connsiteY59"/>
+              </a:cxn>
+              <a:cxn ang="0">
+                <a:pos x="connsiteX60" y="connsiteY60"/>
+              </a:cxn>
+              <a:cxn ang="0">
+                <a:pos x="connsiteX61" y="connsiteY61"/>
+              </a:cxn>
+              <a:cxn ang="0">
+                <a:pos x="connsiteX62" y="connsiteY62"/>
+              </a:cxn>
+              <a:cxn ang="0">
+                <a:pos x="connsiteX63" y="connsiteY63"/>
+              </a:cxn>
+              <a:cxn ang="0">
+                <a:pos x="connsiteX64" y="connsiteY64"/>
+              </a:cxn>
+              <a:cxn ang="0">
+                <a:pos x="connsiteX65" y="connsiteY65"/>
+              </a:cxn>
+              <a:cxn ang="0">
+                <a:pos x="connsiteX66" y="connsiteY66"/>
+              </a:cxn>
+              <a:cxn ang="0">
+                <a:pos x="connsiteX67" y="connsiteY67"/>
+              </a:cxn>
+              <a:cxn ang="0">
+                <a:pos x="connsiteX68" y="connsiteY68"/>
+              </a:cxn>
+              <a:cxn ang="0">
+                <a:pos x="connsiteX69" y="connsiteY69"/>
+              </a:cxn>
+              <a:cxn ang="0">
+                <a:pos x="connsiteX70" y="connsiteY70"/>
+              </a:cxn>
+              <a:cxn ang="0">
+                <a:pos x="connsiteX71" y="connsiteY71"/>
+              </a:cxn>
+              <a:cxn ang="0">
+                <a:pos x="connsiteX72" y="connsiteY72"/>
+              </a:cxn>
+              <a:cxn ang="0">
+                <a:pos x="connsiteX73" y="connsiteY73"/>
+              </a:cxn>
+              <a:cxn ang="0">
+                <a:pos x="connsiteX74" y="connsiteY74"/>
+              </a:cxn>
+              <a:cxn ang="0">
+                <a:pos x="connsiteX75" y="connsiteY75"/>
+              </a:cxn>
+              <a:cxn ang="0">
+                <a:pos x="connsiteX76" y="connsiteY76"/>
+              </a:cxn>
+              <a:cxn ang="0">
+                <a:pos x="connsiteX77" y="connsiteY77"/>
+              </a:cxn>
+              <a:cxn ang="0">
+                <a:pos x="connsiteX78" y="connsiteY78"/>
+              </a:cxn>
+              <a:cxn ang="0">
+                <a:pos x="connsiteX79" y="connsiteY79"/>
+              </a:cxn>
+              <a:cxn ang="0">
+                <a:pos x="connsiteX80" y="connsiteY80"/>
+              </a:cxn>
+              <a:cxn ang="0">
+                <a:pos x="connsiteX81" y="connsiteY81"/>
+              </a:cxn>
+              <a:cxn ang="0">
+                <a:pos x="connsiteX82" y="connsiteY82"/>
+              </a:cxn>
+              <a:cxn ang="0">
+                <a:pos x="connsiteX83" y="connsiteY83"/>
+              </a:cxn>
+              <a:cxn ang="0">
+                <a:pos x="connsiteX84" y="connsiteY84"/>
+              </a:cxn>
+              <a:cxn ang="0">
+                <a:pos x="connsiteX85" y="connsiteY85"/>
+              </a:cxn>
+              <a:cxn ang="0">
+                <a:pos x="connsiteX86" y="connsiteY86"/>
+              </a:cxn>
+              <a:cxn ang="0">
+                <a:pos x="connsiteX87" y="connsiteY87"/>
+              </a:cxn>
+              <a:cxn ang="0">
+                <a:pos x="connsiteX88" y="connsiteY88"/>
+              </a:cxn>
+              <a:cxn ang="0">
+                <a:pos x="connsiteX89" y="connsiteY89"/>
+              </a:cxn>
+              <a:cxn ang="0">
+                <a:pos x="connsiteX90" y="connsiteY90"/>
+              </a:cxn>
+              <a:cxn ang="0">
+                <a:pos x="connsiteX91" y="connsiteY91"/>
+              </a:cxn>
+              <a:cxn ang="0">
+                <a:pos x="connsiteX92" y="connsiteY92"/>
+              </a:cxn>
+              <a:cxn ang="0">
+                <a:pos x="connsiteX93" y="connsiteY93"/>
+              </a:cxn>
+              <a:cxn ang="0">
+                <a:pos x="connsiteX94" y="connsiteY94"/>
+              </a:cxn>
+              <a:cxn ang="0">
+                <a:pos x="connsiteX95" y="connsiteY95"/>
+              </a:cxn>
+            </a:cxnLst>
+            <a:rect l="l" t="t" r="r" b="b"/>
             <a:pathLst>
-              <a:path w="558" h="4320">
+              <a:path w="9807836" h="6858000">
                 <a:moveTo>
+                  <a:pt x="9807836" y="0"/>
+                </a:moveTo>
+                <a:lnTo>
                   <a:pt x="0" y="0"/>
-                </a:moveTo>
-                <a:lnTo>
-                  <a:pt x="447" y="0"/>
-                </a:lnTo>
-                <a:lnTo>
-                  <a:pt x="448" y="43"/>
-                </a:lnTo>
-                <a:lnTo>
-                  <a:pt x="453" y="81"/>
-                </a:lnTo>
-                <a:lnTo>
-                  <a:pt x="460" y="114"/>
-                </a:lnTo>
-                <a:lnTo>
-                  <a:pt x="469" y="143"/>
-                </a:lnTo>
-                <a:lnTo>
-                  <a:pt x="479" y="169"/>
-                </a:lnTo>
-                <a:lnTo>
-                  <a:pt x="491" y="192"/>
-                </a:lnTo>
-                <a:lnTo>
-                  <a:pt x="503" y="216"/>
-                </a:lnTo>
-                <a:lnTo>
-                  <a:pt x="515" y="240"/>
-                </a:lnTo>
-                <a:lnTo>
-                  <a:pt x="525" y="263"/>
-                </a:lnTo>
-                <a:lnTo>
-                  <a:pt x="535" y="289"/>
-                </a:lnTo>
-                <a:lnTo>
-                  <a:pt x="545" y="318"/>
-                </a:lnTo>
-                <a:lnTo>
-                  <a:pt x="552" y="351"/>
-                </a:lnTo>
-                <a:lnTo>
-                  <a:pt x="556" y="389"/>
-                </a:lnTo>
-                <a:lnTo>
-                  <a:pt x="558" y="432"/>
-                </a:lnTo>
-                <a:lnTo>
-                  <a:pt x="556" y="475"/>
-                </a:lnTo>
-                <a:lnTo>
-                  <a:pt x="552" y="513"/>
-                </a:lnTo>
-                <a:lnTo>
-                  <a:pt x="545" y="546"/>
-                </a:lnTo>
-                <a:lnTo>
-                  <a:pt x="535" y="575"/>
-                </a:lnTo>
-                <a:lnTo>
-                  <a:pt x="525" y="601"/>
-                </a:lnTo>
-                <a:lnTo>
-                  <a:pt x="515" y="624"/>
-                </a:lnTo>
-                <a:lnTo>
-                  <a:pt x="503" y="648"/>
-                </a:lnTo>
-                <a:lnTo>
-                  <a:pt x="491" y="672"/>
-                </a:lnTo>
-                <a:lnTo>
-                  <a:pt x="479" y="695"/>
-                </a:lnTo>
-                <a:lnTo>
-                  <a:pt x="469" y="721"/>
-                </a:lnTo>
-                <a:lnTo>
-                  <a:pt x="460" y="750"/>
-                </a:lnTo>
-                <a:lnTo>
-                  <a:pt x="453" y="783"/>
-                </a:lnTo>
-                <a:lnTo>
-                  <a:pt x="448" y="821"/>
-                </a:lnTo>
-                <a:lnTo>
-                  <a:pt x="447" y="864"/>
-                </a:lnTo>
-                <a:lnTo>
-                  <a:pt x="448" y="907"/>
-                </a:lnTo>
-                <a:lnTo>
-                  <a:pt x="453" y="945"/>
-                </a:lnTo>
-                <a:lnTo>
-                  <a:pt x="460" y="978"/>
-                </a:lnTo>
-                <a:lnTo>
-                  <a:pt x="469" y="1007"/>
-                </a:lnTo>
-                <a:lnTo>
-                  <a:pt x="479" y="1033"/>
-                </a:lnTo>
-                <a:lnTo>
-                  <a:pt x="491" y="1056"/>
-                </a:lnTo>
-                <a:lnTo>
-                  <a:pt x="503" y="1080"/>
-                </a:lnTo>
-                <a:lnTo>
-                  <a:pt x="515" y="1104"/>
-                </a:lnTo>
-                <a:lnTo>
-                  <a:pt x="525" y="1127"/>
-                </a:lnTo>
-                <a:lnTo>
-                  <a:pt x="535" y="1153"/>
-                </a:lnTo>
-                <a:lnTo>
-                  <a:pt x="545" y="1182"/>
-                </a:lnTo>
-                <a:lnTo>
-                  <a:pt x="552" y="1215"/>
-                </a:lnTo>
-                <a:lnTo>
-                  <a:pt x="556" y="1253"/>
-                </a:lnTo>
-                <a:lnTo>
-                  <a:pt x="558" y="1296"/>
-                </a:lnTo>
-                <a:lnTo>
-                  <a:pt x="556" y="1339"/>
-                </a:lnTo>
-                <a:lnTo>
-                  <a:pt x="552" y="1377"/>
-                </a:lnTo>
-                <a:lnTo>
-                  <a:pt x="545" y="1410"/>
-                </a:lnTo>
-                <a:lnTo>
-                  <a:pt x="535" y="1439"/>
-                </a:lnTo>
-                <a:lnTo>
-                  <a:pt x="525" y="1465"/>
-                </a:lnTo>
-                <a:lnTo>
-                  <a:pt x="515" y="1488"/>
-                </a:lnTo>
-                <a:lnTo>
-                  <a:pt x="503" y="1512"/>
-                </a:lnTo>
-                <a:lnTo>
-                  <a:pt x="491" y="1536"/>
-                </a:lnTo>
-                <a:lnTo>
-                  <a:pt x="479" y="1559"/>
-                </a:lnTo>
-                <a:lnTo>
-                  <a:pt x="469" y="1585"/>
-                </a:lnTo>
-                <a:lnTo>
-                  <a:pt x="460" y="1614"/>
-                </a:lnTo>
-                <a:lnTo>
-                  <a:pt x="453" y="1647"/>
-                </a:lnTo>
-                <a:lnTo>
-                  <a:pt x="448" y="1685"/>
-                </a:lnTo>
-                <a:lnTo>
-                  <a:pt x="447" y="1728"/>
-                </a:lnTo>
-                <a:lnTo>
-                  <a:pt x="448" y="1771"/>
-                </a:lnTo>
-                <a:lnTo>
-                  <a:pt x="453" y="1809"/>
-                </a:lnTo>
-                <a:lnTo>
-                  <a:pt x="460" y="1842"/>
-                </a:lnTo>
-                <a:lnTo>
-                  <a:pt x="469" y="1871"/>
-                </a:lnTo>
-                <a:lnTo>
-                  <a:pt x="479" y="1897"/>
-                </a:lnTo>
-                <a:lnTo>
-                  <a:pt x="491" y="1920"/>
-                </a:lnTo>
-                <a:lnTo>
-                  <a:pt x="503" y="1944"/>
-                </a:lnTo>
-                <a:lnTo>
-                  <a:pt x="515" y="1968"/>
-                </a:lnTo>
-                <a:lnTo>
-                  <a:pt x="525" y="1991"/>
-                </a:lnTo>
-                <a:lnTo>
-                  <a:pt x="535" y="2017"/>
-                </a:lnTo>
-                <a:lnTo>
-                  <a:pt x="545" y="2046"/>
-                </a:lnTo>
-                <a:lnTo>
-                  <a:pt x="552" y="2079"/>
-                </a:lnTo>
-                <a:lnTo>
-                  <a:pt x="556" y="2117"/>
-                </a:lnTo>
-                <a:lnTo>
-                  <a:pt x="558" y="2159"/>
-                </a:lnTo>
-                <a:lnTo>
-                  <a:pt x="556" y="2203"/>
-                </a:lnTo>
-                <a:lnTo>
-                  <a:pt x="552" y="2241"/>
-                </a:lnTo>
-                <a:lnTo>
-                  <a:pt x="545" y="2274"/>
-                </a:lnTo>
-                <a:lnTo>
-                  <a:pt x="535" y="2303"/>
-                </a:lnTo>
-                <a:lnTo>
-                  <a:pt x="525" y="2329"/>
-                </a:lnTo>
-                <a:lnTo>
-                  <a:pt x="515" y="2352"/>
-                </a:lnTo>
-                <a:lnTo>
-                  <a:pt x="503" y="2376"/>
-                </a:lnTo>
-                <a:lnTo>
-                  <a:pt x="491" y="2400"/>
-                </a:lnTo>
-                <a:lnTo>
-                  <a:pt x="479" y="2423"/>
-                </a:lnTo>
-                <a:lnTo>
-                  <a:pt x="469" y="2449"/>
-                </a:lnTo>
-                <a:lnTo>
-                  <a:pt x="460" y="2478"/>
-                </a:lnTo>
-                <a:lnTo>
-                  <a:pt x="453" y="2511"/>
-                </a:lnTo>
-                <a:lnTo>
-                  <a:pt x="448" y="2549"/>
-                </a:lnTo>
-                <a:lnTo>
-                  <a:pt x="447" y="2592"/>
-                </a:lnTo>
-                <a:lnTo>
-                  <a:pt x="448" y="2635"/>
-                </a:lnTo>
-                <a:lnTo>
-                  <a:pt x="453" y="2673"/>
-                </a:lnTo>
-                <a:lnTo>
-                  <a:pt x="460" y="2706"/>
-                </a:lnTo>
-                <a:lnTo>
-                  <a:pt x="469" y="2735"/>
-                </a:lnTo>
-                <a:lnTo>
-                  <a:pt x="479" y="2761"/>
-                </a:lnTo>
-                <a:lnTo>
-                  <a:pt x="491" y="2784"/>
-                </a:lnTo>
-                <a:lnTo>
-                  <a:pt x="515" y="2832"/>
-                </a:lnTo>
-                <a:lnTo>
-                  <a:pt x="525" y="2855"/>
-                </a:lnTo>
-                <a:lnTo>
-                  <a:pt x="535" y="2881"/>
-                </a:lnTo>
-                <a:lnTo>
-                  <a:pt x="545" y="2910"/>
-                </a:lnTo>
-                <a:lnTo>
-                  <a:pt x="552" y="2943"/>
-                </a:lnTo>
-                <a:lnTo>
-                  <a:pt x="556" y="2981"/>
-                </a:lnTo>
-                <a:lnTo>
-                  <a:pt x="558" y="3024"/>
-                </a:lnTo>
-                <a:lnTo>
-                  <a:pt x="556" y="3067"/>
-                </a:lnTo>
-                <a:lnTo>
-                  <a:pt x="552" y="3105"/>
-                </a:lnTo>
-                <a:lnTo>
-                  <a:pt x="545" y="3138"/>
-                </a:lnTo>
-                <a:lnTo>
-                  <a:pt x="535" y="3167"/>
-                </a:lnTo>
-                <a:lnTo>
-                  <a:pt x="525" y="3193"/>
-                </a:lnTo>
-                <a:lnTo>
-                  <a:pt x="515" y="3216"/>
-                </a:lnTo>
-                <a:lnTo>
-                  <a:pt x="503" y="3240"/>
-                </a:lnTo>
-                <a:lnTo>
-                  <a:pt x="491" y="3264"/>
-                </a:lnTo>
-                <a:lnTo>
-                  <a:pt x="479" y="3287"/>
-                </a:lnTo>
-                <a:lnTo>
-                  <a:pt x="469" y="3313"/>
-                </a:lnTo>
-                <a:lnTo>
-                  <a:pt x="460" y="3342"/>
-                </a:lnTo>
-                <a:lnTo>
-                  <a:pt x="453" y="3375"/>
-                </a:lnTo>
-                <a:lnTo>
-                  <a:pt x="448" y="3413"/>
-                </a:lnTo>
-                <a:lnTo>
-                  <a:pt x="447" y="3456"/>
-                </a:lnTo>
-                <a:lnTo>
-                  <a:pt x="448" y="3499"/>
-                </a:lnTo>
-                <a:lnTo>
-                  <a:pt x="453" y="3537"/>
-                </a:lnTo>
-                <a:lnTo>
-                  <a:pt x="460" y="3570"/>
-                </a:lnTo>
-                <a:lnTo>
-                  <a:pt x="469" y="3599"/>
-                </a:lnTo>
-                <a:lnTo>
-                  <a:pt x="479" y="3625"/>
-                </a:lnTo>
-                <a:lnTo>
-                  <a:pt x="491" y="3648"/>
-                </a:lnTo>
-                <a:lnTo>
-                  <a:pt x="503" y="3672"/>
-                </a:lnTo>
-                <a:lnTo>
-                  <a:pt x="515" y="3696"/>
-                </a:lnTo>
-                <a:lnTo>
-                  <a:pt x="525" y="3719"/>
-                </a:lnTo>
-                <a:lnTo>
-                  <a:pt x="535" y="3745"/>
-                </a:lnTo>
-                <a:lnTo>
-                  <a:pt x="545" y="3774"/>
-                </a:lnTo>
-                <a:lnTo>
-                  <a:pt x="552" y="3807"/>
-                </a:lnTo>
-                <a:lnTo>
-                  <a:pt x="556" y="3845"/>
-                </a:lnTo>
-                <a:lnTo>
-                  <a:pt x="558" y="3888"/>
-                </a:lnTo>
-                <a:lnTo>
-                  <a:pt x="556" y="3931"/>
-                </a:lnTo>
-                <a:lnTo>
-                  <a:pt x="552" y="3969"/>
-                </a:lnTo>
-                <a:lnTo>
-                  <a:pt x="545" y="4002"/>
-                </a:lnTo>
-                <a:lnTo>
-                  <a:pt x="535" y="4031"/>
-                </a:lnTo>
-                <a:lnTo>
-                  <a:pt x="525" y="4057"/>
-                </a:lnTo>
-                <a:lnTo>
-                  <a:pt x="515" y="4080"/>
-                </a:lnTo>
-                <a:lnTo>
-                  <a:pt x="503" y="4104"/>
-                </a:lnTo>
-                <a:lnTo>
-                  <a:pt x="491" y="4128"/>
-                </a:lnTo>
-                <a:lnTo>
-                  <a:pt x="479" y="4151"/>
-                </a:lnTo>
-                <a:lnTo>
-                  <a:pt x="469" y="4177"/>
-                </a:lnTo>
-                <a:lnTo>
-                  <a:pt x="460" y="4206"/>
-                </a:lnTo>
-                <a:lnTo>
-                  <a:pt x="453" y="4239"/>
-                </a:lnTo>
-                <a:lnTo>
-                  <a:pt x="448" y="4277"/>
-                </a:lnTo>
-                <a:lnTo>
-                  <a:pt x="447" y="4320"/>
-                </a:lnTo>
-                <a:lnTo>
-                  <a:pt x="0" y="4320"/>
-                </a:lnTo>
-                <a:lnTo>
-                  <a:pt x="0" y="0"/>
+                </a:lnTo>
+                <a:lnTo>
+                  <a:pt x="26987" y="87312"/>
+                </a:lnTo>
+                <a:lnTo>
+                  <a:pt x="52387" y="174625"/>
+                </a:lnTo>
+                <a:lnTo>
+                  <a:pt x="77787" y="263525"/>
+                </a:lnTo>
+                <a:lnTo>
+                  <a:pt x="100012" y="354012"/>
+                </a:lnTo>
+                <a:lnTo>
+                  <a:pt x="127000" y="441325"/>
+                </a:lnTo>
+                <a:lnTo>
+                  <a:pt x="155575" y="525462"/>
+                </a:lnTo>
+                <a:lnTo>
+                  <a:pt x="192087" y="604837"/>
+                </a:lnTo>
+                <a:lnTo>
+                  <a:pt x="234950" y="677862"/>
+                </a:lnTo>
+                <a:lnTo>
+                  <a:pt x="282575" y="739775"/>
+                </a:lnTo>
+                <a:lnTo>
+                  <a:pt x="334962" y="798512"/>
+                </a:lnTo>
+                <a:lnTo>
+                  <a:pt x="395287" y="852487"/>
+                </a:lnTo>
+                <a:lnTo>
+                  <a:pt x="458787" y="906462"/>
+                </a:lnTo>
+                <a:lnTo>
+                  <a:pt x="525462" y="957262"/>
+                </a:lnTo>
+                <a:lnTo>
+                  <a:pt x="592137" y="1008062"/>
+                </a:lnTo>
+                <a:lnTo>
+                  <a:pt x="660400" y="1060450"/>
+                </a:lnTo>
+                <a:lnTo>
+                  <a:pt x="725487" y="1111250"/>
+                </a:lnTo>
+                <a:lnTo>
+                  <a:pt x="787400" y="1165225"/>
+                </a:lnTo>
+                <a:lnTo>
+                  <a:pt x="844550" y="1223962"/>
+                </a:lnTo>
+                <a:lnTo>
+                  <a:pt x="896937" y="1282700"/>
+                </a:lnTo>
+                <a:lnTo>
+                  <a:pt x="939800" y="1346200"/>
+                </a:lnTo>
+                <a:lnTo>
+                  <a:pt x="976312" y="1417637"/>
+                </a:lnTo>
+                <a:lnTo>
+                  <a:pt x="998537" y="1487487"/>
+                </a:lnTo>
+                <a:lnTo>
+                  <a:pt x="1012825" y="1565275"/>
+                </a:lnTo>
+                <a:lnTo>
+                  <a:pt x="1019175" y="1641475"/>
+                </a:lnTo>
+                <a:lnTo>
+                  <a:pt x="1017587" y="1722437"/>
+                </a:lnTo>
+                <a:lnTo>
+                  <a:pt x="1011237" y="1803400"/>
+                </a:lnTo>
+                <a:lnTo>
+                  <a:pt x="1003300" y="1887537"/>
+                </a:lnTo>
+                <a:lnTo>
+                  <a:pt x="992187" y="1971675"/>
+                </a:lnTo>
+                <a:lnTo>
+                  <a:pt x="979487" y="2055812"/>
+                </a:lnTo>
+                <a:lnTo>
+                  <a:pt x="969962" y="2139950"/>
+                </a:lnTo>
+                <a:lnTo>
+                  <a:pt x="963612" y="2224087"/>
+                </a:lnTo>
+                <a:lnTo>
+                  <a:pt x="958850" y="2305050"/>
+                </a:lnTo>
+                <a:lnTo>
+                  <a:pt x="963612" y="2384425"/>
+                </a:lnTo>
+                <a:lnTo>
+                  <a:pt x="973137" y="2462212"/>
+                </a:lnTo>
+                <a:lnTo>
+                  <a:pt x="993775" y="2543175"/>
+                </a:lnTo>
+                <a:lnTo>
+                  <a:pt x="1025525" y="2622550"/>
+                </a:lnTo>
+                <a:lnTo>
+                  <a:pt x="1063625" y="2701925"/>
+                </a:lnTo>
+                <a:lnTo>
+                  <a:pt x="1106487" y="2781300"/>
+                </a:lnTo>
+                <a:lnTo>
+                  <a:pt x="1150937" y="2859087"/>
+                </a:lnTo>
+                <a:lnTo>
+                  <a:pt x="1198562" y="2938462"/>
+                </a:lnTo>
+                <a:lnTo>
+                  <a:pt x="1241425" y="3017837"/>
+                </a:lnTo>
+                <a:lnTo>
+                  <a:pt x="1284288" y="3098800"/>
+                </a:lnTo>
+                <a:lnTo>
+                  <a:pt x="1320800" y="3179762"/>
+                </a:lnTo>
+                <a:lnTo>
+                  <a:pt x="1349375" y="3260725"/>
+                </a:lnTo>
+                <a:lnTo>
+                  <a:pt x="1365250" y="3343275"/>
+                </a:lnTo>
+                <a:lnTo>
+                  <a:pt x="1374775" y="3429000"/>
+                </a:lnTo>
+                <a:lnTo>
+                  <a:pt x="1365250" y="3514725"/>
+                </a:lnTo>
+                <a:lnTo>
+                  <a:pt x="1349375" y="3597275"/>
+                </a:lnTo>
+                <a:lnTo>
+                  <a:pt x="1320800" y="3678237"/>
+                </a:lnTo>
+                <a:lnTo>
+                  <a:pt x="1284288" y="3759200"/>
+                </a:lnTo>
+                <a:lnTo>
+                  <a:pt x="1241425" y="3840162"/>
+                </a:lnTo>
+                <a:lnTo>
+                  <a:pt x="1198562" y="3919537"/>
+                </a:lnTo>
+                <a:lnTo>
+                  <a:pt x="1150937" y="3998912"/>
+                </a:lnTo>
+                <a:lnTo>
+                  <a:pt x="1106487" y="4076700"/>
+                </a:lnTo>
+                <a:lnTo>
+                  <a:pt x="1063625" y="4156075"/>
+                </a:lnTo>
+                <a:lnTo>
+                  <a:pt x="1025525" y="4235450"/>
+                </a:lnTo>
+                <a:lnTo>
+                  <a:pt x="993775" y="4314825"/>
+                </a:lnTo>
+                <a:lnTo>
+                  <a:pt x="973137" y="4395787"/>
+                </a:lnTo>
+                <a:lnTo>
+                  <a:pt x="963612" y="4473575"/>
+                </a:lnTo>
+                <a:lnTo>
+                  <a:pt x="958850" y="4552950"/>
+                </a:lnTo>
+                <a:lnTo>
+                  <a:pt x="963612" y="4633912"/>
+                </a:lnTo>
+                <a:lnTo>
+                  <a:pt x="969962" y="4718050"/>
+                </a:lnTo>
+                <a:lnTo>
+                  <a:pt x="979487" y="4802187"/>
+                </a:lnTo>
+                <a:lnTo>
+                  <a:pt x="992187" y="4886325"/>
+                </a:lnTo>
+                <a:lnTo>
+                  <a:pt x="1003300" y="4970462"/>
+                </a:lnTo>
+                <a:lnTo>
+                  <a:pt x="1011237" y="5054600"/>
+                </a:lnTo>
+                <a:lnTo>
+                  <a:pt x="1017587" y="5135562"/>
+                </a:lnTo>
+                <a:lnTo>
+                  <a:pt x="1019175" y="5216525"/>
+                </a:lnTo>
+                <a:lnTo>
+                  <a:pt x="1012825" y="5292725"/>
+                </a:lnTo>
+                <a:lnTo>
+                  <a:pt x="998537" y="5370512"/>
+                </a:lnTo>
+                <a:lnTo>
+                  <a:pt x="976312" y="5440362"/>
+                </a:lnTo>
+                <a:lnTo>
+                  <a:pt x="939800" y="5511800"/>
+                </a:lnTo>
+                <a:lnTo>
+                  <a:pt x="896937" y="5575300"/>
+                </a:lnTo>
+                <a:lnTo>
+                  <a:pt x="844550" y="5634037"/>
+                </a:lnTo>
+                <a:lnTo>
+                  <a:pt x="787400" y="5692775"/>
+                </a:lnTo>
+                <a:lnTo>
+                  <a:pt x="725487" y="5746750"/>
+                </a:lnTo>
+                <a:lnTo>
+                  <a:pt x="660400" y="5797550"/>
+                </a:lnTo>
+                <a:lnTo>
+                  <a:pt x="592137" y="5849937"/>
+                </a:lnTo>
+                <a:lnTo>
+                  <a:pt x="525462" y="5900737"/>
+                </a:lnTo>
+                <a:lnTo>
+                  <a:pt x="458787" y="5951537"/>
+                </a:lnTo>
+                <a:lnTo>
+                  <a:pt x="395287" y="6005512"/>
+                </a:lnTo>
+                <a:lnTo>
+                  <a:pt x="334962" y="6059487"/>
+                </a:lnTo>
+                <a:lnTo>
+                  <a:pt x="282575" y="6118225"/>
+                </a:lnTo>
+                <a:lnTo>
+                  <a:pt x="234950" y="6180137"/>
+                </a:lnTo>
+                <a:lnTo>
+                  <a:pt x="192087" y="6253162"/>
+                </a:lnTo>
+                <a:lnTo>
+                  <a:pt x="155575" y="6332537"/>
+                </a:lnTo>
+                <a:lnTo>
+                  <a:pt x="127000" y="6416675"/>
+                </a:lnTo>
+                <a:lnTo>
+                  <a:pt x="100012" y="6503987"/>
+                </a:lnTo>
+                <a:lnTo>
+                  <a:pt x="77787" y="6594475"/>
+                </a:lnTo>
+                <a:lnTo>
+                  <a:pt x="52387" y="6683375"/>
+                </a:lnTo>
+                <a:lnTo>
+                  <a:pt x="26987" y="6770687"/>
+                </a:lnTo>
+                <a:lnTo>
+                  <a:pt x="0" y="6858000"/>
+                </a:lnTo>
+                <a:lnTo>
+                  <a:pt x="9807836" y="6858000"/>
+                </a:lnTo>
+                <a:lnTo>
+                  <a:pt x="9807836" y="0"/>
                 </a:lnTo>
                 <a:close/>
               </a:path>
             </a:pathLst>
           </a:custGeom>
           <a:solidFill>
-            <a:schemeClr val="tx2"/>
+            <a:schemeClr val="accent1"/>
           </a:solidFill>
           <a:ln w="0">
             <a:noFill/>
@@ -13867,6 +14169,123 @@
             <a:tailEnd/>
           </a:ln>
         </p:spPr>
+        <p:txBody>
+          <a:bodyPr/>
+          <a:lstStyle/>
+          <a:p>
+            <a:endParaRPr lang="pt-BR"/>
+          </a:p>
+        </p:txBody>
+      </p:sp>
+      <p:sp>
+        <p:nvSpPr>
+          <p:cNvPr id="2" name="Título 1">
+            <a:extLst>
+              <a:ext uri="{FF2B5EF4-FFF2-40B4-BE49-F238E27FC236}">
+                <a16:creationId xmlns:a16="http://schemas.microsoft.com/office/drawing/2014/main" id="{9D4DFD27-ACA4-1794-D857-3BC7340744BA}"/>
+              </a:ext>
+            </a:extLst>
+          </p:cNvPr>
+          <p:cNvSpPr>
+            <a:spLocks noGrp="1"/>
+          </p:cNvSpPr>
+          <p:nvPr>
+            <p:ph type="ctrTitle"/>
+          </p:nvPr>
+        </p:nvSpPr>
+        <p:spPr>
+          <a:xfrm>
+            <a:off x="926927" y="1231894"/>
+            <a:ext cx="5490143" cy="4339177"/>
+          </a:xfrm>
+        </p:spPr>
+        <p:txBody>
+          <a:bodyPr>
+            <a:normAutofit/>
+          </a:bodyPr>
+          <a:lstStyle/>
+          <a:p>
+            <a:pPr algn="l"/>
+            <a:r>
+              <a:rPr lang="pt-BR" sz="8800">
+                <a:solidFill>
+                  <a:srgbClr val="2A1A00"/>
+                </a:solidFill>
+              </a:rPr>
+              <a:t>Retorno</a:t>
+            </a:r>
+            <a:br>
+              <a:rPr lang="pt-BR" sz="8800">
+                <a:solidFill>
+                  <a:srgbClr val="2A1A00"/>
+                </a:solidFill>
+              </a:rPr>
+            </a:br>
+            <a:r>
+              <a:rPr lang="pt-BR" sz="8800">
+                <a:solidFill>
+                  <a:srgbClr val="2A1A00"/>
+                </a:solidFill>
+              </a:rPr>
+              <a:t>Funções</a:t>
+            </a:r>
+          </a:p>
+        </p:txBody>
+      </p:sp>
+      <p:sp>
+        <p:nvSpPr>
+          <p:cNvPr id="53" name="Rectangle 52">
+            <a:extLst>
+              <a:ext uri="{FF2B5EF4-FFF2-40B4-BE49-F238E27FC236}">
+                <a16:creationId xmlns:a16="http://schemas.microsoft.com/office/drawing/2014/main" id="{4363DD75-42D3-453C-A84D-D18B4215C982}"/>
+              </a:ext>
+              <a:ext uri="{C183D7F6-B498-43B3-948B-1728B52AA6E4}">
+                <adec:decorative xmlns:adec="http://schemas.microsoft.com/office/drawing/2017/decorative" val="1"/>
+              </a:ext>
+            </a:extLst>
+          </p:cNvPr>
+          <p:cNvSpPr>
+            <a:spLocks noGrp="1" noRot="1" noChangeAspect="1" noMove="1" noResize="1" noEditPoints="1" noAdjustHandles="1" noChangeArrowheads="1" noChangeShapeType="1" noTextEdit="1"/>
+          </p:cNvSpPr>
+          <p:nvPr>
+            <p:extLst>
+              <p:ext uri="{386F3935-93C4-4BCD-93E2-E3B085C9AB24}">
+                <p16:designElem xmlns:p16="http://schemas.microsoft.com/office/powerpoint/2015/main" val="1"/>
+              </p:ext>
+            </p:extLst>
+          </p:nvPr>
+        </p:nvSpPr>
+        <p:spPr>
+          <a:xfrm>
+            <a:off x="0" y="0"/>
+            <a:ext cx="283464" cy="6858000"/>
+          </a:xfrm>
+          <a:prstGeom prst="rect">
+            <a:avLst/>
+          </a:prstGeom>
+          <a:solidFill>
+            <a:srgbClr val="2A1A00"/>
+          </a:solidFill>
+          <a:ln>
+            <a:noFill/>
+          </a:ln>
+        </p:spPr>
+        <p:style>
+          <a:lnRef idx="2">
+            <a:schemeClr val="accent1">
+              <a:shade val="50000"/>
+            </a:schemeClr>
+          </a:lnRef>
+          <a:fillRef idx="1">
+            <a:schemeClr val="accent1"/>
+          </a:fillRef>
+          <a:effectRef idx="0">
+            <a:schemeClr val="accent1"/>
+          </a:effectRef>
+          <a:fontRef idx="minor">
+            <a:schemeClr val="lt1"/>
+          </a:fontRef>
+        </p:style>
         <p:txBody>
           <a:bodyPr/>
           <a:lstStyle/>
@@ -13906,76 +14325,14 @@
         </p:blipFill>
         <p:spPr>
           <a:xfrm>
-            <a:off x="1240971" y="1709603"/>
-            <a:ext cx="3398085" cy="3398085"/>
+            <a:off x="7552944" y="1433476"/>
+            <a:ext cx="3995592" cy="3995592"/>
           </a:xfrm>
           <a:prstGeom prst="rect">
             <a:avLst/>
           </a:prstGeom>
         </p:spPr>
       </p:pic>
-      <p:sp>
-        <p:nvSpPr>
-          <p:cNvPr id="44" name="Rectangle 43">
-            <a:extLst>
-              <a:ext uri="{FF2B5EF4-FFF2-40B4-BE49-F238E27FC236}">
-                <a16:creationId xmlns:a16="http://schemas.microsoft.com/office/drawing/2014/main" id="{E9EC3243-CA25-4485-A7FE-8B0141923844}"/>
-              </a:ext>
-              <a:ext uri="{C183D7F6-B498-43B3-948B-1728B52AA6E4}">
-                <adec:decorative xmlns:adec="http://schemas.microsoft.com/office/drawing/2017/decorative" val="1"/>
-              </a:ext>
-            </a:extLst>
-          </p:cNvPr>
-          <p:cNvSpPr>
-            <a:spLocks noGrp="1" noRot="1" noChangeAspect="1" noMove="1" noResize="1" noEditPoints="1" noAdjustHandles="1" noChangeArrowheads="1" noChangeShapeType="1" noTextEdit="1"/>
-          </p:cNvSpPr>
-          <p:nvPr>
-            <p:extLst>
-              <p:ext uri="{386F3935-93C4-4BCD-93E2-E3B085C9AB24}">
-                <p16:designElem xmlns:p16="http://schemas.microsoft.com/office/powerpoint/2015/main" val="1"/>
-              </p:ext>
-            </p:extLst>
-          </p:nvPr>
-        </p:nvSpPr>
-        <p:spPr>
-          <a:xfrm>
-            <a:off x="11908536" y="0"/>
-            <a:ext cx="283464" cy="6858000"/>
-          </a:xfrm>
-          <a:prstGeom prst="rect">
-            <a:avLst/>
-          </a:prstGeom>
-          <a:solidFill>
-            <a:schemeClr val="accent1"/>
-          </a:solidFill>
-          <a:ln>
-            <a:noFill/>
-          </a:ln>
-        </p:spPr>
-        <p:style>
-          <a:lnRef idx="2">
-            <a:schemeClr val="accent1">
-              <a:shade val="50000"/>
-            </a:schemeClr>
-          </a:lnRef>
-          <a:fillRef idx="1">
-            <a:schemeClr val="accent1"/>
-          </a:fillRef>
-          <a:effectRef idx="0">
-            <a:schemeClr val="accent1"/>
-          </a:effectRef>
-          <a:fontRef idx="minor">
-            <a:schemeClr val="lt1"/>
-          </a:fontRef>
-        </p:style>
-        <p:txBody>
-          <a:bodyPr/>
-          <a:lstStyle/>
-          <a:p>
-            <a:endParaRPr lang="pt-BR"/>
-          </a:p>
-        </p:txBody>
-      </p:sp>
     </p:spTree>
     <p:extLst>
       <p:ext uri="{BB962C8B-B14F-4D97-AF65-F5344CB8AC3E}">
@@ -14882,10 +15239,10 @@
       </p:grpSpPr>
       <p:sp useBgFill="1">
         <p:nvSpPr>
-          <p:cNvPr id="40" name="Rectangle 39">
+          <p:cNvPr id="49" name="Rectangle 48">
             <a:extLst>
               <a:ext uri="{FF2B5EF4-FFF2-40B4-BE49-F238E27FC236}">
-                <a16:creationId xmlns:a16="http://schemas.microsoft.com/office/drawing/2014/main" id="{B89090F2-B101-458B-9AFF-27327443BB09}"/>
+                <a16:creationId xmlns:a16="http://schemas.microsoft.com/office/drawing/2014/main" id="{1D21332B-FE15-41A6-8919-8563A89EAEDA}"/>
               </a:ext>
               <a:ext uri="{C183D7F6-B498-43B3-948B-1728B52AA6E4}">
                 <adec:decorative xmlns:adec="http://schemas.microsoft.com/office/drawing/2017/decorative" val="1"/>
@@ -15057,18 +15414,18 @@
         </p:nvSpPr>
         <p:spPr>
           <a:xfrm>
-            <a:off x="4639056" y="1235847"/>
-            <a:ext cx="6784847" cy="3325266"/>
+            <a:off x="1028901" y="3741641"/>
+            <a:ext cx="10134198" cy="1857901"/>
           </a:xfrm>
         </p:spPr>
         <p:txBody>
-          <a:bodyPr>
+          <a:bodyPr anchor="t">
             <a:normAutofit/>
           </a:bodyPr>
           <a:lstStyle/>
           <a:p>
             <a:r>
-              <a:rPr lang="pt-BR" sz="7200" dirty="0" err="1"/>
+              <a:rPr lang="pt-BR" sz="7200"/>
               <a:t>Args</a:t>
             </a:r>
             <a:endParaRPr lang="pt-BR" sz="7200" dirty="0"/>
@@ -15077,10 +15434,10 @@
       </p:sp>
       <p:sp>
         <p:nvSpPr>
-          <p:cNvPr id="42" name="Freeform 6">
+          <p:cNvPr id="51" name="Freeform 6">
             <a:extLst>
               <a:ext uri="{FF2B5EF4-FFF2-40B4-BE49-F238E27FC236}">
-                <a16:creationId xmlns:a16="http://schemas.microsoft.com/office/drawing/2014/main" id="{526C103B-17BD-4B48-AB6F-0D9EF826AAC4}"/>
+                <a16:creationId xmlns:a16="http://schemas.microsoft.com/office/drawing/2014/main" id="{439F6CA3-780D-4C3A-A889-C705E7E7D12D}"/>
               </a:ext>
               <a:ext uri="{C183D7F6-B498-43B3-948B-1728B52AA6E4}">
                 <adec:decorative xmlns:adec="http://schemas.microsoft.com/office/drawing/2017/decorative" val="1"/>
@@ -15594,8 +15951,8 @@
         </p:blipFill>
         <p:spPr>
           <a:xfrm>
-            <a:off x="1240971" y="1709603"/>
-            <a:ext cx="3398085" cy="3398085"/>
+            <a:off x="4852271" y="941544"/>
+            <a:ext cx="2487458" cy="2487458"/>
           </a:xfrm>
           <a:prstGeom prst="rect">
             <a:avLst/>
@@ -15604,10 +15961,10 @@
       </p:pic>
       <p:sp>
         <p:nvSpPr>
-          <p:cNvPr id="44" name="Rectangle 43">
+          <p:cNvPr id="53" name="Rectangle 52">
             <a:extLst>
               <a:ext uri="{FF2B5EF4-FFF2-40B4-BE49-F238E27FC236}">
-                <a16:creationId xmlns:a16="http://schemas.microsoft.com/office/drawing/2014/main" id="{E9EC3243-CA25-4485-A7FE-8B0141923844}"/>
+                <a16:creationId xmlns:a16="http://schemas.microsoft.com/office/drawing/2014/main" id="{E6335BA4-3C40-424B-A885-29B1007B802A}"/>
               </a:ext>
               <a:ext uri="{C183D7F6-B498-43B3-948B-1728B52AA6E4}">
                 <adec:decorative xmlns:adec="http://schemas.microsoft.com/office/drawing/2017/decorative" val="1"/>
@@ -18291,6 +18648,3318 @@
 </p:sld>
 </file>
 
+<file path=ppt/slides/slide22.xml><?xml version="1.0" encoding="utf-8"?>
+<p:sld xmlns:a="http://schemas.openxmlformats.org/drawingml/2006/main" xmlns:r="http://schemas.openxmlformats.org/officeDocument/2006/relationships" xmlns:p="http://schemas.openxmlformats.org/presentationml/2006/main">
+  <p:cSld>
+    <p:bg>
+      <p:bgPr>
+        <a:solidFill>
+          <a:schemeClr val="bg1"/>
+        </a:solidFill>
+        <a:effectLst/>
+      </p:bgPr>
+    </p:bg>
+    <p:spTree>
+      <p:nvGrpSpPr>
+        <p:cNvPr id="1" name=""/>
+        <p:cNvGrpSpPr/>
+        <p:nvPr/>
+      </p:nvGrpSpPr>
+      <p:grpSpPr>
+        <a:xfrm>
+          <a:off x="0" y="0"/>
+          <a:ext cx="0" cy="0"/>
+          <a:chOff x="0" y="0"/>
+          <a:chExt cx="0" cy="0"/>
+        </a:xfrm>
+      </p:grpSpPr>
+      <p:sp useBgFill="1">
+        <p:nvSpPr>
+          <p:cNvPr id="49" name="Rectangle 48">
+            <a:extLst>
+              <a:ext uri="{FF2B5EF4-FFF2-40B4-BE49-F238E27FC236}">
+                <a16:creationId xmlns:a16="http://schemas.microsoft.com/office/drawing/2014/main" id="{1D21332B-FE15-41A6-8919-8563A89EAEDA}"/>
+              </a:ext>
+              <a:ext uri="{C183D7F6-B498-43B3-948B-1728B52AA6E4}">
+                <adec:decorative xmlns:adec="http://schemas.microsoft.com/office/drawing/2017/decorative" val="1"/>
+              </a:ext>
+            </a:extLst>
+          </p:cNvPr>
+          <p:cNvSpPr>
+            <a:spLocks noGrp="1" noRot="1" noChangeAspect="1" noMove="1" noResize="1" noEditPoints="1" noAdjustHandles="1" noChangeArrowheads="1" noChangeShapeType="1" noTextEdit="1"/>
+          </p:cNvSpPr>
+          <p:nvPr>
+            <p:extLst>
+              <p:ext uri="{386F3935-93C4-4BCD-93E2-E3B085C9AB24}">
+                <p16:designElem xmlns:p16="http://schemas.microsoft.com/office/powerpoint/2015/main" val="1"/>
+              </p:ext>
+            </p:extLst>
+          </p:nvPr>
+        </p:nvSpPr>
+        <p:spPr bwMode="white">
+          <a:xfrm>
+            <a:off x="0" y="0"/>
+            <a:ext cx="12192000" cy="6858000"/>
+          </a:xfrm>
+          <a:prstGeom prst="rect">
+            <a:avLst/>
+          </a:prstGeom>
+          <a:ln>
+            <a:noFill/>
+          </a:ln>
+        </p:spPr>
+        <p:style>
+          <a:lnRef idx="2">
+            <a:schemeClr val="accent1">
+              <a:shade val="50000"/>
+            </a:schemeClr>
+          </a:lnRef>
+          <a:fillRef idx="1">
+            <a:schemeClr val="accent1"/>
+          </a:fillRef>
+          <a:effectRef idx="0">
+            <a:schemeClr val="accent1"/>
+          </a:effectRef>
+          <a:fontRef idx="minor">
+            <a:schemeClr val="lt1"/>
+          </a:fontRef>
+        </p:style>
+        <p:txBody>
+          <a:bodyPr rot="0" spcFirstLastPara="0" vert="horz" wrap="square" lIns="91440" tIns="45720" rIns="91440" bIns="45720" numCol="1" spcCol="0" rtlCol="0" fromWordArt="0" anchor="ctr" anchorCtr="0" forceAA="0" compatLnSpc="1">
+            <a:prstTxWarp prst="textNoShape">
+              <a:avLst/>
+            </a:prstTxWarp>
+            <a:noAutofit/>
+          </a:bodyPr>
+          <a:lstStyle>
+            <a:defPPr>
+              <a:defRPr lang="en-US"/>
+            </a:defPPr>
+            <a:lvl1pPr marL="0" algn="l" defTabSz="914400" rtl="0" eaLnBrk="1" latinLnBrk="0" hangingPunct="1">
+              <a:defRPr sz="1800" kern="1200">
+                <a:solidFill>
+                  <a:schemeClr val="lt1"/>
+                </a:solidFill>
+                <a:latin typeface="+mn-lt"/>
+                <a:ea typeface="+mn-ea"/>
+                <a:cs typeface="+mn-cs"/>
+              </a:defRPr>
+            </a:lvl1pPr>
+            <a:lvl2pPr marL="457200" algn="l" defTabSz="914400" rtl="0" eaLnBrk="1" latinLnBrk="0" hangingPunct="1">
+              <a:defRPr sz="1800" kern="1200">
+                <a:solidFill>
+                  <a:schemeClr val="lt1"/>
+                </a:solidFill>
+                <a:latin typeface="+mn-lt"/>
+                <a:ea typeface="+mn-ea"/>
+                <a:cs typeface="+mn-cs"/>
+              </a:defRPr>
+            </a:lvl2pPr>
+            <a:lvl3pPr marL="914400" algn="l" defTabSz="914400" rtl="0" eaLnBrk="1" latinLnBrk="0" hangingPunct="1">
+              <a:defRPr sz="1800" kern="1200">
+                <a:solidFill>
+                  <a:schemeClr val="lt1"/>
+                </a:solidFill>
+                <a:latin typeface="+mn-lt"/>
+                <a:ea typeface="+mn-ea"/>
+                <a:cs typeface="+mn-cs"/>
+              </a:defRPr>
+            </a:lvl3pPr>
+            <a:lvl4pPr marL="1371600" algn="l" defTabSz="914400" rtl="0" eaLnBrk="1" latinLnBrk="0" hangingPunct="1">
+              <a:defRPr sz="1800" kern="1200">
+                <a:solidFill>
+                  <a:schemeClr val="lt1"/>
+                </a:solidFill>
+                <a:latin typeface="+mn-lt"/>
+                <a:ea typeface="+mn-ea"/>
+                <a:cs typeface="+mn-cs"/>
+              </a:defRPr>
+            </a:lvl4pPr>
+            <a:lvl5pPr marL="1828800" algn="l" defTabSz="914400" rtl="0" eaLnBrk="1" latinLnBrk="0" hangingPunct="1">
+              <a:defRPr sz="1800" kern="1200">
+                <a:solidFill>
+                  <a:schemeClr val="lt1"/>
+                </a:solidFill>
+                <a:latin typeface="+mn-lt"/>
+                <a:ea typeface="+mn-ea"/>
+                <a:cs typeface="+mn-cs"/>
+              </a:defRPr>
+            </a:lvl5pPr>
+            <a:lvl6pPr marL="2286000" algn="l" defTabSz="914400" rtl="0" eaLnBrk="1" latinLnBrk="0" hangingPunct="1">
+              <a:defRPr sz="1800" kern="1200">
+                <a:solidFill>
+                  <a:schemeClr val="lt1"/>
+                </a:solidFill>
+                <a:latin typeface="+mn-lt"/>
+                <a:ea typeface="+mn-ea"/>
+                <a:cs typeface="+mn-cs"/>
+              </a:defRPr>
+            </a:lvl6pPr>
+            <a:lvl7pPr marL="2743200" algn="l" defTabSz="914400" rtl="0" eaLnBrk="1" latinLnBrk="0" hangingPunct="1">
+              <a:defRPr sz="1800" kern="1200">
+                <a:solidFill>
+                  <a:schemeClr val="lt1"/>
+                </a:solidFill>
+                <a:latin typeface="+mn-lt"/>
+                <a:ea typeface="+mn-ea"/>
+                <a:cs typeface="+mn-cs"/>
+              </a:defRPr>
+            </a:lvl7pPr>
+            <a:lvl8pPr marL="3200400" algn="l" defTabSz="914400" rtl="0" eaLnBrk="1" latinLnBrk="0" hangingPunct="1">
+              <a:defRPr sz="1800" kern="1200">
+                <a:solidFill>
+                  <a:schemeClr val="lt1"/>
+                </a:solidFill>
+                <a:latin typeface="+mn-lt"/>
+                <a:ea typeface="+mn-ea"/>
+                <a:cs typeface="+mn-cs"/>
+              </a:defRPr>
+            </a:lvl8pPr>
+            <a:lvl9pPr marL="3657600" algn="l" defTabSz="914400" rtl="0" eaLnBrk="1" latinLnBrk="0" hangingPunct="1">
+              <a:defRPr sz="1800" kern="1200">
+                <a:solidFill>
+                  <a:schemeClr val="lt1"/>
+                </a:solidFill>
+                <a:latin typeface="+mn-lt"/>
+                <a:ea typeface="+mn-ea"/>
+                <a:cs typeface="+mn-cs"/>
+              </a:defRPr>
+            </a:lvl9pPr>
+          </a:lstStyle>
+          <a:p>
+            <a:pPr algn="ctr"/>
+            <a:endParaRPr lang="en-US"/>
+          </a:p>
+        </p:txBody>
+      </p:sp>
+      <p:sp>
+        <p:nvSpPr>
+          <p:cNvPr id="2" name="Título 1">
+            <a:extLst>
+              <a:ext uri="{FF2B5EF4-FFF2-40B4-BE49-F238E27FC236}">
+                <a16:creationId xmlns:a16="http://schemas.microsoft.com/office/drawing/2014/main" id="{9D4DFD27-ACA4-1794-D857-3BC7340744BA}"/>
+              </a:ext>
+            </a:extLst>
+          </p:cNvPr>
+          <p:cNvSpPr>
+            <a:spLocks noGrp="1"/>
+          </p:cNvSpPr>
+          <p:nvPr>
+            <p:ph type="ctrTitle"/>
+          </p:nvPr>
+        </p:nvSpPr>
+        <p:spPr>
+          <a:xfrm>
+            <a:off x="1028901" y="3741641"/>
+            <a:ext cx="10134198" cy="1857901"/>
+          </a:xfrm>
+        </p:spPr>
+        <p:txBody>
+          <a:bodyPr anchor="t">
+            <a:normAutofit/>
+          </a:bodyPr>
+          <a:lstStyle/>
+          <a:p>
+            <a:r>
+              <a:rPr lang="pt-BR" sz="6100"/>
+              <a:t>Funções</a:t>
+            </a:r>
+            <a:br>
+              <a:rPr lang="pt-BR" sz="6100"/>
+            </a:br>
+            <a:r>
+              <a:rPr lang="pt-BR" sz="6100"/>
+              <a:t>Higher Order</a:t>
+            </a:r>
+          </a:p>
+        </p:txBody>
+      </p:sp>
+      <p:sp>
+        <p:nvSpPr>
+          <p:cNvPr id="51" name="Freeform 6">
+            <a:extLst>
+              <a:ext uri="{FF2B5EF4-FFF2-40B4-BE49-F238E27FC236}">
+                <a16:creationId xmlns:a16="http://schemas.microsoft.com/office/drawing/2014/main" id="{439F6CA3-780D-4C3A-A889-C705E7E7D12D}"/>
+              </a:ext>
+              <a:ext uri="{C183D7F6-B498-43B3-948B-1728B52AA6E4}">
+                <adec:decorative xmlns:adec="http://schemas.microsoft.com/office/drawing/2017/decorative" val="1"/>
+              </a:ext>
+            </a:extLst>
+          </p:cNvPr>
+          <p:cNvSpPr>
+            <a:spLocks noGrp="1" noRot="1" noChangeAspect="1" noMove="1" noResize="1" noEditPoints="1" noAdjustHandles="1" noChangeArrowheads="1" noChangeShapeType="1" noTextEdit="1"/>
+          </p:cNvSpPr>
+          <p:nvPr>
+            <p:extLst>
+              <p:ext uri="{386F3935-93C4-4BCD-93E2-E3B085C9AB24}">
+                <p16:designElem xmlns:p16="http://schemas.microsoft.com/office/powerpoint/2015/main" val="1"/>
+              </p:ext>
+            </p:extLst>
+          </p:nvPr>
+        </p:nvSpPr>
+        <p:spPr bwMode="auto">
+          <a:xfrm>
+            <a:off x="0" y="0"/>
+            <a:ext cx="885825" cy="6858000"/>
+          </a:xfrm>
+          <a:custGeom>
+            <a:avLst/>
+            <a:gdLst/>
+            <a:ahLst/>
+            <a:cxnLst/>
+            <a:rect l="0" t="0" r="r" b="b"/>
+            <a:pathLst>
+              <a:path w="558" h="4320">
+                <a:moveTo>
+                  <a:pt x="0" y="0"/>
+                </a:moveTo>
+                <a:lnTo>
+                  <a:pt x="447" y="0"/>
+                </a:lnTo>
+                <a:lnTo>
+                  <a:pt x="448" y="43"/>
+                </a:lnTo>
+                <a:lnTo>
+                  <a:pt x="453" y="81"/>
+                </a:lnTo>
+                <a:lnTo>
+                  <a:pt x="460" y="114"/>
+                </a:lnTo>
+                <a:lnTo>
+                  <a:pt x="469" y="143"/>
+                </a:lnTo>
+                <a:lnTo>
+                  <a:pt x="479" y="169"/>
+                </a:lnTo>
+                <a:lnTo>
+                  <a:pt x="491" y="192"/>
+                </a:lnTo>
+                <a:lnTo>
+                  <a:pt x="503" y="216"/>
+                </a:lnTo>
+                <a:lnTo>
+                  <a:pt x="515" y="240"/>
+                </a:lnTo>
+                <a:lnTo>
+                  <a:pt x="525" y="263"/>
+                </a:lnTo>
+                <a:lnTo>
+                  <a:pt x="535" y="289"/>
+                </a:lnTo>
+                <a:lnTo>
+                  <a:pt x="545" y="318"/>
+                </a:lnTo>
+                <a:lnTo>
+                  <a:pt x="552" y="351"/>
+                </a:lnTo>
+                <a:lnTo>
+                  <a:pt x="556" y="389"/>
+                </a:lnTo>
+                <a:lnTo>
+                  <a:pt x="558" y="432"/>
+                </a:lnTo>
+                <a:lnTo>
+                  <a:pt x="556" y="475"/>
+                </a:lnTo>
+                <a:lnTo>
+                  <a:pt x="552" y="513"/>
+                </a:lnTo>
+                <a:lnTo>
+                  <a:pt x="545" y="546"/>
+                </a:lnTo>
+                <a:lnTo>
+                  <a:pt x="535" y="575"/>
+                </a:lnTo>
+                <a:lnTo>
+                  <a:pt x="525" y="601"/>
+                </a:lnTo>
+                <a:lnTo>
+                  <a:pt x="515" y="624"/>
+                </a:lnTo>
+                <a:lnTo>
+                  <a:pt x="503" y="648"/>
+                </a:lnTo>
+                <a:lnTo>
+                  <a:pt x="491" y="672"/>
+                </a:lnTo>
+                <a:lnTo>
+                  <a:pt x="479" y="695"/>
+                </a:lnTo>
+                <a:lnTo>
+                  <a:pt x="469" y="721"/>
+                </a:lnTo>
+                <a:lnTo>
+                  <a:pt x="460" y="750"/>
+                </a:lnTo>
+                <a:lnTo>
+                  <a:pt x="453" y="783"/>
+                </a:lnTo>
+                <a:lnTo>
+                  <a:pt x="448" y="821"/>
+                </a:lnTo>
+                <a:lnTo>
+                  <a:pt x="447" y="864"/>
+                </a:lnTo>
+                <a:lnTo>
+                  <a:pt x="448" y="907"/>
+                </a:lnTo>
+                <a:lnTo>
+                  <a:pt x="453" y="945"/>
+                </a:lnTo>
+                <a:lnTo>
+                  <a:pt x="460" y="978"/>
+                </a:lnTo>
+                <a:lnTo>
+                  <a:pt x="469" y="1007"/>
+                </a:lnTo>
+                <a:lnTo>
+                  <a:pt x="479" y="1033"/>
+                </a:lnTo>
+                <a:lnTo>
+                  <a:pt x="491" y="1056"/>
+                </a:lnTo>
+                <a:lnTo>
+                  <a:pt x="503" y="1080"/>
+                </a:lnTo>
+                <a:lnTo>
+                  <a:pt x="515" y="1104"/>
+                </a:lnTo>
+                <a:lnTo>
+                  <a:pt x="525" y="1127"/>
+                </a:lnTo>
+                <a:lnTo>
+                  <a:pt x="535" y="1153"/>
+                </a:lnTo>
+                <a:lnTo>
+                  <a:pt x="545" y="1182"/>
+                </a:lnTo>
+                <a:lnTo>
+                  <a:pt x="552" y="1215"/>
+                </a:lnTo>
+                <a:lnTo>
+                  <a:pt x="556" y="1253"/>
+                </a:lnTo>
+                <a:lnTo>
+                  <a:pt x="558" y="1296"/>
+                </a:lnTo>
+                <a:lnTo>
+                  <a:pt x="556" y="1339"/>
+                </a:lnTo>
+                <a:lnTo>
+                  <a:pt x="552" y="1377"/>
+                </a:lnTo>
+                <a:lnTo>
+                  <a:pt x="545" y="1410"/>
+                </a:lnTo>
+                <a:lnTo>
+                  <a:pt x="535" y="1439"/>
+                </a:lnTo>
+                <a:lnTo>
+                  <a:pt x="525" y="1465"/>
+                </a:lnTo>
+                <a:lnTo>
+                  <a:pt x="515" y="1488"/>
+                </a:lnTo>
+                <a:lnTo>
+                  <a:pt x="503" y="1512"/>
+                </a:lnTo>
+                <a:lnTo>
+                  <a:pt x="491" y="1536"/>
+                </a:lnTo>
+                <a:lnTo>
+                  <a:pt x="479" y="1559"/>
+                </a:lnTo>
+                <a:lnTo>
+                  <a:pt x="469" y="1585"/>
+                </a:lnTo>
+                <a:lnTo>
+                  <a:pt x="460" y="1614"/>
+                </a:lnTo>
+                <a:lnTo>
+                  <a:pt x="453" y="1647"/>
+                </a:lnTo>
+                <a:lnTo>
+                  <a:pt x="448" y="1685"/>
+                </a:lnTo>
+                <a:lnTo>
+                  <a:pt x="447" y="1728"/>
+                </a:lnTo>
+                <a:lnTo>
+                  <a:pt x="448" y="1771"/>
+                </a:lnTo>
+                <a:lnTo>
+                  <a:pt x="453" y="1809"/>
+                </a:lnTo>
+                <a:lnTo>
+                  <a:pt x="460" y="1842"/>
+                </a:lnTo>
+                <a:lnTo>
+                  <a:pt x="469" y="1871"/>
+                </a:lnTo>
+                <a:lnTo>
+                  <a:pt x="479" y="1897"/>
+                </a:lnTo>
+                <a:lnTo>
+                  <a:pt x="491" y="1920"/>
+                </a:lnTo>
+                <a:lnTo>
+                  <a:pt x="503" y="1944"/>
+                </a:lnTo>
+                <a:lnTo>
+                  <a:pt x="515" y="1968"/>
+                </a:lnTo>
+                <a:lnTo>
+                  <a:pt x="525" y="1991"/>
+                </a:lnTo>
+                <a:lnTo>
+                  <a:pt x="535" y="2017"/>
+                </a:lnTo>
+                <a:lnTo>
+                  <a:pt x="545" y="2046"/>
+                </a:lnTo>
+                <a:lnTo>
+                  <a:pt x="552" y="2079"/>
+                </a:lnTo>
+                <a:lnTo>
+                  <a:pt x="556" y="2117"/>
+                </a:lnTo>
+                <a:lnTo>
+                  <a:pt x="558" y="2159"/>
+                </a:lnTo>
+                <a:lnTo>
+                  <a:pt x="556" y="2203"/>
+                </a:lnTo>
+                <a:lnTo>
+                  <a:pt x="552" y="2241"/>
+                </a:lnTo>
+                <a:lnTo>
+                  <a:pt x="545" y="2274"/>
+                </a:lnTo>
+                <a:lnTo>
+                  <a:pt x="535" y="2303"/>
+                </a:lnTo>
+                <a:lnTo>
+                  <a:pt x="525" y="2329"/>
+                </a:lnTo>
+                <a:lnTo>
+                  <a:pt x="515" y="2352"/>
+                </a:lnTo>
+                <a:lnTo>
+                  <a:pt x="503" y="2376"/>
+                </a:lnTo>
+                <a:lnTo>
+                  <a:pt x="491" y="2400"/>
+                </a:lnTo>
+                <a:lnTo>
+                  <a:pt x="479" y="2423"/>
+                </a:lnTo>
+                <a:lnTo>
+                  <a:pt x="469" y="2449"/>
+                </a:lnTo>
+                <a:lnTo>
+                  <a:pt x="460" y="2478"/>
+                </a:lnTo>
+                <a:lnTo>
+                  <a:pt x="453" y="2511"/>
+                </a:lnTo>
+                <a:lnTo>
+                  <a:pt x="448" y="2549"/>
+                </a:lnTo>
+                <a:lnTo>
+                  <a:pt x="447" y="2592"/>
+                </a:lnTo>
+                <a:lnTo>
+                  <a:pt x="448" y="2635"/>
+                </a:lnTo>
+                <a:lnTo>
+                  <a:pt x="453" y="2673"/>
+                </a:lnTo>
+                <a:lnTo>
+                  <a:pt x="460" y="2706"/>
+                </a:lnTo>
+                <a:lnTo>
+                  <a:pt x="469" y="2735"/>
+                </a:lnTo>
+                <a:lnTo>
+                  <a:pt x="479" y="2761"/>
+                </a:lnTo>
+                <a:lnTo>
+                  <a:pt x="491" y="2784"/>
+                </a:lnTo>
+                <a:lnTo>
+                  <a:pt x="515" y="2832"/>
+                </a:lnTo>
+                <a:lnTo>
+                  <a:pt x="525" y="2855"/>
+                </a:lnTo>
+                <a:lnTo>
+                  <a:pt x="535" y="2881"/>
+                </a:lnTo>
+                <a:lnTo>
+                  <a:pt x="545" y="2910"/>
+                </a:lnTo>
+                <a:lnTo>
+                  <a:pt x="552" y="2943"/>
+                </a:lnTo>
+                <a:lnTo>
+                  <a:pt x="556" y="2981"/>
+                </a:lnTo>
+                <a:lnTo>
+                  <a:pt x="558" y="3024"/>
+                </a:lnTo>
+                <a:lnTo>
+                  <a:pt x="556" y="3067"/>
+                </a:lnTo>
+                <a:lnTo>
+                  <a:pt x="552" y="3105"/>
+                </a:lnTo>
+                <a:lnTo>
+                  <a:pt x="545" y="3138"/>
+                </a:lnTo>
+                <a:lnTo>
+                  <a:pt x="535" y="3167"/>
+                </a:lnTo>
+                <a:lnTo>
+                  <a:pt x="525" y="3193"/>
+                </a:lnTo>
+                <a:lnTo>
+                  <a:pt x="515" y="3216"/>
+                </a:lnTo>
+                <a:lnTo>
+                  <a:pt x="503" y="3240"/>
+                </a:lnTo>
+                <a:lnTo>
+                  <a:pt x="491" y="3264"/>
+                </a:lnTo>
+                <a:lnTo>
+                  <a:pt x="479" y="3287"/>
+                </a:lnTo>
+                <a:lnTo>
+                  <a:pt x="469" y="3313"/>
+                </a:lnTo>
+                <a:lnTo>
+                  <a:pt x="460" y="3342"/>
+                </a:lnTo>
+                <a:lnTo>
+                  <a:pt x="453" y="3375"/>
+                </a:lnTo>
+                <a:lnTo>
+                  <a:pt x="448" y="3413"/>
+                </a:lnTo>
+                <a:lnTo>
+                  <a:pt x="447" y="3456"/>
+                </a:lnTo>
+                <a:lnTo>
+                  <a:pt x="448" y="3499"/>
+                </a:lnTo>
+                <a:lnTo>
+                  <a:pt x="453" y="3537"/>
+                </a:lnTo>
+                <a:lnTo>
+                  <a:pt x="460" y="3570"/>
+                </a:lnTo>
+                <a:lnTo>
+                  <a:pt x="469" y="3599"/>
+                </a:lnTo>
+                <a:lnTo>
+                  <a:pt x="479" y="3625"/>
+                </a:lnTo>
+                <a:lnTo>
+                  <a:pt x="491" y="3648"/>
+                </a:lnTo>
+                <a:lnTo>
+                  <a:pt x="503" y="3672"/>
+                </a:lnTo>
+                <a:lnTo>
+                  <a:pt x="515" y="3696"/>
+                </a:lnTo>
+                <a:lnTo>
+                  <a:pt x="525" y="3719"/>
+                </a:lnTo>
+                <a:lnTo>
+                  <a:pt x="535" y="3745"/>
+                </a:lnTo>
+                <a:lnTo>
+                  <a:pt x="545" y="3774"/>
+                </a:lnTo>
+                <a:lnTo>
+                  <a:pt x="552" y="3807"/>
+                </a:lnTo>
+                <a:lnTo>
+                  <a:pt x="556" y="3845"/>
+                </a:lnTo>
+                <a:lnTo>
+                  <a:pt x="558" y="3888"/>
+                </a:lnTo>
+                <a:lnTo>
+                  <a:pt x="556" y="3931"/>
+                </a:lnTo>
+                <a:lnTo>
+                  <a:pt x="552" y="3969"/>
+                </a:lnTo>
+                <a:lnTo>
+                  <a:pt x="545" y="4002"/>
+                </a:lnTo>
+                <a:lnTo>
+                  <a:pt x="535" y="4031"/>
+                </a:lnTo>
+                <a:lnTo>
+                  <a:pt x="525" y="4057"/>
+                </a:lnTo>
+                <a:lnTo>
+                  <a:pt x="515" y="4080"/>
+                </a:lnTo>
+                <a:lnTo>
+                  <a:pt x="503" y="4104"/>
+                </a:lnTo>
+                <a:lnTo>
+                  <a:pt x="491" y="4128"/>
+                </a:lnTo>
+                <a:lnTo>
+                  <a:pt x="479" y="4151"/>
+                </a:lnTo>
+                <a:lnTo>
+                  <a:pt x="469" y="4177"/>
+                </a:lnTo>
+                <a:lnTo>
+                  <a:pt x="460" y="4206"/>
+                </a:lnTo>
+                <a:lnTo>
+                  <a:pt x="453" y="4239"/>
+                </a:lnTo>
+                <a:lnTo>
+                  <a:pt x="448" y="4277"/>
+                </a:lnTo>
+                <a:lnTo>
+                  <a:pt x="447" y="4320"/>
+                </a:lnTo>
+                <a:lnTo>
+                  <a:pt x="0" y="4320"/>
+                </a:lnTo>
+                <a:lnTo>
+                  <a:pt x="0" y="0"/>
+                </a:lnTo>
+                <a:close/>
+              </a:path>
+            </a:pathLst>
+          </a:custGeom>
+          <a:solidFill>
+            <a:schemeClr val="tx2"/>
+          </a:solidFill>
+          <a:ln w="0">
+            <a:noFill/>
+            <a:prstDash val="solid"/>
+            <a:round/>
+            <a:headEnd/>
+            <a:tailEnd/>
+          </a:ln>
+        </p:spPr>
+        <p:txBody>
+          <a:bodyPr/>
+          <a:lstStyle/>
+          <a:p>
+            <a:endParaRPr lang="pt-BR"/>
+          </a:p>
+        </p:txBody>
+      </p:sp>
+      <p:pic>
+        <p:nvPicPr>
+          <p:cNvPr id="27" name="Graphic 26" descr="Programador">
+            <a:extLst>
+              <a:ext uri="{FF2B5EF4-FFF2-40B4-BE49-F238E27FC236}">
+                <a16:creationId xmlns:a16="http://schemas.microsoft.com/office/drawing/2014/main" id="{84ADACB3-6759-6202-E5E9-D8673D71ACD3}"/>
+              </a:ext>
+            </a:extLst>
+          </p:cNvPr>
+          <p:cNvPicPr>
+            <a:picLocks noChangeAspect="1"/>
+          </p:cNvPicPr>
+          <p:nvPr/>
+        </p:nvPicPr>
+        <p:blipFill>
+          <a:blip r:embed="rId2">
+            <a:extLst>
+              <a:ext uri="{28A0092B-C50C-407E-A947-70E740481C1C}">
+                <a14:useLocalDpi xmlns:a14="http://schemas.microsoft.com/office/drawing/2010/main" val="0"/>
+              </a:ext>
+              <a:ext uri="{96DAC541-7B7A-43D3-8B79-37D633B846F1}">
+                <asvg:svgBlip xmlns:asvg="http://schemas.microsoft.com/office/drawing/2016/SVG/main" r:embed="rId3"/>
+              </a:ext>
+            </a:extLst>
+          </a:blip>
+          <a:stretch>
+            <a:fillRect/>
+          </a:stretch>
+        </p:blipFill>
+        <p:spPr>
+          <a:xfrm>
+            <a:off x="4852271" y="941544"/>
+            <a:ext cx="2487458" cy="2487458"/>
+          </a:xfrm>
+          <a:prstGeom prst="rect">
+            <a:avLst/>
+          </a:prstGeom>
+        </p:spPr>
+      </p:pic>
+      <p:sp>
+        <p:nvSpPr>
+          <p:cNvPr id="53" name="Rectangle 52">
+            <a:extLst>
+              <a:ext uri="{FF2B5EF4-FFF2-40B4-BE49-F238E27FC236}">
+                <a16:creationId xmlns:a16="http://schemas.microsoft.com/office/drawing/2014/main" id="{E6335BA4-3C40-424B-A885-29B1007B802A}"/>
+              </a:ext>
+              <a:ext uri="{C183D7F6-B498-43B3-948B-1728B52AA6E4}">
+                <adec:decorative xmlns:adec="http://schemas.microsoft.com/office/drawing/2017/decorative" val="1"/>
+              </a:ext>
+            </a:extLst>
+          </p:cNvPr>
+          <p:cNvSpPr>
+            <a:spLocks noGrp="1" noRot="1" noChangeAspect="1" noMove="1" noResize="1" noEditPoints="1" noAdjustHandles="1" noChangeArrowheads="1" noChangeShapeType="1" noTextEdit="1"/>
+          </p:cNvSpPr>
+          <p:nvPr>
+            <p:extLst>
+              <p:ext uri="{386F3935-93C4-4BCD-93E2-E3B085C9AB24}">
+                <p16:designElem xmlns:p16="http://schemas.microsoft.com/office/powerpoint/2015/main" val="1"/>
+              </p:ext>
+            </p:extLst>
+          </p:nvPr>
+        </p:nvSpPr>
+        <p:spPr>
+          <a:xfrm>
+            <a:off x="11908536" y="0"/>
+            <a:ext cx="283464" cy="6858000"/>
+          </a:xfrm>
+          <a:prstGeom prst="rect">
+            <a:avLst/>
+          </a:prstGeom>
+          <a:solidFill>
+            <a:schemeClr val="accent1"/>
+          </a:solidFill>
+          <a:ln>
+            <a:noFill/>
+          </a:ln>
+        </p:spPr>
+        <p:style>
+          <a:lnRef idx="2">
+            <a:schemeClr val="accent1">
+              <a:shade val="50000"/>
+            </a:schemeClr>
+          </a:lnRef>
+          <a:fillRef idx="1">
+            <a:schemeClr val="accent1"/>
+          </a:fillRef>
+          <a:effectRef idx="0">
+            <a:schemeClr val="accent1"/>
+          </a:effectRef>
+          <a:fontRef idx="minor">
+            <a:schemeClr val="lt1"/>
+          </a:fontRef>
+        </p:style>
+        <p:txBody>
+          <a:bodyPr/>
+          <a:lstStyle/>
+          <a:p>
+            <a:endParaRPr lang="pt-BR"/>
+          </a:p>
+        </p:txBody>
+      </p:sp>
+    </p:spTree>
+    <p:extLst>
+      <p:ext uri="{BB962C8B-B14F-4D97-AF65-F5344CB8AC3E}">
+        <p14:creationId xmlns:p14="http://schemas.microsoft.com/office/powerpoint/2010/main" val="2959811814"/>
+      </p:ext>
+    </p:extLst>
+  </p:cSld>
+  <p:clrMapOvr>
+    <a:masterClrMapping/>
+  </p:clrMapOvr>
+</p:sld>
+</file>
+
+<file path=ppt/slides/slide23.xml><?xml version="1.0" encoding="utf-8"?>
+<p:sld xmlns:a="http://schemas.openxmlformats.org/drawingml/2006/main" xmlns:r="http://schemas.openxmlformats.org/officeDocument/2006/relationships" xmlns:p="http://schemas.openxmlformats.org/presentationml/2006/main" showMasterSp="0">
+  <p:cSld>
+    <p:bg>
+      <p:bgPr>
+        <a:solidFill>
+          <a:schemeClr val="bg2">
+            <a:lumMod val="10000"/>
+          </a:schemeClr>
+        </a:solidFill>
+        <a:effectLst/>
+      </p:bgPr>
+    </p:bg>
+    <p:spTree>
+      <p:nvGrpSpPr>
+        <p:cNvPr id="1" name=""/>
+        <p:cNvGrpSpPr/>
+        <p:nvPr/>
+      </p:nvGrpSpPr>
+      <p:grpSpPr>
+        <a:xfrm>
+          <a:off x="0" y="0"/>
+          <a:ext cx="0" cy="0"/>
+          <a:chOff x="0" y="0"/>
+          <a:chExt cx="0" cy="0"/>
+        </a:xfrm>
+      </p:grpSpPr>
+      <p:sp>
+        <p:nvSpPr>
+          <p:cNvPr id="2" name="Título 1">
+            <a:extLst>
+              <a:ext uri="{FF2B5EF4-FFF2-40B4-BE49-F238E27FC236}">
+                <a16:creationId xmlns:a16="http://schemas.microsoft.com/office/drawing/2014/main" id="{83C6E063-9BFE-06CE-C9BC-5EE9CCAE3D29}"/>
+              </a:ext>
+            </a:extLst>
+          </p:cNvPr>
+          <p:cNvSpPr>
+            <a:spLocks noGrp="1"/>
+          </p:cNvSpPr>
+          <p:nvPr>
+            <p:ph type="title"/>
+          </p:nvPr>
+        </p:nvSpPr>
+        <p:spPr/>
+        <p:txBody>
+          <a:bodyPr/>
+          <a:lstStyle/>
+          <a:p>
+            <a:r>
+              <a:rPr lang="pt-BR" dirty="0"/>
+              <a:t>DEF – Aula 8	</a:t>
+            </a:r>
+          </a:p>
+        </p:txBody>
+      </p:sp>
+      <p:pic>
+        <p:nvPicPr>
+          <p:cNvPr id="1026" name="Picture 2">
+            <a:extLst>
+              <a:ext uri="{FF2B5EF4-FFF2-40B4-BE49-F238E27FC236}">
+                <a16:creationId xmlns:a16="http://schemas.microsoft.com/office/drawing/2014/main" id="{BFCC1361-CFA5-41DC-9639-9812D7C04FC8}"/>
+              </a:ext>
+            </a:extLst>
+          </p:cNvPr>
+          <p:cNvPicPr>
+            <a:picLocks noChangeAspect="1" noChangeArrowheads="1"/>
+          </p:cNvPicPr>
+          <p:nvPr/>
+        </p:nvPicPr>
+        <p:blipFill>
+          <a:blip r:embed="rId2">
+            <a:extLst>
+              <a:ext uri="{28A0092B-C50C-407E-A947-70E740481C1C}">
+                <a14:useLocalDpi xmlns:a14="http://schemas.microsoft.com/office/drawing/2010/main" val="0"/>
+              </a:ext>
+            </a:extLst>
+          </a:blip>
+          <a:srcRect/>
+          <a:stretch>
+            <a:fillRect/>
+          </a:stretch>
+        </p:blipFill>
+        <p:spPr bwMode="auto">
+          <a:xfrm>
+            <a:off x="102198" y="20849"/>
+            <a:ext cx="659802" cy="723071"/>
+          </a:xfrm>
+          <a:prstGeom prst="rect">
+            <a:avLst/>
+          </a:prstGeom>
+          <a:noFill/>
+          <a:extLst>
+            <a:ext uri="{909E8E84-426E-40DD-AFC4-6F175D3DCCD1}">
+              <a14:hiddenFill xmlns:a14="http://schemas.microsoft.com/office/drawing/2010/main">
+                <a:solidFill>
+                  <a:srgbClr val="FFFFFF"/>
+                </a:solidFill>
+              </a14:hiddenFill>
+            </a:ext>
+          </a:extLst>
+        </p:spPr>
+      </p:pic>
+      <p:sp>
+        <p:nvSpPr>
+          <p:cNvPr id="7" name="Texto Explicativo: Linha 6">
+            <a:extLst>
+              <a:ext uri="{FF2B5EF4-FFF2-40B4-BE49-F238E27FC236}">
+                <a16:creationId xmlns:a16="http://schemas.microsoft.com/office/drawing/2014/main" id="{64523DD9-59CF-8DC0-4E50-31349CA76E2E}"/>
+              </a:ext>
+            </a:extLst>
+          </p:cNvPr>
+          <p:cNvSpPr/>
+          <p:nvPr/>
+        </p:nvSpPr>
+        <p:spPr>
+          <a:xfrm>
+            <a:off x="8374404" y="3485921"/>
+            <a:ext cx="2565918" cy="1371600"/>
+          </a:xfrm>
+          <a:prstGeom prst="borderCallout1">
+            <a:avLst>
+              <a:gd name="adj1" fmla="val 18750"/>
+              <a:gd name="adj2" fmla="val -8333"/>
+              <a:gd name="adj3" fmla="val -82058"/>
+              <a:gd name="adj4" fmla="val -113969"/>
+            </a:avLst>
+          </a:prstGeom>
+        </p:spPr>
+        <p:style>
+          <a:lnRef idx="2">
+            <a:schemeClr val="accent1">
+              <a:shade val="15000"/>
+            </a:schemeClr>
+          </a:lnRef>
+          <a:fillRef idx="1">
+            <a:schemeClr val="accent1"/>
+          </a:fillRef>
+          <a:effectRef idx="0">
+            <a:schemeClr val="accent1"/>
+          </a:effectRef>
+          <a:fontRef idx="minor">
+            <a:schemeClr val="lt1"/>
+          </a:fontRef>
+        </p:style>
+        <p:txBody>
+          <a:bodyPr rtlCol="0" anchor="ctr"/>
+          <a:lstStyle/>
+          <a:p>
+            <a:pPr algn="ctr"/>
+            <a:r>
+              <a:rPr lang="pt-BR" dirty="0"/>
+              <a:t>Funções utilizando outras funções.</a:t>
+            </a:r>
+          </a:p>
+        </p:txBody>
+      </p:sp>
+      <p:sp>
+        <p:nvSpPr>
+          <p:cNvPr id="4" name="CaixaDeTexto 3">
+            <a:extLst>
+              <a:ext uri="{FF2B5EF4-FFF2-40B4-BE49-F238E27FC236}">
+                <a16:creationId xmlns:a16="http://schemas.microsoft.com/office/drawing/2014/main" id="{6629C427-4028-7534-FC05-8AEB9A7B3D9E}"/>
+              </a:ext>
+            </a:extLst>
+          </p:cNvPr>
+          <p:cNvSpPr txBox="1"/>
+          <p:nvPr/>
+        </p:nvSpPr>
+        <p:spPr>
+          <a:xfrm>
+            <a:off x="1251678" y="1361717"/>
+            <a:ext cx="6097554" cy="5355312"/>
+          </a:xfrm>
+          <a:prstGeom prst="rect">
+            <a:avLst/>
+          </a:prstGeom>
+          <a:noFill/>
+        </p:spPr>
+        <p:txBody>
+          <a:bodyPr wrap="square">
+            <a:spAutoFit/>
+          </a:bodyPr>
+          <a:lstStyle/>
+          <a:p>
+            <a:r>
+              <a:rPr lang="pt-BR" b="0" dirty="0">
+                <a:solidFill>
+                  <a:srgbClr val="606890"/>
+                </a:solidFill>
+                <a:effectLst/>
+                <a:highlight>
+                  <a:srgbClr val="1B1D28"/>
+                </a:highlight>
+                <a:latin typeface="Consolas" panose="020B0609020204030204" pitchFamily="49" charset="0"/>
+              </a:rPr>
+              <a:t>"""</a:t>
+            </a:r>
+            <a:endParaRPr lang="pt-BR" b="0" dirty="0">
+              <a:solidFill>
+                <a:srgbClr val="D1D4E0"/>
+              </a:solidFill>
+              <a:effectLst/>
+              <a:highlight>
+                <a:srgbClr val="1B1D28"/>
+              </a:highlight>
+              <a:latin typeface="Consolas" panose="020B0609020204030204" pitchFamily="49" charset="0"/>
+            </a:endParaRPr>
+          </a:p>
+          <a:p>
+            <a:r>
+              <a:rPr lang="pt-BR" b="0" dirty="0" err="1">
+                <a:solidFill>
+                  <a:srgbClr val="606890"/>
+                </a:solidFill>
+                <a:effectLst/>
+                <a:highlight>
+                  <a:srgbClr val="1B1D28"/>
+                </a:highlight>
+                <a:latin typeface="Consolas" panose="020B0609020204030204" pitchFamily="49" charset="0"/>
+              </a:rPr>
+              <a:t>Higher</a:t>
+            </a:r>
+            <a:r>
+              <a:rPr lang="pt-BR" b="0" dirty="0">
+                <a:solidFill>
+                  <a:srgbClr val="606890"/>
+                </a:solidFill>
+                <a:effectLst/>
+                <a:highlight>
+                  <a:srgbClr val="1B1D28"/>
+                </a:highlight>
+                <a:latin typeface="Consolas" panose="020B0609020204030204" pitchFamily="49" charset="0"/>
+              </a:rPr>
+              <a:t> </a:t>
+            </a:r>
+            <a:r>
+              <a:rPr lang="pt-BR" b="0" dirty="0" err="1">
+                <a:solidFill>
+                  <a:srgbClr val="606890"/>
+                </a:solidFill>
+                <a:effectLst/>
+                <a:highlight>
+                  <a:srgbClr val="1B1D28"/>
+                </a:highlight>
+                <a:latin typeface="Consolas" panose="020B0609020204030204" pitchFamily="49" charset="0"/>
+              </a:rPr>
+              <a:t>Order</a:t>
+            </a:r>
+            <a:r>
+              <a:rPr lang="pt-BR" b="0" dirty="0">
+                <a:solidFill>
+                  <a:srgbClr val="606890"/>
+                </a:solidFill>
+                <a:effectLst/>
+                <a:highlight>
+                  <a:srgbClr val="1B1D28"/>
+                </a:highlight>
+                <a:latin typeface="Consolas" panose="020B0609020204030204" pitchFamily="49" charset="0"/>
+              </a:rPr>
+              <a:t> </a:t>
+            </a:r>
+            <a:r>
+              <a:rPr lang="pt-BR" b="0" dirty="0" err="1">
+                <a:solidFill>
+                  <a:srgbClr val="606890"/>
+                </a:solidFill>
+                <a:effectLst/>
+                <a:highlight>
+                  <a:srgbClr val="1B1D28"/>
+                </a:highlight>
+                <a:latin typeface="Consolas" panose="020B0609020204030204" pitchFamily="49" charset="0"/>
+              </a:rPr>
+              <a:t>Functions</a:t>
+            </a:r>
+            <a:endParaRPr lang="pt-BR" b="0" dirty="0">
+              <a:solidFill>
+                <a:srgbClr val="D1D4E0"/>
+              </a:solidFill>
+              <a:effectLst/>
+              <a:highlight>
+                <a:srgbClr val="1B1D28"/>
+              </a:highlight>
+              <a:latin typeface="Consolas" panose="020B0609020204030204" pitchFamily="49" charset="0"/>
+            </a:endParaRPr>
+          </a:p>
+          <a:p>
+            <a:r>
+              <a:rPr lang="pt-BR" b="0" dirty="0">
+                <a:solidFill>
+                  <a:srgbClr val="606890"/>
+                </a:solidFill>
+                <a:effectLst/>
+                <a:highlight>
+                  <a:srgbClr val="1B1D28"/>
+                </a:highlight>
+                <a:latin typeface="Consolas" panose="020B0609020204030204" pitchFamily="49" charset="0"/>
+              </a:rPr>
+              <a:t>Funções de primeira classe</a:t>
+            </a:r>
+            <a:endParaRPr lang="pt-BR" b="0" dirty="0">
+              <a:solidFill>
+                <a:srgbClr val="D1D4E0"/>
+              </a:solidFill>
+              <a:effectLst/>
+              <a:highlight>
+                <a:srgbClr val="1B1D28"/>
+              </a:highlight>
+              <a:latin typeface="Consolas" panose="020B0609020204030204" pitchFamily="49" charset="0"/>
+            </a:endParaRPr>
+          </a:p>
+          <a:p>
+            <a:r>
+              <a:rPr lang="pt-BR" b="0" dirty="0">
+                <a:solidFill>
+                  <a:srgbClr val="606890"/>
+                </a:solidFill>
+                <a:effectLst/>
+                <a:highlight>
+                  <a:srgbClr val="1B1D28"/>
+                </a:highlight>
+                <a:latin typeface="Consolas" panose="020B0609020204030204" pitchFamily="49" charset="0"/>
+              </a:rPr>
+              <a:t>"""</a:t>
+            </a:r>
+            <a:br>
+              <a:rPr lang="pt-BR" b="0" dirty="0">
+                <a:solidFill>
+                  <a:srgbClr val="D1D4E0"/>
+                </a:solidFill>
+                <a:effectLst/>
+                <a:highlight>
+                  <a:srgbClr val="1B1D28"/>
+                </a:highlight>
+                <a:latin typeface="Consolas" panose="020B0609020204030204" pitchFamily="49" charset="0"/>
+              </a:rPr>
+            </a:br>
+            <a:br>
+              <a:rPr lang="pt-BR" b="0" dirty="0">
+                <a:solidFill>
+                  <a:srgbClr val="D1D4E0"/>
+                </a:solidFill>
+                <a:effectLst/>
+                <a:highlight>
+                  <a:srgbClr val="1B1D28"/>
+                </a:highlight>
+                <a:latin typeface="Consolas" panose="020B0609020204030204" pitchFamily="49" charset="0"/>
+              </a:rPr>
+            </a:br>
+            <a:r>
+              <a:rPr lang="pt-BR" b="0" dirty="0" err="1">
+                <a:solidFill>
+                  <a:srgbClr val="F269B9"/>
+                </a:solidFill>
+                <a:effectLst/>
+                <a:highlight>
+                  <a:srgbClr val="1B1D28"/>
+                </a:highlight>
+                <a:latin typeface="Consolas" panose="020B0609020204030204" pitchFamily="49" charset="0"/>
+              </a:rPr>
+              <a:t>def</a:t>
+            </a:r>
+            <a:r>
+              <a:rPr lang="pt-BR" b="0" dirty="0">
+                <a:solidFill>
+                  <a:srgbClr val="D1D4E0"/>
+                </a:solidFill>
+                <a:effectLst/>
+                <a:highlight>
+                  <a:srgbClr val="1B1D28"/>
+                </a:highlight>
+                <a:latin typeface="Consolas" panose="020B0609020204030204" pitchFamily="49" charset="0"/>
+              </a:rPr>
+              <a:t> </a:t>
+            </a:r>
+            <a:r>
+              <a:rPr lang="pt-BR" b="0" dirty="0" err="1">
+                <a:solidFill>
+                  <a:srgbClr val="2DE266"/>
+                </a:solidFill>
+                <a:effectLst/>
+                <a:highlight>
+                  <a:srgbClr val="1B1D28"/>
+                </a:highlight>
+                <a:latin typeface="Consolas" panose="020B0609020204030204" pitchFamily="49" charset="0"/>
+              </a:rPr>
+              <a:t>saudacao</a:t>
+            </a:r>
+            <a:r>
+              <a:rPr lang="pt-BR" b="0" dirty="0">
+                <a:solidFill>
+                  <a:srgbClr val="D1D4E0"/>
+                </a:solidFill>
+                <a:effectLst/>
+                <a:highlight>
+                  <a:srgbClr val="1B1D28"/>
+                </a:highlight>
+                <a:latin typeface="Consolas" panose="020B0609020204030204" pitchFamily="49" charset="0"/>
+              </a:rPr>
+              <a:t>(</a:t>
+            </a:r>
+            <a:r>
+              <a:rPr lang="pt-BR" b="0" dirty="0">
+                <a:solidFill>
+                  <a:srgbClr val="EDA85D"/>
+                </a:solidFill>
+                <a:effectLst/>
+                <a:highlight>
+                  <a:srgbClr val="1B1D28"/>
+                </a:highlight>
+                <a:latin typeface="Consolas" panose="020B0609020204030204" pitchFamily="49" charset="0"/>
+              </a:rPr>
+              <a:t>msg</a:t>
+            </a:r>
+            <a:r>
+              <a:rPr lang="pt-BR" b="0" dirty="0">
+                <a:solidFill>
+                  <a:srgbClr val="D1D4E0"/>
+                </a:solidFill>
+                <a:effectLst/>
+                <a:highlight>
+                  <a:srgbClr val="1B1D28"/>
+                </a:highlight>
+                <a:latin typeface="Consolas" panose="020B0609020204030204" pitchFamily="49" charset="0"/>
+              </a:rPr>
+              <a:t>, </a:t>
+            </a:r>
+            <a:r>
+              <a:rPr lang="pt-BR" b="0" dirty="0">
+                <a:solidFill>
+                  <a:srgbClr val="EDA85D"/>
+                </a:solidFill>
+                <a:effectLst/>
+                <a:highlight>
+                  <a:srgbClr val="1B1D28"/>
+                </a:highlight>
+                <a:latin typeface="Consolas" panose="020B0609020204030204" pitchFamily="49" charset="0"/>
+              </a:rPr>
+              <a:t>nome</a:t>
+            </a:r>
+            <a:r>
+              <a:rPr lang="pt-BR" b="0" dirty="0">
+                <a:solidFill>
+                  <a:srgbClr val="D1D4E0"/>
+                </a:solidFill>
+                <a:effectLst/>
+                <a:highlight>
+                  <a:srgbClr val="1B1D28"/>
+                </a:highlight>
+                <a:latin typeface="Consolas" panose="020B0609020204030204" pitchFamily="49" charset="0"/>
+              </a:rPr>
+              <a:t>):</a:t>
+            </a:r>
+          </a:p>
+          <a:p>
+            <a:r>
+              <a:rPr lang="pt-BR" b="0" dirty="0">
+                <a:solidFill>
+                  <a:srgbClr val="D1D4E0"/>
+                </a:solidFill>
+                <a:effectLst/>
+                <a:highlight>
+                  <a:srgbClr val="1B1D28"/>
+                </a:highlight>
+                <a:latin typeface="Consolas" panose="020B0609020204030204" pitchFamily="49" charset="0"/>
+              </a:rPr>
+              <a:t>    </a:t>
+            </a:r>
+            <a:r>
+              <a:rPr lang="pt-BR" b="0" dirty="0" err="1">
+                <a:solidFill>
+                  <a:srgbClr val="F269B9"/>
+                </a:solidFill>
+                <a:effectLst/>
+                <a:highlight>
+                  <a:srgbClr val="1B1D28"/>
+                </a:highlight>
+                <a:latin typeface="Consolas" panose="020B0609020204030204" pitchFamily="49" charset="0"/>
+              </a:rPr>
+              <a:t>return</a:t>
+            </a:r>
+            <a:r>
+              <a:rPr lang="pt-BR" b="0" dirty="0">
+                <a:solidFill>
+                  <a:srgbClr val="D1D4E0"/>
+                </a:solidFill>
+                <a:effectLst/>
+                <a:highlight>
+                  <a:srgbClr val="1B1D28"/>
+                </a:highlight>
+                <a:latin typeface="Consolas" panose="020B0609020204030204" pitchFamily="49" charset="0"/>
+              </a:rPr>
+              <a:t> </a:t>
+            </a:r>
+            <a:r>
+              <a:rPr lang="pt-BR" b="0" dirty="0">
+                <a:solidFill>
+                  <a:srgbClr val="F269B9"/>
+                </a:solidFill>
+                <a:effectLst/>
+                <a:highlight>
+                  <a:srgbClr val="1B1D28"/>
+                </a:highlight>
+                <a:latin typeface="Consolas" panose="020B0609020204030204" pitchFamily="49" charset="0"/>
+              </a:rPr>
+              <a:t>f</a:t>
+            </a:r>
+            <a:r>
+              <a:rPr lang="pt-BR" b="0" dirty="0">
+                <a:solidFill>
+                  <a:srgbClr val="E0E97C"/>
+                </a:solidFill>
+                <a:effectLst/>
+                <a:highlight>
+                  <a:srgbClr val="1B1D28"/>
+                </a:highlight>
+                <a:latin typeface="Consolas" panose="020B0609020204030204" pitchFamily="49" charset="0"/>
+              </a:rPr>
+              <a:t>'</a:t>
+            </a:r>
+            <a:r>
+              <a:rPr lang="pt-BR" b="0" dirty="0">
+                <a:solidFill>
+                  <a:srgbClr val="AF86EB"/>
+                </a:solidFill>
+                <a:effectLst/>
+                <a:highlight>
+                  <a:srgbClr val="1B1D28"/>
+                </a:highlight>
+                <a:latin typeface="Consolas" panose="020B0609020204030204" pitchFamily="49" charset="0"/>
+              </a:rPr>
+              <a:t>{</a:t>
+            </a:r>
+            <a:r>
+              <a:rPr lang="pt-BR" b="0" dirty="0">
+                <a:solidFill>
+                  <a:srgbClr val="EDA85D"/>
+                </a:solidFill>
+                <a:effectLst/>
+                <a:highlight>
+                  <a:srgbClr val="1B1D28"/>
+                </a:highlight>
+                <a:latin typeface="Consolas" panose="020B0609020204030204" pitchFamily="49" charset="0"/>
+              </a:rPr>
+              <a:t>msg</a:t>
+            </a:r>
+            <a:r>
+              <a:rPr lang="pt-BR" b="0" dirty="0">
+                <a:solidFill>
+                  <a:srgbClr val="AF86EB"/>
+                </a:solidFill>
+                <a:effectLst/>
+                <a:highlight>
+                  <a:srgbClr val="1B1D28"/>
+                </a:highlight>
+                <a:latin typeface="Consolas" panose="020B0609020204030204" pitchFamily="49" charset="0"/>
+              </a:rPr>
+              <a:t>}</a:t>
+            </a:r>
+            <a:r>
+              <a:rPr lang="pt-BR" b="0" dirty="0">
+                <a:solidFill>
+                  <a:srgbClr val="E0E97C"/>
+                </a:solidFill>
+                <a:effectLst/>
+                <a:highlight>
+                  <a:srgbClr val="1B1D28"/>
+                </a:highlight>
+                <a:latin typeface="Consolas" panose="020B0609020204030204" pitchFamily="49" charset="0"/>
+              </a:rPr>
+              <a:t>, </a:t>
+            </a:r>
+            <a:r>
+              <a:rPr lang="pt-BR" b="0" dirty="0">
+                <a:solidFill>
+                  <a:srgbClr val="AF86EB"/>
+                </a:solidFill>
+                <a:effectLst/>
+                <a:highlight>
+                  <a:srgbClr val="1B1D28"/>
+                </a:highlight>
+                <a:latin typeface="Consolas" panose="020B0609020204030204" pitchFamily="49" charset="0"/>
+              </a:rPr>
+              <a:t>{</a:t>
+            </a:r>
+            <a:r>
+              <a:rPr lang="pt-BR" b="0" dirty="0">
+                <a:solidFill>
+                  <a:srgbClr val="EDA85D"/>
+                </a:solidFill>
+                <a:effectLst/>
+                <a:highlight>
+                  <a:srgbClr val="1B1D28"/>
+                </a:highlight>
+                <a:latin typeface="Consolas" panose="020B0609020204030204" pitchFamily="49" charset="0"/>
+              </a:rPr>
+              <a:t>nome</a:t>
+            </a:r>
+            <a:r>
+              <a:rPr lang="pt-BR" b="0" dirty="0">
+                <a:solidFill>
+                  <a:srgbClr val="AF86EB"/>
+                </a:solidFill>
+                <a:effectLst/>
+                <a:highlight>
+                  <a:srgbClr val="1B1D28"/>
+                </a:highlight>
+                <a:latin typeface="Consolas" panose="020B0609020204030204" pitchFamily="49" charset="0"/>
+              </a:rPr>
+              <a:t>}</a:t>
+            </a:r>
+            <a:r>
+              <a:rPr lang="pt-BR" b="0" dirty="0">
+                <a:solidFill>
+                  <a:srgbClr val="E0E97C"/>
+                </a:solidFill>
+                <a:effectLst/>
+                <a:highlight>
+                  <a:srgbClr val="1B1D28"/>
+                </a:highlight>
+                <a:latin typeface="Consolas" panose="020B0609020204030204" pitchFamily="49" charset="0"/>
+              </a:rPr>
+              <a:t>!'</a:t>
+            </a:r>
+            <a:endParaRPr lang="pt-BR" b="0" dirty="0">
+              <a:solidFill>
+                <a:srgbClr val="D1D4E0"/>
+              </a:solidFill>
+              <a:effectLst/>
+              <a:highlight>
+                <a:srgbClr val="1B1D28"/>
+              </a:highlight>
+              <a:latin typeface="Consolas" panose="020B0609020204030204" pitchFamily="49" charset="0"/>
+            </a:endParaRPr>
+          </a:p>
+          <a:p>
+            <a:br>
+              <a:rPr lang="pt-BR" b="0" dirty="0">
+                <a:solidFill>
+                  <a:srgbClr val="D1D4E0"/>
+                </a:solidFill>
+                <a:effectLst/>
+                <a:highlight>
+                  <a:srgbClr val="1B1D28"/>
+                </a:highlight>
+                <a:latin typeface="Consolas" panose="020B0609020204030204" pitchFamily="49" charset="0"/>
+              </a:rPr>
+            </a:br>
+            <a:br>
+              <a:rPr lang="pt-BR" b="0" dirty="0">
+                <a:solidFill>
+                  <a:srgbClr val="D1D4E0"/>
+                </a:solidFill>
+                <a:effectLst/>
+                <a:highlight>
+                  <a:srgbClr val="1B1D28"/>
+                </a:highlight>
+                <a:latin typeface="Consolas" panose="020B0609020204030204" pitchFamily="49" charset="0"/>
+              </a:rPr>
+            </a:br>
+            <a:r>
+              <a:rPr lang="pt-BR" b="0" dirty="0" err="1">
+                <a:solidFill>
+                  <a:srgbClr val="F269B9"/>
+                </a:solidFill>
+                <a:effectLst/>
+                <a:highlight>
+                  <a:srgbClr val="1B1D28"/>
+                </a:highlight>
+                <a:latin typeface="Consolas" panose="020B0609020204030204" pitchFamily="49" charset="0"/>
+              </a:rPr>
+              <a:t>def</a:t>
+            </a:r>
+            <a:r>
+              <a:rPr lang="pt-BR" b="0" dirty="0">
+                <a:solidFill>
+                  <a:srgbClr val="D1D4E0"/>
+                </a:solidFill>
+                <a:effectLst/>
+                <a:highlight>
+                  <a:srgbClr val="1B1D28"/>
+                </a:highlight>
+                <a:latin typeface="Consolas" panose="020B0609020204030204" pitchFamily="49" charset="0"/>
+              </a:rPr>
+              <a:t> </a:t>
+            </a:r>
+            <a:r>
+              <a:rPr lang="pt-BR" b="0" dirty="0">
+                <a:solidFill>
+                  <a:srgbClr val="2DE266"/>
+                </a:solidFill>
+                <a:effectLst/>
+                <a:highlight>
+                  <a:srgbClr val="1B1D28"/>
+                </a:highlight>
+                <a:latin typeface="Consolas" panose="020B0609020204030204" pitchFamily="49" charset="0"/>
+              </a:rPr>
+              <a:t>executa</a:t>
+            </a:r>
+            <a:r>
+              <a:rPr lang="pt-BR" b="0" dirty="0">
+                <a:solidFill>
+                  <a:srgbClr val="D1D4E0"/>
+                </a:solidFill>
+                <a:effectLst/>
+                <a:highlight>
+                  <a:srgbClr val="1B1D28"/>
+                </a:highlight>
+                <a:latin typeface="Consolas" panose="020B0609020204030204" pitchFamily="49" charset="0"/>
+              </a:rPr>
+              <a:t>(</a:t>
+            </a:r>
+            <a:r>
+              <a:rPr lang="pt-BR" b="0" dirty="0" err="1">
+                <a:solidFill>
+                  <a:srgbClr val="EDA85D"/>
+                </a:solidFill>
+                <a:effectLst/>
+                <a:highlight>
+                  <a:srgbClr val="1B1D28"/>
+                </a:highlight>
+                <a:latin typeface="Consolas" panose="020B0609020204030204" pitchFamily="49" charset="0"/>
+              </a:rPr>
+              <a:t>funcao</a:t>
+            </a:r>
+            <a:r>
+              <a:rPr lang="pt-BR" b="0" dirty="0">
+                <a:solidFill>
+                  <a:srgbClr val="D1D4E0"/>
+                </a:solidFill>
+                <a:effectLst/>
+                <a:highlight>
+                  <a:srgbClr val="1B1D28"/>
+                </a:highlight>
+                <a:latin typeface="Consolas" panose="020B0609020204030204" pitchFamily="49" charset="0"/>
+              </a:rPr>
+              <a:t>, </a:t>
+            </a:r>
+            <a:r>
+              <a:rPr lang="pt-BR" b="0" dirty="0">
+                <a:solidFill>
+                  <a:srgbClr val="F269B9"/>
+                </a:solidFill>
+                <a:effectLst/>
+                <a:highlight>
+                  <a:srgbClr val="1B1D28"/>
+                </a:highlight>
+                <a:latin typeface="Consolas" panose="020B0609020204030204" pitchFamily="49" charset="0"/>
+              </a:rPr>
+              <a:t>*</a:t>
+            </a:r>
+            <a:r>
+              <a:rPr lang="pt-BR" b="0" dirty="0" err="1">
+                <a:solidFill>
+                  <a:srgbClr val="EDA85D"/>
+                </a:solidFill>
+                <a:effectLst/>
+                <a:highlight>
+                  <a:srgbClr val="1B1D28"/>
+                </a:highlight>
+                <a:latin typeface="Consolas" panose="020B0609020204030204" pitchFamily="49" charset="0"/>
+              </a:rPr>
+              <a:t>args</a:t>
+            </a:r>
+            <a:r>
+              <a:rPr lang="pt-BR" b="0" dirty="0">
+                <a:solidFill>
+                  <a:srgbClr val="D1D4E0"/>
+                </a:solidFill>
+                <a:effectLst/>
+                <a:highlight>
+                  <a:srgbClr val="1B1D28"/>
+                </a:highlight>
+                <a:latin typeface="Consolas" panose="020B0609020204030204" pitchFamily="49" charset="0"/>
+              </a:rPr>
+              <a:t>):</a:t>
+            </a:r>
+          </a:p>
+          <a:p>
+            <a:r>
+              <a:rPr lang="pt-BR" b="0" dirty="0">
+                <a:solidFill>
+                  <a:srgbClr val="D1D4E0"/>
+                </a:solidFill>
+                <a:effectLst/>
+                <a:highlight>
+                  <a:srgbClr val="1B1D28"/>
+                </a:highlight>
+                <a:latin typeface="Consolas" panose="020B0609020204030204" pitchFamily="49" charset="0"/>
+              </a:rPr>
+              <a:t>    </a:t>
+            </a:r>
+            <a:r>
+              <a:rPr lang="pt-BR" b="0" dirty="0" err="1">
+                <a:solidFill>
+                  <a:srgbClr val="F269B9"/>
+                </a:solidFill>
+                <a:effectLst/>
+                <a:highlight>
+                  <a:srgbClr val="1B1D28"/>
+                </a:highlight>
+                <a:latin typeface="Consolas" panose="020B0609020204030204" pitchFamily="49" charset="0"/>
+              </a:rPr>
+              <a:t>return</a:t>
+            </a:r>
+            <a:r>
+              <a:rPr lang="pt-BR" b="0" dirty="0">
+                <a:solidFill>
+                  <a:srgbClr val="D1D4E0"/>
+                </a:solidFill>
+                <a:effectLst/>
+                <a:highlight>
+                  <a:srgbClr val="1B1D28"/>
+                </a:highlight>
+                <a:latin typeface="Consolas" panose="020B0609020204030204" pitchFamily="49" charset="0"/>
+              </a:rPr>
+              <a:t> </a:t>
+            </a:r>
+            <a:r>
+              <a:rPr lang="pt-BR" b="0" dirty="0" err="1">
+                <a:solidFill>
+                  <a:srgbClr val="EDA85D"/>
+                </a:solidFill>
+                <a:effectLst/>
+                <a:highlight>
+                  <a:srgbClr val="1B1D28"/>
+                </a:highlight>
+                <a:latin typeface="Consolas" panose="020B0609020204030204" pitchFamily="49" charset="0"/>
+              </a:rPr>
+              <a:t>funcao</a:t>
+            </a:r>
+            <a:r>
+              <a:rPr lang="pt-BR" b="0" dirty="0">
+                <a:solidFill>
+                  <a:srgbClr val="D1D4E0"/>
+                </a:solidFill>
+                <a:effectLst/>
+                <a:highlight>
+                  <a:srgbClr val="1B1D28"/>
+                </a:highlight>
+                <a:latin typeface="Consolas" panose="020B0609020204030204" pitchFamily="49" charset="0"/>
+              </a:rPr>
+              <a:t>(</a:t>
+            </a:r>
+            <a:r>
+              <a:rPr lang="pt-BR" b="0" dirty="0">
+                <a:solidFill>
+                  <a:srgbClr val="F269B9"/>
+                </a:solidFill>
+                <a:effectLst/>
+                <a:highlight>
+                  <a:srgbClr val="1B1D28"/>
+                </a:highlight>
+                <a:latin typeface="Consolas" panose="020B0609020204030204" pitchFamily="49" charset="0"/>
+              </a:rPr>
+              <a:t>*</a:t>
+            </a:r>
+            <a:r>
+              <a:rPr lang="pt-BR" b="0" dirty="0" err="1">
+                <a:solidFill>
+                  <a:srgbClr val="EDA85D"/>
+                </a:solidFill>
+                <a:effectLst/>
+                <a:highlight>
+                  <a:srgbClr val="1B1D28"/>
+                </a:highlight>
+                <a:latin typeface="Consolas" panose="020B0609020204030204" pitchFamily="49" charset="0"/>
+              </a:rPr>
+              <a:t>args</a:t>
+            </a:r>
+            <a:r>
+              <a:rPr lang="pt-BR" b="0" dirty="0">
+                <a:solidFill>
+                  <a:srgbClr val="D1D4E0"/>
+                </a:solidFill>
+                <a:effectLst/>
+                <a:highlight>
+                  <a:srgbClr val="1B1D28"/>
+                </a:highlight>
+                <a:latin typeface="Consolas" panose="020B0609020204030204" pitchFamily="49" charset="0"/>
+              </a:rPr>
+              <a:t>)</a:t>
+            </a:r>
+          </a:p>
+          <a:p>
+            <a:br>
+              <a:rPr lang="pt-BR" b="0" dirty="0">
+                <a:solidFill>
+                  <a:srgbClr val="D1D4E0"/>
+                </a:solidFill>
+                <a:effectLst/>
+                <a:highlight>
+                  <a:srgbClr val="1B1D28"/>
+                </a:highlight>
+                <a:latin typeface="Consolas" panose="020B0609020204030204" pitchFamily="49" charset="0"/>
+              </a:rPr>
+            </a:br>
+            <a:br>
+              <a:rPr lang="pt-BR" b="0" dirty="0">
+                <a:solidFill>
+                  <a:srgbClr val="D1D4E0"/>
+                </a:solidFill>
+                <a:effectLst/>
+                <a:highlight>
+                  <a:srgbClr val="1B1D28"/>
+                </a:highlight>
+                <a:latin typeface="Consolas" panose="020B0609020204030204" pitchFamily="49" charset="0"/>
+              </a:rPr>
+            </a:br>
+            <a:r>
+              <a:rPr lang="pt-BR" b="0" dirty="0">
+                <a:solidFill>
+                  <a:srgbClr val="2DE266"/>
+                </a:solidFill>
+                <a:effectLst/>
+                <a:highlight>
+                  <a:srgbClr val="1B1D28"/>
+                </a:highlight>
+                <a:latin typeface="Consolas" panose="020B0609020204030204" pitchFamily="49" charset="0"/>
+              </a:rPr>
+              <a:t>print</a:t>
+            </a:r>
+            <a:r>
+              <a:rPr lang="pt-BR" b="0" dirty="0">
+                <a:solidFill>
+                  <a:srgbClr val="D1D4E0"/>
+                </a:solidFill>
+                <a:effectLst/>
+                <a:highlight>
+                  <a:srgbClr val="1B1D28"/>
+                </a:highlight>
+                <a:latin typeface="Consolas" panose="020B0609020204030204" pitchFamily="49" charset="0"/>
+              </a:rPr>
+              <a:t>(</a:t>
+            </a:r>
+          </a:p>
+          <a:p>
+            <a:r>
+              <a:rPr lang="pt-BR" b="0" dirty="0">
+                <a:solidFill>
+                  <a:srgbClr val="D1D4E0"/>
+                </a:solidFill>
+                <a:effectLst/>
+                <a:highlight>
+                  <a:srgbClr val="1B1D28"/>
+                </a:highlight>
+                <a:latin typeface="Consolas" panose="020B0609020204030204" pitchFamily="49" charset="0"/>
+              </a:rPr>
+              <a:t>    </a:t>
+            </a:r>
+            <a:r>
+              <a:rPr lang="pt-BR" b="0" dirty="0">
+                <a:solidFill>
+                  <a:srgbClr val="2DE266"/>
+                </a:solidFill>
+                <a:effectLst/>
+                <a:highlight>
+                  <a:srgbClr val="1B1D28"/>
+                </a:highlight>
+                <a:latin typeface="Consolas" panose="020B0609020204030204" pitchFamily="49" charset="0"/>
+              </a:rPr>
+              <a:t>executa</a:t>
+            </a:r>
+            <a:r>
+              <a:rPr lang="pt-BR" b="0" dirty="0">
+                <a:solidFill>
+                  <a:srgbClr val="D1D4E0"/>
+                </a:solidFill>
+                <a:effectLst/>
+                <a:highlight>
+                  <a:srgbClr val="1B1D28"/>
+                </a:highlight>
+                <a:latin typeface="Consolas" panose="020B0609020204030204" pitchFamily="49" charset="0"/>
+              </a:rPr>
+              <a:t>(</a:t>
+            </a:r>
+            <a:r>
+              <a:rPr lang="pt-BR" b="0" dirty="0" err="1">
+                <a:solidFill>
+                  <a:srgbClr val="2DE266"/>
+                </a:solidFill>
+                <a:effectLst/>
+                <a:highlight>
+                  <a:srgbClr val="1B1D28"/>
+                </a:highlight>
+                <a:latin typeface="Consolas" panose="020B0609020204030204" pitchFamily="49" charset="0"/>
+              </a:rPr>
+              <a:t>saudacao</a:t>
+            </a:r>
+            <a:r>
+              <a:rPr lang="pt-BR" b="0" dirty="0">
+                <a:solidFill>
+                  <a:srgbClr val="D1D4E0"/>
+                </a:solidFill>
+                <a:effectLst/>
+                <a:highlight>
+                  <a:srgbClr val="1B1D28"/>
+                </a:highlight>
+                <a:latin typeface="Consolas" panose="020B0609020204030204" pitchFamily="49" charset="0"/>
+              </a:rPr>
+              <a:t>, </a:t>
+            </a:r>
+            <a:r>
+              <a:rPr lang="pt-BR" b="0" dirty="0">
+                <a:solidFill>
+                  <a:srgbClr val="E0E97C"/>
+                </a:solidFill>
+                <a:effectLst/>
+                <a:highlight>
+                  <a:srgbClr val="1B1D28"/>
+                </a:highlight>
+                <a:latin typeface="Consolas" panose="020B0609020204030204" pitchFamily="49" charset="0"/>
+              </a:rPr>
+              <a:t>'Bom dia'</a:t>
+            </a:r>
+            <a:r>
+              <a:rPr lang="pt-BR" b="0" dirty="0">
+                <a:solidFill>
+                  <a:srgbClr val="D1D4E0"/>
+                </a:solidFill>
+                <a:effectLst/>
+                <a:highlight>
+                  <a:srgbClr val="1B1D28"/>
+                </a:highlight>
+                <a:latin typeface="Consolas" panose="020B0609020204030204" pitchFamily="49" charset="0"/>
+              </a:rPr>
+              <a:t>, </a:t>
+            </a:r>
+            <a:r>
+              <a:rPr lang="pt-BR" b="0" dirty="0">
+                <a:solidFill>
+                  <a:srgbClr val="E0E97C"/>
+                </a:solidFill>
+                <a:effectLst/>
+                <a:highlight>
+                  <a:srgbClr val="1B1D28"/>
+                </a:highlight>
+                <a:latin typeface="Consolas" panose="020B0609020204030204" pitchFamily="49" charset="0"/>
+              </a:rPr>
+              <a:t>'Luiz'</a:t>
+            </a:r>
+            <a:r>
+              <a:rPr lang="pt-BR" b="0" dirty="0">
+                <a:solidFill>
+                  <a:srgbClr val="D1D4E0"/>
+                </a:solidFill>
+                <a:effectLst/>
+                <a:highlight>
+                  <a:srgbClr val="1B1D28"/>
+                </a:highlight>
+                <a:latin typeface="Consolas" panose="020B0609020204030204" pitchFamily="49" charset="0"/>
+              </a:rPr>
+              <a:t>)</a:t>
+            </a:r>
+          </a:p>
+          <a:p>
+            <a:r>
+              <a:rPr lang="pt-BR" b="0" dirty="0">
+                <a:solidFill>
+                  <a:srgbClr val="D1D4E0"/>
+                </a:solidFill>
+                <a:effectLst/>
+                <a:highlight>
+                  <a:srgbClr val="1B1D28"/>
+                </a:highlight>
+                <a:latin typeface="Consolas" panose="020B0609020204030204" pitchFamily="49" charset="0"/>
+              </a:rPr>
+              <a:t>)</a:t>
+            </a:r>
+          </a:p>
+          <a:p>
+            <a:r>
+              <a:rPr lang="pt-BR" b="0" dirty="0">
+                <a:solidFill>
+                  <a:srgbClr val="2DE266"/>
+                </a:solidFill>
+                <a:effectLst/>
+                <a:highlight>
+                  <a:srgbClr val="1B1D28"/>
+                </a:highlight>
+                <a:latin typeface="Consolas" panose="020B0609020204030204" pitchFamily="49" charset="0"/>
+              </a:rPr>
+              <a:t>print</a:t>
+            </a:r>
+            <a:r>
+              <a:rPr lang="pt-BR" b="0" dirty="0">
+                <a:solidFill>
+                  <a:srgbClr val="D1D4E0"/>
+                </a:solidFill>
+                <a:effectLst/>
+                <a:highlight>
+                  <a:srgbClr val="1B1D28"/>
+                </a:highlight>
+                <a:latin typeface="Consolas" panose="020B0609020204030204" pitchFamily="49" charset="0"/>
+              </a:rPr>
+              <a:t>(</a:t>
+            </a:r>
+          </a:p>
+          <a:p>
+            <a:r>
+              <a:rPr lang="pt-BR" b="0" dirty="0">
+                <a:solidFill>
+                  <a:srgbClr val="D1D4E0"/>
+                </a:solidFill>
+                <a:effectLst/>
+                <a:highlight>
+                  <a:srgbClr val="1B1D28"/>
+                </a:highlight>
+                <a:latin typeface="Consolas" panose="020B0609020204030204" pitchFamily="49" charset="0"/>
+              </a:rPr>
+              <a:t>    </a:t>
+            </a:r>
+            <a:r>
+              <a:rPr lang="pt-BR" b="0" dirty="0">
+                <a:solidFill>
+                  <a:srgbClr val="2DE266"/>
+                </a:solidFill>
+                <a:effectLst/>
+                <a:highlight>
+                  <a:srgbClr val="1B1D28"/>
+                </a:highlight>
+                <a:latin typeface="Consolas" panose="020B0609020204030204" pitchFamily="49" charset="0"/>
+              </a:rPr>
+              <a:t>executa</a:t>
+            </a:r>
+            <a:r>
+              <a:rPr lang="pt-BR" b="0" dirty="0">
+                <a:solidFill>
+                  <a:srgbClr val="D1D4E0"/>
+                </a:solidFill>
+                <a:effectLst/>
+                <a:highlight>
+                  <a:srgbClr val="1B1D28"/>
+                </a:highlight>
+                <a:latin typeface="Consolas" panose="020B0609020204030204" pitchFamily="49" charset="0"/>
+              </a:rPr>
+              <a:t>(</a:t>
+            </a:r>
+            <a:r>
+              <a:rPr lang="pt-BR" b="0" dirty="0" err="1">
+                <a:solidFill>
+                  <a:srgbClr val="2DE266"/>
+                </a:solidFill>
+                <a:effectLst/>
+                <a:highlight>
+                  <a:srgbClr val="1B1D28"/>
+                </a:highlight>
+                <a:latin typeface="Consolas" panose="020B0609020204030204" pitchFamily="49" charset="0"/>
+              </a:rPr>
+              <a:t>saudacao</a:t>
+            </a:r>
+            <a:r>
+              <a:rPr lang="pt-BR" b="0" dirty="0">
+                <a:solidFill>
+                  <a:srgbClr val="D1D4E0"/>
+                </a:solidFill>
+                <a:effectLst/>
+                <a:highlight>
+                  <a:srgbClr val="1B1D28"/>
+                </a:highlight>
+                <a:latin typeface="Consolas" panose="020B0609020204030204" pitchFamily="49" charset="0"/>
+              </a:rPr>
+              <a:t>, </a:t>
+            </a:r>
+            <a:r>
+              <a:rPr lang="pt-BR" b="0" dirty="0">
+                <a:solidFill>
+                  <a:srgbClr val="E0E97C"/>
+                </a:solidFill>
+                <a:effectLst/>
+                <a:highlight>
+                  <a:srgbClr val="1B1D28"/>
+                </a:highlight>
+                <a:latin typeface="Consolas" panose="020B0609020204030204" pitchFamily="49" charset="0"/>
+              </a:rPr>
+              <a:t>'Boa noite'</a:t>
+            </a:r>
+            <a:r>
+              <a:rPr lang="pt-BR" b="0" dirty="0">
+                <a:solidFill>
+                  <a:srgbClr val="D1D4E0"/>
+                </a:solidFill>
+                <a:effectLst/>
+                <a:highlight>
+                  <a:srgbClr val="1B1D28"/>
+                </a:highlight>
+                <a:latin typeface="Consolas" panose="020B0609020204030204" pitchFamily="49" charset="0"/>
+              </a:rPr>
+              <a:t>, </a:t>
+            </a:r>
+            <a:r>
+              <a:rPr lang="pt-BR" b="0" dirty="0">
+                <a:solidFill>
+                  <a:srgbClr val="E0E97C"/>
+                </a:solidFill>
+                <a:effectLst/>
+                <a:highlight>
+                  <a:srgbClr val="1B1D28"/>
+                </a:highlight>
+                <a:latin typeface="Consolas" panose="020B0609020204030204" pitchFamily="49" charset="0"/>
+              </a:rPr>
+              <a:t>'Maria'</a:t>
+            </a:r>
+            <a:r>
+              <a:rPr lang="pt-BR" b="0" dirty="0">
+                <a:solidFill>
+                  <a:srgbClr val="D1D4E0"/>
+                </a:solidFill>
+                <a:effectLst/>
+                <a:highlight>
+                  <a:srgbClr val="1B1D28"/>
+                </a:highlight>
+                <a:latin typeface="Consolas" panose="020B0609020204030204" pitchFamily="49" charset="0"/>
+              </a:rPr>
+              <a:t>)</a:t>
+            </a:r>
+          </a:p>
+          <a:p>
+            <a:r>
+              <a:rPr lang="pt-BR" b="0" dirty="0">
+                <a:solidFill>
+                  <a:srgbClr val="D1D4E0"/>
+                </a:solidFill>
+                <a:effectLst/>
+                <a:highlight>
+                  <a:srgbClr val="1B1D28"/>
+                </a:highlight>
+                <a:latin typeface="Consolas" panose="020B0609020204030204" pitchFamily="49" charset="0"/>
+              </a:rPr>
+              <a:t>)</a:t>
+            </a:r>
+          </a:p>
+        </p:txBody>
+      </p:sp>
+    </p:spTree>
+    <p:extLst>
+      <p:ext uri="{BB962C8B-B14F-4D97-AF65-F5344CB8AC3E}">
+        <p14:creationId xmlns:p14="http://schemas.microsoft.com/office/powerpoint/2010/main" val="3615192426"/>
+      </p:ext>
+    </p:extLst>
+  </p:cSld>
+  <p:clrMapOvr>
+    <a:masterClrMapping/>
+  </p:clrMapOvr>
+</p:sld>
+</file>
+
+<file path=ppt/slides/slide24.xml><?xml version="1.0" encoding="utf-8"?>
+<p:sld xmlns:a="http://schemas.openxmlformats.org/drawingml/2006/main" xmlns:r="http://schemas.openxmlformats.org/officeDocument/2006/relationships" xmlns:p="http://schemas.openxmlformats.org/presentationml/2006/main" showMasterSp="0">
+  <p:cSld>
+    <p:bg>
+      <p:bgPr>
+        <a:solidFill>
+          <a:schemeClr val="bg2">
+            <a:lumMod val="10000"/>
+          </a:schemeClr>
+        </a:solidFill>
+        <a:effectLst/>
+      </p:bgPr>
+    </p:bg>
+    <p:spTree>
+      <p:nvGrpSpPr>
+        <p:cNvPr id="1" name=""/>
+        <p:cNvGrpSpPr/>
+        <p:nvPr/>
+      </p:nvGrpSpPr>
+      <p:grpSpPr>
+        <a:xfrm>
+          <a:off x="0" y="0"/>
+          <a:ext cx="0" cy="0"/>
+          <a:chOff x="0" y="0"/>
+          <a:chExt cx="0" cy="0"/>
+        </a:xfrm>
+      </p:grpSpPr>
+      <p:sp>
+        <p:nvSpPr>
+          <p:cNvPr id="2" name="Título 1">
+            <a:extLst>
+              <a:ext uri="{FF2B5EF4-FFF2-40B4-BE49-F238E27FC236}">
+                <a16:creationId xmlns:a16="http://schemas.microsoft.com/office/drawing/2014/main" id="{83C6E063-9BFE-06CE-C9BC-5EE9CCAE3D29}"/>
+              </a:ext>
+            </a:extLst>
+          </p:cNvPr>
+          <p:cNvSpPr>
+            <a:spLocks noGrp="1"/>
+          </p:cNvSpPr>
+          <p:nvPr>
+            <p:ph type="title"/>
+          </p:nvPr>
+        </p:nvSpPr>
+        <p:spPr/>
+        <p:txBody>
+          <a:bodyPr/>
+          <a:lstStyle/>
+          <a:p>
+            <a:r>
+              <a:rPr lang="pt-BR" dirty="0"/>
+              <a:t>DEF – </a:t>
+            </a:r>
+            <a:r>
+              <a:rPr lang="pt-BR"/>
+              <a:t>Aula 9</a:t>
+            </a:r>
+            <a:r>
+              <a:rPr lang="pt-BR" dirty="0"/>
+              <a:t>	</a:t>
+            </a:r>
+          </a:p>
+        </p:txBody>
+      </p:sp>
+      <p:pic>
+        <p:nvPicPr>
+          <p:cNvPr id="1026" name="Picture 2">
+            <a:extLst>
+              <a:ext uri="{FF2B5EF4-FFF2-40B4-BE49-F238E27FC236}">
+                <a16:creationId xmlns:a16="http://schemas.microsoft.com/office/drawing/2014/main" id="{BFCC1361-CFA5-41DC-9639-9812D7C04FC8}"/>
+              </a:ext>
+            </a:extLst>
+          </p:cNvPr>
+          <p:cNvPicPr>
+            <a:picLocks noChangeAspect="1" noChangeArrowheads="1"/>
+          </p:cNvPicPr>
+          <p:nvPr/>
+        </p:nvPicPr>
+        <p:blipFill>
+          <a:blip r:embed="rId2">
+            <a:extLst>
+              <a:ext uri="{28A0092B-C50C-407E-A947-70E740481C1C}">
+                <a14:useLocalDpi xmlns:a14="http://schemas.microsoft.com/office/drawing/2010/main" val="0"/>
+              </a:ext>
+            </a:extLst>
+          </a:blip>
+          <a:srcRect/>
+          <a:stretch>
+            <a:fillRect/>
+          </a:stretch>
+        </p:blipFill>
+        <p:spPr bwMode="auto">
+          <a:xfrm>
+            <a:off x="102198" y="20849"/>
+            <a:ext cx="659802" cy="723071"/>
+          </a:xfrm>
+          <a:prstGeom prst="rect">
+            <a:avLst/>
+          </a:prstGeom>
+          <a:noFill/>
+          <a:extLst>
+            <a:ext uri="{909E8E84-426E-40DD-AFC4-6F175D3DCCD1}">
+              <a14:hiddenFill xmlns:a14="http://schemas.microsoft.com/office/drawing/2010/main">
+                <a:solidFill>
+                  <a:srgbClr val="FFFFFF"/>
+                </a:solidFill>
+              </a14:hiddenFill>
+            </a:ext>
+          </a:extLst>
+        </p:spPr>
+      </p:pic>
+      <p:sp>
+        <p:nvSpPr>
+          <p:cNvPr id="7" name="Texto Explicativo: Linha 6">
+            <a:extLst>
+              <a:ext uri="{FF2B5EF4-FFF2-40B4-BE49-F238E27FC236}">
+                <a16:creationId xmlns:a16="http://schemas.microsoft.com/office/drawing/2014/main" id="{64523DD9-59CF-8DC0-4E50-31349CA76E2E}"/>
+              </a:ext>
+            </a:extLst>
+          </p:cNvPr>
+          <p:cNvSpPr/>
+          <p:nvPr/>
+        </p:nvSpPr>
+        <p:spPr>
+          <a:xfrm>
+            <a:off x="8458380" y="3680927"/>
+            <a:ext cx="2565918" cy="1371600"/>
+          </a:xfrm>
+          <a:prstGeom prst="borderCallout1">
+            <a:avLst>
+              <a:gd name="adj1" fmla="val 18750"/>
+              <a:gd name="adj2" fmla="val -8333"/>
+              <a:gd name="adj3" fmla="val 36309"/>
+              <a:gd name="adj4" fmla="val -64514"/>
+            </a:avLst>
+          </a:prstGeom>
+        </p:spPr>
+        <p:style>
+          <a:lnRef idx="2">
+            <a:schemeClr val="accent1">
+              <a:shade val="15000"/>
+            </a:schemeClr>
+          </a:lnRef>
+          <a:fillRef idx="1">
+            <a:schemeClr val="accent1"/>
+          </a:fillRef>
+          <a:effectRef idx="0">
+            <a:schemeClr val="accent1"/>
+          </a:effectRef>
+          <a:fontRef idx="minor">
+            <a:schemeClr val="lt1"/>
+          </a:fontRef>
+        </p:style>
+        <p:txBody>
+          <a:bodyPr rtlCol="0" anchor="ctr"/>
+          <a:lstStyle/>
+          <a:p>
+            <a:pPr algn="ctr"/>
+            <a:r>
+              <a:rPr lang="pt-BR" dirty="0"/>
+              <a:t>Funções retornam outras funções.</a:t>
+            </a:r>
+          </a:p>
+        </p:txBody>
+      </p:sp>
+      <p:sp>
+        <p:nvSpPr>
+          <p:cNvPr id="5" name="CaixaDeTexto 4">
+            <a:extLst>
+              <a:ext uri="{FF2B5EF4-FFF2-40B4-BE49-F238E27FC236}">
+                <a16:creationId xmlns:a16="http://schemas.microsoft.com/office/drawing/2014/main" id="{693C3802-3646-BDBB-265D-9FB666C90826}"/>
+              </a:ext>
+            </a:extLst>
+          </p:cNvPr>
+          <p:cNvSpPr txBox="1"/>
+          <p:nvPr/>
+        </p:nvSpPr>
+        <p:spPr>
+          <a:xfrm>
+            <a:off x="902737" y="1568059"/>
+            <a:ext cx="6515100" cy="4524315"/>
+          </a:xfrm>
+          <a:prstGeom prst="rect">
+            <a:avLst/>
+          </a:prstGeom>
+          <a:noFill/>
+        </p:spPr>
+        <p:txBody>
+          <a:bodyPr wrap="square">
+            <a:spAutoFit/>
+          </a:bodyPr>
+          <a:lstStyle/>
+          <a:p>
+            <a:r>
+              <a:rPr lang="pt-BR" b="0" dirty="0">
+                <a:solidFill>
+                  <a:srgbClr val="606890"/>
+                </a:solidFill>
+                <a:effectLst/>
+                <a:highlight>
+                  <a:srgbClr val="1B1D28"/>
+                </a:highlight>
+                <a:latin typeface="Consolas" panose="020B0609020204030204" pitchFamily="49" charset="0"/>
+              </a:rPr>
+              <a:t>"""</a:t>
+            </a:r>
+            <a:endParaRPr lang="pt-BR" b="0" dirty="0">
+              <a:solidFill>
+                <a:srgbClr val="D1D4E0"/>
+              </a:solidFill>
+              <a:effectLst/>
+              <a:highlight>
+                <a:srgbClr val="1B1D28"/>
+              </a:highlight>
+              <a:latin typeface="Consolas" panose="020B0609020204030204" pitchFamily="49" charset="0"/>
+            </a:endParaRPr>
+          </a:p>
+          <a:p>
+            <a:r>
+              <a:rPr lang="pt-BR" b="0" dirty="0" err="1">
+                <a:solidFill>
+                  <a:srgbClr val="606890"/>
+                </a:solidFill>
+                <a:effectLst/>
+                <a:highlight>
+                  <a:srgbClr val="1B1D28"/>
+                </a:highlight>
+                <a:latin typeface="Consolas" panose="020B0609020204030204" pitchFamily="49" charset="0"/>
+              </a:rPr>
+              <a:t>Closure</a:t>
+            </a:r>
+            <a:r>
+              <a:rPr lang="pt-BR" b="0" dirty="0">
+                <a:solidFill>
+                  <a:srgbClr val="606890"/>
+                </a:solidFill>
+                <a:effectLst/>
+                <a:highlight>
+                  <a:srgbClr val="1B1D28"/>
+                </a:highlight>
+                <a:latin typeface="Consolas" panose="020B0609020204030204" pitchFamily="49" charset="0"/>
+              </a:rPr>
+              <a:t> e funções que retornam outras funções</a:t>
+            </a:r>
+            <a:endParaRPr lang="pt-BR" b="0" dirty="0">
+              <a:solidFill>
+                <a:srgbClr val="D1D4E0"/>
+              </a:solidFill>
+              <a:effectLst/>
+              <a:highlight>
+                <a:srgbClr val="1B1D28"/>
+              </a:highlight>
+              <a:latin typeface="Consolas" panose="020B0609020204030204" pitchFamily="49" charset="0"/>
+            </a:endParaRPr>
+          </a:p>
+          <a:p>
+            <a:r>
+              <a:rPr lang="pt-BR" b="0" dirty="0">
+                <a:solidFill>
+                  <a:srgbClr val="606890"/>
+                </a:solidFill>
+                <a:effectLst/>
+                <a:highlight>
+                  <a:srgbClr val="1B1D28"/>
+                </a:highlight>
+                <a:latin typeface="Consolas" panose="020B0609020204030204" pitchFamily="49" charset="0"/>
+              </a:rPr>
+              <a:t>"""</a:t>
+            </a:r>
+            <a:endParaRPr lang="pt-BR" b="0" dirty="0">
+              <a:solidFill>
+                <a:srgbClr val="D1D4E0"/>
+              </a:solidFill>
+              <a:effectLst/>
+              <a:highlight>
+                <a:srgbClr val="1B1D28"/>
+              </a:highlight>
+              <a:latin typeface="Consolas" panose="020B0609020204030204" pitchFamily="49" charset="0"/>
+            </a:endParaRPr>
+          </a:p>
+          <a:p>
+            <a:br>
+              <a:rPr lang="pt-BR" b="0" dirty="0">
+                <a:solidFill>
+                  <a:srgbClr val="D1D4E0"/>
+                </a:solidFill>
+                <a:effectLst/>
+                <a:highlight>
+                  <a:srgbClr val="1B1D28"/>
+                </a:highlight>
+                <a:latin typeface="Consolas" panose="020B0609020204030204" pitchFamily="49" charset="0"/>
+              </a:rPr>
+            </a:br>
+            <a:r>
+              <a:rPr lang="pt-BR" b="0" dirty="0" err="1">
+                <a:solidFill>
+                  <a:srgbClr val="F269B9"/>
+                </a:solidFill>
+                <a:effectLst/>
+                <a:highlight>
+                  <a:srgbClr val="1B1D28"/>
+                </a:highlight>
+                <a:latin typeface="Consolas" panose="020B0609020204030204" pitchFamily="49" charset="0"/>
+              </a:rPr>
+              <a:t>def</a:t>
+            </a:r>
+            <a:r>
+              <a:rPr lang="pt-BR" b="0" dirty="0">
+                <a:solidFill>
+                  <a:srgbClr val="D1D4E0"/>
+                </a:solidFill>
+                <a:effectLst/>
+                <a:highlight>
+                  <a:srgbClr val="1B1D28"/>
+                </a:highlight>
+                <a:latin typeface="Consolas" panose="020B0609020204030204" pitchFamily="49" charset="0"/>
+              </a:rPr>
+              <a:t> </a:t>
+            </a:r>
+            <a:r>
+              <a:rPr lang="pt-BR" b="0" dirty="0" err="1">
+                <a:solidFill>
+                  <a:srgbClr val="2DE266"/>
+                </a:solidFill>
+                <a:effectLst/>
+                <a:highlight>
+                  <a:srgbClr val="1B1D28"/>
+                </a:highlight>
+                <a:latin typeface="Consolas" panose="020B0609020204030204" pitchFamily="49" charset="0"/>
+              </a:rPr>
+              <a:t>criar_saudacao</a:t>
+            </a:r>
+            <a:r>
+              <a:rPr lang="pt-BR" b="0" dirty="0">
+                <a:solidFill>
+                  <a:srgbClr val="D1D4E0"/>
+                </a:solidFill>
+                <a:effectLst/>
+                <a:highlight>
+                  <a:srgbClr val="1B1D28"/>
+                </a:highlight>
+                <a:latin typeface="Consolas" panose="020B0609020204030204" pitchFamily="49" charset="0"/>
+              </a:rPr>
+              <a:t>(</a:t>
+            </a:r>
+            <a:r>
+              <a:rPr lang="pt-BR" b="0" dirty="0" err="1">
+                <a:solidFill>
+                  <a:srgbClr val="EDA85D"/>
+                </a:solidFill>
+                <a:effectLst/>
+                <a:highlight>
+                  <a:srgbClr val="1B1D28"/>
+                </a:highlight>
+                <a:latin typeface="Consolas" panose="020B0609020204030204" pitchFamily="49" charset="0"/>
+              </a:rPr>
+              <a:t>saudacao</a:t>
+            </a:r>
+            <a:r>
+              <a:rPr lang="pt-BR" b="0" dirty="0">
+                <a:solidFill>
+                  <a:srgbClr val="D1D4E0"/>
+                </a:solidFill>
+                <a:effectLst/>
+                <a:highlight>
+                  <a:srgbClr val="1B1D28"/>
+                </a:highlight>
+                <a:latin typeface="Consolas" panose="020B0609020204030204" pitchFamily="49" charset="0"/>
+              </a:rPr>
+              <a:t>):</a:t>
+            </a:r>
+          </a:p>
+          <a:p>
+            <a:r>
+              <a:rPr lang="pt-BR" b="0" dirty="0">
+                <a:solidFill>
+                  <a:srgbClr val="D1D4E0"/>
+                </a:solidFill>
+                <a:effectLst/>
+                <a:highlight>
+                  <a:srgbClr val="1B1D28"/>
+                </a:highlight>
+                <a:latin typeface="Consolas" panose="020B0609020204030204" pitchFamily="49" charset="0"/>
+              </a:rPr>
+              <a:t>    </a:t>
+            </a:r>
+            <a:r>
+              <a:rPr lang="pt-BR" b="0" dirty="0" err="1">
+                <a:solidFill>
+                  <a:srgbClr val="F269B9"/>
+                </a:solidFill>
+                <a:effectLst/>
+                <a:highlight>
+                  <a:srgbClr val="1B1D28"/>
+                </a:highlight>
+                <a:latin typeface="Consolas" panose="020B0609020204030204" pitchFamily="49" charset="0"/>
+              </a:rPr>
+              <a:t>def</a:t>
+            </a:r>
+            <a:r>
+              <a:rPr lang="pt-BR" b="0" dirty="0">
+                <a:solidFill>
+                  <a:srgbClr val="D1D4E0"/>
+                </a:solidFill>
+                <a:effectLst/>
+                <a:highlight>
+                  <a:srgbClr val="1B1D28"/>
+                </a:highlight>
+                <a:latin typeface="Consolas" panose="020B0609020204030204" pitchFamily="49" charset="0"/>
+              </a:rPr>
+              <a:t> </a:t>
+            </a:r>
+            <a:r>
+              <a:rPr lang="pt-BR" b="0" dirty="0">
+                <a:solidFill>
+                  <a:srgbClr val="2DE266"/>
+                </a:solidFill>
+                <a:effectLst/>
+                <a:highlight>
+                  <a:srgbClr val="1B1D28"/>
+                </a:highlight>
+                <a:latin typeface="Consolas" panose="020B0609020204030204" pitchFamily="49" charset="0"/>
+              </a:rPr>
+              <a:t>saudar</a:t>
+            </a:r>
+            <a:r>
+              <a:rPr lang="pt-BR" b="0" dirty="0">
+                <a:solidFill>
+                  <a:srgbClr val="D1D4E0"/>
+                </a:solidFill>
+                <a:effectLst/>
+                <a:highlight>
+                  <a:srgbClr val="1B1D28"/>
+                </a:highlight>
+                <a:latin typeface="Consolas" panose="020B0609020204030204" pitchFamily="49" charset="0"/>
+              </a:rPr>
+              <a:t>(</a:t>
+            </a:r>
+            <a:r>
+              <a:rPr lang="pt-BR" b="0" dirty="0">
+                <a:solidFill>
+                  <a:srgbClr val="EDA85D"/>
+                </a:solidFill>
+                <a:effectLst/>
+                <a:highlight>
+                  <a:srgbClr val="1B1D28"/>
+                </a:highlight>
+                <a:latin typeface="Consolas" panose="020B0609020204030204" pitchFamily="49" charset="0"/>
+              </a:rPr>
+              <a:t>nome</a:t>
+            </a:r>
+            <a:r>
+              <a:rPr lang="pt-BR" b="0" dirty="0">
+                <a:solidFill>
+                  <a:srgbClr val="D1D4E0"/>
+                </a:solidFill>
+                <a:effectLst/>
+                <a:highlight>
+                  <a:srgbClr val="1B1D28"/>
+                </a:highlight>
+                <a:latin typeface="Consolas" panose="020B0609020204030204" pitchFamily="49" charset="0"/>
+              </a:rPr>
+              <a:t>):</a:t>
+            </a:r>
+          </a:p>
+          <a:p>
+            <a:r>
+              <a:rPr lang="pt-BR" b="0" dirty="0">
+                <a:solidFill>
+                  <a:srgbClr val="D1D4E0"/>
+                </a:solidFill>
+                <a:effectLst/>
+                <a:highlight>
+                  <a:srgbClr val="1B1D28"/>
+                </a:highlight>
+                <a:latin typeface="Consolas" panose="020B0609020204030204" pitchFamily="49" charset="0"/>
+              </a:rPr>
+              <a:t>        </a:t>
+            </a:r>
+            <a:r>
+              <a:rPr lang="pt-BR" b="0" dirty="0" err="1">
+                <a:solidFill>
+                  <a:srgbClr val="F269B9"/>
+                </a:solidFill>
+                <a:effectLst/>
+                <a:highlight>
+                  <a:srgbClr val="1B1D28"/>
+                </a:highlight>
+                <a:latin typeface="Consolas" panose="020B0609020204030204" pitchFamily="49" charset="0"/>
+              </a:rPr>
+              <a:t>return</a:t>
+            </a:r>
+            <a:r>
+              <a:rPr lang="pt-BR" b="0" dirty="0">
+                <a:solidFill>
+                  <a:srgbClr val="D1D4E0"/>
+                </a:solidFill>
+                <a:effectLst/>
+                <a:highlight>
+                  <a:srgbClr val="1B1D28"/>
+                </a:highlight>
+                <a:latin typeface="Consolas" panose="020B0609020204030204" pitchFamily="49" charset="0"/>
+              </a:rPr>
+              <a:t> </a:t>
+            </a:r>
+            <a:r>
+              <a:rPr lang="pt-BR" b="0" dirty="0">
+                <a:solidFill>
+                  <a:srgbClr val="F269B9"/>
+                </a:solidFill>
+                <a:effectLst/>
+                <a:highlight>
+                  <a:srgbClr val="1B1D28"/>
+                </a:highlight>
+                <a:latin typeface="Consolas" panose="020B0609020204030204" pitchFamily="49" charset="0"/>
+              </a:rPr>
+              <a:t>f</a:t>
+            </a:r>
+            <a:r>
+              <a:rPr lang="pt-BR" b="0" dirty="0">
+                <a:solidFill>
+                  <a:srgbClr val="E0E97C"/>
+                </a:solidFill>
+                <a:effectLst/>
+                <a:highlight>
+                  <a:srgbClr val="1B1D28"/>
+                </a:highlight>
+                <a:latin typeface="Consolas" panose="020B0609020204030204" pitchFamily="49" charset="0"/>
+              </a:rPr>
+              <a:t>'</a:t>
+            </a:r>
+            <a:r>
+              <a:rPr lang="pt-BR" b="0" dirty="0">
+                <a:solidFill>
+                  <a:srgbClr val="AF86EB"/>
+                </a:solidFill>
+                <a:effectLst/>
+                <a:highlight>
+                  <a:srgbClr val="1B1D28"/>
+                </a:highlight>
+                <a:latin typeface="Consolas" panose="020B0609020204030204" pitchFamily="49" charset="0"/>
+              </a:rPr>
+              <a:t>{</a:t>
+            </a:r>
+            <a:r>
+              <a:rPr lang="pt-BR" b="0" dirty="0" err="1">
+                <a:solidFill>
+                  <a:srgbClr val="EDA85D"/>
+                </a:solidFill>
+                <a:effectLst/>
+                <a:highlight>
+                  <a:srgbClr val="1B1D28"/>
+                </a:highlight>
+                <a:latin typeface="Consolas" panose="020B0609020204030204" pitchFamily="49" charset="0"/>
+              </a:rPr>
+              <a:t>saudacao</a:t>
+            </a:r>
+            <a:r>
+              <a:rPr lang="pt-BR" b="0" dirty="0">
+                <a:solidFill>
+                  <a:srgbClr val="AF86EB"/>
+                </a:solidFill>
+                <a:effectLst/>
+                <a:highlight>
+                  <a:srgbClr val="1B1D28"/>
+                </a:highlight>
+                <a:latin typeface="Consolas" panose="020B0609020204030204" pitchFamily="49" charset="0"/>
+              </a:rPr>
+              <a:t>}</a:t>
+            </a:r>
+            <a:r>
+              <a:rPr lang="pt-BR" b="0" dirty="0">
+                <a:solidFill>
+                  <a:srgbClr val="E0E97C"/>
+                </a:solidFill>
+                <a:effectLst/>
+                <a:highlight>
+                  <a:srgbClr val="1B1D28"/>
+                </a:highlight>
+                <a:latin typeface="Consolas" panose="020B0609020204030204" pitchFamily="49" charset="0"/>
+              </a:rPr>
+              <a:t>, </a:t>
+            </a:r>
+            <a:r>
+              <a:rPr lang="pt-BR" b="0" dirty="0">
+                <a:solidFill>
+                  <a:srgbClr val="AF86EB"/>
+                </a:solidFill>
+                <a:effectLst/>
+                <a:highlight>
+                  <a:srgbClr val="1B1D28"/>
+                </a:highlight>
+                <a:latin typeface="Consolas" panose="020B0609020204030204" pitchFamily="49" charset="0"/>
+              </a:rPr>
+              <a:t>{</a:t>
+            </a:r>
+            <a:r>
+              <a:rPr lang="pt-BR" b="0" dirty="0">
+                <a:solidFill>
+                  <a:srgbClr val="EDA85D"/>
+                </a:solidFill>
+                <a:effectLst/>
+                <a:highlight>
+                  <a:srgbClr val="1B1D28"/>
+                </a:highlight>
+                <a:latin typeface="Consolas" panose="020B0609020204030204" pitchFamily="49" charset="0"/>
+              </a:rPr>
+              <a:t>nome</a:t>
+            </a:r>
+            <a:r>
+              <a:rPr lang="pt-BR" b="0" dirty="0">
+                <a:solidFill>
+                  <a:srgbClr val="AF86EB"/>
+                </a:solidFill>
+                <a:effectLst/>
+                <a:highlight>
+                  <a:srgbClr val="1B1D28"/>
+                </a:highlight>
+                <a:latin typeface="Consolas" panose="020B0609020204030204" pitchFamily="49" charset="0"/>
+              </a:rPr>
+              <a:t>}</a:t>
+            </a:r>
+            <a:r>
+              <a:rPr lang="pt-BR" b="0" dirty="0">
+                <a:solidFill>
+                  <a:srgbClr val="E0E97C"/>
+                </a:solidFill>
+                <a:effectLst/>
+                <a:highlight>
+                  <a:srgbClr val="1B1D28"/>
+                </a:highlight>
+                <a:latin typeface="Consolas" panose="020B0609020204030204" pitchFamily="49" charset="0"/>
+              </a:rPr>
+              <a:t>!'</a:t>
+            </a:r>
+            <a:endParaRPr lang="pt-BR" b="0" dirty="0">
+              <a:solidFill>
+                <a:srgbClr val="D1D4E0"/>
+              </a:solidFill>
+              <a:effectLst/>
+              <a:highlight>
+                <a:srgbClr val="1B1D28"/>
+              </a:highlight>
+              <a:latin typeface="Consolas" panose="020B0609020204030204" pitchFamily="49" charset="0"/>
+            </a:endParaRPr>
+          </a:p>
+          <a:p>
+            <a:r>
+              <a:rPr lang="pt-BR" b="0" dirty="0">
+                <a:solidFill>
+                  <a:srgbClr val="D1D4E0"/>
+                </a:solidFill>
+                <a:effectLst/>
+                <a:highlight>
+                  <a:srgbClr val="1B1D28"/>
+                </a:highlight>
+                <a:latin typeface="Consolas" panose="020B0609020204030204" pitchFamily="49" charset="0"/>
+              </a:rPr>
+              <a:t>    </a:t>
+            </a:r>
+            <a:r>
+              <a:rPr lang="pt-BR" b="0" dirty="0" err="1">
+                <a:solidFill>
+                  <a:srgbClr val="F269B9"/>
+                </a:solidFill>
+                <a:effectLst/>
+                <a:highlight>
+                  <a:srgbClr val="1B1D28"/>
+                </a:highlight>
+                <a:latin typeface="Consolas" panose="020B0609020204030204" pitchFamily="49" charset="0"/>
+              </a:rPr>
+              <a:t>return</a:t>
+            </a:r>
+            <a:r>
+              <a:rPr lang="pt-BR" b="0" dirty="0">
+                <a:solidFill>
+                  <a:srgbClr val="D1D4E0"/>
+                </a:solidFill>
+                <a:effectLst/>
+                <a:highlight>
+                  <a:srgbClr val="1B1D28"/>
+                </a:highlight>
+                <a:latin typeface="Consolas" panose="020B0609020204030204" pitchFamily="49" charset="0"/>
+              </a:rPr>
+              <a:t> </a:t>
+            </a:r>
+            <a:r>
+              <a:rPr lang="pt-BR" b="0" dirty="0">
+                <a:solidFill>
+                  <a:srgbClr val="2DE266"/>
+                </a:solidFill>
+                <a:effectLst/>
+                <a:highlight>
+                  <a:srgbClr val="1B1D28"/>
+                </a:highlight>
+                <a:latin typeface="Consolas" panose="020B0609020204030204" pitchFamily="49" charset="0"/>
+              </a:rPr>
+              <a:t>saudar</a:t>
+            </a:r>
+            <a:endParaRPr lang="pt-BR" b="0" dirty="0">
+              <a:solidFill>
+                <a:srgbClr val="D1D4E0"/>
+              </a:solidFill>
+              <a:effectLst/>
+              <a:highlight>
+                <a:srgbClr val="1B1D28"/>
+              </a:highlight>
+              <a:latin typeface="Consolas" panose="020B0609020204030204" pitchFamily="49" charset="0"/>
+            </a:endParaRPr>
+          </a:p>
+          <a:p>
+            <a:br>
+              <a:rPr lang="pt-BR" b="0" dirty="0">
+                <a:solidFill>
+                  <a:srgbClr val="D1D4E0"/>
+                </a:solidFill>
+                <a:effectLst/>
+                <a:highlight>
+                  <a:srgbClr val="1B1D28"/>
+                </a:highlight>
+                <a:latin typeface="Consolas" panose="020B0609020204030204" pitchFamily="49" charset="0"/>
+              </a:rPr>
+            </a:br>
+            <a:br>
+              <a:rPr lang="pt-BR" b="0" dirty="0">
+                <a:solidFill>
+                  <a:srgbClr val="D1D4E0"/>
+                </a:solidFill>
+                <a:effectLst/>
+                <a:highlight>
+                  <a:srgbClr val="1B1D28"/>
+                </a:highlight>
+                <a:latin typeface="Consolas" panose="020B0609020204030204" pitchFamily="49" charset="0"/>
+              </a:rPr>
+            </a:br>
+            <a:r>
+              <a:rPr lang="pt-BR" b="0" dirty="0" err="1">
+                <a:solidFill>
+                  <a:srgbClr val="D1D4E0"/>
+                </a:solidFill>
+                <a:effectLst/>
+                <a:highlight>
+                  <a:srgbClr val="1B1D28"/>
+                </a:highlight>
+                <a:latin typeface="Consolas" panose="020B0609020204030204" pitchFamily="49" charset="0"/>
+              </a:rPr>
+              <a:t>falar_bom_dia</a:t>
+            </a:r>
+            <a:r>
+              <a:rPr lang="pt-BR" b="0" dirty="0">
+                <a:solidFill>
+                  <a:srgbClr val="D1D4E0"/>
+                </a:solidFill>
+                <a:effectLst/>
+                <a:highlight>
+                  <a:srgbClr val="1B1D28"/>
+                </a:highlight>
+                <a:latin typeface="Consolas" panose="020B0609020204030204" pitchFamily="49" charset="0"/>
+              </a:rPr>
+              <a:t> </a:t>
+            </a:r>
+            <a:r>
+              <a:rPr lang="pt-BR" b="0" dirty="0">
+                <a:solidFill>
+                  <a:srgbClr val="F269B9"/>
+                </a:solidFill>
+                <a:effectLst/>
+                <a:highlight>
+                  <a:srgbClr val="1B1D28"/>
+                </a:highlight>
+                <a:latin typeface="Consolas" panose="020B0609020204030204" pitchFamily="49" charset="0"/>
+              </a:rPr>
+              <a:t>=</a:t>
+            </a:r>
+            <a:r>
+              <a:rPr lang="pt-BR" b="0" dirty="0">
+                <a:solidFill>
+                  <a:srgbClr val="D1D4E0"/>
+                </a:solidFill>
+                <a:effectLst/>
+                <a:highlight>
+                  <a:srgbClr val="1B1D28"/>
+                </a:highlight>
+                <a:latin typeface="Consolas" panose="020B0609020204030204" pitchFamily="49" charset="0"/>
+              </a:rPr>
+              <a:t> </a:t>
+            </a:r>
+            <a:r>
+              <a:rPr lang="pt-BR" b="0" dirty="0" err="1">
+                <a:solidFill>
+                  <a:srgbClr val="2DE266"/>
+                </a:solidFill>
+                <a:effectLst/>
+                <a:highlight>
+                  <a:srgbClr val="1B1D28"/>
+                </a:highlight>
+                <a:latin typeface="Consolas" panose="020B0609020204030204" pitchFamily="49" charset="0"/>
+              </a:rPr>
+              <a:t>criar_saudacao</a:t>
+            </a:r>
+            <a:r>
+              <a:rPr lang="pt-BR" b="0" dirty="0">
+                <a:solidFill>
+                  <a:srgbClr val="D1D4E0"/>
+                </a:solidFill>
+                <a:effectLst/>
+                <a:highlight>
+                  <a:srgbClr val="1B1D28"/>
+                </a:highlight>
+                <a:latin typeface="Consolas" panose="020B0609020204030204" pitchFamily="49" charset="0"/>
+              </a:rPr>
+              <a:t>(</a:t>
+            </a:r>
+            <a:r>
+              <a:rPr lang="pt-BR" b="0" dirty="0">
+                <a:solidFill>
+                  <a:srgbClr val="E0E97C"/>
+                </a:solidFill>
+                <a:effectLst/>
+                <a:highlight>
+                  <a:srgbClr val="1B1D28"/>
+                </a:highlight>
+                <a:latin typeface="Consolas" panose="020B0609020204030204" pitchFamily="49" charset="0"/>
+              </a:rPr>
+              <a:t>'Bom dia'</a:t>
+            </a:r>
+            <a:r>
+              <a:rPr lang="pt-BR" b="0" dirty="0">
+                <a:solidFill>
+                  <a:srgbClr val="D1D4E0"/>
+                </a:solidFill>
+                <a:effectLst/>
+                <a:highlight>
+                  <a:srgbClr val="1B1D28"/>
+                </a:highlight>
+                <a:latin typeface="Consolas" panose="020B0609020204030204" pitchFamily="49" charset="0"/>
+              </a:rPr>
+              <a:t>)</a:t>
+            </a:r>
+          </a:p>
+          <a:p>
+            <a:r>
+              <a:rPr lang="pt-BR" b="0" dirty="0" err="1">
+                <a:solidFill>
+                  <a:srgbClr val="D1D4E0"/>
+                </a:solidFill>
+                <a:effectLst/>
+                <a:highlight>
+                  <a:srgbClr val="1B1D28"/>
+                </a:highlight>
+                <a:latin typeface="Consolas" panose="020B0609020204030204" pitchFamily="49" charset="0"/>
+              </a:rPr>
+              <a:t>falar_boa_noite</a:t>
+            </a:r>
+            <a:r>
+              <a:rPr lang="pt-BR" b="0" dirty="0">
+                <a:solidFill>
+                  <a:srgbClr val="D1D4E0"/>
+                </a:solidFill>
+                <a:effectLst/>
+                <a:highlight>
+                  <a:srgbClr val="1B1D28"/>
+                </a:highlight>
+                <a:latin typeface="Consolas" panose="020B0609020204030204" pitchFamily="49" charset="0"/>
+              </a:rPr>
+              <a:t> </a:t>
+            </a:r>
+            <a:r>
+              <a:rPr lang="pt-BR" b="0" dirty="0">
+                <a:solidFill>
+                  <a:srgbClr val="F269B9"/>
+                </a:solidFill>
+                <a:effectLst/>
+                <a:highlight>
+                  <a:srgbClr val="1B1D28"/>
+                </a:highlight>
+                <a:latin typeface="Consolas" panose="020B0609020204030204" pitchFamily="49" charset="0"/>
+              </a:rPr>
+              <a:t>=</a:t>
+            </a:r>
+            <a:r>
+              <a:rPr lang="pt-BR" b="0" dirty="0">
+                <a:solidFill>
+                  <a:srgbClr val="D1D4E0"/>
+                </a:solidFill>
+                <a:effectLst/>
+                <a:highlight>
+                  <a:srgbClr val="1B1D28"/>
+                </a:highlight>
+                <a:latin typeface="Consolas" panose="020B0609020204030204" pitchFamily="49" charset="0"/>
+              </a:rPr>
+              <a:t> </a:t>
+            </a:r>
+            <a:r>
+              <a:rPr lang="pt-BR" b="0" dirty="0" err="1">
+                <a:solidFill>
+                  <a:srgbClr val="2DE266"/>
+                </a:solidFill>
+                <a:effectLst/>
+                <a:highlight>
+                  <a:srgbClr val="1B1D28"/>
+                </a:highlight>
+                <a:latin typeface="Consolas" panose="020B0609020204030204" pitchFamily="49" charset="0"/>
+              </a:rPr>
+              <a:t>criar_saudacao</a:t>
+            </a:r>
+            <a:r>
+              <a:rPr lang="pt-BR" b="0" dirty="0">
+                <a:solidFill>
+                  <a:srgbClr val="D1D4E0"/>
+                </a:solidFill>
+                <a:effectLst/>
+                <a:highlight>
+                  <a:srgbClr val="1B1D28"/>
+                </a:highlight>
+                <a:latin typeface="Consolas" panose="020B0609020204030204" pitchFamily="49" charset="0"/>
+              </a:rPr>
+              <a:t>(</a:t>
+            </a:r>
+            <a:r>
+              <a:rPr lang="pt-BR" b="0" dirty="0">
+                <a:solidFill>
+                  <a:srgbClr val="E0E97C"/>
+                </a:solidFill>
+                <a:effectLst/>
+                <a:highlight>
+                  <a:srgbClr val="1B1D28"/>
+                </a:highlight>
+                <a:latin typeface="Consolas" panose="020B0609020204030204" pitchFamily="49" charset="0"/>
+              </a:rPr>
+              <a:t>'Boa noite'</a:t>
+            </a:r>
+            <a:r>
+              <a:rPr lang="pt-BR" b="0" dirty="0">
+                <a:solidFill>
+                  <a:srgbClr val="D1D4E0"/>
+                </a:solidFill>
+                <a:effectLst/>
+                <a:highlight>
+                  <a:srgbClr val="1B1D28"/>
+                </a:highlight>
+                <a:latin typeface="Consolas" panose="020B0609020204030204" pitchFamily="49" charset="0"/>
+              </a:rPr>
+              <a:t>)</a:t>
+            </a:r>
+          </a:p>
+          <a:p>
+            <a:br>
+              <a:rPr lang="pt-BR" b="0" dirty="0">
+                <a:solidFill>
+                  <a:srgbClr val="D1D4E0"/>
+                </a:solidFill>
+                <a:effectLst/>
+                <a:highlight>
+                  <a:srgbClr val="1B1D28"/>
+                </a:highlight>
+                <a:latin typeface="Consolas" panose="020B0609020204030204" pitchFamily="49" charset="0"/>
+              </a:rPr>
+            </a:br>
+            <a:r>
+              <a:rPr lang="pt-BR" b="0" dirty="0">
+                <a:solidFill>
+                  <a:srgbClr val="F269B9"/>
+                </a:solidFill>
+                <a:effectLst/>
+                <a:highlight>
+                  <a:srgbClr val="1B1D28"/>
+                </a:highlight>
+                <a:latin typeface="Consolas" panose="020B0609020204030204" pitchFamily="49" charset="0"/>
+              </a:rPr>
+              <a:t>for</a:t>
+            </a:r>
+            <a:r>
+              <a:rPr lang="pt-BR" b="0" dirty="0">
+                <a:solidFill>
+                  <a:srgbClr val="D1D4E0"/>
+                </a:solidFill>
+                <a:effectLst/>
+                <a:highlight>
+                  <a:srgbClr val="1B1D28"/>
+                </a:highlight>
+                <a:latin typeface="Consolas" panose="020B0609020204030204" pitchFamily="49" charset="0"/>
+              </a:rPr>
+              <a:t> nome </a:t>
+            </a:r>
+            <a:r>
+              <a:rPr lang="pt-BR" b="0" dirty="0">
+                <a:solidFill>
+                  <a:srgbClr val="F269B9"/>
+                </a:solidFill>
+                <a:effectLst/>
+                <a:highlight>
+                  <a:srgbClr val="1B1D28"/>
+                </a:highlight>
+                <a:latin typeface="Consolas" panose="020B0609020204030204" pitchFamily="49" charset="0"/>
+              </a:rPr>
+              <a:t>in</a:t>
+            </a:r>
+            <a:r>
+              <a:rPr lang="pt-BR" b="0" dirty="0">
+                <a:solidFill>
+                  <a:srgbClr val="D1D4E0"/>
+                </a:solidFill>
+                <a:effectLst/>
+                <a:highlight>
+                  <a:srgbClr val="1B1D28"/>
+                </a:highlight>
+                <a:latin typeface="Consolas" panose="020B0609020204030204" pitchFamily="49" charset="0"/>
+              </a:rPr>
+              <a:t> [</a:t>
+            </a:r>
+            <a:r>
+              <a:rPr lang="pt-BR" b="0" dirty="0">
+                <a:solidFill>
+                  <a:srgbClr val="E0E97C"/>
+                </a:solidFill>
+                <a:effectLst/>
+                <a:highlight>
+                  <a:srgbClr val="1B1D28"/>
+                </a:highlight>
+                <a:latin typeface="Consolas" panose="020B0609020204030204" pitchFamily="49" charset="0"/>
+              </a:rPr>
+              <a:t>'Maria'</a:t>
+            </a:r>
+            <a:r>
+              <a:rPr lang="pt-BR" b="0" dirty="0">
+                <a:solidFill>
+                  <a:srgbClr val="D1D4E0"/>
+                </a:solidFill>
+                <a:effectLst/>
+                <a:highlight>
+                  <a:srgbClr val="1B1D28"/>
+                </a:highlight>
+                <a:latin typeface="Consolas" panose="020B0609020204030204" pitchFamily="49" charset="0"/>
+              </a:rPr>
+              <a:t>, </a:t>
+            </a:r>
+            <a:r>
+              <a:rPr lang="pt-BR" b="0" dirty="0">
+                <a:solidFill>
+                  <a:srgbClr val="E0E97C"/>
+                </a:solidFill>
+                <a:effectLst/>
+                <a:highlight>
+                  <a:srgbClr val="1B1D28"/>
+                </a:highlight>
+                <a:latin typeface="Consolas" panose="020B0609020204030204" pitchFamily="49" charset="0"/>
+              </a:rPr>
+              <a:t>'Joana'</a:t>
+            </a:r>
+            <a:r>
+              <a:rPr lang="pt-BR" b="0" dirty="0">
+                <a:solidFill>
+                  <a:srgbClr val="D1D4E0"/>
+                </a:solidFill>
+                <a:effectLst/>
+                <a:highlight>
+                  <a:srgbClr val="1B1D28"/>
+                </a:highlight>
+                <a:latin typeface="Consolas" panose="020B0609020204030204" pitchFamily="49" charset="0"/>
+              </a:rPr>
+              <a:t>, </a:t>
+            </a:r>
+            <a:r>
+              <a:rPr lang="pt-BR" b="0" dirty="0">
+                <a:solidFill>
+                  <a:srgbClr val="E0E97C"/>
+                </a:solidFill>
+                <a:effectLst/>
+                <a:highlight>
+                  <a:srgbClr val="1B1D28"/>
+                </a:highlight>
+                <a:latin typeface="Consolas" panose="020B0609020204030204" pitchFamily="49" charset="0"/>
+              </a:rPr>
+              <a:t>'Luiz'</a:t>
+            </a:r>
+            <a:r>
+              <a:rPr lang="pt-BR" b="0" dirty="0">
+                <a:solidFill>
+                  <a:srgbClr val="D1D4E0"/>
+                </a:solidFill>
+                <a:effectLst/>
+                <a:highlight>
+                  <a:srgbClr val="1B1D28"/>
+                </a:highlight>
+                <a:latin typeface="Consolas" panose="020B0609020204030204" pitchFamily="49" charset="0"/>
+              </a:rPr>
+              <a:t>]:</a:t>
+            </a:r>
+          </a:p>
+          <a:p>
+            <a:r>
+              <a:rPr lang="pt-BR" b="0" dirty="0">
+                <a:solidFill>
+                  <a:srgbClr val="D1D4E0"/>
+                </a:solidFill>
+                <a:effectLst/>
+                <a:highlight>
+                  <a:srgbClr val="1B1D28"/>
+                </a:highlight>
+                <a:latin typeface="Consolas" panose="020B0609020204030204" pitchFamily="49" charset="0"/>
+              </a:rPr>
+              <a:t>    </a:t>
+            </a:r>
+            <a:r>
+              <a:rPr lang="pt-BR" b="0" dirty="0">
+                <a:solidFill>
+                  <a:srgbClr val="2DE266"/>
+                </a:solidFill>
+                <a:effectLst/>
+                <a:highlight>
+                  <a:srgbClr val="1B1D28"/>
+                </a:highlight>
+                <a:latin typeface="Consolas" panose="020B0609020204030204" pitchFamily="49" charset="0"/>
+              </a:rPr>
+              <a:t>print</a:t>
+            </a:r>
+            <a:r>
+              <a:rPr lang="pt-BR" b="0" dirty="0">
+                <a:solidFill>
+                  <a:srgbClr val="D1D4E0"/>
+                </a:solidFill>
+                <a:effectLst/>
+                <a:highlight>
+                  <a:srgbClr val="1B1D28"/>
+                </a:highlight>
+                <a:latin typeface="Consolas" panose="020B0609020204030204" pitchFamily="49" charset="0"/>
+              </a:rPr>
+              <a:t>(</a:t>
+            </a:r>
+            <a:r>
+              <a:rPr lang="pt-BR" b="0" dirty="0" err="1">
+                <a:solidFill>
+                  <a:srgbClr val="D1D4E0"/>
+                </a:solidFill>
+                <a:effectLst/>
+                <a:highlight>
+                  <a:srgbClr val="1B1D28"/>
+                </a:highlight>
+                <a:latin typeface="Consolas" panose="020B0609020204030204" pitchFamily="49" charset="0"/>
+              </a:rPr>
+              <a:t>falar_bom_dia</a:t>
+            </a:r>
+            <a:r>
+              <a:rPr lang="pt-BR" b="0" dirty="0">
+                <a:solidFill>
+                  <a:srgbClr val="D1D4E0"/>
+                </a:solidFill>
+                <a:effectLst/>
+                <a:highlight>
+                  <a:srgbClr val="1B1D28"/>
+                </a:highlight>
+                <a:latin typeface="Consolas" panose="020B0609020204030204" pitchFamily="49" charset="0"/>
+              </a:rPr>
+              <a:t>(nome))</a:t>
+            </a:r>
+          </a:p>
+          <a:p>
+            <a:r>
+              <a:rPr lang="pt-BR" b="0" dirty="0">
+                <a:solidFill>
+                  <a:srgbClr val="D1D4E0"/>
+                </a:solidFill>
+                <a:effectLst/>
+                <a:highlight>
+                  <a:srgbClr val="1B1D28"/>
+                </a:highlight>
+                <a:latin typeface="Consolas" panose="020B0609020204030204" pitchFamily="49" charset="0"/>
+              </a:rPr>
+              <a:t>    </a:t>
+            </a:r>
+            <a:r>
+              <a:rPr lang="pt-BR" b="0" dirty="0">
+                <a:solidFill>
+                  <a:srgbClr val="2DE266"/>
+                </a:solidFill>
+                <a:effectLst/>
+                <a:highlight>
+                  <a:srgbClr val="1B1D28"/>
+                </a:highlight>
+                <a:latin typeface="Consolas" panose="020B0609020204030204" pitchFamily="49" charset="0"/>
+              </a:rPr>
+              <a:t>print</a:t>
+            </a:r>
+            <a:r>
+              <a:rPr lang="pt-BR" b="0" dirty="0">
+                <a:solidFill>
+                  <a:srgbClr val="D1D4E0"/>
+                </a:solidFill>
+                <a:effectLst/>
+                <a:highlight>
+                  <a:srgbClr val="1B1D28"/>
+                </a:highlight>
+                <a:latin typeface="Consolas" panose="020B0609020204030204" pitchFamily="49" charset="0"/>
+              </a:rPr>
+              <a:t>(</a:t>
+            </a:r>
+            <a:r>
+              <a:rPr lang="pt-BR" b="0" dirty="0" err="1">
+                <a:solidFill>
+                  <a:srgbClr val="D1D4E0"/>
+                </a:solidFill>
+                <a:effectLst/>
+                <a:highlight>
+                  <a:srgbClr val="1B1D28"/>
+                </a:highlight>
+                <a:latin typeface="Consolas" panose="020B0609020204030204" pitchFamily="49" charset="0"/>
+              </a:rPr>
+              <a:t>falar_boa_noite</a:t>
+            </a:r>
+            <a:r>
+              <a:rPr lang="pt-BR" b="0" dirty="0">
+                <a:solidFill>
+                  <a:srgbClr val="D1D4E0"/>
+                </a:solidFill>
+                <a:effectLst/>
+                <a:highlight>
+                  <a:srgbClr val="1B1D28"/>
+                </a:highlight>
+                <a:latin typeface="Consolas" panose="020B0609020204030204" pitchFamily="49" charset="0"/>
+              </a:rPr>
+              <a:t>(nome))</a:t>
+            </a:r>
+          </a:p>
+        </p:txBody>
+      </p:sp>
+    </p:spTree>
+    <p:extLst>
+      <p:ext uri="{BB962C8B-B14F-4D97-AF65-F5344CB8AC3E}">
+        <p14:creationId xmlns:p14="http://schemas.microsoft.com/office/powerpoint/2010/main" val="3306888202"/>
+      </p:ext>
+    </p:extLst>
+  </p:cSld>
+  <p:clrMapOvr>
+    <a:masterClrMapping/>
+  </p:clrMapOvr>
+</p:sld>
+</file>
+
 <file path=ppt/slides/slide3.xml><?xml version="1.0" encoding="utf-8"?>
 <p:sld xmlns:a="http://schemas.openxmlformats.org/drawingml/2006/main" xmlns:r="http://schemas.openxmlformats.org/officeDocument/2006/relationships" xmlns:p="http://schemas.openxmlformats.org/presentationml/2006/main">
   <p:cSld>
@@ -21666,7 +25335,7 @@
           <a:p>
             <a:r>
               <a:rPr lang="pt-BR" dirty="0"/>
-              <a:t>Exercício2	</a:t>
+              <a:t>Exercício 2	</a:t>
             </a:r>
           </a:p>
         </p:txBody>
@@ -22961,7 +26630,7 @@
           <a:p>
             <a:r>
               <a:rPr lang="pt-BR" dirty="0"/>
-              <a:t>Exercício3	</a:t>
+              <a:t>Exercício 3	</a:t>
             </a:r>
           </a:p>
         </p:txBody>
@@ -23027,7 +26696,7 @@
         </p:nvSpPr>
         <p:spPr>
           <a:xfrm>
-            <a:off x="1251678" y="1495446"/>
+            <a:off x="1251678" y="1532768"/>
             <a:ext cx="6097554" cy="3970318"/>
           </a:xfrm>
           <a:prstGeom prst="rect">
@@ -23042,7 +26711,7 @@
           <a:lstStyle/>
           <a:p>
             <a:r>
-              <a:rPr lang="pt-BR" b="0">
+              <a:rPr lang="pt-BR" b="0" dirty="0">
                 <a:solidFill>
                   <a:srgbClr val="6A9955"/>
                 </a:solidFill>
@@ -23054,7 +26723,7 @@
               </a:rPr>
               <a:t>#Faça a divisão </a:t>
             </a:r>
-            <a:endParaRPr lang="pt-BR" b="0">
+            <a:endParaRPr lang="pt-BR" b="0" dirty="0">
               <a:solidFill>
                 <a:srgbClr val="CCCCCC"/>
               </a:solidFill>
@@ -23067,7 +26736,7 @@
           </a:p>
           <a:p>
             <a:r>
-              <a:rPr lang="pt-BR" b="0">
+              <a:rPr lang="pt-BR" b="0" dirty="0">
                 <a:solidFill>
                   <a:srgbClr val="6A9955"/>
                 </a:solidFill>
@@ -23079,7 +26748,7 @@
               </a:rPr>
               <a:t>#Faça a subtração</a:t>
             </a:r>
-            <a:endParaRPr lang="pt-BR" b="0">
+            <a:endParaRPr lang="pt-BR" b="0" dirty="0">
               <a:solidFill>
                 <a:srgbClr val="CCCCCC"/>
               </a:solidFill>
@@ -23092,7 +26761,7 @@
           </a:p>
           <a:p>
             <a:r>
-              <a:rPr lang="pt-BR" b="0">
+              <a:rPr lang="pt-BR" b="0" dirty="0" err="1">
                 <a:solidFill>
                   <a:srgbClr val="C586C0"/>
                 </a:solidFill>
@@ -23105,7 +26774,7 @@
               <a:t>import</a:t>
             </a:r>
             <a:r>
-              <a:rPr lang="pt-BR" b="0">
+              <a:rPr lang="pt-BR" b="0" dirty="0">
                 <a:solidFill>
                   <a:srgbClr val="CCCCCC"/>
                 </a:solidFill>
@@ -23118,7 +26787,7 @@
               <a:t> </a:t>
             </a:r>
             <a:r>
-              <a:rPr lang="pt-BR" b="0">
+              <a:rPr lang="pt-BR" b="0" dirty="0">
                 <a:solidFill>
                   <a:srgbClr val="4EC9B0"/>
                 </a:solidFill>
@@ -23130,7 +26799,7 @@
               </a:rPr>
               <a:t>os</a:t>
             </a:r>
-            <a:endParaRPr lang="pt-BR" b="0">
+            <a:endParaRPr lang="pt-BR" b="0" dirty="0">
               <a:solidFill>
                 <a:srgbClr val="CCCCCC"/>
               </a:solidFill>
@@ -23143,7 +26812,7 @@
           </a:p>
           <a:p>
             <a:br>
-              <a:rPr lang="pt-BR" b="0">
+              <a:rPr lang="pt-BR" b="0" dirty="0">
                 <a:solidFill>
                   <a:srgbClr val="CCCCCC"/>
                 </a:solidFill>
@@ -23155,7 +26824,7 @@
               </a:rPr>
             </a:br>
             <a:r>
-              <a:rPr lang="pt-BR" b="0">
+              <a:rPr lang="pt-BR" b="0" dirty="0" err="1">
                 <a:solidFill>
                   <a:srgbClr val="4EC9B0"/>
                 </a:solidFill>
@@ -23168,7 +26837,7 @@
               <a:t>os</a:t>
             </a:r>
             <a:r>
-              <a:rPr lang="pt-BR" b="0">
+              <a:rPr lang="pt-BR" b="0" dirty="0" err="1">
                 <a:solidFill>
                   <a:srgbClr val="CCCCCC"/>
                 </a:solidFill>
@@ -23181,7 +26850,7 @@
               <a:t>.</a:t>
             </a:r>
             <a:r>
-              <a:rPr lang="pt-BR" b="0">
+              <a:rPr lang="pt-BR" b="0" dirty="0" err="1">
                 <a:solidFill>
                   <a:srgbClr val="DCDCAA"/>
                 </a:solidFill>
@@ -23194,7 +26863,7 @@
               <a:t>system</a:t>
             </a:r>
             <a:r>
-              <a:rPr lang="pt-BR" b="0">
+              <a:rPr lang="pt-BR" b="0" dirty="0">
                 <a:solidFill>
                   <a:srgbClr val="CCCCCC"/>
                 </a:solidFill>
@@ -23207,7 +26876,7 @@
               <a:t>(</a:t>
             </a:r>
             <a:r>
-              <a:rPr lang="pt-BR" b="0">
+              <a:rPr lang="pt-BR" b="0" dirty="0">
                 <a:solidFill>
                   <a:srgbClr val="CE9178"/>
                 </a:solidFill>
@@ -23217,10 +26886,36 @@
                 </a:highlight>
                 <a:latin typeface="Consolas" panose="020B0609020204030204" pitchFamily="49" charset="0"/>
               </a:rPr>
-              <a:t>"cls"</a:t>
-            </a:r>
-            <a:r>
-              <a:rPr lang="pt-BR" b="0">
+              <a:t>"</a:t>
+            </a:r>
+            <a:r>
+              <a:rPr lang="pt-BR" b="0" dirty="0" err="1">
+                <a:solidFill>
+                  <a:srgbClr val="CE9178"/>
+                </a:solidFill>
+                <a:effectLst/>
+                <a:highlight>
+                  <a:srgbClr val="1F1F1F"/>
+                </a:highlight>
+                <a:latin typeface="Consolas" panose="020B0609020204030204" pitchFamily="49" charset="0"/>
+              </a:rPr>
+              <a:t>cls</a:t>
+            </a:r>
+            <a:r>
+              <a:rPr lang="pt-BR" b="0" dirty="0">
+                <a:solidFill>
+                  <a:srgbClr val="CE9178"/>
+                </a:solidFill>
+                <a:effectLst/>
+                <a:highlight>
+                  <a:srgbClr val="1F1F1F"/>
+                </a:highlight>
+                <a:latin typeface="Consolas" panose="020B0609020204030204" pitchFamily="49" charset="0"/>
+              </a:rPr>
+              <a:t>"</a:t>
+            </a:r>
+            <a:r>
+              <a:rPr lang="pt-BR" b="0" dirty="0">
                 <a:solidFill>
                   <a:srgbClr val="CCCCCC"/>
                 </a:solidFill>
@@ -23235,7 +26930,7 @@
           </a:p>
           <a:p>
             <a:r>
-              <a:rPr lang="pt-BR" b="0">
+              <a:rPr lang="pt-BR" b="0" dirty="0" err="1">
                 <a:solidFill>
                   <a:srgbClr val="569CD6"/>
                 </a:solidFill>
@@ -23248,7 +26943,7 @@
               <a:t>def</a:t>
             </a:r>
             <a:r>
-              <a:rPr lang="pt-BR" b="0">
+              <a:rPr lang="pt-BR" b="0" dirty="0">
                 <a:solidFill>
                   <a:srgbClr val="CCCCCC"/>
                 </a:solidFill>
@@ -23261,7 +26956,7 @@
               <a:t> </a:t>
             </a:r>
             <a:r>
-              <a:rPr lang="pt-BR" b="0">
+              <a:rPr lang="pt-BR" b="0" dirty="0" err="1">
                 <a:solidFill>
                   <a:srgbClr val="DCDCAA"/>
                 </a:solidFill>
@@ -23274,7 +26969,7 @@
               <a:t>divisao</a:t>
             </a:r>
             <a:r>
-              <a:rPr lang="pt-BR" b="0">
+              <a:rPr lang="pt-BR" b="0" dirty="0">
                 <a:solidFill>
                   <a:srgbClr val="CCCCCC"/>
                 </a:solidFill>
@@ -23287,7 +26982,7 @@
               <a:t>(</a:t>
             </a:r>
             <a:r>
-              <a:rPr lang="pt-BR" b="0">
+              <a:rPr lang="pt-BR" b="0" dirty="0">
                 <a:solidFill>
                   <a:srgbClr val="9CDCFE"/>
                 </a:solidFill>
@@ -23300,7 +26995,7 @@
               <a:t>x</a:t>
             </a:r>
             <a:r>
-              <a:rPr lang="pt-BR" b="0">
+              <a:rPr lang="pt-BR" b="0" dirty="0">
                 <a:solidFill>
                   <a:srgbClr val="CCCCCC"/>
                 </a:solidFill>
@@ -23313,7 +27008,7 @@
               <a:t> , </a:t>
             </a:r>
             <a:r>
-              <a:rPr lang="pt-BR" b="0">
+              <a:rPr lang="pt-BR" b="0" dirty="0">
                 <a:solidFill>
                   <a:srgbClr val="9CDCFE"/>
                 </a:solidFill>
@@ -23326,7 +27021,7 @@
               <a:t>y</a:t>
             </a:r>
             <a:r>
-              <a:rPr lang="pt-BR" b="0">
+              <a:rPr lang="pt-BR" b="0" dirty="0">
                 <a:solidFill>
                   <a:srgbClr val="CCCCCC"/>
                 </a:solidFill>
@@ -23341,7 +27036,7 @@
           </a:p>
           <a:p>
             <a:r>
-              <a:rPr lang="pt-BR" b="0">
+              <a:rPr lang="pt-BR" b="0" dirty="0">
                 <a:solidFill>
                   <a:srgbClr val="CCCCCC"/>
                 </a:solidFill>
@@ -23354,7 +27049,7 @@
               <a:t>   </a:t>
             </a:r>
             <a:r>
-              <a:rPr lang="pt-BR" b="0">
+              <a:rPr lang="pt-BR" b="0" dirty="0">
                 <a:solidFill>
                   <a:srgbClr val="DCDCAA"/>
                 </a:solidFill>
@@ -23367,7 +27062,7 @@
               <a:t>print</a:t>
             </a:r>
             <a:r>
-              <a:rPr lang="pt-BR" b="0">
+              <a:rPr lang="pt-BR" b="0" dirty="0">
                 <a:solidFill>
                   <a:srgbClr val="CCCCCC"/>
                 </a:solidFill>
@@ -23380,7 +27075,7 @@
               <a:t>(</a:t>
             </a:r>
             <a:r>
-              <a:rPr lang="pt-BR" b="0">
+              <a:rPr lang="pt-BR" b="0" dirty="0">
                 <a:solidFill>
                   <a:srgbClr val="569CD6"/>
                 </a:solidFill>
@@ -23393,7 +27088,7 @@
               <a:t>f</a:t>
             </a:r>
             <a:r>
-              <a:rPr lang="pt-BR" b="0">
+              <a:rPr lang="pt-BR" b="0" dirty="0">
                 <a:solidFill>
                   <a:srgbClr val="CE9178"/>
                 </a:solidFill>
@@ -23406,7 +27101,7 @@
               <a:t>"</a:t>
             </a:r>
             <a:r>
-              <a:rPr lang="pt-BR" b="0">
+              <a:rPr lang="pt-BR" b="0" dirty="0">
                 <a:solidFill>
                   <a:srgbClr val="569CD6"/>
                 </a:solidFill>
@@ -23419,7 +27114,7 @@
               <a:t>{</a:t>
             </a:r>
             <a:r>
-              <a:rPr lang="pt-BR" b="0">
+              <a:rPr lang="pt-BR" b="0" dirty="0">
                 <a:solidFill>
                   <a:srgbClr val="9CDCFE"/>
                 </a:solidFill>
@@ -23432,7 +27127,7 @@
               <a:t>x</a:t>
             </a:r>
             <a:r>
-              <a:rPr lang="pt-BR" b="0">
+              <a:rPr lang="pt-BR" b="0" dirty="0">
                 <a:solidFill>
                   <a:srgbClr val="569CD6"/>
                 </a:solidFill>
@@ -23445,7 +27140,7 @@
               <a:t>}</a:t>
             </a:r>
             <a:r>
-              <a:rPr lang="pt-BR" b="0">
+              <a:rPr lang="pt-BR" b="0" dirty="0">
                 <a:solidFill>
                   <a:srgbClr val="CE9178"/>
                 </a:solidFill>
@@ -23458,7 +27153,7 @@
               <a:t> / </a:t>
             </a:r>
             <a:r>
-              <a:rPr lang="pt-BR" b="0">
+              <a:rPr lang="pt-BR" b="0" dirty="0">
                 <a:solidFill>
                   <a:srgbClr val="569CD6"/>
                 </a:solidFill>
@@ -23471,7 +27166,7 @@
               <a:t>{</a:t>
             </a:r>
             <a:r>
-              <a:rPr lang="pt-BR" b="0">
+              <a:rPr lang="pt-BR" b="0" dirty="0">
                 <a:solidFill>
                   <a:srgbClr val="9CDCFE"/>
                 </a:solidFill>
@@ -23484,7 +27179,7 @@
               <a:t>y</a:t>
             </a:r>
             <a:r>
-              <a:rPr lang="pt-BR" b="0">
+              <a:rPr lang="pt-BR" b="0" dirty="0">
                 <a:solidFill>
                   <a:srgbClr val="569CD6"/>
                 </a:solidFill>
@@ -23497,7 +27192,7 @@
               <a:t>}</a:t>
             </a:r>
             <a:r>
-              <a:rPr lang="pt-BR" b="0">
+              <a:rPr lang="pt-BR" b="0" dirty="0">
                 <a:solidFill>
                   <a:srgbClr val="CE9178"/>
                 </a:solidFill>
@@ -23510,7 +27205,7 @@
               <a:t> = </a:t>
             </a:r>
             <a:r>
-              <a:rPr lang="pt-BR" b="0">
+              <a:rPr lang="pt-BR" b="0" dirty="0">
                 <a:solidFill>
                   <a:srgbClr val="569CD6"/>
                 </a:solidFill>
@@ -23523,7 +27218,7 @@
               <a:t>{</a:t>
             </a:r>
             <a:r>
-              <a:rPr lang="pt-BR" b="0">
+              <a:rPr lang="pt-BR" b="0" dirty="0">
                 <a:solidFill>
                   <a:srgbClr val="9CDCFE"/>
                 </a:solidFill>
@@ -23536,7 +27231,7 @@
               <a:t>x</a:t>
             </a:r>
             <a:r>
-              <a:rPr lang="pt-BR" b="0">
+              <a:rPr lang="pt-BR" b="0" dirty="0">
                 <a:solidFill>
                   <a:srgbClr val="D4D4D4"/>
                 </a:solidFill>
@@ -23549,7 +27244,7 @@
               <a:t>/</a:t>
             </a:r>
             <a:r>
-              <a:rPr lang="pt-BR" b="0">
+              <a:rPr lang="pt-BR" b="0" dirty="0">
                 <a:solidFill>
                   <a:srgbClr val="9CDCFE"/>
                 </a:solidFill>
@@ -23562,7 +27257,7 @@
               <a:t>y</a:t>
             </a:r>
             <a:r>
-              <a:rPr lang="pt-BR" b="0">
+              <a:rPr lang="pt-BR" b="0" dirty="0">
                 <a:solidFill>
                   <a:srgbClr val="569CD6"/>
                 </a:solidFill>
@@ -23575,7 +27270,7 @@
               <a:t>}</a:t>
             </a:r>
             <a:r>
-              <a:rPr lang="pt-BR" b="0">
+              <a:rPr lang="pt-BR" b="0" dirty="0">
                 <a:solidFill>
                   <a:srgbClr val="CE9178"/>
                 </a:solidFill>
@@ -23588,7 +27283,7 @@
               <a:t>"</a:t>
             </a:r>
             <a:r>
-              <a:rPr lang="pt-BR" b="0">
+              <a:rPr lang="pt-BR" b="0" dirty="0">
                 <a:solidFill>
                   <a:srgbClr val="CCCCCC"/>
                 </a:solidFill>
@@ -23603,7 +27298,7 @@
           </a:p>
           <a:p>
             <a:br>
-              <a:rPr lang="pt-BR" b="0">
+              <a:rPr lang="pt-BR" b="0" dirty="0">
                 <a:solidFill>
                   <a:srgbClr val="CCCCCC"/>
                 </a:solidFill>
@@ -23615,7 +27310,7 @@
               </a:rPr>
             </a:br>
             <a:r>
-              <a:rPr lang="pt-BR" b="0">
+              <a:rPr lang="pt-BR" b="0" dirty="0" err="1">
                 <a:solidFill>
                   <a:srgbClr val="569CD6"/>
                 </a:solidFill>
@@ -23628,7 +27323,7 @@
               <a:t>def</a:t>
             </a:r>
             <a:r>
-              <a:rPr lang="pt-BR" b="0">
+              <a:rPr lang="pt-BR" b="0" dirty="0">
                 <a:solidFill>
                   <a:srgbClr val="CCCCCC"/>
                 </a:solidFill>
@@ -23641,7 +27336,7 @@
               <a:t> </a:t>
             </a:r>
             <a:r>
-              <a:rPr lang="pt-BR" b="0">
+              <a:rPr lang="pt-BR" b="0" dirty="0" err="1">
                 <a:solidFill>
                   <a:srgbClr val="DCDCAA"/>
                 </a:solidFill>
@@ -23654,7 +27349,7 @@
               <a:t>subtracao</a:t>
             </a:r>
             <a:r>
-              <a:rPr lang="pt-BR" b="0">
+              <a:rPr lang="pt-BR" b="0" dirty="0">
                 <a:solidFill>
                   <a:srgbClr val="CCCCCC"/>
                 </a:solidFill>
@@ -23667,7 +27362,7 @@
               <a:t>(</a:t>
             </a:r>
             <a:r>
-              <a:rPr lang="pt-BR" b="0">
+              <a:rPr lang="pt-BR" b="0" dirty="0">
                 <a:solidFill>
                   <a:srgbClr val="9CDCFE"/>
                 </a:solidFill>
@@ -23680,7 +27375,7 @@
               <a:t>x</a:t>
             </a:r>
             <a:r>
-              <a:rPr lang="pt-BR" b="0">
+              <a:rPr lang="pt-BR" b="0" dirty="0">
                 <a:solidFill>
                   <a:srgbClr val="CCCCCC"/>
                 </a:solidFill>
@@ -23693,7 +27388,7 @@
               <a:t>, </a:t>
             </a:r>
             <a:r>
-              <a:rPr lang="pt-BR" b="0">
+              <a:rPr lang="pt-BR" b="0" dirty="0">
                 <a:solidFill>
                   <a:srgbClr val="9CDCFE"/>
                 </a:solidFill>
@@ -23706,7 +27401,7 @@
               <a:t>y</a:t>
             </a:r>
             <a:r>
-              <a:rPr lang="pt-BR" b="0">
+              <a:rPr lang="pt-BR" b="0" dirty="0">
                 <a:solidFill>
                   <a:srgbClr val="CCCCCC"/>
                 </a:solidFill>
@@ -23721,7 +27416,7 @@
           </a:p>
           <a:p>
             <a:r>
-              <a:rPr lang="pt-BR" b="0">
+              <a:rPr lang="pt-BR" b="0" dirty="0">
                 <a:solidFill>
                   <a:srgbClr val="CCCCCC"/>
                 </a:solidFill>
@@ -23734,7 +27429,7 @@
               <a:t>   </a:t>
             </a:r>
             <a:r>
-              <a:rPr lang="pt-BR" b="0">
+              <a:rPr lang="pt-BR" b="0" dirty="0">
                 <a:solidFill>
                   <a:srgbClr val="DCDCAA"/>
                 </a:solidFill>
@@ -23747,7 +27442,7 @@
               <a:t>print</a:t>
             </a:r>
             <a:r>
-              <a:rPr lang="pt-BR" b="0">
+              <a:rPr lang="pt-BR" b="0" dirty="0">
                 <a:solidFill>
                   <a:srgbClr val="CCCCCC"/>
                 </a:solidFill>
@@ -23760,7 +27455,7 @@
               <a:t>(</a:t>
             </a:r>
             <a:r>
-              <a:rPr lang="pt-BR" b="0">
+              <a:rPr lang="pt-BR" b="0" dirty="0">
                 <a:solidFill>
                   <a:srgbClr val="569CD6"/>
                 </a:solidFill>
@@ -23773,7 +27468,7 @@
               <a:t>f</a:t>
             </a:r>
             <a:r>
-              <a:rPr lang="pt-BR" b="0">
+              <a:rPr lang="pt-BR" b="0" dirty="0">
                 <a:solidFill>
                   <a:srgbClr val="CE9178"/>
                 </a:solidFill>
@@ -23786,7 +27481,7 @@
               <a:t>"</a:t>
             </a:r>
             <a:r>
-              <a:rPr lang="pt-BR" b="0">
+              <a:rPr lang="pt-BR" b="0" dirty="0">
                 <a:solidFill>
                   <a:srgbClr val="569CD6"/>
                 </a:solidFill>
@@ -23799,7 +27494,7 @@
               <a:t>{</a:t>
             </a:r>
             <a:r>
-              <a:rPr lang="pt-BR" b="0">
+              <a:rPr lang="pt-BR" b="0" dirty="0">
                 <a:solidFill>
                   <a:srgbClr val="9CDCFE"/>
                 </a:solidFill>
@@ -23812,7 +27507,7 @@
               <a:t>x</a:t>
             </a:r>
             <a:r>
-              <a:rPr lang="pt-BR" b="0">
+              <a:rPr lang="pt-BR" b="0" dirty="0">
                 <a:solidFill>
                   <a:srgbClr val="569CD6"/>
                 </a:solidFill>
@@ -23825,7 +27520,7 @@
               <a:t>}</a:t>
             </a:r>
             <a:r>
-              <a:rPr lang="pt-BR" b="0">
+              <a:rPr lang="pt-BR" b="0" dirty="0">
                 <a:solidFill>
                   <a:srgbClr val="CE9178"/>
                 </a:solidFill>
@@ -23838,7 +27533,7 @@
               <a:t> - </a:t>
             </a:r>
             <a:r>
-              <a:rPr lang="pt-BR" b="0">
+              <a:rPr lang="pt-BR" b="0" dirty="0">
                 <a:solidFill>
                   <a:srgbClr val="569CD6"/>
                 </a:solidFill>
@@ -23851,7 +27546,7 @@
               <a:t>{</a:t>
             </a:r>
             <a:r>
-              <a:rPr lang="pt-BR" b="0">
+              <a:rPr lang="pt-BR" b="0" dirty="0">
                 <a:solidFill>
                   <a:srgbClr val="9CDCFE"/>
                 </a:solidFill>
@@ -23864,7 +27559,7 @@
               <a:t>y</a:t>
             </a:r>
             <a:r>
-              <a:rPr lang="pt-BR" b="0">
+              <a:rPr lang="pt-BR" b="0" dirty="0">
                 <a:solidFill>
                   <a:srgbClr val="569CD6"/>
                 </a:solidFill>
@@ -23877,7 +27572,7 @@
               <a:t>}</a:t>
             </a:r>
             <a:r>
-              <a:rPr lang="pt-BR" b="0">
+              <a:rPr lang="pt-BR" b="0" dirty="0">
                 <a:solidFill>
                   <a:srgbClr val="CE9178"/>
                 </a:solidFill>
@@ -23890,7 +27585,7 @@
               <a:t> = </a:t>
             </a:r>
             <a:r>
-              <a:rPr lang="pt-BR" b="0">
+              <a:rPr lang="pt-BR" b="0" dirty="0">
                 <a:solidFill>
                   <a:srgbClr val="569CD6"/>
                 </a:solidFill>
@@ -23903,7 +27598,7 @@
               <a:t>{</a:t>
             </a:r>
             <a:r>
-              <a:rPr lang="pt-BR" b="0">
+              <a:rPr lang="pt-BR" b="0" dirty="0">
                 <a:solidFill>
                   <a:srgbClr val="9CDCFE"/>
                 </a:solidFill>
@@ -23916,7 +27611,7 @@
               <a:t>x</a:t>
             </a:r>
             <a:r>
-              <a:rPr lang="pt-BR" b="0">
+              <a:rPr lang="pt-BR" b="0" dirty="0">
                 <a:solidFill>
                   <a:srgbClr val="D4D4D4"/>
                 </a:solidFill>
@@ -23929,7 +27624,7 @@
               <a:t>-</a:t>
             </a:r>
             <a:r>
-              <a:rPr lang="pt-BR" b="0">
+              <a:rPr lang="pt-BR" b="0" dirty="0">
                 <a:solidFill>
                   <a:srgbClr val="9CDCFE"/>
                 </a:solidFill>
@@ -23942,7 +27637,7 @@
               <a:t>y</a:t>
             </a:r>
             <a:r>
-              <a:rPr lang="pt-BR" b="0">
+              <a:rPr lang="pt-BR" b="0" dirty="0">
                 <a:solidFill>
                   <a:srgbClr val="569CD6"/>
                 </a:solidFill>
@@ -23955,7 +27650,7 @@
               <a:t>}</a:t>
             </a:r>
             <a:r>
-              <a:rPr lang="pt-BR" b="0">
+              <a:rPr lang="pt-BR" b="0" dirty="0">
                 <a:solidFill>
                   <a:srgbClr val="CE9178"/>
                 </a:solidFill>
@@ -23968,7 +27663,7 @@
               <a:t>"</a:t>
             </a:r>
             <a:r>
-              <a:rPr lang="pt-BR" b="0">
+              <a:rPr lang="pt-BR" b="0" dirty="0">
                 <a:solidFill>
                   <a:srgbClr val="CCCCCC"/>
                 </a:solidFill>
@@ -23983,7 +27678,7 @@
           </a:p>
           <a:p>
             <a:br>
-              <a:rPr lang="pt-BR" b="0">
+              <a:rPr lang="pt-BR" b="0" dirty="0">
                 <a:solidFill>
                   <a:srgbClr val="CCCCCC"/>
                 </a:solidFill>
@@ -23995,7 +27690,7 @@
               </a:rPr>
             </a:br>
             <a:br>
-              <a:rPr lang="pt-BR" b="0">
+              <a:rPr lang="pt-BR" b="0" dirty="0">
                 <a:solidFill>
                   <a:srgbClr val="CCCCCC"/>
                 </a:solidFill>
@@ -24007,7 +27702,7 @@
               </a:rPr>
             </a:br>
             <a:r>
-              <a:rPr lang="pt-BR" b="0">
+              <a:rPr lang="pt-BR" b="0" dirty="0" err="1">
                 <a:solidFill>
                   <a:srgbClr val="DCDCAA"/>
                 </a:solidFill>
@@ -24020,7 +27715,7 @@
               <a:t>divisao</a:t>
             </a:r>
             <a:r>
-              <a:rPr lang="pt-BR" b="0">
+              <a:rPr lang="pt-BR" b="0" dirty="0">
                 <a:solidFill>
                   <a:srgbClr val="CCCCCC"/>
                 </a:solidFill>
@@ -24033,7 +27728,7 @@
               <a:t>(</a:t>
             </a:r>
             <a:r>
-              <a:rPr lang="pt-BR" b="0">
+              <a:rPr lang="pt-BR" b="0" dirty="0">
                 <a:solidFill>
                   <a:srgbClr val="B5CEA8"/>
                 </a:solidFill>
@@ -24046,7 +27741,7 @@
               <a:t>10</a:t>
             </a:r>
             <a:r>
-              <a:rPr lang="pt-BR" b="0">
+              <a:rPr lang="pt-BR" b="0" dirty="0">
                 <a:solidFill>
                   <a:srgbClr val="CCCCCC"/>
                 </a:solidFill>
@@ -24059,7 +27754,7 @@
               <a:t>,</a:t>
             </a:r>
             <a:r>
-              <a:rPr lang="pt-BR" b="0">
+              <a:rPr lang="pt-BR" b="0" dirty="0">
                 <a:solidFill>
                   <a:srgbClr val="B5CEA8"/>
                 </a:solidFill>
@@ -24072,7 +27767,7 @@
               <a:t>2</a:t>
             </a:r>
             <a:r>
-              <a:rPr lang="pt-BR" b="0">
+              <a:rPr lang="pt-BR" b="0" dirty="0">
                 <a:solidFill>
                   <a:srgbClr val="CCCCCC"/>
                 </a:solidFill>
@@ -24087,7 +27782,7 @@
           </a:p>
           <a:p>
             <a:r>
-              <a:rPr lang="pt-BR" b="0">
+              <a:rPr lang="pt-BR" b="0" dirty="0" err="1">
                 <a:solidFill>
                   <a:srgbClr val="DCDCAA"/>
                 </a:solidFill>
@@ -24100,7 +27795,7 @@
               <a:t>subtracao</a:t>
             </a:r>
             <a:r>
-              <a:rPr lang="pt-BR" b="0">
+              <a:rPr lang="pt-BR" b="0" dirty="0">
                 <a:solidFill>
                   <a:srgbClr val="CCCCCC"/>
                 </a:solidFill>
@@ -24113,7 +27808,7 @@
               <a:t>(</a:t>
             </a:r>
             <a:r>
-              <a:rPr lang="pt-BR" b="0">
+              <a:rPr lang="pt-BR" b="0" dirty="0">
                 <a:solidFill>
                   <a:srgbClr val="B5CEA8"/>
                 </a:solidFill>
@@ -24126,7 +27821,7 @@
               <a:t>10</a:t>
             </a:r>
             <a:r>
-              <a:rPr lang="pt-BR" b="0">
+              <a:rPr lang="pt-BR" b="0" dirty="0">
                 <a:solidFill>
                   <a:srgbClr val="CCCCCC"/>
                 </a:solidFill>
@@ -24139,7 +27834,7 @@
               <a:t>,</a:t>
             </a:r>
             <a:r>
-              <a:rPr lang="pt-BR" b="0">
+              <a:rPr lang="pt-BR" b="0" dirty="0">
                 <a:solidFill>
                   <a:srgbClr val="B5CEA8"/>
                 </a:solidFill>
@@ -24152,7 +27847,7 @@
               <a:t>2</a:t>
             </a:r>
             <a:r>
-              <a:rPr lang="pt-BR" b="0">
+              <a:rPr lang="pt-BR" b="0" dirty="0">
                 <a:solidFill>
                   <a:srgbClr val="CCCCCC"/>
                 </a:solidFill>
